--- a/glfw3_app/docs/GLFW3_OpenGL_GUI.pptx
+++ b/glfw3_app/docs/GLFW3_OpenGL_GUI.pptx
@@ -325,7 +325,7 @@
             <a:fld id="{DE9977B0-5F5F-420C-A4FC-EE0FB58BDCCA}" type="datetimeFigureOut">
               <a:rPr kumimoji="1" lang="ja-JP" altLang="en-US" smtClean="0"/>
               <a:pPr/>
-              <a:t>2014/2/9</a:t>
+              <a:t>2014/2/11</a:t>
             </a:fld>
             <a:endParaRPr kumimoji="1" lang="ja-JP" altLang="en-US"/>
           </a:p>
@@ -524,7 +524,7 @@
             <a:fld id="{DE9977B0-5F5F-420C-A4FC-EE0FB58BDCCA}" type="datetimeFigureOut">
               <a:rPr kumimoji="1" lang="ja-JP" altLang="en-US" smtClean="0"/>
               <a:pPr/>
-              <a:t>2014/2/9</a:t>
+              <a:t>2014/2/11</a:t>
             </a:fld>
             <a:endParaRPr kumimoji="1" lang="ja-JP" altLang="en-US"/>
           </a:p>
@@ -733,7 +733,7 @@
             <a:fld id="{DE9977B0-5F5F-420C-A4FC-EE0FB58BDCCA}" type="datetimeFigureOut">
               <a:rPr kumimoji="1" lang="ja-JP" altLang="en-US" smtClean="0"/>
               <a:pPr/>
-              <a:t>2014/2/9</a:t>
+              <a:t>2014/2/11</a:t>
             </a:fld>
             <a:endParaRPr kumimoji="1" lang="ja-JP" altLang="en-US"/>
           </a:p>
@@ -932,7 +932,7 @@
             <a:fld id="{DE9977B0-5F5F-420C-A4FC-EE0FB58BDCCA}" type="datetimeFigureOut">
               <a:rPr kumimoji="1" lang="ja-JP" altLang="en-US" smtClean="0"/>
               <a:pPr/>
-              <a:t>2014/2/9</a:t>
+              <a:t>2014/2/11</a:t>
             </a:fld>
             <a:endParaRPr kumimoji="1" lang="ja-JP" altLang="en-US"/>
           </a:p>
@@ -1175,7 +1175,7 @@
             <a:fld id="{DE9977B0-5F5F-420C-A4FC-EE0FB58BDCCA}" type="datetimeFigureOut">
               <a:rPr kumimoji="1" lang="ja-JP" altLang="en-US" smtClean="0"/>
               <a:pPr/>
-              <a:t>2014/2/9</a:t>
+              <a:t>2014/2/11</a:t>
             </a:fld>
             <a:endParaRPr kumimoji="1" lang="ja-JP" altLang="en-US"/>
           </a:p>
@@ -1524,7 +1524,7 @@
             <a:fld id="{DE9977B0-5F5F-420C-A4FC-EE0FB58BDCCA}" type="datetimeFigureOut">
               <a:rPr kumimoji="1" lang="ja-JP" altLang="en-US" smtClean="0"/>
               <a:pPr/>
-              <a:t>2014/2/9</a:t>
+              <a:t>2014/2/11</a:t>
             </a:fld>
             <a:endParaRPr kumimoji="1" lang="ja-JP" altLang="en-US"/>
           </a:p>
@@ -2007,7 +2007,7 @@
             <a:fld id="{DE9977B0-5F5F-420C-A4FC-EE0FB58BDCCA}" type="datetimeFigureOut">
               <a:rPr kumimoji="1" lang="ja-JP" altLang="en-US" smtClean="0"/>
               <a:pPr/>
-              <a:t>2014/2/9</a:t>
+              <a:t>2014/2/11</a:t>
             </a:fld>
             <a:endParaRPr kumimoji="1" lang="ja-JP" altLang="en-US"/>
           </a:p>
@@ -2122,7 +2122,7 @@
             <a:fld id="{DE9977B0-5F5F-420C-A4FC-EE0FB58BDCCA}" type="datetimeFigureOut">
               <a:rPr kumimoji="1" lang="ja-JP" altLang="en-US" smtClean="0"/>
               <a:pPr/>
-              <a:t>2014/2/9</a:t>
+              <a:t>2014/2/11</a:t>
             </a:fld>
             <a:endParaRPr kumimoji="1" lang="ja-JP" altLang="en-US"/>
           </a:p>
@@ -2214,7 +2214,7 @@
             <a:fld id="{DE9977B0-5F5F-420C-A4FC-EE0FB58BDCCA}" type="datetimeFigureOut">
               <a:rPr kumimoji="1" lang="ja-JP" altLang="en-US" smtClean="0"/>
               <a:pPr/>
-              <a:t>2014/2/9</a:t>
+              <a:t>2014/2/11</a:t>
             </a:fld>
             <a:endParaRPr kumimoji="1" lang="ja-JP" altLang="en-US"/>
           </a:p>
@@ -2520,7 +2520,7 @@
             <a:fld id="{DE9977B0-5F5F-420C-A4FC-EE0FB58BDCCA}" type="datetimeFigureOut">
               <a:rPr kumimoji="1" lang="ja-JP" altLang="en-US" smtClean="0"/>
               <a:pPr/>
-              <a:t>2014/2/9</a:t>
+              <a:t>2014/2/11</a:t>
             </a:fld>
             <a:endParaRPr kumimoji="1" lang="ja-JP" altLang="en-US"/>
           </a:p>
@@ -2770,7 +2770,7 @@
             <a:fld id="{DE9977B0-5F5F-420C-A4FC-EE0FB58BDCCA}" type="datetimeFigureOut">
               <a:rPr kumimoji="1" lang="ja-JP" altLang="en-US" smtClean="0"/>
               <a:pPr/>
-              <a:t>2014/2/9</a:t>
+              <a:t>2014/2/11</a:t>
             </a:fld>
             <a:endParaRPr kumimoji="1" lang="ja-JP" altLang="en-US"/>
           </a:p>
@@ -3012,7 +3012,7 @@
             <a:fld id="{DE9977B0-5F5F-420C-A4FC-EE0FB58BDCCA}" type="datetimeFigureOut">
               <a:rPr kumimoji="1" lang="ja-JP" altLang="en-US" smtClean="0"/>
               <a:pPr/>
-              <a:t>2014/2/9</a:t>
+              <a:t>2014/2/11</a:t>
             </a:fld>
             <a:endParaRPr kumimoji="1" lang="ja-JP" altLang="en-US"/>
           </a:p>
@@ -3539,11 +3539,7 @@
             </a:r>
             <a:r>
               <a:rPr lang="ja-JP" altLang="en-US" dirty="0" smtClean="0"/>
-              <a:t>との</a:t>
-            </a:r>
-            <a:r>
-              <a:rPr lang="ja-JP" altLang="en-US" dirty="0" smtClean="0"/>
-              <a:t>インターフェース</a:t>
+              <a:t>とのインターフェース</a:t>
             </a:r>
             <a:endParaRPr lang="en-US" altLang="ja-JP" dirty="0" smtClean="0"/>
           </a:p>
@@ -3727,11 +3723,7 @@
           <a:p>
             <a:r>
               <a:rPr kumimoji="1" lang="ja-JP" altLang="en-US" dirty="0" smtClean="0"/>
-              <a:t>シーングラフ（開発中</a:t>
-            </a:r>
-            <a:r>
-              <a:rPr kumimoji="1" lang="ja-JP" altLang="en-US" dirty="0" smtClean="0"/>
-              <a:t>）</a:t>
+              <a:t>シーングラフ（開発中）</a:t>
             </a:r>
             <a:endParaRPr kumimoji="1" lang="en-US" altLang="ja-JP" dirty="0" smtClean="0"/>
           </a:p>
@@ -3832,11 +3824,7 @@
           <a:p>
             <a:r>
               <a:rPr kumimoji="1" lang="ja-JP" altLang="en-US" dirty="0" smtClean="0"/>
-              <a:t>色、画像を扱う基本</a:t>
-            </a:r>
-            <a:r>
-              <a:rPr kumimoji="1" lang="ja-JP" altLang="en-US" dirty="0" smtClean="0"/>
-              <a:t>クラス</a:t>
+              <a:t>色、画像を扱う基本クラス</a:t>
             </a:r>
             <a:endParaRPr kumimoji="1" lang="en-US" altLang="ja-JP" dirty="0" smtClean="0"/>
           </a:p>
@@ -3850,11 +3838,7 @@
           <a:p>
             <a:r>
               <a:rPr kumimoji="1" lang="ja-JP" altLang="en-US" dirty="0" smtClean="0"/>
-              <a:t>描画（</a:t>
-            </a:r>
-            <a:r>
-              <a:rPr kumimoji="1" lang="ja-JP" altLang="en-US" dirty="0" smtClean="0"/>
-              <a:t>ペイント機能）、拡大縮小など</a:t>
+              <a:t>描画（ペイント機能）、拡大縮小など</a:t>
             </a:r>
             <a:endParaRPr kumimoji="1" lang="en-US" altLang="ja-JP" dirty="0" smtClean="0"/>
           </a:p>
@@ -4151,11 +4135,7 @@
             </a:r>
             <a:r>
               <a:rPr kumimoji="1" lang="ja-JP" altLang="en-US" dirty="0" smtClean="0"/>
-              <a:t>の部品を</a:t>
-            </a:r>
-            <a:r>
-              <a:rPr kumimoji="1" lang="ja-JP" altLang="en-US" dirty="0" smtClean="0"/>
-              <a:t>扱うクラス</a:t>
+              <a:t>の部品を扱うクラス</a:t>
             </a:r>
             <a:endParaRPr lang="en-US" altLang="ja-JP" dirty="0" smtClean="0"/>
           </a:p>
@@ -4190,11 +4170,7 @@
           <a:p>
             <a:r>
               <a:rPr kumimoji="1" lang="ja-JP" altLang="en-US" dirty="0" smtClean="0"/>
-              <a:t>組み込み機器にも移植が可能</a:t>
-            </a:r>
-            <a:r>
-              <a:rPr kumimoji="1" lang="ja-JP" altLang="en-US" dirty="0" smtClean="0"/>
-              <a:t>な軽量コンパクト設計</a:t>
+              <a:t>組み込み機器にも移植が可能な軽量コンパクト設計</a:t>
             </a:r>
             <a:endParaRPr kumimoji="1" lang="en-US" altLang="ja-JP" dirty="0" smtClean="0"/>
           </a:p>
@@ -4565,13 +4541,18 @@
           <a:p>
             <a:r>
               <a:rPr lang="en-US" altLang="ja-JP" dirty="0" smtClean="0"/>
-              <a:t>Make</a:t>
-            </a:r>
+              <a:t>m</a:t>
+            </a:r>
+            <a:r>
+              <a:rPr lang="en-US" altLang="ja-JP" dirty="0" smtClean="0"/>
+              <a:t>ake</a:t>
+            </a:r>
+            <a:endParaRPr lang="en-US" altLang="ja-JP" dirty="0" smtClean="0"/>
           </a:p>
           <a:p>
             <a:r>
               <a:rPr lang="en-US" altLang="ja-JP" dirty="0" err="1" smtClean="0"/>
-              <a:t>Cmake</a:t>
+              <a:t>CMake</a:t>
             </a:r>
             <a:endParaRPr lang="en-US" altLang="ja-JP" dirty="0" smtClean="0"/>
           </a:p>
@@ -4765,7 +4746,11 @@
           <a:p>
             <a:r>
               <a:rPr lang="ja-JP" altLang="en-US" dirty="0" smtClean="0"/>
-              <a:t>マウス、ジョイステック、タッチパッドなどでも操作が可能</a:t>
+              <a:t>マウス、ジョイステック、タッチパッドなどでも操作が</a:t>
+            </a:r>
+            <a:r>
+              <a:rPr lang="ja-JP" altLang="en-US" dirty="0" smtClean="0"/>
+              <a:t>可能（今後の課題）</a:t>
             </a:r>
             <a:endParaRPr lang="en-US" altLang="ja-JP" dirty="0" smtClean="0"/>
           </a:p>
@@ -4997,11 +4982,7 @@
           <a:p>
             <a:r>
               <a:rPr kumimoji="1" lang="ja-JP" altLang="en-US" dirty="0" smtClean="0"/>
-              <a:t>アナログ、デジタルなどハードウェアーの</a:t>
-            </a:r>
-            <a:r>
-              <a:rPr kumimoji="1" lang="ja-JP" altLang="en-US" dirty="0" smtClean="0"/>
-              <a:t>設計、製作、論理合成、基板のアートワークなど</a:t>
+              <a:t>アナログ、デジタルなどハードウェアーの設計、製作、論理合成、基板のアートワークなど</a:t>
             </a:r>
             <a:endParaRPr kumimoji="1" lang="en-US" altLang="ja-JP" dirty="0" smtClean="0"/>
           </a:p>
@@ -5030,15 +5011,7 @@
           <a:p>
             <a:r>
               <a:rPr lang="ja-JP" altLang="en-US" dirty="0" smtClean="0"/>
-              <a:t>基本何でも</a:t>
-            </a:r>
-            <a:r>
-              <a:rPr lang="ja-JP" altLang="en-US" dirty="0" smtClean="0"/>
-              <a:t>やるけど化学は</a:t>
-            </a:r>
-            <a:r>
-              <a:rPr lang="ja-JP" altLang="en-US" dirty="0" smtClean="0"/>
-              <a:t>あんましやった事無い</a:t>
+              <a:t>基本何でもやるけど化学はあんましやった事無い</a:t>
             </a:r>
             <a:endParaRPr lang="en-US" altLang="ja-JP" dirty="0" smtClean="0"/>
           </a:p>
@@ -5176,7 +5149,18 @@
           <a:p>
             <a:r>
               <a:rPr kumimoji="1" lang="ja-JP" altLang="en-US" dirty="0" smtClean="0"/>
-              <a:t>入力デバイスの能力を使い切りたい</a:t>
+              <a:t>入力デバイスの能力を</a:t>
+            </a:r>
+            <a:r>
+              <a:rPr kumimoji="1" lang="ja-JP" altLang="en-US" dirty="0" smtClean="0"/>
+              <a:t>使い切りたい</a:t>
+            </a:r>
+            <a:endParaRPr kumimoji="1" lang="en-US" altLang="ja-JP" dirty="0" smtClean="0"/>
+          </a:p>
+          <a:p>
+            <a:r>
+              <a:rPr lang="ja-JP" altLang="en-US" dirty="0" smtClean="0"/>
+              <a:t>操作を取り消せる柔軟性</a:t>
             </a:r>
             <a:endParaRPr kumimoji="1" lang="en-US" altLang="ja-JP" dirty="0" smtClean="0"/>
           </a:p>
@@ -5266,11 +5250,7 @@
           <a:p>
             <a:r>
               <a:rPr kumimoji="1" lang="ja-JP" altLang="en-US" dirty="0" smtClean="0"/>
-              <a:t>ゲーム向きの</a:t>
-            </a:r>
-            <a:r>
-              <a:rPr kumimoji="1" lang="ja-JP" altLang="en-US" dirty="0" smtClean="0"/>
-              <a:t>構造</a:t>
+              <a:t>ゲーム向きの構造</a:t>
             </a:r>
             <a:endParaRPr kumimoji="1" lang="en-US" altLang="ja-JP" dirty="0" smtClean="0"/>
           </a:p>
@@ -5418,7 +5398,11 @@
             </a:r>
             <a:r>
               <a:rPr lang="ja-JP" altLang="en-US" dirty="0" smtClean="0"/>
-              <a:t>　ビットマップ変換</a:t>
+              <a:t>　ビットマップ</a:t>
+            </a:r>
+            <a:r>
+              <a:rPr lang="ja-JP" altLang="en-US" dirty="0" smtClean="0"/>
+              <a:t>変換ツール</a:t>
             </a:r>
             <a:endParaRPr lang="en-US" altLang="ja-JP" dirty="0" smtClean="0"/>
           </a:p>
@@ -8875,11 +8859,7 @@
             </a:pPr>
             <a:r>
               <a:rPr lang="en-US" altLang="ja-JP" sz="1400" dirty="0" smtClean="0"/>
-              <a:t>	</a:t>
-            </a:r>
-            <a:r>
-              <a:rPr lang="en-US" altLang="ja-JP" sz="1400" dirty="0" smtClean="0"/>
-              <a:t>    </a:t>
+              <a:t>	    </a:t>
             </a:r>
             <a:r>
               <a:rPr lang="en-US" altLang="ja-JP" sz="1400" dirty="0" err="1" smtClean="0"/>
@@ -8887,32 +8867,16 @@
             </a:r>
             <a:r>
               <a:rPr lang="en-US" altLang="ja-JP" sz="1400" dirty="0" smtClean="0"/>
-              <a:t>(filer</a:t>
-            </a:r>
+              <a:t>(filer_);</a:t>
+            </a:r>
+          </a:p>
+          <a:p>
+            <a:pPr>
+              <a:buNone/>
+            </a:pPr>
             <a:r>
               <a:rPr lang="en-US" altLang="ja-JP" sz="1400" dirty="0" smtClean="0"/>
-              <a:t>_);</a:t>
-            </a:r>
-          </a:p>
-          <a:p>
-            <a:pPr>
-              <a:buNone/>
-            </a:pPr>
-            <a:r>
-              <a:rPr lang="en-US" altLang="ja-JP" sz="1400" dirty="0" smtClean="0"/>
-              <a:t>	</a:t>
-            </a:r>
-            <a:r>
-              <a:rPr lang="en-US" altLang="ja-JP" sz="1400" dirty="0" smtClean="0"/>
-              <a:t> </a:t>
-            </a:r>
-            <a:r>
-              <a:rPr lang="en-US" altLang="ja-JP" sz="1400" dirty="0" smtClean="0"/>
-              <a:t>   </a:t>
-            </a:r>
-            <a:r>
-              <a:rPr lang="en-US" altLang="ja-JP" sz="1400" dirty="0" smtClean="0"/>
-              <a:t>if(</a:t>
+              <a:t>	    if(</a:t>
             </a:r>
             <a:r>
               <a:rPr lang="en-US" altLang="ja-JP" sz="1400" dirty="0" err="1" smtClean="0"/>
@@ -8937,11 +8901,7 @@
             </a:pPr>
             <a:r>
               <a:rPr lang="en-US" altLang="ja-JP" sz="1400" dirty="0" smtClean="0"/>
-              <a:t>                 </a:t>
-            </a:r>
-            <a:r>
-              <a:rPr lang="en-US" altLang="ja-JP" sz="1400" dirty="0" smtClean="0"/>
-              <a:t>if(</a:t>
+              <a:t>                 if(</a:t>
             </a:r>
             <a:r>
               <a:rPr lang="en-US" altLang="ja-JP" sz="1400" dirty="0" err="1" smtClean="0"/>
@@ -9007,19 +8967,7 @@
             </a:pPr>
             <a:r>
               <a:rPr lang="en-US" altLang="ja-JP" sz="1400" dirty="0" smtClean="0"/>
-              <a:t> </a:t>
-            </a:r>
-            <a:r>
-              <a:rPr lang="en-US" altLang="ja-JP" sz="1400" dirty="0" smtClean="0"/>
-              <a:t>                    </a:t>
-            </a:r>
-            <a:r>
-              <a:rPr lang="en-US" altLang="ja-JP" sz="1400" dirty="0" smtClean="0"/>
-              <a:t>if</a:t>
-            </a:r>
-            <a:r>
-              <a:rPr lang="en-US" altLang="ja-JP" sz="1400" dirty="0" smtClean="0"/>
-              <a:t>(!</a:t>
+              <a:t>                     if(!</a:t>
             </a:r>
             <a:r>
               <a:rPr lang="en-US" altLang="ja-JP" sz="1400" dirty="0" err="1" smtClean="0"/>
@@ -9035,28 +8983,16 @@
             </a:r>
             <a:r>
               <a:rPr lang="en-US" altLang="ja-JP" sz="1400" dirty="0" smtClean="0"/>
-              <a:t>())) </a:t>
-            </a:r>
+              <a:t>())) ;</a:t>
+            </a:r>
+          </a:p>
+          <a:p>
+            <a:pPr>
+              <a:buNone/>
+            </a:pPr>
             <a:r>
               <a:rPr lang="en-US" altLang="ja-JP" sz="1400" dirty="0" smtClean="0"/>
-              <a:t>;</a:t>
-            </a:r>
-          </a:p>
-          <a:p>
-            <a:pPr>
-              <a:buNone/>
-            </a:pPr>
-            <a:r>
-              <a:rPr lang="en-US" altLang="ja-JP" sz="1400" dirty="0" smtClean="0"/>
-              <a:t>                        </a:t>
-            </a:r>
-            <a:r>
-              <a:rPr lang="en-US" altLang="ja-JP" sz="1400" dirty="0" smtClean="0"/>
-              <a:t>dialog</a:t>
-            </a:r>
-            <a:r>
-              <a:rPr lang="en-US" altLang="ja-JP" sz="1400" dirty="0" smtClean="0"/>
-              <a:t>_-&gt;</a:t>
+              <a:t>                        dialog_-&gt;</a:t>
             </a:r>
             <a:r>
               <a:rPr lang="en-US" altLang="ja-JP" sz="1400" dirty="0" err="1" smtClean="0"/>
@@ -9064,15 +9000,7 @@
             </a:r>
             <a:r>
               <a:rPr lang="en-US" altLang="ja-JP" sz="1400" dirty="0" smtClean="0"/>
-              <a:t>("Can't decode image file:\n </a:t>
-            </a:r>
-            <a:r>
-              <a:rPr lang="en-US" altLang="ja-JP" sz="1400" dirty="0" smtClean="0"/>
-              <a:t>'“ + </a:t>
-            </a:r>
-            <a:r>
-              <a:rPr lang="en-US" altLang="ja-JP" sz="1400" dirty="0" smtClean="0"/>
-              <a:t>filer_-&gt;</a:t>
+              <a:t>("Can't decode image file:\n '“ + filer_-&gt;</a:t>
             </a:r>
             <a:r>
               <a:rPr lang="en-US" altLang="ja-JP" sz="1400" dirty="0" err="1" smtClean="0"/>
@@ -9089,32 +9017,16 @@
             </a:pPr>
             <a:r>
               <a:rPr lang="en-US" altLang="ja-JP" sz="1400" dirty="0" smtClean="0"/>
-              <a:t>                        </a:t>
-            </a:r>
+              <a:t>                        dialog_-&gt;enable();</a:t>
+            </a:r>
+          </a:p>
+          <a:p>
+            <a:pPr>
+              <a:buNone/>
+            </a:pPr>
             <a:r>
               <a:rPr lang="en-US" altLang="ja-JP" sz="1400" dirty="0" smtClean="0"/>
-              <a:t>dialog</a:t>
-            </a:r>
-            <a:r>
-              <a:rPr lang="en-US" altLang="ja-JP" sz="1400" dirty="0" smtClean="0"/>
-              <a:t>_-&gt;enable();</a:t>
-            </a:r>
-          </a:p>
-          <a:p>
-            <a:pPr>
-              <a:buNone/>
-            </a:pPr>
-            <a:r>
-              <a:rPr lang="en-US" altLang="ja-JP" sz="1400" dirty="0" smtClean="0"/>
-              <a:t> </a:t>
-            </a:r>
-            <a:r>
-              <a:rPr lang="en-US" altLang="ja-JP" sz="1400" dirty="0" smtClean="0"/>
-              <a:t>                    } </a:t>
-            </a:r>
-            <a:r>
-              <a:rPr lang="en-US" altLang="ja-JP" sz="1400" dirty="0" smtClean="0"/>
-              <a:t>else {</a:t>
+              <a:t>                     } else {</a:t>
             </a:r>
           </a:p>
           <a:p>
@@ -9127,19 +9039,44 @@
             </a:r>
             <a:r>
               <a:rPr lang="en-US" altLang="ja-JP" sz="1400" dirty="0" err="1" smtClean="0"/>
-              <a:t>image_offset</a:t>
+              <a:t>image_offset_.set</a:t>
+            </a:r>
+            <a:r>
+              <a:rPr lang="en-US" altLang="ja-JP" sz="1400" dirty="0" smtClean="0"/>
+              <a:t>(0.0f);</a:t>
+            </a:r>
+          </a:p>
+          <a:p>
+            <a:pPr>
+              <a:buNone/>
+            </a:pPr>
+            <a:r>
+              <a:rPr lang="en-US" altLang="ja-JP" sz="1400" dirty="0" smtClean="0"/>
+              <a:t>                         frame_-&gt;</a:t>
             </a:r>
             <a:r>
               <a:rPr lang="en-US" altLang="ja-JP" sz="1400" dirty="0" err="1" smtClean="0"/>
-              <a:t>_.set</a:t>
+              <a:t>at_local_param</a:t>
             </a:r>
             <a:r>
               <a:rPr lang="en-US" altLang="ja-JP" sz="1400" dirty="0" smtClean="0"/>
-              <a:t>(0.0f</a:t>
+              <a:t>().</a:t>
+            </a:r>
+            <a:r>
+              <a:rPr lang="en-US" altLang="ja-JP" sz="1400" dirty="0" err="1" smtClean="0"/>
+              <a:t>text_param_.text</a:t>
             </a:r>
             <a:r>
               <a:rPr lang="en-US" altLang="ja-JP" sz="1400" dirty="0" smtClean="0"/>
-              <a:t>);</a:t>
+              <a:t>_ = filer_-&gt;</a:t>
+            </a:r>
+            <a:r>
+              <a:rPr lang="en-US" altLang="ja-JP" sz="1400" dirty="0" err="1" smtClean="0"/>
+              <a:t>get_file</a:t>
+            </a:r>
+            <a:r>
+              <a:rPr lang="en-US" altLang="ja-JP" sz="1400" dirty="0" smtClean="0"/>
+              <a:t>();</a:t>
             </a:r>
           </a:p>
           <a:p>
@@ -9151,12 +9088,71 @@
               <a:t>                         </a:t>
             </a:r>
             <a:r>
+              <a:rPr lang="en-US" altLang="ja-JP" sz="1400" dirty="0" err="1" smtClean="0"/>
+              <a:t>mobj_.destroy</a:t>
+            </a:r>
+            <a:r>
               <a:rPr lang="en-US" altLang="ja-JP" sz="1400" dirty="0" smtClean="0"/>
-              <a:t>frame</a:t>
-            </a:r>
+              <a:t>();</a:t>
+            </a:r>
+          </a:p>
+          <a:p>
+            <a:pPr>
+              <a:buNone/>
+            </a:pPr>
             <a:r>
               <a:rPr lang="en-US" altLang="ja-JP" sz="1400" dirty="0" smtClean="0"/>
-              <a:t>_-&gt;</a:t>
+              <a:t>                         </a:t>
+            </a:r>
+            <a:r>
+              <a:rPr lang="en-US" altLang="ja-JP" sz="1400" dirty="0" err="1" smtClean="0"/>
+              <a:t>mobj_.initialize</a:t>
+            </a:r>
+            <a:r>
+              <a:rPr lang="en-US" altLang="ja-JP" sz="1400" dirty="0" smtClean="0"/>
+              <a:t>();</a:t>
+            </a:r>
+          </a:p>
+          <a:p>
+            <a:pPr>
+              <a:buNone/>
+            </a:pPr>
+            <a:r>
+              <a:rPr lang="en-US" altLang="ja-JP" sz="1400" dirty="0" smtClean="0"/>
+              <a:t>                         </a:t>
+            </a:r>
+            <a:r>
+              <a:rPr lang="en-US" altLang="ja-JP" sz="1400" dirty="0" err="1" smtClean="0"/>
+              <a:t>img_handle</a:t>
+            </a:r>
+            <a:r>
+              <a:rPr lang="en-US" altLang="ja-JP" sz="1400" dirty="0" smtClean="0"/>
+              <a:t>_ = </a:t>
+            </a:r>
+            <a:r>
+              <a:rPr lang="en-US" altLang="ja-JP" sz="1400" dirty="0" err="1" smtClean="0"/>
+              <a:t>mobj_.install</a:t>
+            </a:r>
+            <a:r>
+              <a:rPr lang="en-US" altLang="ja-JP" sz="1400" dirty="0" smtClean="0"/>
+              <a:t>(</a:t>
+            </a:r>
+            <a:r>
+              <a:rPr lang="en-US" altLang="ja-JP" sz="1400" dirty="0" err="1" smtClean="0"/>
+              <a:t>imf.get_image_if</a:t>
+            </a:r>
+            <a:r>
+              <a:rPr lang="en-US" altLang="ja-JP" sz="1400" dirty="0" smtClean="0"/>
+              <a:t>());</a:t>
+            </a:r>
+          </a:p>
+          <a:p>
+            <a:pPr>
+              <a:buNone/>
+            </a:pPr>
+            <a:r>
+              <a:rPr lang="en-US" altLang="ja-JP" sz="1400" dirty="0" smtClean="0"/>
+              <a:t>                         image_-&gt;</a:t>
             </a:r>
             <a:r>
               <a:rPr lang="en-US" altLang="ja-JP" sz="1400" dirty="0" err="1" smtClean="0"/>
@@ -9168,70 +9164,44 @@
             </a:r>
             <a:r>
               <a:rPr lang="en-US" altLang="ja-JP" sz="1400" dirty="0" err="1" smtClean="0"/>
-              <a:t>text_param_.text</a:t>
+              <a:t>mobj</a:t>
             </a:r>
             <a:r>
               <a:rPr lang="en-US" altLang="ja-JP" sz="1400" dirty="0" smtClean="0"/>
-              <a:t>_ = filer_-&gt;</a:t>
-            </a:r>
-            <a:r>
-              <a:rPr lang="en-US" altLang="ja-JP" sz="1400" dirty="0" err="1" smtClean="0"/>
-              <a:t>get_file</a:t>
-            </a:r>
-            <a:r>
-              <a:rPr lang="en-US" altLang="ja-JP" sz="1400" dirty="0" smtClean="0"/>
-              <a:t>();</a:t>
-            </a:r>
-          </a:p>
-          <a:p>
-            <a:pPr>
-              <a:buNone/>
-            </a:pPr>
-            <a:r>
-              <a:rPr lang="en-US" altLang="ja-JP" sz="1400" dirty="0" smtClean="0"/>
-              <a:t>                         </a:t>
+              <a:t>_ = </a:t>
             </a:r>
             <a:r>
               <a:rPr lang="en-US" altLang="ja-JP" sz="1400" dirty="0" err="1" smtClean="0"/>
               <a:t>mobj</a:t>
             </a:r>
             <a:r>
+              <a:rPr lang="en-US" altLang="ja-JP" sz="1400" dirty="0" smtClean="0"/>
+              <a:t>_;</a:t>
+            </a:r>
+          </a:p>
+          <a:p>
+            <a:pPr>
+              <a:buNone/>
+            </a:pPr>
+            <a:r>
+              <a:rPr lang="en-US" altLang="ja-JP" sz="1400" dirty="0" smtClean="0"/>
+              <a:t>                         image_-&gt;</a:t>
+            </a:r>
+            <a:r>
               <a:rPr lang="en-US" altLang="ja-JP" sz="1400" dirty="0" err="1" smtClean="0"/>
-              <a:t>_.destroy</a:t>
+              <a:t>at_local_param</a:t>
             </a:r>
             <a:r>
               <a:rPr lang="en-US" altLang="ja-JP" sz="1400" dirty="0" smtClean="0"/>
-              <a:t>();</a:t>
-            </a:r>
-          </a:p>
-          <a:p>
-            <a:pPr>
-              <a:buNone/>
-            </a:pPr>
+              <a:t>().</a:t>
+            </a:r>
+            <a:r>
+              <a:rPr lang="en-US" altLang="ja-JP" sz="1400" dirty="0" err="1" smtClean="0"/>
+              <a:t>mobj_handle</a:t>
+            </a:r>
             <a:r>
               <a:rPr lang="en-US" altLang="ja-JP" sz="1400" dirty="0" smtClean="0"/>
-              <a:t>                         </a:t>
-            </a:r>
-            <a:r>
-              <a:rPr lang="en-US" altLang="ja-JP" sz="1400" dirty="0" err="1" smtClean="0"/>
-              <a:t>mobj</a:t>
-            </a:r>
-            <a:r>
-              <a:rPr lang="en-US" altLang="ja-JP" sz="1400" dirty="0" err="1" smtClean="0"/>
-              <a:t>_.initialize</a:t>
-            </a:r>
-            <a:r>
-              <a:rPr lang="en-US" altLang="ja-JP" sz="1400" dirty="0" smtClean="0"/>
-              <a:t>();</a:t>
-            </a:r>
-          </a:p>
-          <a:p>
-            <a:pPr>
-              <a:buNone/>
-            </a:pPr>
-            <a:r>
-              <a:rPr lang="en-US" altLang="ja-JP" sz="1400" dirty="0" smtClean="0"/>
-              <a:t>                         </a:t>
+              <a:t>_ = </a:t>
             </a:r>
             <a:r>
               <a:rPr lang="en-US" altLang="ja-JP" sz="1400" dirty="0" err="1" smtClean="0"/>
@@ -9239,23 +9209,25 @@
             </a:r>
             <a:r>
               <a:rPr lang="en-US" altLang="ja-JP" sz="1400" dirty="0" smtClean="0"/>
-              <a:t>_ = </a:t>
-            </a:r>
-            <a:r>
-              <a:rPr lang="en-US" altLang="ja-JP" sz="1400" dirty="0" err="1" smtClean="0"/>
-              <a:t>mobj_.install</a:t>
-            </a:r>
+              <a:t>_;</a:t>
+            </a:r>
+          </a:p>
+          <a:p>
+            <a:pPr>
+              <a:buNone/>
+            </a:pPr>
             <a:r>
               <a:rPr lang="en-US" altLang="ja-JP" sz="1400" dirty="0" smtClean="0"/>
-              <a:t>(</a:t>
-            </a:r>
-            <a:r>
-              <a:rPr lang="en-US" altLang="ja-JP" sz="1400" dirty="0" err="1" smtClean="0"/>
-              <a:t>imf.get_image_if</a:t>
-            </a:r>
+              <a:t>                    }</a:t>
+            </a:r>
+          </a:p>
+          <a:p>
+            <a:pPr>
+              <a:buNone/>
+            </a:pPr>
             <a:r>
               <a:rPr lang="en-US" altLang="ja-JP" sz="1400" dirty="0" smtClean="0"/>
-              <a:t>());</a:t>
+              <a:t>                }</a:t>
             </a:r>
           </a:p>
           <a:p>
@@ -9264,123 +9236,8 @@
             </a:pPr>
             <a:r>
               <a:rPr lang="en-US" altLang="ja-JP" sz="1400" dirty="0" smtClean="0"/>
-              <a:t>                         </a:t>
-            </a:r>
-            <a:r>
-              <a:rPr lang="en-US" altLang="ja-JP" sz="1400" dirty="0" smtClean="0"/>
-              <a:t>image</a:t>
-            </a:r>
-            <a:r>
-              <a:rPr lang="en-US" altLang="ja-JP" sz="1400" dirty="0" smtClean="0"/>
-              <a:t>_-&gt;</a:t>
-            </a:r>
-            <a:r>
-              <a:rPr lang="en-US" altLang="ja-JP" sz="1400" dirty="0" err="1" smtClean="0"/>
-              <a:t>at_local_param</a:t>
-            </a:r>
-            <a:r>
-              <a:rPr lang="en-US" altLang="ja-JP" sz="1400" dirty="0" smtClean="0"/>
-              <a:t>().</a:t>
-            </a:r>
-            <a:r>
-              <a:rPr lang="en-US" altLang="ja-JP" sz="1400" dirty="0" err="1" smtClean="0"/>
-              <a:t>mobj</a:t>
-            </a:r>
-            <a:r>
-              <a:rPr lang="en-US" altLang="ja-JP" sz="1400" dirty="0" smtClean="0"/>
-              <a:t>_ = </a:t>
-            </a:r>
-            <a:r>
-              <a:rPr lang="en-US" altLang="ja-JP" sz="1400" dirty="0" err="1" smtClean="0"/>
-              <a:t>mobj</a:t>
-            </a:r>
-            <a:r>
-              <a:rPr lang="en-US" altLang="ja-JP" sz="1400" dirty="0" smtClean="0"/>
-              <a:t>_;</a:t>
-            </a:r>
-          </a:p>
-          <a:p>
-            <a:pPr>
-              <a:buNone/>
-            </a:pPr>
-            <a:r>
-              <a:rPr lang="en-US" altLang="ja-JP" sz="1400" dirty="0" smtClean="0"/>
-              <a:t>                         </a:t>
-            </a:r>
-            <a:r>
-              <a:rPr lang="en-US" altLang="ja-JP" sz="1400" dirty="0" smtClean="0"/>
-              <a:t>image</a:t>
-            </a:r>
-            <a:r>
-              <a:rPr lang="en-US" altLang="ja-JP" sz="1400" dirty="0" smtClean="0"/>
-              <a:t>_-&gt;</a:t>
-            </a:r>
-            <a:r>
-              <a:rPr lang="en-US" altLang="ja-JP" sz="1400" dirty="0" err="1" smtClean="0"/>
-              <a:t>at_local_param</a:t>
-            </a:r>
-            <a:r>
-              <a:rPr lang="en-US" altLang="ja-JP" sz="1400" dirty="0" smtClean="0"/>
-              <a:t>().</a:t>
-            </a:r>
-            <a:r>
-              <a:rPr lang="en-US" altLang="ja-JP" sz="1400" dirty="0" err="1" smtClean="0"/>
-              <a:t>mobj_handle</a:t>
-            </a:r>
-            <a:r>
-              <a:rPr lang="en-US" altLang="ja-JP" sz="1400" dirty="0" smtClean="0"/>
-              <a:t>_ = </a:t>
-            </a:r>
-            <a:r>
-              <a:rPr lang="en-US" altLang="ja-JP" sz="1400" dirty="0" err="1" smtClean="0"/>
-              <a:t>img_handle</a:t>
-            </a:r>
-            <a:r>
-              <a:rPr lang="en-US" altLang="ja-JP" sz="1400" dirty="0" smtClean="0"/>
-              <a:t>_;</a:t>
-            </a:r>
-          </a:p>
-          <a:p>
-            <a:pPr>
-              <a:buNone/>
-            </a:pPr>
-            <a:r>
-              <a:rPr lang="en-US" altLang="ja-JP" sz="1400" dirty="0" smtClean="0"/>
-              <a:t>                    </a:t>
-            </a:r>
-            <a:r>
-              <a:rPr lang="en-US" altLang="ja-JP" sz="1400" dirty="0" smtClean="0"/>
-              <a:t>}</a:t>
-            </a:r>
-            <a:endParaRPr lang="en-US" altLang="ja-JP" sz="1400" dirty="0" smtClean="0"/>
-          </a:p>
-          <a:p>
-            <a:pPr>
-              <a:buNone/>
-            </a:pPr>
-            <a:r>
-              <a:rPr lang="en-US" altLang="ja-JP" sz="1400" dirty="0" smtClean="0"/>
-              <a:t>                </a:t>
-            </a:r>
-            <a:r>
-              <a:rPr lang="en-US" altLang="ja-JP" sz="1400" dirty="0" smtClean="0"/>
-              <a:t>}</a:t>
-            </a:r>
-            <a:endParaRPr lang="en-US" altLang="ja-JP" sz="1400" dirty="0" smtClean="0"/>
-          </a:p>
-          <a:p>
-            <a:pPr>
-              <a:buNone/>
-            </a:pPr>
-            <a:r>
-              <a:rPr lang="en-US" altLang="ja-JP" sz="1400" dirty="0" smtClean="0"/>
-              <a:t> </a:t>
-            </a:r>
-            <a:r>
-              <a:rPr lang="en-US" altLang="ja-JP" sz="1400" dirty="0" smtClean="0"/>
-              <a:t>           }</a:t>
-            </a:r>
-            <a:endParaRPr lang="en-US" altLang="ja-JP" sz="1400" dirty="0" smtClean="0"/>
+              <a:t>            }</a:t>
+            </a:r>
           </a:p>
           <a:p>
             <a:pPr>
@@ -9662,90 +9519,35 @@
             </a:pPr>
             <a:r>
               <a:rPr lang="en-US" altLang="ja-JP" sz="1600" dirty="0" smtClean="0"/>
-              <a:t>		if(filer_) </a:t>
-            </a:r>
-            <a:r>
-              <a:rPr lang="en-US" altLang="ja-JP" sz="1600" dirty="0" smtClean="0"/>
-              <a:t>filer</a:t>
-            </a:r>
-            <a:r>
-              <a:rPr lang="en-US" altLang="ja-JP" sz="1600" dirty="0" smtClean="0"/>
-              <a:t>_-&gt;save(pre</a:t>
-            </a:r>
-            <a:r>
-              <a:rPr lang="en-US" altLang="ja-JP" sz="1600" dirty="0" smtClean="0"/>
-              <a:t>);</a:t>
-            </a:r>
-          </a:p>
-          <a:p>
-            <a:pPr>
-              <a:buNone/>
-            </a:pPr>
-            <a:r>
-              <a:rPr lang="en-US" altLang="ja-JP" sz="1600" dirty="0" smtClean="0"/>
-              <a:t>	</a:t>
-            </a:r>
-            <a:r>
-              <a:rPr lang="en-US" altLang="ja-JP" sz="1600" dirty="0" smtClean="0"/>
-              <a:t>	if(frame_) </a:t>
-            </a:r>
-            <a:r>
-              <a:rPr lang="en-US" altLang="ja-JP" sz="1600" dirty="0" smtClean="0"/>
-              <a:t>frame</a:t>
-            </a:r>
-            <a:r>
-              <a:rPr lang="en-US" altLang="ja-JP" sz="1600" dirty="0" smtClean="0"/>
-              <a:t>_-&gt;save(pre</a:t>
-            </a:r>
-            <a:r>
-              <a:rPr lang="en-US" altLang="ja-JP" sz="1600" dirty="0" smtClean="0"/>
-              <a:t>);</a:t>
-            </a:r>
-            <a:endParaRPr lang="en-US" altLang="ja-JP" sz="1600" dirty="0" smtClean="0"/>
-          </a:p>
-          <a:p>
-            <a:pPr>
-              <a:buNone/>
-            </a:pPr>
-            <a:r>
-              <a:rPr lang="en-US" altLang="ja-JP" sz="1600" dirty="0" smtClean="0"/>
-              <a:t>		</a:t>
-            </a:r>
-            <a:r>
-              <a:rPr lang="en-US" altLang="ja-JP" sz="1600" dirty="0" smtClean="0"/>
-              <a:t>if(tools_) tools</a:t>
-            </a:r>
-            <a:r>
-              <a:rPr lang="en-US" altLang="ja-JP" sz="1600" dirty="0" smtClean="0"/>
-              <a:t>_-&gt;save(pre</a:t>
-            </a:r>
-            <a:r>
-              <a:rPr lang="en-US" altLang="ja-JP" sz="1600" dirty="0" smtClean="0"/>
-              <a:t>);</a:t>
-            </a:r>
-            <a:endParaRPr lang="en-US" altLang="ja-JP" sz="1600" dirty="0" smtClean="0"/>
-          </a:p>
-          <a:p>
-            <a:pPr>
-              <a:buNone/>
-            </a:pPr>
-            <a:r>
-              <a:rPr lang="en-US" altLang="ja-JP" sz="1600" dirty="0" smtClean="0"/>
-              <a:t>		if(scale_) </a:t>
-            </a:r>
-            <a:r>
-              <a:rPr lang="en-US" altLang="ja-JP" sz="1600" dirty="0" smtClean="0"/>
-              <a:t>scale</a:t>
-            </a:r>
-            <a:r>
-              <a:rPr lang="en-US" altLang="ja-JP" sz="1600" dirty="0" smtClean="0"/>
-              <a:t>_-&gt;save(pre</a:t>
-            </a:r>
-            <a:r>
-              <a:rPr lang="en-US" altLang="ja-JP" sz="1600" dirty="0" smtClean="0"/>
-              <a:t>);</a:t>
-            </a:r>
-            <a:endParaRPr lang="en-US" altLang="ja-JP" sz="1600" dirty="0" smtClean="0"/>
+              <a:t>		if(filer_) filer_-&gt;save(pre);</a:t>
+            </a:r>
+          </a:p>
+          <a:p>
+            <a:pPr>
+              <a:buNone/>
+            </a:pPr>
+            <a:r>
+              <a:rPr lang="en-US" altLang="ja-JP" sz="1600" dirty="0" smtClean="0"/>
+              <a:t>		if(frame_) frame_-&gt;save(pre);</a:t>
+            </a:r>
+          </a:p>
+          <a:p>
+            <a:pPr>
+              <a:buNone/>
+            </a:pPr>
+            <a:r>
+              <a:rPr lang="en-US" altLang="ja-JP" sz="1600" dirty="0" smtClean="0"/>
+              <a:t>		if(tools_) tools_-&gt;save(pre);</a:t>
+            </a:r>
+          </a:p>
+          <a:p>
+            <a:pPr>
+              <a:buNone/>
+            </a:pPr>
+            <a:r>
+              <a:rPr lang="en-US" altLang="ja-JP" sz="1600" dirty="0" smtClean="0"/>
+              <a:t>		if(scale_) scale_-&gt;save(pre);</a:t>
+            </a:r>
           </a:p>
           <a:p>
             <a:pPr>

--- a/glfw3_app/docs/GLFW3_OpenGL_GUI.pptx
+++ b/glfw3_app/docs/GLFW3_OpenGL_GUI.pptx
@@ -2,7 +2,7 @@
 <file path=ppt/presentation.xml><?xml version="1.0" encoding="utf-8"?>
 <p:presentation xmlns:a="http://schemas.openxmlformats.org/drawingml/2006/main" xmlns:r="http://schemas.openxmlformats.org/officeDocument/2006/relationships" xmlns:p="http://schemas.openxmlformats.org/presentationml/2006/main" saveSubsetFonts="1">
   <p:sldMasterIdLst>
-    <p:sldMasterId id="2147483648" r:id="rId1"/>
+    <p:sldMasterId id="2147483660" r:id="rId1"/>
   </p:sldMasterIdLst>
   <p:sldIdLst>
     <p:sldId id="256" r:id="rId2"/>
@@ -144,7 +144,7 @@
 </file>
 
 <file path=ppt/slideLayouts/slideLayout1.xml><?xml version="1.0" encoding="utf-8"?>
-<p:sldLayout xmlns:a="http://schemas.openxmlformats.org/drawingml/2006/main" xmlns:r="http://schemas.openxmlformats.org/officeDocument/2006/relationships" xmlns:p="http://schemas.openxmlformats.org/presentationml/2006/main" type="title" preserve="1">
+<p:sldLayout xmlns:a="http://schemas.openxmlformats.org/drawingml/2006/main" xmlns:r="http://schemas.openxmlformats.org/officeDocument/2006/relationships" xmlns:p="http://schemas.openxmlformats.org/presentationml/2006/main" showMasterSp="0" type="title" preserve="1">
   <p:cSld name="タイトル スライド">
     <p:spTree>
       <p:nvGrpSpPr>
@@ -162,7 +162,57 @@
       </p:grpSpPr>
       <p:sp>
         <p:nvSpPr>
-          <p:cNvPr id="2" name="タイトル 1"/>
+          <p:cNvPr id="7" name="直線コネクタ 6"/>
+          <p:cNvSpPr>
+            <a:spLocks noChangeShapeType="1"/>
+          </p:cNvSpPr>
+          <p:nvPr/>
+        </p:nvSpPr>
+        <p:spPr bwMode="auto">
+          <a:xfrm>
+            <a:off x="514350" y="5349902"/>
+            <a:ext cx="8629650" cy="2381"/>
+          </a:xfrm>
+          <a:prstGeom prst="line">
+            <a:avLst/>
+          </a:prstGeom>
+          <a:noFill/>
+          <a:ln w="9525" cap="flat" cmpd="sng" algn="ctr">
+            <a:gradFill flip="none" rotWithShape="1">
+              <a:gsLst>
+                <a:gs pos="0">
+                  <a:schemeClr val="accent1">
+                    <a:alpha val="0"/>
+                  </a:schemeClr>
+                </a:gs>
+                <a:gs pos="17000">
+                  <a:schemeClr val="accent1"/>
+                </a:gs>
+                <a:gs pos="100000">
+                  <a:schemeClr val="accent1"/>
+                </a:gs>
+              </a:gsLst>
+              <a:lin ang="0" scaled="1"/>
+              <a:tileRect/>
+            </a:gradFill>
+            <a:prstDash val="solid"/>
+            <a:round/>
+            <a:headEnd type="none" w="med" len="med"/>
+            <a:tailEnd type="none" w="med" len="med"/>
+          </a:ln>
+          <a:effectLst/>
+        </p:spPr>
+        <p:txBody>
+          <a:bodyPr vert="horz" wrap="square" lIns="91440" tIns="45720" rIns="91440" bIns="45720" anchor="t" compatLnSpc="1"/>
+          <a:lstStyle/>
+          <a:p>
+            <a:endParaRPr kumimoji="0" lang="en-US"/>
+          </a:p>
+        </p:txBody>
+      </p:sp>
+      <p:sp>
+        <p:nvSpPr>
+          <p:cNvPr id="29" name="タイトル 28"/>
           <p:cNvSpPr>
             <a:spLocks noGrp="1"/>
           </p:cNvSpPr>
@@ -172,25 +222,25 @@
         </p:nvSpPr>
         <p:spPr>
           <a:xfrm>
-            <a:off x="685800" y="2130425"/>
-            <a:ext cx="7772400" cy="1470025"/>
+            <a:off x="381000" y="4853411"/>
+            <a:ext cx="8458200" cy="1222375"/>
           </a:xfrm>
         </p:spPr>
         <p:txBody>
-          <a:bodyPr/>
-          <a:lstStyle/>
-          <a:p>
-            <a:r>
-              <a:rPr kumimoji="1" lang="ja-JP" altLang="en-US" smtClean="0"/>
+          <a:bodyPr anchor="t"/>
+          <a:lstStyle/>
+          <a:p>
+            <a:r>
+              <a:rPr kumimoji="0" lang="ja-JP" altLang="en-US" smtClean="0"/>
               <a:t>マスタ タイトルの書式設定</a:t>
             </a:r>
-            <a:endParaRPr kumimoji="1" lang="ja-JP" altLang="en-US"/>
-          </a:p>
-        </p:txBody>
-      </p:sp>
-      <p:sp>
-        <p:nvSpPr>
-          <p:cNvPr id="3" name="サブタイトル 2"/>
+            <a:endParaRPr kumimoji="0" lang="en-US"/>
+          </a:p>
+        </p:txBody>
+      </p:sp>
+      <p:sp>
+        <p:nvSpPr>
+          <p:cNvPr id="9" name="サブタイトル 8"/>
           <p:cNvSpPr>
             <a:spLocks noGrp="1"/>
           </p:cNvSpPr>
@@ -200,116 +250,60 @@
         </p:nvSpPr>
         <p:spPr>
           <a:xfrm>
-            <a:off x="1371600" y="3886200"/>
-            <a:ext cx="6400800" cy="1752600"/>
+            <a:off x="381000" y="3886200"/>
+            <a:ext cx="8458200" cy="914400"/>
           </a:xfrm>
         </p:spPr>
         <p:txBody>
-          <a:bodyPr/>
+          <a:bodyPr anchor="b"/>
           <a:lstStyle>
-            <a:lvl1pPr marL="0" indent="0" algn="ctr">
-              <a:buNone/>
-              <a:defRPr>
+            <a:lvl1pPr marL="0" indent="0" algn="l">
+              <a:buNone/>
+              <a:defRPr sz="2400">
                 <a:solidFill>
-                  <a:schemeClr val="tx1">
-                    <a:tint val="75000"/>
+                  <a:schemeClr val="tx2">
+                    <a:shade val="75000"/>
                   </a:schemeClr>
                 </a:solidFill>
               </a:defRPr>
             </a:lvl1pPr>
             <a:lvl2pPr marL="457200" indent="0" algn="ctr">
               <a:buNone/>
-              <a:defRPr>
-                <a:solidFill>
-                  <a:schemeClr val="tx1">
-                    <a:tint val="75000"/>
-                  </a:schemeClr>
-                </a:solidFill>
-              </a:defRPr>
             </a:lvl2pPr>
             <a:lvl3pPr marL="914400" indent="0" algn="ctr">
               <a:buNone/>
-              <a:defRPr>
-                <a:solidFill>
-                  <a:schemeClr val="tx1">
-                    <a:tint val="75000"/>
-                  </a:schemeClr>
-                </a:solidFill>
-              </a:defRPr>
             </a:lvl3pPr>
             <a:lvl4pPr marL="1371600" indent="0" algn="ctr">
               <a:buNone/>
-              <a:defRPr>
-                <a:solidFill>
-                  <a:schemeClr val="tx1">
-                    <a:tint val="75000"/>
-                  </a:schemeClr>
-                </a:solidFill>
-              </a:defRPr>
             </a:lvl4pPr>
             <a:lvl5pPr marL="1828800" indent="0" algn="ctr">
               <a:buNone/>
-              <a:defRPr>
-                <a:solidFill>
-                  <a:schemeClr val="tx1">
-                    <a:tint val="75000"/>
-                  </a:schemeClr>
-                </a:solidFill>
-              </a:defRPr>
             </a:lvl5pPr>
             <a:lvl6pPr marL="2286000" indent="0" algn="ctr">
               <a:buNone/>
-              <a:defRPr>
-                <a:solidFill>
-                  <a:schemeClr val="tx1">
-                    <a:tint val="75000"/>
-                  </a:schemeClr>
-                </a:solidFill>
-              </a:defRPr>
             </a:lvl6pPr>
             <a:lvl7pPr marL="2743200" indent="0" algn="ctr">
               <a:buNone/>
-              <a:defRPr>
-                <a:solidFill>
-                  <a:schemeClr val="tx1">
-                    <a:tint val="75000"/>
-                  </a:schemeClr>
-                </a:solidFill>
-              </a:defRPr>
             </a:lvl7pPr>
             <a:lvl8pPr marL="3200400" indent="0" algn="ctr">
               <a:buNone/>
-              <a:defRPr>
-                <a:solidFill>
-                  <a:schemeClr val="tx1">
-                    <a:tint val="75000"/>
-                  </a:schemeClr>
-                </a:solidFill>
-              </a:defRPr>
             </a:lvl8pPr>
             <a:lvl9pPr marL="3657600" indent="0" algn="ctr">
               <a:buNone/>
-              <a:defRPr>
-                <a:solidFill>
-                  <a:schemeClr val="tx1">
-                    <a:tint val="75000"/>
-                  </a:schemeClr>
-                </a:solidFill>
-              </a:defRPr>
             </a:lvl9pPr>
           </a:lstStyle>
           <a:p>
             <a:r>
-              <a:rPr kumimoji="1" lang="ja-JP" altLang="en-US" smtClean="0"/>
+              <a:rPr kumimoji="0" lang="ja-JP" altLang="en-US" smtClean="0"/>
               <a:t>マスタ サブタイトルの書式設定</a:t>
             </a:r>
-            <a:endParaRPr kumimoji="1" lang="ja-JP" altLang="en-US"/>
-          </a:p>
-        </p:txBody>
-      </p:sp>
-      <p:sp>
-        <p:nvSpPr>
-          <p:cNvPr id="4" name="日付プレースホルダ 3"/>
+            <a:endParaRPr kumimoji="0" lang="en-US"/>
+          </a:p>
+        </p:txBody>
+      </p:sp>
+      <p:sp>
+        <p:nvSpPr>
+          <p:cNvPr id="16" name="日付プレースホルダ 15"/>
           <p:cNvSpPr>
             <a:spLocks noGrp="1"/>
           </p:cNvSpPr>
@@ -325,7 +319,7 @@
             <a:fld id="{DE9977B0-5F5F-420C-A4FC-EE0FB58BDCCA}" type="datetimeFigureOut">
               <a:rPr kumimoji="1" lang="ja-JP" altLang="en-US" smtClean="0"/>
               <a:pPr/>
-              <a:t>2014/2/11</a:t>
+              <a:t>2014/2/24</a:t>
             </a:fld>
             <a:endParaRPr kumimoji="1" lang="ja-JP" altLang="en-US"/>
           </a:p>
@@ -333,7 +327,7 @@
       </p:sp>
       <p:sp>
         <p:nvSpPr>
-          <p:cNvPr id="5" name="フッター プレースホルダ 4"/>
+          <p:cNvPr id="2" name="フッター プレースホルダ 1"/>
           <p:cNvSpPr>
             <a:spLocks noGrp="1"/>
           </p:cNvSpPr>
@@ -352,7 +346,7 @@
       </p:sp>
       <p:sp>
         <p:nvSpPr>
-          <p:cNvPr id="6" name="スライド番号プレースホルダ 5"/>
+          <p:cNvPr id="15" name="スライド番号プレースホルダ 14"/>
           <p:cNvSpPr>
             <a:spLocks noGrp="1"/>
           </p:cNvSpPr>
@@ -360,7 +354,12 @@
             <p:ph type="sldNum" sz="quarter" idx="12"/>
           </p:nvPr>
         </p:nvSpPr>
-        <p:spPr/>
+        <p:spPr>
+          <a:xfrm>
+            <a:off x="8229600" y="6473952"/>
+            <a:ext cx="758952" cy="246888"/>
+          </a:xfrm>
+        </p:spPr>
         <p:txBody>
           <a:bodyPr/>
           <a:lstStyle/>
@@ -415,10 +414,10 @@
           <a:lstStyle/>
           <a:p>
             <a:r>
-              <a:rPr kumimoji="1" lang="ja-JP" altLang="en-US" smtClean="0"/>
+              <a:rPr kumimoji="0" lang="ja-JP" altLang="en-US" smtClean="0"/>
               <a:t>マスタ タイトルの書式設定</a:t>
             </a:r>
-            <a:endParaRPr kumimoji="1" lang="ja-JP" altLang="en-US"/>
+            <a:endParaRPr kumimoji="0" lang="en-US"/>
           </a:p>
         </p:txBody>
       </p:sp>
@@ -437,72 +436,72 @@
           <a:bodyPr vert="eaVert"/>
           <a:lstStyle/>
           <a:p>
-            <a:pPr lvl="0"/>
-            <a:r>
-              <a:rPr kumimoji="1" lang="ja-JP" altLang="en-US" smtClean="0"/>
+            <a:pPr lvl="0" eaLnBrk="1" latinLnBrk="0" hangingPunct="1"/>
+            <a:r>
+              <a:rPr lang="ja-JP" altLang="en-US" smtClean="0"/>
               <a:t>マスタ テキストの書式設定</a:t>
             </a:r>
           </a:p>
           <a:p>
-            <a:pPr lvl="1"/>
-            <a:r>
-              <a:rPr kumimoji="1" lang="ja-JP" altLang="en-US" smtClean="0"/>
+            <a:pPr lvl="1" eaLnBrk="1" latinLnBrk="0" hangingPunct="1"/>
+            <a:r>
+              <a:rPr lang="ja-JP" altLang="en-US" smtClean="0"/>
               <a:t>第 </a:t>
             </a:r>
             <a:r>
-              <a:rPr kumimoji="1" lang="en-US" altLang="ja-JP" smtClean="0"/>
+              <a:rPr lang="en-US" altLang="ja-JP" smtClean="0"/>
               <a:t>2 </a:t>
             </a:r>
             <a:r>
-              <a:rPr kumimoji="1" lang="ja-JP" altLang="en-US" smtClean="0"/>
+              <a:rPr lang="ja-JP" altLang="en-US" smtClean="0"/>
               <a:t>レベル</a:t>
             </a:r>
           </a:p>
           <a:p>
-            <a:pPr lvl="2"/>
-            <a:r>
-              <a:rPr kumimoji="1" lang="ja-JP" altLang="en-US" smtClean="0"/>
+            <a:pPr lvl="2" eaLnBrk="1" latinLnBrk="0" hangingPunct="1"/>
+            <a:r>
+              <a:rPr lang="ja-JP" altLang="en-US" smtClean="0"/>
               <a:t>第 </a:t>
             </a:r>
             <a:r>
-              <a:rPr kumimoji="1" lang="en-US" altLang="ja-JP" smtClean="0"/>
+              <a:rPr lang="en-US" altLang="ja-JP" smtClean="0"/>
               <a:t>3 </a:t>
             </a:r>
             <a:r>
-              <a:rPr kumimoji="1" lang="ja-JP" altLang="en-US" smtClean="0"/>
+              <a:rPr lang="ja-JP" altLang="en-US" smtClean="0"/>
               <a:t>レベル</a:t>
             </a:r>
           </a:p>
           <a:p>
-            <a:pPr lvl="3"/>
-            <a:r>
-              <a:rPr kumimoji="1" lang="ja-JP" altLang="en-US" smtClean="0"/>
+            <a:pPr lvl="3" eaLnBrk="1" latinLnBrk="0" hangingPunct="1"/>
+            <a:r>
+              <a:rPr lang="ja-JP" altLang="en-US" smtClean="0"/>
               <a:t>第 </a:t>
             </a:r>
             <a:r>
-              <a:rPr kumimoji="1" lang="en-US" altLang="ja-JP" smtClean="0"/>
+              <a:rPr lang="en-US" altLang="ja-JP" smtClean="0"/>
               <a:t>4 </a:t>
             </a:r>
             <a:r>
-              <a:rPr kumimoji="1" lang="ja-JP" altLang="en-US" smtClean="0"/>
+              <a:rPr lang="ja-JP" altLang="en-US" smtClean="0"/>
               <a:t>レベル</a:t>
             </a:r>
           </a:p>
           <a:p>
-            <a:pPr lvl="4"/>
-            <a:r>
-              <a:rPr kumimoji="1" lang="ja-JP" altLang="en-US" smtClean="0"/>
+            <a:pPr lvl="4" eaLnBrk="1" latinLnBrk="0" hangingPunct="1"/>
+            <a:r>
+              <a:rPr lang="ja-JP" altLang="en-US" smtClean="0"/>
               <a:t>第 </a:t>
             </a:r>
             <a:r>
-              <a:rPr kumimoji="1" lang="en-US" altLang="ja-JP" smtClean="0"/>
+              <a:rPr lang="en-US" altLang="ja-JP" smtClean="0"/>
               <a:t>5 </a:t>
             </a:r>
             <a:r>
-              <a:rPr kumimoji="1" lang="ja-JP" altLang="en-US" smtClean="0"/>
+              <a:rPr lang="ja-JP" altLang="en-US" smtClean="0"/>
               <a:t>レベル</a:t>
             </a:r>
-            <a:endParaRPr kumimoji="1" lang="ja-JP" altLang="en-US"/>
+            <a:endParaRPr kumimoji="0" lang="en-US"/>
           </a:p>
         </p:txBody>
       </p:sp>
@@ -524,7 +523,7 @@
             <a:fld id="{DE9977B0-5F5F-420C-A4FC-EE0FB58BDCCA}" type="datetimeFigureOut">
               <a:rPr kumimoji="1" lang="ja-JP" altLang="en-US" smtClean="0"/>
               <a:pPr/>
-              <a:t>2014/2/11</a:t>
+              <a:t>2014/2/24</a:t>
             </a:fld>
             <a:endParaRPr kumimoji="1" lang="ja-JP" altLang="en-US"/>
           </a:p>
@@ -582,7 +581,7 @@
 </file>
 
 <file path=ppt/slideLayouts/slideLayout11.xml><?xml version="1.0" encoding="utf-8"?>
-<p:sldLayout xmlns:a="http://schemas.openxmlformats.org/drawingml/2006/main" xmlns:r="http://schemas.openxmlformats.org/officeDocument/2006/relationships" xmlns:p="http://schemas.openxmlformats.org/presentationml/2006/main" type="vertTitleAndTx" preserve="1">
+<p:sldLayout xmlns:a="http://schemas.openxmlformats.org/drawingml/2006/main" xmlns:r="http://schemas.openxmlformats.org/officeDocument/2006/relationships" xmlns:p="http://schemas.openxmlformats.org/presentationml/2006/main" showMasterSp="0" type="vertTitleAndTx" preserve="1">
   <p:cSld name="縦書きタイトルと縦書きテキスト">
     <p:spTree>
       <p:nvGrpSpPr>
@@ -610,8 +609,8 @@
         </p:nvSpPr>
         <p:spPr>
           <a:xfrm>
-            <a:off x="6629400" y="274638"/>
-            <a:ext cx="2057400" cy="5851525"/>
+            <a:off x="6858000" y="549276"/>
+            <a:ext cx="1828800" cy="5851525"/>
           </a:xfrm>
         </p:spPr>
         <p:txBody>
@@ -619,10 +618,10 @@
           <a:lstStyle/>
           <a:p>
             <a:r>
-              <a:rPr kumimoji="1" lang="ja-JP" altLang="en-US" smtClean="0"/>
+              <a:rPr kumimoji="0" lang="ja-JP" altLang="en-US" smtClean="0"/>
               <a:t>マスタ タイトルの書式設定</a:t>
             </a:r>
-            <a:endParaRPr kumimoji="1" lang="ja-JP" altLang="en-US"/>
+            <a:endParaRPr kumimoji="0" lang="en-US"/>
           </a:p>
         </p:txBody>
       </p:sp>
@@ -638,80 +637,80 @@
         </p:nvSpPr>
         <p:spPr>
           <a:xfrm>
-            <a:off x="457200" y="274638"/>
-            <a:ext cx="6019800" cy="5851525"/>
+            <a:off x="457200" y="549276"/>
+            <a:ext cx="6248400" cy="5851525"/>
           </a:xfrm>
         </p:spPr>
         <p:txBody>
           <a:bodyPr vert="eaVert"/>
           <a:lstStyle/>
           <a:p>
-            <a:pPr lvl="0"/>
-            <a:r>
-              <a:rPr kumimoji="1" lang="ja-JP" altLang="en-US" smtClean="0"/>
+            <a:pPr lvl="0" eaLnBrk="1" latinLnBrk="0" hangingPunct="1"/>
+            <a:r>
+              <a:rPr lang="ja-JP" altLang="en-US" smtClean="0"/>
               <a:t>マスタ テキストの書式設定</a:t>
             </a:r>
           </a:p>
           <a:p>
-            <a:pPr lvl="1"/>
-            <a:r>
-              <a:rPr kumimoji="1" lang="ja-JP" altLang="en-US" smtClean="0"/>
+            <a:pPr lvl="1" eaLnBrk="1" latinLnBrk="0" hangingPunct="1"/>
+            <a:r>
+              <a:rPr lang="ja-JP" altLang="en-US" smtClean="0"/>
               <a:t>第 </a:t>
             </a:r>
             <a:r>
-              <a:rPr kumimoji="1" lang="en-US" altLang="ja-JP" smtClean="0"/>
+              <a:rPr lang="en-US" altLang="ja-JP" smtClean="0"/>
               <a:t>2 </a:t>
             </a:r>
             <a:r>
-              <a:rPr kumimoji="1" lang="ja-JP" altLang="en-US" smtClean="0"/>
+              <a:rPr lang="ja-JP" altLang="en-US" smtClean="0"/>
               <a:t>レベル</a:t>
             </a:r>
           </a:p>
           <a:p>
-            <a:pPr lvl="2"/>
-            <a:r>
-              <a:rPr kumimoji="1" lang="ja-JP" altLang="en-US" smtClean="0"/>
+            <a:pPr lvl="2" eaLnBrk="1" latinLnBrk="0" hangingPunct="1"/>
+            <a:r>
+              <a:rPr lang="ja-JP" altLang="en-US" smtClean="0"/>
               <a:t>第 </a:t>
             </a:r>
             <a:r>
-              <a:rPr kumimoji="1" lang="en-US" altLang="ja-JP" smtClean="0"/>
+              <a:rPr lang="en-US" altLang="ja-JP" smtClean="0"/>
               <a:t>3 </a:t>
             </a:r>
             <a:r>
-              <a:rPr kumimoji="1" lang="ja-JP" altLang="en-US" smtClean="0"/>
+              <a:rPr lang="ja-JP" altLang="en-US" smtClean="0"/>
               <a:t>レベル</a:t>
             </a:r>
           </a:p>
           <a:p>
-            <a:pPr lvl="3"/>
-            <a:r>
-              <a:rPr kumimoji="1" lang="ja-JP" altLang="en-US" smtClean="0"/>
+            <a:pPr lvl="3" eaLnBrk="1" latinLnBrk="0" hangingPunct="1"/>
+            <a:r>
+              <a:rPr lang="ja-JP" altLang="en-US" smtClean="0"/>
               <a:t>第 </a:t>
             </a:r>
             <a:r>
-              <a:rPr kumimoji="1" lang="en-US" altLang="ja-JP" smtClean="0"/>
+              <a:rPr lang="en-US" altLang="ja-JP" smtClean="0"/>
               <a:t>4 </a:t>
             </a:r>
             <a:r>
-              <a:rPr kumimoji="1" lang="ja-JP" altLang="en-US" smtClean="0"/>
+              <a:rPr lang="ja-JP" altLang="en-US" smtClean="0"/>
               <a:t>レベル</a:t>
             </a:r>
           </a:p>
           <a:p>
-            <a:pPr lvl="4"/>
-            <a:r>
-              <a:rPr kumimoji="1" lang="ja-JP" altLang="en-US" smtClean="0"/>
+            <a:pPr lvl="4" eaLnBrk="1" latinLnBrk="0" hangingPunct="1"/>
+            <a:r>
+              <a:rPr lang="ja-JP" altLang="en-US" smtClean="0"/>
               <a:t>第 </a:t>
             </a:r>
             <a:r>
-              <a:rPr kumimoji="1" lang="en-US" altLang="ja-JP" smtClean="0"/>
+              <a:rPr lang="en-US" altLang="ja-JP" smtClean="0"/>
               <a:t>5 </a:t>
             </a:r>
             <a:r>
-              <a:rPr kumimoji="1" lang="ja-JP" altLang="en-US" smtClean="0"/>
+              <a:rPr lang="ja-JP" altLang="en-US" smtClean="0"/>
               <a:t>レベル</a:t>
             </a:r>
-            <a:endParaRPr kumimoji="1" lang="ja-JP" altLang="en-US"/>
+            <a:endParaRPr kumimoji="0" lang="en-US"/>
           </a:p>
         </p:txBody>
       </p:sp>
@@ -733,7 +732,7 @@
             <a:fld id="{DE9977B0-5F5F-420C-A4FC-EE0FB58BDCCA}" type="datetimeFigureOut">
               <a:rPr kumimoji="1" lang="ja-JP" altLang="en-US" smtClean="0"/>
               <a:pPr/>
-              <a:t>2014/2/11</a:t>
+              <a:t>2014/2/24</a:t>
             </a:fld>
             <a:endParaRPr kumimoji="1" lang="ja-JP" altLang="en-US"/>
           </a:p>
@@ -809,7 +808,7 @@
       </p:grpSpPr>
       <p:sp>
         <p:nvSpPr>
-          <p:cNvPr id="2" name="タイトル 1"/>
+          <p:cNvPr id="22" name="タイトル 21"/>
           <p:cNvSpPr>
             <a:spLocks noGrp="1"/>
           </p:cNvSpPr>
@@ -823,16 +822,16 @@
           <a:lstStyle/>
           <a:p>
             <a:r>
-              <a:rPr kumimoji="1" lang="ja-JP" altLang="en-US" smtClean="0"/>
+              <a:rPr kumimoji="0" lang="ja-JP" altLang="en-US" smtClean="0"/>
               <a:t>マスタ タイトルの書式設定</a:t>
             </a:r>
-            <a:endParaRPr kumimoji="1" lang="ja-JP" altLang="en-US"/>
-          </a:p>
-        </p:txBody>
-      </p:sp>
-      <p:sp>
-        <p:nvSpPr>
-          <p:cNvPr id="3" name="コンテンツ プレースホルダ 2"/>
+            <a:endParaRPr kumimoji="0" lang="en-US"/>
+          </a:p>
+        </p:txBody>
+      </p:sp>
+      <p:sp>
+        <p:nvSpPr>
+          <p:cNvPr id="27" name="コンテンツ プレースホルダ 26"/>
           <p:cNvSpPr>
             <a:spLocks noGrp="1"/>
           </p:cNvSpPr>
@@ -845,78 +844,78 @@
           <a:bodyPr/>
           <a:lstStyle/>
           <a:p>
-            <a:pPr lvl="0"/>
-            <a:r>
-              <a:rPr kumimoji="1" lang="ja-JP" altLang="en-US" smtClean="0"/>
+            <a:pPr lvl="0" eaLnBrk="1" latinLnBrk="0" hangingPunct="1"/>
+            <a:r>
+              <a:rPr lang="ja-JP" altLang="en-US" smtClean="0"/>
               <a:t>マスタ テキストの書式設定</a:t>
             </a:r>
           </a:p>
           <a:p>
-            <a:pPr lvl="1"/>
-            <a:r>
-              <a:rPr kumimoji="1" lang="ja-JP" altLang="en-US" smtClean="0"/>
+            <a:pPr lvl="1" eaLnBrk="1" latinLnBrk="0" hangingPunct="1"/>
+            <a:r>
+              <a:rPr lang="ja-JP" altLang="en-US" smtClean="0"/>
               <a:t>第 </a:t>
             </a:r>
             <a:r>
-              <a:rPr kumimoji="1" lang="en-US" altLang="ja-JP" smtClean="0"/>
+              <a:rPr lang="en-US" altLang="ja-JP" smtClean="0"/>
               <a:t>2 </a:t>
             </a:r>
             <a:r>
-              <a:rPr kumimoji="1" lang="ja-JP" altLang="en-US" smtClean="0"/>
+              <a:rPr lang="ja-JP" altLang="en-US" smtClean="0"/>
               <a:t>レベル</a:t>
             </a:r>
           </a:p>
           <a:p>
-            <a:pPr lvl="2"/>
-            <a:r>
-              <a:rPr kumimoji="1" lang="ja-JP" altLang="en-US" smtClean="0"/>
+            <a:pPr lvl="2" eaLnBrk="1" latinLnBrk="0" hangingPunct="1"/>
+            <a:r>
+              <a:rPr lang="ja-JP" altLang="en-US" smtClean="0"/>
               <a:t>第 </a:t>
             </a:r>
             <a:r>
-              <a:rPr kumimoji="1" lang="en-US" altLang="ja-JP" smtClean="0"/>
+              <a:rPr lang="en-US" altLang="ja-JP" smtClean="0"/>
               <a:t>3 </a:t>
             </a:r>
             <a:r>
-              <a:rPr kumimoji="1" lang="ja-JP" altLang="en-US" smtClean="0"/>
+              <a:rPr lang="ja-JP" altLang="en-US" smtClean="0"/>
               <a:t>レベル</a:t>
             </a:r>
           </a:p>
           <a:p>
-            <a:pPr lvl="3"/>
-            <a:r>
-              <a:rPr kumimoji="1" lang="ja-JP" altLang="en-US" smtClean="0"/>
+            <a:pPr lvl="3" eaLnBrk="1" latinLnBrk="0" hangingPunct="1"/>
+            <a:r>
+              <a:rPr lang="ja-JP" altLang="en-US" smtClean="0"/>
               <a:t>第 </a:t>
             </a:r>
             <a:r>
-              <a:rPr kumimoji="1" lang="en-US" altLang="ja-JP" smtClean="0"/>
+              <a:rPr lang="en-US" altLang="ja-JP" smtClean="0"/>
               <a:t>4 </a:t>
             </a:r>
             <a:r>
-              <a:rPr kumimoji="1" lang="ja-JP" altLang="en-US" smtClean="0"/>
+              <a:rPr lang="ja-JP" altLang="en-US" smtClean="0"/>
               <a:t>レベル</a:t>
             </a:r>
           </a:p>
           <a:p>
-            <a:pPr lvl="4"/>
-            <a:r>
-              <a:rPr kumimoji="1" lang="ja-JP" altLang="en-US" smtClean="0"/>
+            <a:pPr lvl="4" eaLnBrk="1" latinLnBrk="0" hangingPunct="1"/>
+            <a:r>
+              <a:rPr lang="ja-JP" altLang="en-US" smtClean="0"/>
               <a:t>第 </a:t>
             </a:r>
             <a:r>
-              <a:rPr kumimoji="1" lang="en-US" altLang="ja-JP" smtClean="0"/>
+              <a:rPr lang="en-US" altLang="ja-JP" smtClean="0"/>
               <a:t>5 </a:t>
             </a:r>
             <a:r>
-              <a:rPr kumimoji="1" lang="ja-JP" altLang="en-US" smtClean="0"/>
+              <a:rPr lang="ja-JP" altLang="en-US" smtClean="0"/>
               <a:t>レベル</a:t>
             </a:r>
-            <a:endParaRPr kumimoji="1" lang="ja-JP" altLang="en-US"/>
-          </a:p>
-        </p:txBody>
-      </p:sp>
-      <p:sp>
-        <p:nvSpPr>
-          <p:cNvPr id="4" name="日付プレースホルダ 3"/>
+            <a:endParaRPr kumimoji="0" lang="en-US"/>
+          </a:p>
+        </p:txBody>
+      </p:sp>
+      <p:sp>
+        <p:nvSpPr>
+          <p:cNvPr id="25" name="日付プレースホルダ 24"/>
           <p:cNvSpPr>
             <a:spLocks noGrp="1"/>
           </p:cNvSpPr>
@@ -932,7 +931,7 @@
             <a:fld id="{DE9977B0-5F5F-420C-A4FC-EE0FB58BDCCA}" type="datetimeFigureOut">
               <a:rPr kumimoji="1" lang="ja-JP" altLang="en-US" smtClean="0"/>
               <a:pPr/>
-              <a:t>2014/2/11</a:t>
+              <a:t>2014/2/24</a:t>
             </a:fld>
             <a:endParaRPr kumimoji="1" lang="ja-JP" altLang="en-US"/>
           </a:p>
@@ -940,7 +939,7 @@
       </p:sp>
       <p:sp>
         <p:nvSpPr>
-          <p:cNvPr id="5" name="フッター プレースホルダ 4"/>
+          <p:cNvPr id="19" name="フッター プレースホルダ 18"/>
           <p:cNvSpPr>
             <a:spLocks noGrp="1"/>
           </p:cNvSpPr>
@@ -948,7 +947,12 @@
             <p:ph type="ftr" sz="quarter" idx="11"/>
           </p:nvPr>
         </p:nvSpPr>
-        <p:spPr/>
+        <p:spPr>
+          <a:xfrm>
+            <a:off x="3581400" y="76200"/>
+            <a:ext cx="2895600" cy="288925"/>
+          </a:xfrm>
+        </p:spPr>
         <p:txBody>
           <a:bodyPr/>
           <a:lstStyle/>
@@ -959,7 +963,7 @@
       </p:sp>
       <p:sp>
         <p:nvSpPr>
-          <p:cNvPr id="6" name="スライド番号プレースホルダ 5"/>
+          <p:cNvPr id="16" name="スライド番号プレースホルダ 15"/>
           <p:cNvSpPr>
             <a:spLocks noGrp="1"/>
           </p:cNvSpPr>
@@ -967,7 +971,12 @@
             <p:ph type="sldNum" sz="quarter" idx="12"/>
           </p:nvPr>
         </p:nvSpPr>
-        <p:spPr/>
+        <p:spPr>
+          <a:xfrm>
+            <a:off x="8229600" y="6473952"/>
+            <a:ext cx="758952" cy="246888"/>
+          </a:xfrm>
+        </p:spPr>
         <p:txBody>
           <a:bodyPr/>
           <a:lstStyle/>
@@ -990,8 +999,13 @@
 </file>
 
 <file path=ppt/slideLayouts/slideLayout3.xml><?xml version="1.0" encoding="utf-8"?>
-<p:sldLayout xmlns:a="http://schemas.openxmlformats.org/drawingml/2006/main" xmlns:r="http://schemas.openxmlformats.org/officeDocument/2006/relationships" xmlns:p="http://schemas.openxmlformats.org/presentationml/2006/main" type="secHead" preserve="1">
+<p:sldLayout xmlns:a="http://schemas.openxmlformats.org/drawingml/2006/main" xmlns:r="http://schemas.openxmlformats.org/officeDocument/2006/relationships" xmlns:p="http://schemas.openxmlformats.org/presentationml/2006/main" showMasterSp="0" type="secHead" preserve="1">
   <p:cSld name="セクション見出し">
+    <p:bg>
+      <p:bgRef idx="1003">
+        <a:schemeClr val="bg2"/>
+      </p:bgRef>
+    </p:bg>
     <p:spTree>
       <p:nvGrpSpPr>
         <p:cNvPr id="1" name=""/>
@@ -1008,66 +1022,84 @@
       </p:grpSpPr>
       <p:sp>
         <p:nvSpPr>
-          <p:cNvPr id="2" name="タイトル 1"/>
-          <p:cNvSpPr>
-            <a:spLocks noGrp="1"/>
-          </p:cNvSpPr>
-          <p:nvPr>
-            <p:ph type="title"/>
+          <p:cNvPr id="7" name="直線コネクタ 6"/>
+          <p:cNvSpPr>
+            <a:spLocks noChangeShapeType="1"/>
+          </p:cNvSpPr>
+          <p:nvPr/>
+        </p:nvSpPr>
+        <p:spPr bwMode="auto">
+          <a:xfrm>
+            <a:off x="514350" y="3444902"/>
+            <a:ext cx="8629650" cy="2381"/>
+          </a:xfrm>
+          <a:prstGeom prst="line">
+            <a:avLst/>
+          </a:prstGeom>
+          <a:noFill/>
+          <a:ln w="9525" cap="flat" cmpd="sng" algn="ctr">
+            <a:gradFill flip="none" rotWithShape="1">
+              <a:gsLst>
+                <a:gs pos="0">
+                  <a:schemeClr val="accent1">
+                    <a:alpha val="0"/>
+                  </a:schemeClr>
+                </a:gs>
+                <a:gs pos="17000">
+                  <a:schemeClr val="accent1"/>
+                </a:gs>
+                <a:gs pos="100000">
+                  <a:schemeClr val="accent1"/>
+                </a:gs>
+              </a:gsLst>
+              <a:lin ang="0" scaled="1"/>
+              <a:tileRect/>
+            </a:gradFill>
+            <a:prstDash val="solid"/>
+            <a:round/>
+            <a:headEnd type="none" w="med" len="med"/>
+            <a:tailEnd type="none" w="med" len="med"/>
+          </a:ln>
+          <a:effectLst/>
+        </p:spPr>
+        <p:txBody>
+          <a:bodyPr vert="horz" wrap="square" lIns="91440" tIns="45720" rIns="91440" bIns="45720" anchor="t" compatLnSpc="1"/>
+          <a:lstStyle/>
+          <a:p>
+            <a:endParaRPr kumimoji="0" lang="en-US"/>
+          </a:p>
+        </p:txBody>
+      </p:sp>
+      <p:sp>
+        <p:nvSpPr>
+          <p:cNvPr id="6" name="テキスト プレースホルダ 5"/>
+          <p:cNvSpPr>
+            <a:spLocks noGrp="1"/>
+          </p:cNvSpPr>
+          <p:nvPr>
+            <p:ph type="body" idx="1"/>
           </p:nvPr>
         </p:nvSpPr>
         <p:spPr>
           <a:xfrm>
-            <a:off x="722313" y="4406900"/>
-            <a:ext cx="7772400" cy="1362075"/>
+            <a:off x="381000" y="1676400"/>
+            <a:ext cx="8458200" cy="1219200"/>
           </a:xfrm>
         </p:spPr>
         <p:txBody>
-          <a:bodyPr anchor="t"/>
-          <a:lstStyle>
-            <a:lvl1pPr algn="l">
-              <a:defRPr sz="4000" b="1" cap="all"/>
-            </a:lvl1pPr>
-          </a:lstStyle>
-          <a:p>
-            <a:r>
-              <a:rPr kumimoji="1" lang="ja-JP" altLang="en-US" smtClean="0"/>
-              <a:t>マスタ タイトルの書式設定</a:t>
-            </a:r>
-            <a:endParaRPr kumimoji="1" lang="ja-JP" altLang="en-US"/>
-          </a:p>
-        </p:txBody>
-      </p:sp>
-      <p:sp>
-        <p:nvSpPr>
-          <p:cNvPr id="3" name="テキスト プレースホルダ 2"/>
-          <p:cNvSpPr>
-            <a:spLocks noGrp="1"/>
-          </p:cNvSpPr>
-          <p:nvPr>
-            <p:ph type="body" idx="1"/>
-          </p:nvPr>
-        </p:nvSpPr>
-        <p:spPr>
-          <a:xfrm>
-            <a:off x="722313" y="2906713"/>
-            <a:ext cx="7772400" cy="1500187"/>
-          </a:xfrm>
-        </p:spPr>
-        <p:txBody>
           <a:bodyPr anchor="b"/>
           <a:lstStyle>
-            <a:lvl1pPr marL="0" indent="0">
+            <a:lvl1pPr marL="0" indent="0" algn="r">
               <a:buNone/>
               <a:defRPr sz="2000">
                 <a:solidFill>
-                  <a:schemeClr val="tx1">
-                    <a:tint val="75000"/>
+                  <a:schemeClr val="tx2">
+                    <a:shade val="75000"/>
                   </a:schemeClr>
                 </a:solidFill>
               </a:defRPr>
             </a:lvl1pPr>
-            <a:lvl2pPr marL="457200" indent="0">
+            <a:lvl2pPr>
               <a:buNone/>
               <a:defRPr sz="1800">
                 <a:solidFill>
@@ -1077,7 +1109,7 @@
                 </a:solidFill>
               </a:defRPr>
             </a:lvl2pPr>
-            <a:lvl3pPr marL="914400" indent="0">
+            <a:lvl3pPr>
               <a:buNone/>
               <a:defRPr sz="1600">
                 <a:solidFill>
@@ -1087,7 +1119,7 @@
                 </a:solidFill>
               </a:defRPr>
             </a:lvl3pPr>
-            <a:lvl4pPr marL="1371600" indent="0">
+            <a:lvl4pPr>
               <a:buNone/>
               <a:defRPr sz="1400">
                 <a:solidFill>
@@ -1097,7 +1129,7 @@
                 </a:solidFill>
               </a:defRPr>
             </a:lvl4pPr>
-            <a:lvl5pPr marL="1828800" indent="0">
+            <a:lvl5pPr>
               <a:buNone/>
               <a:defRPr sz="1400">
                 <a:solidFill>
@@ -1107,51 +1139,11 @@
                 </a:solidFill>
               </a:defRPr>
             </a:lvl5pPr>
-            <a:lvl6pPr marL="2286000" indent="0">
-              <a:buNone/>
-              <a:defRPr sz="1400">
-                <a:solidFill>
-                  <a:schemeClr val="tx1">
-                    <a:tint val="75000"/>
-                  </a:schemeClr>
-                </a:solidFill>
-              </a:defRPr>
-            </a:lvl6pPr>
-            <a:lvl7pPr marL="2743200" indent="0">
-              <a:buNone/>
-              <a:defRPr sz="1400">
-                <a:solidFill>
-                  <a:schemeClr val="tx1">
-                    <a:tint val="75000"/>
-                  </a:schemeClr>
-                </a:solidFill>
-              </a:defRPr>
-            </a:lvl7pPr>
-            <a:lvl8pPr marL="3200400" indent="0">
-              <a:buNone/>
-              <a:defRPr sz="1400">
-                <a:solidFill>
-                  <a:schemeClr val="tx1">
-                    <a:tint val="75000"/>
-                  </a:schemeClr>
-                </a:solidFill>
-              </a:defRPr>
-            </a:lvl8pPr>
-            <a:lvl9pPr marL="3657600" indent="0">
-              <a:buNone/>
-              <a:defRPr sz="1400">
-                <a:solidFill>
-                  <a:schemeClr val="tx1">
-                    <a:tint val="75000"/>
-                  </a:schemeClr>
-                </a:solidFill>
-              </a:defRPr>
-            </a:lvl9pPr>
           </a:lstStyle>
           <a:p>
-            <a:pPr lvl="0"/>
-            <a:r>
-              <a:rPr kumimoji="1" lang="ja-JP" altLang="en-US" smtClean="0"/>
+            <a:pPr lvl="0" eaLnBrk="1" latinLnBrk="0" hangingPunct="1"/>
+            <a:r>
+              <a:rPr kumimoji="0" lang="ja-JP" altLang="en-US" smtClean="0"/>
               <a:t>マスタ テキストの書式設定</a:t>
             </a:r>
           </a:p>
@@ -1159,7 +1151,7 @@
       </p:sp>
       <p:sp>
         <p:nvSpPr>
-          <p:cNvPr id="4" name="日付プレースホルダ 3"/>
+          <p:cNvPr id="19" name="日付プレースホルダ 18"/>
           <p:cNvSpPr>
             <a:spLocks noGrp="1"/>
           </p:cNvSpPr>
@@ -1175,7 +1167,7 @@
             <a:fld id="{DE9977B0-5F5F-420C-A4FC-EE0FB58BDCCA}" type="datetimeFigureOut">
               <a:rPr kumimoji="1" lang="ja-JP" altLang="en-US" smtClean="0"/>
               <a:pPr/>
-              <a:t>2014/2/11</a:t>
+              <a:t>2014/2/24</a:t>
             </a:fld>
             <a:endParaRPr kumimoji="1" lang="ja-JP" altLang="en-US"/>
           </a:p>
@@ -1183,7 +1175,7 @@
       </p:sp>
       <p:sp>
         <p:nvSpPr>
-          <p:cNvPr id="5" name="フッター プレースホルダ 4"/>
+          <p:cNvPr id="11" name="フッター プレースホルダ 10"/>
           <p:cNvSpPr>
             <a:spLocks noGrp="1"/>
           </p:cNvSpPr>
@@ -1202,7 +1194,7 @@
       </p:sp>
       <p:sp>
         <p:nvSpPr>
-          <p:cNvPr id="6" name="スライド番号プレースホルダ 5"/>
+          <p:cNvPr id="16" name="スライド番号プレースホルダ 15"/>
           <p:cNvSpPr>
             <a:spLocks noGrp="1"/>
           </p:cNvSpPr>
@@ -1224,10 +1216,42 @@
           </a:p>
         </p:txBody>
       </p:sp>
+      <p:sp>
+        <p:nvSpPr>
+          <p:cNvPr id="8" name="タイトル 7"/>
+          <p:cNvSpPr>
+            <a:spLocks noGrp="1"/>
+          </p:cNvSpPr>
+          <p:nvPr>
+            <p:ph type="title"/>
+          </p:nvPr>
+        </p:nvSpPr>
+        <p:spPr>
+          <a:xfrm>
+            <a:off x="180475" y="2947085"/>
+            <a:ext cx="8686800" cy="1184825"/>
+          </a:xfrm>
+        </p:spPr>
+        <p:txBody>
+          <a:bodyPr rtlCol="0" anchor="t"/>
+          <a:lstStyle>
+            <a:lvl1pPr algn="r">
+              <a:defRPr/>
+            </a:lvl1pPr>
+          </a:lstStyle>
+          <a:p>
+            <a:r>
+              <a:rPr kumimoji="0" lang="ja-JP" altLang="en-US" smtClean="0"/>
+              <a:t>マスタ タイトルの書式設定</a:t>
+            </a:r>
+            <a:endParaRPr kumimoji="0" lang="en-US"/>
+          </a:p>
+        </p:txBody>
+      </p:sp>
     </p:spTree>
   </p:cSld>
   <p:clrMapOvr>
-    <a:masterClrMapping/>
+    <a:overrideClrMapping bg1="dk1" tx1="lt1" bg2="dk2" tx2="lt2" accent1="accent1" accent2="accent2" accent3="accent3" accent4="accent4" accent5="accent5" accent6="accent6" hlink="hlink" folHlink="folHlink"/>
   </p:clrMapOvr>
 </p:sldLayout>
 </file>
@@ -1251,41 +1275,46 @@
       </p:grpSpPr>
       <p:sp>
         <p:nvSpPr>
-          <p:cNvPr id="2" name="タイトル 1"/>
+          <p:cNvPr id="20" name="タイトル 19"/>
           <p:cNvSpPr>
             <a:spLocks noGrp="1"/>
           </p:cNvSpPr>
           <p:nvPr>
             <p:ph type="title"/>
-          </p:nvPr>
-        </p:nvSpPr>
-        <p:spPr/>
-        <p:txBody>
-          <a:bodyPr/>
-          <a:lstStyle/>
-          <a:p>
-            <a:r>
-              <a:rPr kumimoji="1" lang="ja-JP" altLang="en-US" smtClean="0"/>
-              <a:t>マスタ タイトルの書式設定</a:t>
-            </a:r>
-            <a:endParaRPr kumimoji="1" lang="ja-JP" altLang="en-US"/>
-          </a:p>
-        </p:txBody>
-      </p:sp>
-      <p:sp>
-        <p:nvSpPr>
-          <p:cNvPr id="3" name="コンテンツ プレースホルダ 2"/>
-          <p:cNvSpPr>
-            <a:spLocks noGrp="1"/>
-          </p:cNvSpPr>
-          <p:nvPr>
-            <p:ph sz="half" idx="1"/>
           </p:nvPr>
         </p:nvSpPr>
         <p:spPr>
           <a:xfrm>
-            <a:off x="457200" y="1600200"/>
-            <a:ext cx="4038600" cy="4525963"/>
+            <a:off x="301752" y="457200"/>
+            <a:ext cx="8686800" cy="841248"/>
+          </a:xfrm>
+        </p:spPr>
+        <p:txBody>
+          <a:bodyPr/>
+          <a:lstStyle/>
+          <a:p>
+            <a:r>
+              <a:rPr kumimoji="0" lang="ja-JP" altLang="en-US" smtClean="0"/>
+              <a:t>マスタ タイトルの書式設定</a:t>
+            </a:r>
+            <a:endParaRPr kumimoji="0" lang="en-US"/>
+          </a:p>
+        </p:txBody>
+      </p:sp>
+      <p:sp>
+        <p:nvSpPr>
+          <p:cNvPr id="14" name="コンテンツ プレースホルダ 13"/>
+          <p:cNvSpPr>
+            <a:spLocks noGrp="1"/>
+          </p:cNvSpPr>
+          <p:nvPr>
+            <p:ph sz="half" idx="1"/>
+          </p:nvPr>
+        </p:nvSpPr>
+        <p:spPr>
+          <a:xfrm>
+            <a:off x="304800" y="1600200"/>
+            <a:ext cx="4191000" cy="4724400"/>
           </a:xfrm>
         </p:spPr>
         <p:txBody>
@@ -1306,92 +1335,80 @@
             <a:lvl5pPr>
               <a:defRPr sz="1800"/>
             </a:lvl5pPr>
-            <a:lvl6pPr>
-              <a:defRPr sz="1800"/>
-            </a:lvl6pPr>
-            <a:lvl7pPr>
-              <a:defRPr sz="1800"/>
-            </a:lvl7pPr>
-            <a:lvl8pPr>
-              <a:defRPr sz="1800"/>
-            </a:lvl8pPr>
-            <a:lvl9pPr>
-              <a:defRPr sz="1800"/>
-            </a:lvl9pPr>
           </a:lstStyle>
           <a:p>
-            <a:pPr lvl="0"/>
-            <a:r>
-              <a:rPr kumimoji="1" lang="ja-JP" altLang="en-US" smtClean="0"/>
+            <a:pPr lvl="0" eaLnBrk="1" latinLnBrk="0" hangingPunct="1"/>
+            <a:r>
+              <a:rPr lang="ja-JP" altLang="en-US" smtClean="0"/>
               <a:t>マスタ テキストの書式設定</a:t>
             </a:r>
           </a:p>
           <a:p>
-            <a:pPr lvl="1"/>
-            <a:r>
-              <a:rPr kumimoji="1" lang="ja-JP" altLang="en-US" smtClean="0"/>
+            <a:pPr lvl="1" eaLnBrk="1" latinLnBrk="0" hangingPunct="1"/>
+            <a:r>
+              <a:rPr lang="ja-JP" altLang="en-US" smtClean="0"/>
               <a:t>第 </a:t>
             </a:r>
             <a:r>
-              <a:rPr kumimoji="1" lang="en-US" altLang="ja-JP" smtClean="0"/>
+              <a:rPr lang="en-US" altLang="ja-JP" smtClean="0"/>
               <a:t>2 </a:t>
             </a:r>
             <a:r>
-              <a:rPr kumimoji="1" lang="ja-JP" altLang="en-US" smtClean="0"/>
+              <a:rPr lang="ja-JP" altLang="en-US" smtClean="0"/>
               <a:t>レベル</a:t>
             </a:r>
           </a:p>
           <a:p>
-            <a:pPr lvl="2"/>
-            <a:r>
-              <a:rPr kumimoji="1" lang="ja-JP" altLang="en-US" smtClean="0"/>
+            <a:pPr lvl="2" eaLnBrk="1" latinLnBrk="0" hangingPunct="1"/>
+            <a:r>
+              <a:rPr lang="ja-JP" altLang="en-US" smtClean="0"/>
               <a:t>第 </a:t>
             </a:r>
             <a:r>
-              <a:rPr kumimoji="1" lang="en-US" altLang="ja-JP" smtClean="0"/>
+              <a:rPr lang="en-US" altLang="ja-JP" smtClean="0"/>
               <a:t>3 </a:t>
             </a:r>
             <a:r>
-              <a:rPr kumimoji="1" lang="ja-JP" altLang="en-US" smtClean="0"/>
+              <a:rPr lang="ja-JP" altLang="en-US" smtClean="0"/>
               <a:t>レベル</a:t>
             </a:r>
           </a:p>
           <a:p>
-            <a:pPr lvl="3"/>
-            <a:r>
-              <a:rPr kumimoji="1" lang="ja-JP" altLang="en-US" smtClean="0"/>
+            <a:pPr lvl="3" eaLnBrk="1" latinLnBrk="0" hangingPunct="1"/>
+            <a:r>
+              <a:rPr lang="ja-JP" altLang="en-US" smtClean="0"/>
               <a:t>第 </a:t>
             </a:r>
             <a:r>
-              <a:rPr kumimoji="1" lang="en-US" altLang="ja-JP" smtClean="0"/>
+              <a:rPr lang="en-US" altLang="ja-JP" smtClean="0"/>
               <a:t>4 </a:t>
             </a:r>
             <a:r>
-              <a:rPr kumimoji="1" lang="ja-JP" altLang="en-US" smtClean="0"/>
+              <a:rPr lang="ja-JP" altLang="en-US" smtClean="0"/>
               <a:t>レベル</a:t>
             </a:r>
           </a:p>
           <a:p>
-            <a:pPr lvl="4"/>
-            <a:r>
-              <a:rPr kumimoji="1" lang="ja-JP" altLang="en-US" smtClean="0"/>
+            <a:pPr lvl="4" eaLnBrk="1" latinLnBrk="0" hangingPunct="1"/>
+            <a:r>
+              <a:rPr lang="ja-JP" altLang="en-US" smtClean="0"/>
               <a:t>第 </a:t>
             </a:r>
             <a:r>
-              <a:rPr kumimoji="1" lang="en-US" altLang="ja-JP" smtClean="0"/>
+              <a:rPr lang="en-US" altLang="ja-JP" smtClean="0"/>
               <a:t>5 </a:t>
             </a:r>
             <a:r>
-              <a:rPr kumimoji="1" lang="ja-JP" altLang="en-US" smtClean="0"/>
+              <a:rPr lang="ja-JP" altLang="en-US" smtClean="0"/>
               <a:t>レベル</a:t>
             </a:r>
-            <a:endParaRPr kumimoji="1" lang="ja-JP" altLang="en-US"/>
-          </a:p>
-        </p:txBody>
-      </p:sp>
-      <p:sp>
-        <p:nvSpPr>
-          <p:cNvPr id="4" name="コンテンツ プレースホルダ 3"/>
+            <a:endParaRPr kumimoji="0" lang="en-US"/>
+          </a:p>
+        </p:txBody>
+      </p:sp>
+      <p:sp>
+        <p:nvSpPr>
+          <p:cNvPr id="13" name="コンテンツ プレースホルダ 12"/>
           <p:cNvSpPr>
             <a:spLocks noGrp="1"/>
           </p:cNvSpPr>
@@ -1402,7 +1419,7 @@
         <p:spPr>
           <a:xfrm>
             <a:off x="4648200" y="1600200"/>
-            <a:ext cx="4038600" cy="4525963"/>
+            <a:ext cx="4343400" cy="4724400"/>
           </a:xfrm>
         </p:spPr>
         <p:txBody>
@@ -1423,92 +1440,80 @@
             <a:lvl5pPr>
               <a:defRPr sz="1800"/>
             </a:lvl5pPr>
-            <a:lvl6pPr>
-              <a:defRPr sz="1800"/>
-            </a:lvl6pPr>
-            <a:lvl7pPr>
-              <a:defRPr sz="1800"/>
-            </a:lvl7pPr>
-            <a:lvl8pPr>
-              <a:defRPr sz="1800"/>
-            </a:lvl8pPr>
-            <a:lvl9pPr>
-              <a:defRPr sz="1800"/>
-            </a:lvl9pPr>
           </a:lstStyle>
           <a:p>
-            <a:pPr lvl="0"/>
-            <a:r>
-              <a:rPr kumimoji="1" lang="ja-JP" altLang="en-US" smtClean="0"/>
+            <a:pPr lvl="0" eaLnBrk="1" latinLnBrk="0" hangingPunct="1"/>
+            <a:r>
+              <a:rPr lang="ja-JP" altLang="en-US" smtClean="0"/>
               <a:t>マスタ テキストの書式設定</a:t>
             </a:r>
           </a:p>
           <a:p>
-            <a:pPr lvl="1"/>
-            <a:r>
-              <a:rPr kumimoji="1" lang="ja-JP" altLang="en-US" smtClean="0"/>
+            <a:pPr lvl="1" eaLnBrk="1" latinLnBrk="0" hangingPunct="1"/>
+            <a:r>
+              <a:rPr lang="ja-JP" altLang="en-US" smtClean="0"/>
               <a:t>第 </a:t>
             </a:r>
             <a:r>
-              <a:rPr kumimoji="1" lang="en-US" altLang="ja-JP" smtClean="0"/>
+              <a:rPr lang="en-US" altLang="ja-JP" smtClean="0"/>
               <a:t>2 </a:t>
             </a:r>
             <a:r>
-              <a:rPr kumimoji="1" lang="ja-JP" altLang="en-US" smtClean="0"/>
+              <a:rPr lang="ja-JP" altLang="en-US" smtClean="0"/>
               <a:t>レベル</a:t>
             </a:r>
           </a:p>
           <a:p>
-            <a:pPr lvl="2"/>
-            <a:r>
-              <a:rPr kumimoji="1" lang="ja-JP" altLang="en-US" smtClean="0"/>
+            <a:pPr lvl="2" eaLnBrk="1" latinLnBrk="0" hangingPunct="1"/>
+            <a:r>
+              <a:rPr lang="ja-JP" altLang="en-US" smtClean="0"/>
               <a:t>第 </a:t>
             </a:r>
             <a:r>
-              <a:rPr kumimoji="1" lang="en-US" altLang="ja-JP" smtClean="0"/>
+              <a:rPr lang="en-US" altLang="ja-JP" smtClean="0"/>
               <a:t>3 </a:t>
             </a:r>
             <a:r>
-              <a:rPr kumimoji="1" lang="ja-JP" altLang="en-US" smtClean="0"/>
+              <a:rPr lang="ja-JP" altLang="en-US" smtClean="0"/>
               <a:t>レベル</a:t>
             </a:r>
           </a:p>
           <a:p>
-            <a:pPr lvl="3"/>
-            <a:r>
-              <a:rPr kumimoji="1" lang="ja-JP" altLang="en-US" smtClean="0"/>
+            <a:pPr lvl="3" eaLnBrk="1" latinLnBrk="0" hangingPunct="1"/>
+            <a:r>
+              <a:rPr lang="ja-JP" altLang="en-US" smtClean="0"/>
               <a:t>第 </a:t>
             </a:r>
             <a:r>
-              <a:rPr kumimoji="1" lang="en-US" altLang="ja-JP" smtClean="0"/>
+              <a:rPr lang="en-US" altLang="ja-JP" smtClean="0"/>
               <a:t>4 </a:t>
             </a:r>
             <a:r>
-              <a:rPr kumimoji="1" lang="ja-JP" altLang="en-US" smtClean="0"/>
+              <a:rPr lang="ja-JP" altLang="en-US" smtClean="0"/>
               <a:t>レベル</a:t>
             </a:r>
           </a:p>
           <a:p>
-            <a:pPr lvl="4"/>
-            <a:r>
-              <a:rPr kumimoji="1" lang="ja-JP" altLang="en-US" smtClean="0"/>
+            <a:pPr lvl="4" eaLnBrk="1" latinLnBrk="0" hangingPunct="1"/>
+            <a:r>
+              <a:rPr lang="ja-JP" altLang="en-US" smtClean="0"/>
               <a:t>第 </a:t>
             </a:r>
             <a:r>
-              <a:rPr kumimoji="1" lang="en-US" altLang="ja-JP" smtClean="0"/>
+              <a:rPr lang="en-US" altLang="ja-JP" smtClean="0"/>
               <a:t>5 </a:t>
             </a:r>
             <a:r>
-              <a:rPr kumimoji="1" lang="ja-JP" altLang="en-US" smtClean="0"/>
+              <a:rPr lang="ja-JP" altLang="en-US" smtClean="0"/>
               <a:t>レベル</a:t>
             </a:r>
-            <a:endParaRPr kumimoji="1" lang="ja-JP" altLang="en-US"/>
-          </a:p>
-        </p:txBody>
-      </p:sp>
-      <p:sp>
-        <p:nvSpPr>
-          <p:cNvPr id="5" name="日付プレースホルダ 4"/>
+            <a:endParaRPr kumimoji="0" lang="en-US"/>
+          </a:p>
+        </p:txBody>
+      </p:sp>
+      <p:sp>
+        <p:nvSpPr>
+          <p:cNvPr id="21" name="日付プレースホルダ 20"/>
           <p:cNvSpPr>
             <a:spLocks noGrp="1"/>
           </p:cNvSpPr>
@@ -1524,7 +1529,7 @@
             <a:fld id="{DE9977B0-5F5F-420C-A4FC-EE0FB58BDCCA}" type="datetimeFigureOut">
               <a:rPr kumimoji="1" lang="ja-JP" altLang="en-US" smtClean="0"/>
               <a:pPr/>
-              <a:t>2014/2/11</a:t>
+              <a:t>2014/2/24</a:t>
             </a:fld>
             <a:endParaRPr kumimoji="1" lang="ja-JP" altLang="en-US"/>
           </a:p>
@@ -1532,7 +1537,7 @@
       </p:sp>
       <p:sp>
         <p:nvSpPr>
-          <p:cNvPr id="6" name="フッター プレースホルダ 5"/>
+          <p:cNvPr id="10" name="フッター プレースホルダ 9"/>
           <p:cNvSpPr>
             <a:spLocks noGrp="1"/>
           </p:cNvSpPr>
@@ -1551,7 +1556,7 @@
       </p:sp>
       <p:sp>
         <p:nvSpPr>
-          <p:cNvPr id="7" name="スライド番号プレースホルダ 6"/>
+          <p:cNvPr id="31" name="スライド番号プレースホルダ 30"/>
           <p:cNvSpPr>
             <a:spLocks noGrp="1"/>
           </p:cNvSpPr>
@@ -1582,7 +1587,7 @@
 </file>
 
 <file path=ppt/slideLayouts/slideLayout5.xml><?xml version="1.0" encoding="utf-8"?>
-<p:sldLayout xmlns:a="http://schemas.openxmlformats.org/drawingml/2006/main" xmlns:r="http://schemas.openxmlformats.org/officeDocument/2006/relationships" xmlns:p="http://schemas.openxmlformats.org/presentationml/2006/main" type="twoTxTwoObj" preserve="1">
+<p:sldLayout xmlns:a="http://schemas.openxmlformats.org/drawingml/2006/main" xmlns:r="http://schemas.openxmlformats.org/officeDocument/2006/relationships" xmlns:p="http://schemas.openxmlformats.org/presentationml/2006/main" showMasterSp="0" type="twoTxTwoObj" preserve="1">
   <p:cSld name="比較">
     <p:spTree>
       <p:nvGrpSpPr>
@@ -1600,7 +1605,7 @@
       </p:grpSpPr>
       <p:sp>
         <p:nvSpPr>
-          <p:cNvPr id="2" name="タイトル 1"/>
+          <p:cNvPr id="29" name="タイトル 28"/>
           <p:cNvSpPr>
             <a:spLocks noGrp="1"/>
           </p:cNvSpPr>
@@ -1608,9 +1613,14 @@
             <p:ph type="title"/>
           </p:nvPr>
         </p:nvSpPr>
-        <p:spPr/>
-        <p:txBody>
-          <a:bodyPr/>
+        <p:spPr>
+          <a:xfrm>
+            <a:off x="304800" y="5410200"/>
+            <a:ext cx="8610600" cy="882650"/>
+          </a:xfrm>
+        </p:spPr>
+        <p:txBody>
+          <a:bodyPr anchor="ctr"/>
           <a:lstStyle>
             <a:lvl1pPr>
               <a:defRPr/>
@@ -1618,16 +1628,16 @@
           </a:lstStyle>
           <a:p>
             <a:r>
-              <a:rPr kumimoji="1" lang="ja-JP" altLang="en-US" smtClean="0"/>
+              <a:rPr kumimoji="0" lang="ja-JP" altLang="en-US" smtClean="0"/>
               <a:t>マスタ タイトルの書式設定</a:t>
             </a:r>
-            <a:endParaRPr kumimoji="1" lang="ja-JP" altLang="en-US"/>
-          </a:p>
-        </p:txBody>
-      </p:sp>
-      <p:sp>
-        <p:nvSpPr>
-          <p:cNvPr id="3" name="テキスト プレースホルダ 2"/>
+            <a:endParaRPr kumimoji="0" lang="en-US"/>
+          </a:p>
+        </p:txBody>
+      </p:sp>
+      <p:sp>
+        <p:nvSpPr>
+          <p:cNvPr id="13" name="テキスト プレースホルダ 12"/>
           <p:cNvSpPr>
             <a:spLocks noGrp="1"/>
           </p:cNvSpPr>
@@ -1637,54 +1647,47 @@
         </p:nvSpPr>
         <p:spPr>
           <a:xfrm>
-            <a:off x="457200" y="1535113"/>
-            <a:ext cx="4040188" cy="639762"/>
+            <a:off x="281444" y="666750"/>
+            <a:ext cx="4290556" cy="639762"/>
           </a:xfrm>
         </p:spPr>
         <p:txBody>
-          <a:bodyPr anchor="b"/>
+          <a:bodyPr anchor="ctr"/>
           <a:lstStyle>
             <a:lvl1pPr marL="0" indent="0">
               <a:buNone/>
-              <a:defRPr sz="2400" b="1"/>
+              <a:defRPr sz="1800" b="0" cap="all" baseline="0">
+                <a:solidFill>
+                  <a:schemeClr val="accent1">
+                    <a:shade val="50000"/>
+                  </a:schemeClr>
+                </a:solidFill>
+                <a:latin typeface="+mj-lt"/>
+                <a:ea typeface="+mj-ea"/>
+                <a:cs typeface="+mj-cs"/>
+              </a:defRPr>
             </a:lvl1pPr>
-            <a:lvl2pPr marL="457200" indent="0">
+            <a:lvl2pPr>
               <a:buNone/>
               <a:defRPr sz="2000" b="1"/>
             </a:lvl2pPr>
-            <a:lvl3pPr marL="914400" indent="0">
+            <a:lvl3pPr>
               <a:buNone/>
               <a:defRPr sz="1800" b="1"/>
             </a:lvl3pPr>
-            <a:lvl4pPr marL="1371600" indent="0">
+            <a:lvl4pPr>
               <a:buNone/>
               <a:defRPr sz="1600" b="1"/>
             </a:lvl4pPr>
-            <a:lvl5pPr marL="1828800" indent="0">
+            <a:lvl5pPr>
               <a:buNone/>
               <a:defRPr sz="1600" b="1"/>
             </a:lvl5pPr>
-            <a:lvl6pPr marL="2286000" indent="0">
-              <a:buNone/>
-              <a:defRPr sz="1600" b="1"/>
-            </a:lvl6pPr>
-            <a:lvl7pPr marL="2743200" indent="0">
-              <a:buNone/>
-              <a:defRPr sz="1600" b="1"/>
-            </a:lvl7pPr>
-            <a:lvl8pPr marL="3200400" indent="0">
-              <a:buNone/>
-              <a:defRPr sz="1600" b="1"/>
-            </a:lvl8pPr>
-            <a:lvl9pPr marL="3657600" indent="0">
-              <a:buNone/>
-              <a:defRPr sz="1600" b="1"/>
-            </a:lvl9pPr>
           </a:lstStyle>
           <a:p>
-            <a:pPr lvl="0"/>
-            <a:r>
-              <a:rPr kumimoji="1" lang="ja-JP" altLang="en-US" smtClean="0"/>
+            <a:pPr lvl="0" eaLnBrk="1" latinLnBrk="0" hangingPunct="1"/>
+            <a:r>
+              <a:rPr kumimoji="0" lang="ja-JP" altLang="en-US" smtClean="0"/>
               <a:t>マスタ テキストの書式設定</a:t>
             </a:r>
           </a:p>
@@ -1692,18 +1695,76 @@
       </p:sp>
       <p:sp>
         <p:nvSpPr>
-          <p:cNvPr id="4" name="コンテンツ プレースホルダ 3"/>
-          <p:cNvSpPr>
-            <a:spLocks noGrp="1"/>
-          </p:cNvSpPr>
-          <p:nvPr>
-            <p:ph sz="half" idx="2"/>
+          <p:cNvPr id="25" name="テキスト プレースホルダ 24"/>
+          <p:cNvSpPr>
+            <a:spLocks noGrp="1"/>
+          </p:cNvSpPr>
+          <p:nvPr>
+            <p:ph type="body" sz="half" idx="3"/>
           </p:nvPr>
         </p:nvSpPr>
         <p:spPr>
           <a:xfrm>
-            <a:off x="457200" y="2174875"/>
-            <a:ext cx="4040188" cy="3951288"/>
+            <a:off x="4645025" y="666750"/>
+            <a:ext cx="4292241" cy="639762"/>
+          </a:xfrm>
+        </p:spPr>
+        <p:txBody>
+          <a:bodyPr anchor="ctr"/>
+          <a:lstStyle>
+            <a:lvl1pPr marL="0" indent="0">
+              <a:buNone/>
+              <a:defRPr sz="1800" b="0" cap="all" baseline="0">
+                <a:solidFill>
+                  <a:schemeClr val="accent1">
+                    <a:shade val="50000"/>
+                  </a:schemeClr>
+                </a:solidFill>
+                <a:latin typeface="+mj-lt"/>
+                <a:ea typeface="+mj-ea"/>
+                <a:cs typeface="+mj-cs"/>
+              </a:defRPr>
+            </a:lvl1pPr>
+            <a:lvl2pPr>
+              <a:buNone/>
+              <a:defRPr sz="2000" b="1"/>
+            </a:lvl2pPr>
+            <a:lvl3pPr>
+              <a:buNone/>
+              <a:defRPr sz="1800" b="1"/>
+            </a:lvl3pPr>
+            <a:lvl4pPr>
+              <a:buNone/>
+              <a:defRPr sz="1600" b="1"/>
+            </a:lvl4pPr>
+            <a:lvl5pPr>
+              <a:buNone/>
+              <a:defRPr sz="1600" b="1"/>
+            </a:lvl5pPr>
+          </a:lstStyle>
+          <a:p>
+            <a:pPr lvl="0" eaLnBrk="1" latinLnBrk="0" hangingPunct="1"/>
+            <a:r>
+              <a:rPr kumimoji="0" lang="ja-JP" altLang="en-US" smtClean="0"/>
+              <a:t>マスタ テキストの書式設定</a:t>
+            </a:r>
+          </a:p>
+        </p:txBody>
+      </p:sp>
+      <p:sp>
+        <p:nvSpPr>
+          <p:cNvPr id="4" name="コンテンツ プレースホルダ 3"/>
+          <p:cNvSpPr>
+            <a:spLocks noGrp="1"/>
+          </p:cNvSpPr>
+          <p:nvPr>
+            <p:ph sz="quarter" idx="2"/>
+          </p:nvPr>
+        </p:nvSpPr>
+        <p:spPr>
+          <a:xfrm>
+            <a:off x="281444" y="1316037"/>
+            <a:ext cx="4290556" cy="3941763"/>
           </a:xfrm>
         </p:spPr>
         <p:txBody>
@@ -1724,168 +1785,91 @@
             <a:lvl5pPr>
               <a:defRPr sz="1600"/>
             </a:lvl5pPr>
-            <a:lvl6pPr>
-              <a:defRPr sz="1600"/>
-            </a:lvl6pPr>
-            <a:lvl7pPr>
-              <a:defRPr sz="1600"/>
-            </a:lvl7pPr>
-            <a:lvl8pPr>
-              <a:defRPr sz="1600"/>
-            </a:lvl8pPr>
-            <a:lvl9pPr>
-              <a:defRPr sz="1600"/>
-            </a:lvl9pPr>
           </a:lstStyle>
           <a:p>
-            <a:pPr lvl="0"/>
-            <a:r>
-              <a:rPr kumimoji="1" lang="ja-JP" altLang="en-US" smtClean="0"/>
+            <a:pPr lvl="0" eaLnBrk="1" latinLnBrk="0" hangingPunct="1"/>
+            <a:r>
+              <a:rPr lang="ja-JP" altLang="en-US" smtClean="0"/>
               <a:t>マスタ テキストの書式設定</a:t>
             </a:r>
           </a:p>
           <a:p>
-            <a:pPr lvl="1"/>
-            <a:r>
-              <a:rPr kumimoji="1" lang="ja-JP" altLang="en-US" smtClean="0"/>
+            <a:pPr lvl="1" eaLnBrk="1" latinLnBrk="0" hangingPunct="1"/>
+            <a:r>
+              <a:rPr lang="ja-JP" altLang="en-US" smtClean="0"/>
               <a:t>第 </a:t>
             </a:r>
             <a:r>
-              <a:rPr kumimoji="1" lang="en-US" altLang="ja-JP" smtClean="0"/>
+              <a:rPr lang="en-US" altLang="ja-JP" smtClean="0"/>
               <a:t>2 </a:t>
             </a:r>
             <a:r>
-              <a:rPr kumimoji="1" lang="ja-JP" altLang="en-US" smtClean="0"/>
+              <a:rPr lang="ja-JP" altLang="en-US" smtClean="0"/>
               <a:t>レベル</a:t>
             </a:r>
           </a:p>
           <a:p>
-            <a:pPr lvl="2"/>
-            <a:r>
-              <a:rPr kumimoji="1" lang="ja-JP" altLang="en-US" smtClean="0"/>
+            <a:pPr lvl="2" eaLnBrk="1" latinLnBrk="0" hangingPunct="1"/>
+            <a:r>
+              <a:rPr lang="ja-JP" altLang="en-US" smtClean="0"/>
               <a:t>第 </a:t>
             </a:r>
             <a:r>
-              <a:rPr kumimoji="1" lang="en-US" altLang="ja-JP" smtClean="0"/>
+              <a:rPr lang="en-US" altLang="ja-JP" smtClean="0"/>
               <a:t>3 </a:t>
             </a:r>
             <a:r>
-              <a:rPr kumimoji="1" lang="ja-JP" altLang="en-US" smtClean="0"/>
+              <a:rPr lang="ja-JP" altLang="en-US" smtClean="0"/>
               <a:t>レベル</a:t>
             </a:r>
           </a:p>
           <a:p>
-            <a:pPr lvl="3"/>
-            <a:r>
-              <a:rPr kumimoji="1" lang="ja-JP" altLang="en-US" smtClean="0"/>
+            <a:pPr lvl="3" eaLnBrk="1" latinLnBrk="0" hangingPunct="1"/>
+            <a:r>
+              <a:rPr lang="ja-JP" altLang="en-US" smtClean="0"/>
               <a:t>第 </a:t>
             </a:r>
             <a:r>
-              <a:rPr kumimoji="1" lang="en-US" altLang="ja-JP" smtClean="0"/>
+              <a:rPr lang="en-US" altLang="ja-JP" smtClean="0"/>
               <a:t>4 </a:t>
             </a:r>
             <a:r>
-              <a:rPr kumimoji="1" lang="ja-JP" altLang="en-US" smtClean="0"/>
+              <a:rPr lang="ja-JP" altLang="en-US" smtClean="0"/>
               <a:t>レベル</a:t>
             </a:r>
           </a:p>
           <a:p>
-            <a:pPr lvl="4"/>
-            <a:r>
-              <a:rPr kumimoji="1" lang="ja-JP" altLang="en-US" smtClean="0"/>
+            <a:pPr lvl="4" eaLnBrk="1" latinLnBrk="0" hangingPunct="1"/>
+            <a:r>
+              <a:rPr lang="ja-JP" altLang="en-US" smtClean="0"/>
               <a:t>第 </a:t>
             </a:r>
             <a:r>
-              <a:rPr kumimoji="1" lang="en-US" altLang="ja-JP" smtClean="0"/>
+              <a:rPr lang="en-US" altLang="ja-JP" smtClean="0"/>
               <a:t>5 </a:t>
             </a:r>
             <a:r>
-              <a:rPr kumimoji="1" lang="ja-JP" altLang="en-US" smtClean="0"/>
+              <a:rPr lang="ja-JP" altLang="en-US" smtClean="0"/>
               <a:t>レベル</a:t>
             </a:r>
-            <a:endParaRPr kumimoji="1" lang="ja-JP" altLang="en-US"/>
-          </a:p>
-        </p:txBody>
-      </p:sp>
-      <p:sp>
-        <p:nvSpPr>
-          <p:cNvPr id="5" name="テキスト プレースホルダ 4"/>
-          <p:cNvSpPr>
-            <a:spLocks noGrp="1"/>
-          </p:cNvSpPr>
-          <p:nvPr>
-            <p:ph type="body" sz="quarter" idx="3"/>
+            <a:endParaRPr kumimoji="0" lang="en-US"/>
+          </a:p>
+        </p:txBody>
+      </p:sp>
+      <p:sp>
+        <p:nvSpPr>
+          <p:cNvPr id="28" name="コンテンツ プレースホルダ 27"/>
+          <p:cNvSpPr>
+            <a:spLocks noGrp="1"/>
+          </p:cNvSpPr>
+          <p:nvPr>
+            <p:ph sz="quarter" idx="4"/>
           </p:nvPr>
         </p:nvSpPr>
         <p:spPr>
           <a:xfrm>
-            <a:off x="4645025" y="1535113"/>
-            <a:ext cx="4041775" cy="639762"/>
-          </a:xfrm>
-        </p:spPr>
-        <p:txBody>
-          <a:bodyPr anchor="b"/>
-          <a:lstStyle>
-            <a:lvl1pPr marL="0" indent="0">
-              <a:buNone/>
-              <a:defRPr sz="2400" b="1"/>
-            </a:lvl1pPr>
-            <a:lvl2pPr marL="457200" indent="0">
-              <a:buNone/>
-              <a:defRPr sz="2000" b="1"/>
-            </a:lvl2pPr>
-            <a:lvl3pPr marL="914400" indent="0">
-              <a:buNone/>
-              <a:defRPr sz="1800" b="1"/>
-            </a:lvl3pPr>
-            <a:lvl4pPr marL="1371600" indent="0">
-              <a:buNone/>
-              <a:defRPr sz="1600" b="1"/>
-            </a:lvl4pPr>
-            <a:lvl5pPr marL="1828800" indent="0">
-              <a:buNone/>
-              <a:defRPr sz="1600" b="1"/>
-            </a:lvl5pPr>
-            <a:lvl6pPr marL="2286000" indent="0">
-              <a:buNone/>
-              <a:defRPr sz="1600" b="1"/>
-            </a:lvl6pPr>
-            <a:lvl7pPr marL="2743200" indent="0">
-              <a:buNone/>
-              <a:defRPr sz="1600" b="1"/>
-            </a:lvl7pPr>
-            <a:lvl8pPr marL="3200400" indent="0">
-              <a:buNone/>
-              <a:defRPr sz="1600" b="1"/>
-            </a:lvl8pPr>
-            <a:lvl9pPr marL="3657600" indent="0">
-              <a:buNone/>
-              <a:defRPr sz="1600" b="1"/>
-            </a:lvl9pPr>
-          </a:lstStyle>
-          <a:p>
-            <a:pPr lvl="0"/>
-            <a:r>
-              <a:rPr kumimoji="1" lang="ja-JP" altLang="en-US" smtClean="0"/>
-              <a:t>マスタ テキストの書式設定</a:t>
-            </a:r>
-          </a:p>
-        </p:txBody>
-      </p:sp>
-      <p:sp>
-        <p:nvSpPr>
-          <p:cNvPr id="6" name="コンテンツ プレースホルダ 5"/>
-          <p:cNvSpPr>
-            <a:spLocks noGrp="1"/>
-          </p:cNvSpPr>
-          <p:nvPr>
-            <p:ph sz="quarter" idx="4"/>
-          </p:nvPr>
-        </p:nvSpPr>
-        <p:spPr>
-          <a:xfrm>
-            <a:off x="4645025" y="2174875"/>
-            <a:ext cx="4041775" cy="3951288"/>
+            <a:off x="4648730" y="1316037"/>
+            <a:ext cx="4288536" cy="3941763"/>
           </a:xfrm>
         </p:spPr>
         <p:txBody>
@@ -1906,92 +1890,80 @@
             <a:lvl5pPr>
               <a:defRPr sz="1600"/>
             </a:lvl5pPr>
-            <a:lvl6pPr>
-              <a:defRPr sz="1600"/>
-            </a:lvl6pPr>
-            <a:lvl7pPr>
-              <a:defRPr sz="1600"/>
-            </a:lvl7pPr>
-            <a:lvl8pPr>
-              <a:defRPr sz="1600"/>
-            </a:lvl8pPr>
-            <a:lvl9pPr>
-              <a:defRPr sz="1600"/>
-            </a:lvl9pPr>
           </a:lstStyle>
           <a:p>
-            <a:pPr lvl="0"/>
-            <a:r>
-              <a:rPr kumimoji="1" lang="ja-JP" altLang="en-US" smtClean="0"/>
+            <a:pPr lvl="0" eaLnBrk="1" latinLnBrk="0" hangingPunct="1"/>
+            <a:r>
+              <a:rPr lang="ja-JP" altLang="en-US" smtClean="0"/>
               <a:t>マスタ テキストの書式設定</a:t>
             </a:r>
           </a:p>
           <a:p>
-            <a:pPr lvl="1"/>
-            <a:r>
-              <a:rPr kumimoji="1" lang="ja-JP" altLang="en-US" smtClean="0"/>
+            <a:pPr lvl="1" eaLnBrk="1" latinLnBrk="0" hangingPunct="1"/>
+            <a:r>
+              <a:rPr lang="ja-JP" altLang="en-US" smtClean="0"/>
               <a:t>第 </a:t>
             </a:r>
             <a:r>
-              <a:rPr kumimoji="1" lang="en-US" altLang="ja-JP" smtClean="0"/>
+              <a:rPr lang="en-US" altLang="ja-JP" smtClean="0"/>
               <a:t>2 </a:t>
             </a:r>
             <a:r>
-              <a:rPr kumimoji="1" lang="ja-JP" altLang="en-US" smtClean="0"/>
+              <a:rPr lang="ja-JP" altLang="en-US" smtClean="0"/>
               <a:t>レベル</a:t>
             </a:r>
           </a:p>
           <a:p>
-            <a:pPr lvl="2"/>
-            <a:r>
-              <a:rPr kumimoji="1" lang="ja-JP" altLang="en-US" smtClean="0"/>
+            <a:pPr lvl="2" eaLnBrk="1" latinLnBrk="0" hangingPunct="1"/>
+            <a:r>
+              <a:rPr lang="ja-JP" altLang="en-US" smtClean="0"/>
               <a:t>第 </a:t>
             </a:r>
             <a:r>
-              <a:rPr kumimoji="1" lang="en-US" altLang="ja-JP" smtClean="0"/>
+              <a:rPr lang="en-US" altLang="ja-JP" smtClean="0"/>
               <a:t>3 </a:t>
             </a:r>
             <a:r>
-              <a:rPr kumimoji="1" lang="ja-JP" altLang="en-US" smtClean="0"/>
+              <a:rPr lang="ja-JP" altLang="en-US" smtClean="0"/>
               <a:t>レベル</a:t>
             </a:r>
           </a:p>
           <a:p>
-            <a:pPr lvl="3"/>
-            <a:r>
-              <a:rPr kumimoji="1" lang="ja-JP" altLang="en-US" smtClean="0"/>
+            <a:pPr lvl="3" eaLnBrk="1" latinLnBrk="0" hangingPunct="1"/>
+            <a:r>
+              <a:rPr lang="ja-JP" altLang="en-US" smtClean="0"/>
               <a:t>第 </a:t>
             </a:r>
             <a:r>
-              <a:rPr kumimoji="1" lang="en-US" altLang="ja-JP" smtClean="0"/>
+              <a:rPr lang="en-US" altLang="ja-JP" smtClean="0"/>
               <a:t>4 </a:t>
             </a:r>
             <a:r>
-              <a:rPr kumimoji="1" lang="ja-JP" altLang="en-US" smtClean="0"/>
+              <a:rPr lang="ja-JP" altLang="en-US" smtClean="0"/>
               <a:t>レベル</a:t>
             </a:r>
           </a:p>
           <a:p>
-            <a:pPr lvl="4"/>
-            <a:r>
-              <a:rPr kumimoji="1" lang="ja-JP" altLang="en-US" smtClean="0"/>
+            <a:pPr lvl="4" eaLnBrk="1" latinLnBrk="0" hangingPunct="1"/>
+            <a:r>
+              <a:rPr lang="ja-JP" altLang="en-US" smtClean="0"/>
               <a:t>第 </a:t>
             </a:r>
             <a:r>
-              <a:rPr kumimoji="1" lang="en-US" altLang="ja-JP" smtClean="0"/>
+              <a:rPr lang="en-US" altLang="ja-JP" smtClean="0"/>
               <a:t>5 </a:t>
             </a:r>
             <a:r>
-              <a:rPr kumimoji="1" lang="ja-JP" altLang="en-US" smtClean="0"/>
+              <a:rPr lang="ja-JP" altLang="en-US" smtClean="0"/>
               <a:t>レベル</a:t>
             </a:r>
-            <a:endParaRPr kumimoji="1" lang="ja-JP" altLang="en-US"/>
-          </a:p>
-        </p:txBody>
-      </p:sp>
-      <p:sp>
-        <p:nvSpPr>
-          <p:cNvPr id="7" name="日付プレースホルダ 6"/>
+            <a:endParaRPr kumimoji="0" lang="en-US"/>
+          </a:p>
+        </p:txBody>
+      </p:sp>
+      <p:sp>
+        <p:nvSpPr>
+          <p:cNvPr id="10" name="日付プレースホルダ 9"/>
           <p:cNvSpPr>
             <a:spLocks noGrp="1"/>
           </p:cNvSpPr>
@@ -2007,7 +1979,7 @@
             <a:fld id="{DE9977B0-5F5F-420C-A4FC-EE0FB58BDCCA}" type="datetimeFigureOut">
               <a:rPr kumimoji="1" lang="ja-JP" altLang="en-US" smtClean="0"/>
               <a:pPr/>
-              <a:t>2014/2/11</a:t>
+              <a:t>2014/2/24</a:t>
             </a:fld>
             <a:endParaRPr kumimoji="1" lang="ja-JP" altLang="en-US"/>
           </a:p>
@@ -2015,7 +1987,7 @@
       </p:sp>
       <p:sp>
         <p:nvSpPr>
-          <p:cNvPr id="8" name="フッター プレースホルダ 7"/>
+          <p:cNvPr id="6" name="フッター プレースホルダ 5"/>
           <p:cNvSpPr>
             <a:spLocks noGrp="1"/>
           </p:cNvSpPr>
@@ -2034,7 +2006,7 @@
       </p:sp>
       <p:sp>
         <p:nvSpPr>
-          <p:cNvPr id="9" name="スライド番号プレースホルダ 8"/>
+          <p:cNvPr id="7" name="スライド番号プレースホルダ 6"/>
           <p:cNvSpPr>
             <a:spLocks noGrp="1"/>
           </p:cNvSpPr>
@@ -2042,7 +2014,12 @@
             <p:ph type="sldNum" sz="quarter" idx="12"/>
           </p:nvPr>
         </p:nvSpPr>
-        <p:spPr/>
+        <p:spPr>
+          <a:xfrm>
+            <a:off x="8229600" y="6477000"/>
+            <a:ext cx="762000" cy="246888"/>
+          </a:xfrm>
+        </p:spPr>
         <p:txBody>
           <a:bodyPr/>
           <a:lstStyle/>
@@ -2053,6 +2030,56 @@
               <a:t>&lt;#&gt;</a:t>
             </a:fld>
             <a:endParaRPr kumimoji="1" lang="ja-JP" altLang="en-US"/>
+          </a:p>
+        </p:txBody>
+      </p:sp>
+      <p:sp>
+        <p:nvSpPr>
+          <p:cNvPr id="11" name="直線コネクタ 10"/>
+          <p:cNvSpPr>
+            <a:spLocks noChangeShapeType="1"/>
+          </p:cNvSpPr>
+          <p:nvPr/>
+        </p:nvSpPr>
+        <p:spPr bwMode="auto">
+          <a:xfrm>
+            <a:off x="514350" y="6019800"/>
+            <a:ext cx="8629650" cy="2381"/>
+          </a:xfrm>
+          <a:prstGeom prst="line">
+            <a:avLst/>
+          </a:prstGeom>
+          <a:noFill/>
+          <a:ln w="9525" cap="flat" cmpd="sng" algn="ctr">
+            <a:gradFill flip="none" rotWithShape="1">
+              <a:gsLst>
+                <a:gs pos="0">
+                  <a:schemeClr val="accent1">
+                    <a:alpha val="0"/>
+                  </a:schemeClr>
+                </a:gs>
+                <a:gs pos="17000">
+                  <a:schemeClr val="accent1"/>
+                </a:gs>
+                <a:gs pos="100000">
+                  <a:schemeClr val="accent1"/>
+                </a:gs>
+              </a:gsLst>
+              <a:lin ang="0" scaled="1"/>
+              <a:tileRect/>
+            </a:gradFill>
+            <a:prstDash val="solid"/>
+            <a:round/>
+            <a:headEnd type="none" w="med" len="med"/>
+            <a:tailEnd type="none" w="med" len="med"/>
+          </a:ln>
+          <a:effectLst/>
+        </p:spPr>
+        <p:txBody>
+          <a:bodyPr vert="horz" wrap="square" lIns="91440" tIns="45720" rIns="91440" bIns="45720" anchor="t" compatLnSpc="1"/>
+          <a:lstStyle/>
+          <a:p>
+            <a:endParaRPr kumimoji="0" lang="en-US"/>
           </a:p>
         </p:txBody>
       </p:sp>
@@ -2083,7 +2110,7 @@
       </p:grpSpPr>
       <p:sp>
         <p:nvSpPr>
-          <p:cNvPr id="2" name="タイトル 1"/>
+          <p:cNvPr id="30" name="タイトル 29"/>
           <p:cNvSpPr>
             <a:spLocks noGrp="1"/>
           </p:cNvSpPr>
@@ -2091,22 +2118,27 @@
             <p:ph type="title"/>
           </p:nvPr>
         </p:nvSpPr>
-        <p:spPr/>
+        <p:spPr>
+          <a:xfrm>
+            <a:off x="301752" y="457200"/>
+            <a:ext cx="8686800" cy="841248"/>
+          </a:xfrm>
+        </p:spPr>
         <p:txBody>
           <a:bodyPr/>
           <a:lstStyle/>
           <a:p>
             <a:r>
-              <a:rPr kumimoji="1" lang="ja-JP" altLang="en-US" smtClean="0"/>
+              <a:rPr kumimoji="0" lang="ja-JP" altLang="en-US" smtClean="0"/>
               <a:t>マスタ タイトルの書式設定</a:t>
             </a:r>
-            <a:endParaRPr kumimoji="1" lang="ja-JP" altLang="en-US"/>
-          </a:p>
-        </p:txBody>
-      </p:sp>
-      <p:sp>
-        <p:nvSpPr>
-          <p:cNvPr id="3" name="日付プレースホルダ 2"/>
+            <a:endParaRPr kumimoji="0" lang="en-US"/>
+          </a:p>
+        </p:txBody>
+      </p:sp>
+      <p:sp>
+        <p:nvSpPr>
+          <p:cNvPr id="12" name="日付プレースホルダ 11"/>
           <p:cNvSpPr>
             <a:spLocks noGrp="1"/>
           </p:cNvSpPr>
@@ -2122,7 +2154,7 @@
             <a:fld id="{DE9977B0-5F5F-420C-A4FC-EE0FB58BDCCA}" type="datetimeFigureOut">
               <a:rPr kumimoji="1" lang="ja-JP" altLang="en-US" smtClean="0"/>
               <a:pPr/>
-              <a:t>2014/2/11</a:t>
+              <a:t>2014/2/24</a:t>
             </a:fld>
             <a:endParaRPr kumimoji="1" lang="ja-JP" altLang="en-US"/>
           </a:p>
@@ -2130,7 +2162,7 @@
       </p:sp>
       <p:sp>
         <p:nvSpPr>
-          <p:cNvPr id="4" name="フッター プレースホルダ 3"/>
+          <p:cNvPr id="21" name="フッター プレースホルダ 20"/>
           <p:cNvSpPr>
             <a:spLocks noGrp="1"/>
           </p:cNvSpPr>
@@ -2149,7 +2181,7 @@
       </p:sp>
       <p:sp>
         <p:nvSpPr>
-          <p:cNvPr id="5" name="スライド番号プレースホルダ 4"/>
+          <p:cNvPr id="6" name="スライド番号プレースホルダ 5"/>
           <p:cNvSpPr>
             <a:spLocks noGrp="1"/>
           </p:cNvSpPr>
@@ -2180,7 +2212,7 @@
 </file>
 
 <file path=ppt/slideLayouts/slideLayout7.xml><?xml version="1.0" encoding="utf-8"?>
-<p:sldLayout xmlns:a="http://schemas.openxmlformats.org/drawingml/2006/main" xmlns:r="http://schemas.openxmlformats.org/officeDocument/2006/relationships" xmlns:p="http://schemas.openxmlformats.org/presentationml/2006/main" type="blank" preserve="1">
+<p:sldLayout xmlns:a="http://schemas.openxmlformats.org/drawingml/2006/main" xmlns:r="http://schemas.openxmlformats.org/officeDocument/2006/relationships" xmlns:p="http://schemas.openxmlformats.org/presentationml/2006/main" showMasterSp="0" type="blank" preserve="1">
   <p:cSld name="白紙">
     <p:spTree>
       <p:nvGrpSpPr>
@@ -2198,7 +2230,7 @@
       </p:grpSpPr>
       <p:sp>
         <p:nvSpPr>
-          <p:cNvPr id="2" name="日付プレースホルダ 1"/>
+          <p:cNvPr id="3" name="日付プレースホルダ 2"/>
           <p:cNvSpPr>
             <a:spLocks noGrp="1"/>
           </p:cNvSpPr>
@@ -2214,7 +2246,7 @@
             <a:fld id="{DE9977B0-5F5F-420C-A4FC-EE0FB58BDCCA}" type="datetimeFigureOut">
               <a:rPr kumimoji="1" lang="ja-JP" altLang="en-US" smtClean="0"/>
               <a:pPr/>
-              <a:t>2014/2/11</a:t>
+              <a:t>2014/2/24</a:t>
             </a:fld>
             <a:endParaRPr kumimoji="1" lang="ja-JP" altLang="en-US"/>
           </a:p>
@@ -2222,7 +2254,7 @@
       </p:sp>
       <p:sp>
         <p:nvSpPr>
-          <p:cNvPr id="3" name="フッター プレースホルダ 2"/>
+          <p:cNvPr id="24" name="フッター プレースホルダ 23"/>
           <p:cNvSpPr>
             <a:spLocks noGrp="1"/>
           </p:cNvSpPr>
@@ -2241,7 +2273,7 @@
       </p:sp>
       <p:sp>
         <p:nvSpPr>
-          <p:cNvPr id="4" name="スライド番号プレースホルダ 3"/>
+          <p:cNvPr id="7" name="スライド番号プレースホルダ 6"/>
           <p:cNvSpPr>
             <a:spLocks noGrp="1"/>
           </p:cNvSpPr>
@@ -2272,7 +2304,7 @@
 </file>
 
 <file path=ppt/slideLayouts/slideLayout8.xml><?xml version="1.0" encoding="utf-8"?>
-<p:sldLayout xmlns:a="http://schemas.openxmlformats.org/drawingml/2006/main" xmlns:r="http://schemas.openxmlformats.org/officeDocument/2006/relationships" xmlns:p="http://schemas.openxmlformats.org/presentationml/2006/main" type="objTx" preserve="1">
+<p:sldLayout xmlns:a="http://schemas.openxmlformats.org/drawingml/2006/main" xmlns:r="http://schemas.openxmlformats.org/officeDocument/2006/relationships" xmlns:p="http://schemas.openxmlformats.org/presentationml/2006/main" showMasterSp="0" type="objTx" preserve="1">
   <p:cSld name="タイトル付きのコンテンツ">
     <p:spTree>
       <p:nvGrpSpPr>
@@ -2290,7 +2322,57 @@
       </p:grpSpPr>
       <p:sp>
         <p:nvSpPr>
-          <p:cNvPr id="2" name="タイトル 1"/>
+          <p:cNvPr id="8" name="直線コネクタ 7"/>
+          <p:cNvSpPr>
+            <a:spLocks noChangeShapeType="1"/>
+          </p:cNvSpPr>
+          <p:nvPr/>
+        </p:nvSpPr>
+        <p:spPr bwMode="auto">
+          <a:xfrm>
+            <a:off x="514350" y="5849117"/>
+            <a:ext cx="8629650" cy="2381"/>
+          </a:xfrm>
+          <a:prstGeom prst="line">
+            <a:avLst/>
+          </a:prstGeom>
+          <a:noFill/>
+          <a:ln w="9525" cap="flat" cmpd="sng" algn="ctr">
+            <a:gradFill flip="none" rotWithShape="1">
+              <a:gsLst>
+                <a:gs pos="0">
+                  <a:schemeClr val="accent1">
+                    <a:alpha val="0"/>
+                  </a:schemeClr>
+                </a:gs>
+                <a:gs pos="17000">
+                  <a:schemeClr val="accent1"/>
+                </a:gs>
+                <a:gs pos="100000">
+                  <a:schemeClr val="accent1"/>
+                </a:gs>
+              </a:gsLst>
+              <a:lin ang="0" scaled="1"/>
+              <a:tileRect/>
+            </a:gradFill>
+            <a:prstDash val="solid"/>
+            <a:round/>
+            <a:headEnd type="none" w="med" len="med"/>
+            <a:tailEnd type="none" w="med" len="med"/>
+          </a:ln>
+          <a:effectLst/>
+        </p:spPr>
+        <p:txBody>
+          <a:bodyPr vert="horz" wrap="square" lIns="91440" tIns="45720" rIns="91440" bIns="45720" anchor="t" compatLnSpc="1"/>
+          <a:lstStyle/>
+          <a:p>
+            <a:endParaRPr kumimoji="0" lang="en-US"/>
+          </a:p>
+        </p:txBody>
+      </p:sp>
+      <p:sp>
+        <p:nvSpPr>
+          <p:cNvPr id="12" name="タイトル 11"/>
           <p:cNvSpPr>
             <a:spLocks noGrp="1"/>
           </p:cNvSpPr>
@@ -2300,40 +2382,90 @@
         </p:nvSpPr>
         <p:spPr>
           <a:xfrm>
-            <a:off x="457200" y="273050"/>
-            <a:ext cx="3008313" cy="1162050"/>
+            <a:off x="457200" y="5486400"/>
+            <a:ext cx="8458200" cy="520700"/>
           </a:xfrm>
         </p:spPr>
         <p:txBody>
-          <a:bodyPr anchor="b"/>
+          <a:bodyPr anchor="ctr"/>
           <a:lstStyle>
             <a:lvl1pPr algn="l">
+              <a:buNone/>
               <a:defRPr sz="2000" b="1"/>
             </a:lvl1pPr>
           </a:lstStyle>
           <a:p>
             <a:r>
-              <a:rPr kumimoji="1" lang="ja-JP" altLang="en-US" smtClean="0"/>
+              <a:rPr kumimoji="0" lang="ja-JP" altLang="en-US" smtClean="0"/>
               <a:t>マスタ タイトルの書式設定</a:t>
             </a:r>
-            <a:endParaRPr kumimoji="1" lang="ja-JP" altLang="en-US"/>
-          </a:p>
-        </p:txBody>
-      </p:sp>
-      <p:sp>
-        <p:nvSpPr>
-          <p:cNvPr id="3" name="コンテンツ プレースホルダ 2"/>
-          <p:cNvSpPr>
-            <a:spLocks noGrp="1"/>
-          </p:cNvSpPr>
-          <p:nvPr>
-            <p:ph idx="1"/>
+            <a:endParaRPr kumimoji="0" lang="en-US"/>
+          </a:p>
+        </p:txBody>
+      </p:sp>
+      <p:sp>
+        <p:nvSpPr>
+          <p:cNvPr id="26" name="テキスト プレースホルダ 25"/>
+          <p:cNvSpPr>
+            <a:spLocks noGrp="1"/>
+          </p:cNvSpPr>
+          <p:nvPr>
+            <p:ph type="body" idx="2"/>
           </p:nvPr>
         </p:nvSpPr>
         <p:spPr>
           <a:xfrm>
-            <a:off x="3575050" y="273050"/>
-            <a:ext cx="5111750" cy="5853113"/>
+            <a:off x="457200" y="609600"/>
+            <a:ext cx="3008313" cy="4800600"/>
+          </a:xfrm>
+        </p:spPr>
+        <p:txBody>
+          <a:bodyPr/>
+          <a:lstStyle>
+            <a:lvl1pPr marL="0" indent="0">
+              <a:buNone/>
+              <a:defRPr sz="1400"/>
+            </a:lvl1pPr>
+            <a:lvl2pPr>
+              <a:buNone/>
+              <a:defRPr sz="1200"/>
+            </a:lvl2pPr>
+            <a:lvl3pPr>
+              <a:buNone/>
+              <a:defRPr sz="1000"/>
+            </a:lvl3pPr>
+            <a:lvl4pPr>
+              <a:buNone/>
+              <a:defRPr sz="900"/>
+            </a:lvl4pPr>
+            <a:lvl5pPr>
+              <a:buNone/>
+              <a:defRPr sz="900"/>
+            </a:lvl5pPr>
+          </a:lstStyle>
+          <a:p>
+            <a:pPr lvl="0" eaLnBrk="1" latinLnBrk="0" hangingPunct="1"/>
+            <a:r>
+              <a:rPr kumimoji="0" lang="ja-JP" altLang="en-US" smtClean="0"/>
+              <a:t>マスタ テキストの書式設定</a:t>
+            </a:r>
+          </a:p>
+        </p:txBody>
+      </p:sp>
+      <p:sp>
+        <p:nvSpPr>
+          <p:cNvPr id="14" name="コンテンツ プレースホルダ 13"/>
+          <p:cNvSpPr>
+            <a:spLocks noGrp="1"/>
+          </p:cNvSpPr>
+          <p:nvPr>
+            <p:ph sz="half" idx="1"/>
+          </p:nvPr>
+        </p:nvSpPr>
+        <p:spPr>
+          <a:xfrm>
+            <a:off x="3575050" y="609600"/>
+            <a:ext cx="5340350" cy="4800600"/>
           </a:xfrm>
         </p:spPr>
         <p:txBody>
@@ -2354,157 +2486,80 @@
             <a:lvl5pPr>
               <a:defRPr sz="2000"/>
             </a:lvl5pPr>
-            <a:lvl6pPr>
-              <a:defRPr sz="2000"/>
-            </a:lvl6pPr>
-            <a:lvl7pPr>
-              <a:defRPr sz="2000"/>
-            </a:lvl7pPr>
-            <a:lvl8pPr>
-              <a:defRPr sz="2000"/>
-            </a:lvl8pPr>
-            <a:lvl9pPr>
-              <a:defRPr sz="2000"/>
-            </a:lvl9pPr>
           </a:lstStyle>
           <a:p>
-            <a:pPr lvl="0"/>
-            <a:r>
-              <a:rPr kumimoji="1" lang="ja-JP" altLang="en-US" smtClean="0"/>
+            <a:pPr lvl="0" eaLnBrk="1" latinLnBrk="0" hangingPunct="1"/>
+            <a:r>
+              <a:rPr lang="ja-JP" altLang="en-US" smtClean="0"/>
               <a:t>マスタ テキストの書式設定</a:t>
             </a:r>
           </a:p>
           <a:p>
-            <a:pPr lvl="1"/>
-            <a:r>
-              <a:rPr kumimoji="1" lang="ja-JP" altLang="en-US" smtClean="0"/>
+            <a:pPr lvl="1" eaLnBrk="1" latinLnBrk="0" hangingPunct="1"/>
+            <a:r>
+              <a:rPr lang="ja-JP" altLang="en-US" smtClean="0"/>
               <a:t>第 </a:t>
             </a:r>
             <a:r>
-              <a:rPr kumimoji="1" lang="en-US" altLang="ja-JP" smtClean="0"/>
+              <a:rPr lang="en-US" altLang="ja-JP" smtClean="0"/>
               <a:t>2 </a:t>
             </a:r>
             <a:r>
-              <a:rPr kumimoji="1" lang="ja-JP" altLang="en-US" smtClean="0"/>
+              <a:rPr lang="ja-JP" altLang="en-US" smtClean="0"/>
               <a:t>レベル</a:t>
             </a:r>
           </a:p>
           <a:p>
-            <a:pPr lvl="2"/>
-            <a:r>
-              <a:rPr kumimoji="1" lang="ja-JP" altLang="en-US" smtClean="0"/>
+            <a:pPr lvl="2" eaLnBrk="1" latinLnBrk="0" hangingPunct="1"/>
+            <a:r>
+              <a:rPr lang="ja-JP" altLang="en-US" smtClean="0"/>
               <a:t>第 </a:t>
             </a:r>
             <a:r>
-              <a:rPr kumimoji="1" lang="en-US" altLang="ja-JP" smtClean="0"/>
+              <a:rPr lang="en-US" altLang="ja-JP" smtClean="0"/>
               <a:t>3 </a:t>
             </a:r>
             <a:r>
-              <a:rPr kumimoji="1" lang="ja-JP" altLang="en-US" smtClean="0"/>
+              <a:rPr lang="ja-JP" altLang="en-US" smtClean="0"/>
               <a:t>レベル</a:t>
             </a:r>
           </a:p>
           <a:p>
-            <a:pPr lvl="3"/>
-            <a:r>
-              <a:rPr kumimoji="1" lang="ja-JP" altLang="en-US" smtClean="0"/>
+            <a:pPr lvl="3" eaLnBrk="1" latinLnBrk="0" hangingPunct="1"/>
+            <a:r>
+              <a:rPr lang="ja-JP" altLang="en-US" smtClean="0"/>
               <a:t>第 </a:t>
             </a:r>
             <a:r>
-              <a:rPr kumimoji="1" lang="en-US" altLang="ja-JP" smtClean="0"/>
+              <a:rPr lang="en-US" altLang="ja-JP" smtClean="0"/>
               <a:t>4 </a:t>
             </a:r>
             <a:r>
-              <a:rPr kumimoji="1" lang="ja-JP" altLang="en-US" smtClean="0"/>
+              <a:rPr lang="ja-JP" altLang="en-US" smtClean="0"/>
               <a:t>レベル</a:t>
             </a:r>
           </a:p>
           <a:p>
-            <a:pPr lvl="4"/>
-            <a:r>
-              <a:rPr kumimoji="1" lang="ja-JP" altLang="en-US" smtClean="0"/>
+            <a:pPr lvl="4" eaLnBrk="1" latinLnBrk="0" hangingPunct="1"/>
+            <a:r>
+              <a:rPr lang="ja-JP" altLang="en-US" smtClean="0"/>
               <a:t>第 </a:t>
             </a:r>
             <a:r>
-              <a:rPr kumimoji="1" lang="en-US" altLang="ja-JP" smtClean="0"/>
+              <a:rPr lang="en-US" altLang="ja-JP" smtClean="0"/>
               <a:t>5 </a:t>
             </a:r>
             <a:r>
-              <a:rPr kumimoji="1" lang="ja-JP" altLang="en-US" smtClean="0"/>
+              <a:rPr lang="ja-JP" altLang="en-US" smtClean="0"/>
               <a:t>レベル</a:t>
             </a:r>
-            <a:endParaRPr kumimoji="1" lang="ja-JP" altLang="en-US"/>
-          </a:p>
-        </p:txBody>
-      </p:sp>
-      <p:sp>
-        <p:nvSpPr>
-          <p:cNvPr id="4" name="テキスト プレースホルダ 3"/>
-          <p:cNvSpPr>
-            <a:spLocks noGrp="1"/>
-          </p:cNvSpPr>
-          <p:nvPr>
-            <p:ph type="body" sz="half" idx="2"/>
-          </p:nvPr>
-        </p:nvSpPr>
-        <p:spPr>
-          <a:xfrm>
-            <a:off x="457200" y="1435100"/>
-            <a:ext cx="3008313" cy="4691063"/>
-          </a:xfrm>
-        </p:spPr>
-        <p:txBody>
-          <a:bodyPr/>
-          <a:lstStyle>
-            <a:lvl1pPr marL="0" indent="0">
-              <a:buNone/>
-              <a:defRPr sz="1400"/>
-            </a:lvl1pPr>
-            <a:lvl2pPr marL="457200" indent="0">
-              <a:buNone/>
-              <a:defRPr sz="1200"/>
-            </a:lvl2pPr>
-            <a:lvl3pPr marL="914400" indent="0">
-              <a:buNone/>
-              <a:defRPr sz="1000"/>
-            </a:lvl3pPr>
-            <a:lvl4pPr marL="1371600" indent="0">
-              <a:buNone/>
-              <a:defRPr sz="900"/>
-            </a:lvl4pPr>
-            <a:lvl5pPr marL="1828800" indent="0">
-              <a:buNone/>
-              <a:defRPr sz="900"/>
-            </a:lvl5pPr>
-            <a:lvl6pPr marL="2286000" indent="0">
-              <a:buNone/>
-              <a:defRPr sz="900"/>
-            </a:lvl6pPr>
-            <a:lvl7pPr marL="2743200" indent="0">
-              <a:buNone/>
-              <a:defRPr sz="900"/>
-            </a:lvl7pPr>
-            <a:lvl8pPr marL="3200400" indent="0">
-              <a:buNone/>
-              <a:defRPr sz="900"/>
-            </a:lvl8pPr>
-            <a:lvl9pPr marL="3657600" indent="0">
-              <a:buNone/>
-              <a:defRPr sz="900"/>
-            </a:lvl9pPr>
-          </a:lstStyle>
-          <a:p>
-            <a:pPr lvl="0"/>
-            <a:r>
-              <a:rPr kumimoji="1" lang="ja-JP" altLang="en-US" smtClean="0"/>
-              <a:t>マスタ テキストの書式設定</a:t>
-            </a:r>
-          </a:p>
-        </p:txBody>
-      </p:sp>
-      <p:sp>
-        <p:nvSpPr>
-          <p:cNvPr id="5" name="日付プレースホルダ 4"/>
+            <a:endParaRPr kumimoji="0" lang="en-US"/>
+          </a:p>
+        </p:txBody>
+      </p:sp>
+      <p:sp>
+        <p:nvSpPr>
+          <p:cNvPr id="25" name="日付プレースホルダ 24"/>
           <p:cNvSpPr>
             <a:spLocks noGrp="1"/>
           </p:cNvSpPr>
@@ -2520,7 +2575,7 @@
             <a:fld id="{DE9977B0-5F5F-420C-A4FC-EE0FB58BDCCA}" type="datetimeFigureOut">
               <a:rPr kumimoji="1" lang="ja-JP" altLang="en-US" smtClean="0"/>
               <a:pPr/>
-              <a:t>2014/2/11</a:t>
+              <a:t>2014/2/24</a:t>
             </a:fld>
             <a:endParaRPr kumimoji="1" lang="ja-JP" altLang="en-US"/>
           </a:p>
@@ -2528,7 +2583,7 @@
       </p:sp>
       <p:sp>
         <p:nvSpPr>
-          <p:cNvPr id="6" name="フッター プレースホルダ 5"/>
+          <p:cNvPr id="29" name="フッター プレースホルダ 28"/>
           <p:cNvSpPr>
             <a:spLocks noGrp="1"/>
           </p:cNvSpPr>
@@ -2578,7 +2633,7 @@
 </file>
 
 <file path=ppt/slideLayouts/slideLayout9.xml><?xml version="1.0" encoding="utf-8"?>
-<p:sldLayout xmlns:a="http://schemas.openxmlformats.org/drawingml/2006/main" xmlns:r="http://schemas.openxmlformats.org/officeDocument/2006/relationships" xmlns:p="http://schemas.openxmlformats.org/presentationml/2006/main" type="picTx" preserve="1">
+<p:sldLayout xmlns:a="http://schemas.openxmlformats.org/drawingml/2006/main" xmlns:r="http://schemas.openxmlformats.org/officeDocument/2006/relationships" xmlns:p="http://schemas.openxmlformats.org/presentationml/2006/main" showMasterSp="0" type="picTx" preserve="1">
   <p:cSld name="タイトル付きの図">
     <p:spTree>
       <p:nvGrpSpPr>
@@ -2596,51 +2651,30 @@
       </p:grpSpPr>
       <p:sp>
         <p:nvSpPr>
-          <p:cNvPr id="2" name="タイトル 1"/>
-          <p:cNvSpPr>
-            <a:spLocks noGrp="1"/>
-          </p:cNvSpPr>
-          <p:nvPr>
-            <p:ph type="title"/>
+          <p:cNvPr id="13" name="図プレースホルダ 12"/>
+          <p:cNvSpPr>
+            <a:spLocks noGrp="1"/>
+          </p:cNvSpPr>
+          <p:nvPr>
+            <p:ph type="pic" idx="1"/>
           </p:nvPr>
         </p:nvSpPr>
         <p:spPr>
           <a:xfrm>
-            <a:off x="1792288" y="4800600"/>
-            <a:ext cx="5486400" cy="566738"/>
+            <a:off x="3505200" y="616634"/>
+            <a:ext cx="5029200" cy="3657600"/>
           </a:xfrm>
-        </p:spPr>
-        <p:txBody>
-          <a:bodyPr anchor="b"/>
-          <a:lstStyle>
-            <a:lvl1pPr algn="l">
-              <a:defRPr sz="2000" b="1"/>
-            </a:lvl1pPr>
-          </a:lstStyle>
-          <a:p>
-            <a:r>
-              <a:rPr kumimoji="1" lang="ja-JP" altLang="en-US" smtClean="0"/>
-              <a:t>マスタ タイトルの書式設定</a:t>
-            </a:r>
-            <a:endParaRPr kumimoji="1" lang="ja-JP" altLang="en-US"/>
-          </a:p>
-        </p:txBody>
-      </p:sp>
-      <p:sp>
-        <p:nvSpPr>
-          <p:cNvPr id="3" name="図プレースホルダ 2"/>
-          <p:cNvSpPr>
-            <a:spLocks noGrp="1"/>
-          </p:cNvSpPr>
-          <p:nvPr>
-            <p:ph type="pic" idx="1"/>
-          </p:nvPr>
-        </p:nvSpPr>
-        <p:spPr>
-          <a:xfrm>
-            <a:off x="1792288" y="612775"/>
-            <a:ext cx="5486400" cy="4114800"/>
-          </a:xfrm>
+          <a:solidFill>
+            <a:schemeClr val="bg1"/>
+          </a:solidFill>
+          <a:ln w="6350">
+            <a:solidFill>
+              <a:schemeClr val="accent1"/>
+            </a:solidFill>
+          </a:ln>
+          <a:effectLst>
+            <a:reflection blurRad="1000" stA="49000" endA="500" endPos="10000" dist="900" dir="5400000" sy="-90000" algn="bl" rotWithShape="0"/>
+          </a:effectLst>
         </p:spPr>
         <p:txBody>
           <a:bodyPr/>
@@ -2649,112 +2683,19 @@
               <a:buNone/>
               <a:defRPr sz="3200"/>
             </a:lvl1pPr>
-            <a:lvl2pPr marL="457200" indent="0">
-              <a:buNone/>
-              <a:defRPr sz="2800"/>
-            </a:lvl2pPr>
-            <a:lvl3pPr marL="914400" indent="0">
-              <a:buNone/>
-              <a:defRPr sz="2400"/>
-            </a:lvl3pPr>
-            <a:lvl4pPr marL="1371600" indent="0">
-              <a:buNone/>
-              <a:defRPr sz="2000"/>
-            </a:lvl4pPr>
-            <a:lvl5pPr marL="1828800" indent="0">
-              <a:buNone/>
-              <a:defRPr sz="2000"/>
-            </a:lvl5pPr>
-            <a:lvl6pPr marL="2286000" indent="0">
-              <a:buNone/>
-              <a:defRPr sz="2000"/>
-            </a:lvl6pPr>
-            <a:lvl7pPr marL="2743200" indent="0">
-              <a:buNone/>
-              <a:defRPr sz="2000"/>
-            </a:lvl7pPr>
-            <a:lvl8pPr marL="3200400" indent="0">
-              <a:buNone/>
-              <a:defRPr sz="2000"/>
-            </a:lvl8pPr>
-            <a:lvl9pPr marL="3657600" indent="0">
-              <a:buNone/>
-              <a:defRPr sz="2000"/>
-            </a:lvl9pPr>
           </a:lstStyle>
           <a:p>
-            <a:endParaRPr kumimoji="1" lang="ja-JP" altLang="en-US"/>
-          </a:p>
-        </p:txBody>
-      </p:sp>
-      <p:sp>
-        <p:nvSpPr>
-          <p:cNvPr id="4" name="テキスト プレースホルダ 3"/>
-          <p:cNvSpPr>
-            <a:spLocks noGrp="1"/>
-          </p:cNvSpPr>
-          <p:nvPr>
-            <p:ph type="body" sz="half" idx="2"/>
-          </p:nvPr>
-        </p:nvSpPr>
-        <p:spPr>
-          <a:xfrm>
-            <a:off x="1792288" y="5367338"/>
-            <a:ext cx="5486400" cy="804862"/>
-          </a:xfrm>
-        </p:spPr>
-        <p:txBody>
-          <a:bodyPr/>
-          <a:lstStyle>
-            <a:lvl1pPr marL="0" indent="0">
-              <a:buNone/>
-              <a:defRPr sz="1400"/>
-            </a:lvl1pPr>
-            <a:lvl2pPr marL="457200" indent="0">
-              <a:buNone/>
-              <a:defRPr sz="1200"/>
-            </a:lvl2pPr>
-            <a:lvl3pPr marL="914400" indent="0">
-              <a:buNone/>
-              <a:defRPr sz="1000"/>
-            </a:lvl3pPr>
-            <a:lvl4pPr marL="1371600" indent="0">
-              <a:buNone/>
-              <a:defRPr sz="900"/>
-            </a:lvl4pPr>
-            <a:lvl5pPr marL="1828800" indent="0">
-              <a:buNone/>
-              <a:defRPr sz="900"/>
-            </a:lvl5pPr>
-            <a:lvl6pPr marL="2286000" indent="0">
-              <a:buNone/>
-              <a:defRPr sz="900"/>
-            </a:lvl6pPr>
-            <a:lvl7pPr marL="2743200" indent="0">
-              <a:buNone/>
-              <a:defRPr sz="900"/>
-            </a:lvl7pPr>
-            <a:lvl8pPr marL="3200400" indent="0">
-              <a:buNone/>
-              <a:defRPr sz="900"/>
-            </a:lvl8pPr>
-            <a:lvl9pPr marL="3657600" indent="0">
-              <a:buNone/>
-              <a:defRPr sz="900"/>
-            </a:lvl9pPr>
-          </a:lstStyle>
-          <a:p>
-            <a:pPr lvl="0"/>
-            <a:r>
-              <a:rPr kumimoji="1" lang="ja-JP" altLang="en-US" smtClean="0"/>
-              <a:t>マスタ テキストの書式設定</a:t>
-            </a:r>
-          </a:p>
-        </p:txBody>
-      </p:sp>
-      <p:sp>
-        <p:nvSpPr>
-          <p:cNvPr id="5" name="日付プレースホルダ 4"/>
+            <a:r>
+              <a:rPr kumimoji="0" lang="ja-JP" altLang="en-US" smtClean="0"/>
+              <a:t>アイコンをクリックして図を追加</a:t>
+            </a:r>
+            <a:endParaRPr kumimoji="0" lang="en-US" dirty="0"/>
+          </a:p>
+        </p:txBody>
+      </p:sp>
+      <p:sp>
+        <p:nvSpPr>
+          <p:cNvPr id="7" name="日付プレースホルダ 6"/>
           <p:cNvSpPr>
             <a:spLocks noGrp="1"/>
           </p:cNvSpPr>
@@ -2770,7 +2711,7 @@
             <a:fld id="{DE9977B0-5F5F-420C-A4FC-EE0FB58BDCCA}" type="datetimeFigureOut">
               <a:rPr kumimoji="1" lang="ja-JP" altLang="en-US" smtClean="0"/>
               <a:pPr/>
-              <a:t>2014/2/11</a:t>
+              <a:t>2014/2/24</a:t>
             </a:fld>
             <a:endParaRPr kumimoji="1" lang="ja-JP" altLang="en-US"/>
           </a:p>
@@ -2778,7 +2719,7 @@
       </p:sp>
       <p:sp>
         <p:nvSpPr>
-          <p:cNvPr id="6" name="フッター プレースホルダ 5"/>
+          <p:cNvPr id="5" name="フッター プレースホルダ 4"/>
           <p:cNvSpPr>
             <a:spLocks noGrp="1"/>
           </p:cNvSpPr>
@@ -2797,7 +2738,7 @@
       </p:sp>
       <p:sp>
         <p:nvSpPr>
-          <p:cNvPr id="7" name="スライド番号プレースホルダ 6"/>
+          <p:cNvPr id="31" name="スライド番号プレースホルダ 30"/>
           <p:cNvSpPr>
             <a:spLocks noGrp="1"/>
           </p:cNvSpPr>
@@ -2816,6 +2757,84 @@
               <a:t>&lt;#&gt;</a:t>
             </a:fld>
             <a:endParaRPr kumimoji="1" lang="ja-JP" altLang="en-US"/>
+          </a:p>
+        </p:txBody>
+      </p:sp>
+      <p:sp>
+        <p:nvSpPr>
+          <p:cNvPr id="17" name="タイトル 16"/>
+          <p:cNvSpPr>
+            <a:spLocks noGrp="1"/>
+          </p:cNvSpPr>
+          <p:nvPr>
+            <p:ph type="title"/>
+          </p:nvPr>
+        </p:nvSpPr>
+        <p:spPr>
+          <a:xfrm>
+            <a:off x="381000" y="4993760"/>
+            <a:ext cx="5867400" cy="522288"/>
+          </a:xfrm>
+        </p:spPr>
+        <p:txBody>
+          <a:bodyPr anchor="ctr"/>
+          <a:lstStyle>
+            <a:lvl1pPr algn="l">
+              <a:buNone/>
+              <a:defRPr sz="2000" b="1"/>
+            </a:lvl1pPr>
+          </a:lstStyle>
+          <a:p>
+            <a:r>
+              <a:rPr kumimoji="0" lang="ja-JP" altLang="en-US" smtClean="0"/>
+              <a:t>マスタ タイトルの書式設定</a:t>
+            </a:r>
+            <a:endParaRPr kumimoji="0" lang="en-US"/>
+          </a:p>
+        </p:txBody>
+      </p:sp>
+      <p:sp>
+        <p:nvSpPr>
+          <p:cNvPr id="26" name="テキスト プレースホルダ 25"/>
+          <p:cNvSpPr>
+            <a:spLocks noGrp="1"/>
+          </p:cNvSpPr>
+          <p:nvPr>
+            <p:ph type="body" sz="half" idx="2"/>
+          </p:nvPr>
+        </p:nvSpPr>
+        <p:spPr>
+          <a:xfrm>
+            <a:off x="381000" y="5533218"/>
+            <a:ext cx="5867400" cy="768350"/>
+          </a:xfrm>
+        </p:spPr>
+        <p:txBody>
+          <a:bodyPr lIns="109728" tIns="0"/>
+          <a:lstStyle>
+            <a:lvl1pPr marL="0" indent="0">
+              <a:buNone/>
+              <a:defRPr sz="1400"/>
+            </a:lvl1pPr>
+            <a:lvl2pPr>
+              <a:defRPr sz="1200"/>
+            </a:lvl2pPr>
+            <a:lvl3pPr>
+              <a:defRPr sz="1000"/>
+            </a:lvl3pPr>
+            <a:lvl4pPr>
+              <a:defRPr sz="900"/>
+            </a:lvl4pPr>
+            <a:lvl5pPr>
+              <a:defRPr sz="900"/>
+            </a:lvl5pPr>
+          </a:lstStyle>
+          <a:p>
+            <a:pPr lvl="0" eaLnBrk="1" latinLnBrk="0" hangingPunct="1"/>
+            <a:r>
+              <a:rPr kumimoji="0" lang="ja-JP" altLang="en-US" smtClean="0"/>
+              <a:t>マスタ テキストの書式設定</a:t>
+            </a:r>
           </a:p>
         </p:txBody>
       </p:sp>
@@ -2831,8 +2850,8 @@
 <p:sldMaster xmlns:a="http://schemas.openxmlformats.org/drawingml/2006/main" xmlns:r="http://schemas.openxmlformats.org/officeDocument/2006/relationships" xmlns:p="http://schemas.openxmlformats.org/presentationml/2006/main">
   <p:cSld>
     <p:bg>
-      <p:bgRef idx="1001">
-        <a:schemeClr val="bg1"/>
+      <p:bgRef idx="1003">
+        <a:schemeClr val="bg2"/>
       </p:bgRef>
     </p:bg>
     <p:spTree>
@@ -2851,237 +2870,254 @@
       </p:grpSpPr>
       <p:sp>
         <p:nvSpPr>
-          <p:cNvPr id="2" name="タイトル プレースホルダ 1"/>
-          <p:cNvSpPr>
-            <a:spLocks noGrp="1"/>
-          </p:cNvSpPr>
-          <p:nvPr>
-            <p:ph type="title"/>
+          <p:cNvPr id="7" name="直線コネクタ 6"/>
+          <p:cNvSpPr>
+            <a:spLocks noChangeShapeType="1"/>
+          </p:cNvSpPr>
+          <p:nvPr/>
+        </p:nvSpPr>
+        <p:spPr bwMode="auto">
+          <a:xfrm>
+            <a:off x="514350" y="1050898"/>
+            <a:ext cx="8629650" cy="2381"/>
+          </a:xfrm>
+          <a:prstGeom prst="line">
+            <a:avLst/>
+          </a:prstGeom>
+          <a:noFill/>
+          <a:ln w="9525" cap="flat" cmpd="sng" algn="ctr">
+            <a:gradFill flip="none" rotWithShape="1">
+              <a:gsLst>
+                <a:gs pos="0">
+                  <a:schemeClr val="accent1">
+                    <a:alpha val="0"/>
+                  </a:schemeClr>
+                </a:gs>
+                <a:gs pos="17000">
+                  <a:schemeClr val="accent1"/>
+                </a:gs>
+                <a:gs pos="100000">
+                  <a:schemeClr val="accent1"/>
+                </a:gs>
+              </a:gsLst>
+              <a:lin ang="0" scaled="1"/>
+              <a:tileRect/>
+            </a:gradFill>
+            <a:prstDash val="solid"/>
+            <a:round/>
+            <a:headEnd type="none" w="med" len="med"/>
+            <a:tailEnd type="none" w="med" len="med"/>
+          </a:ln>
+          <a:effectLst/>
+        </p:spPr>
+        <p:txBody>
+          <a:bodyPr vert="horz" wrap="square" lIns="91440" tIns="45720" rIns="91440" bIns="45720" anchor="t" compatLnSpc="1"/>
+          <a:lstStyle/>
+          <a:p>
+            <a:endParaRPr kumimoji="0" lang="en-US"/>
+          </a:p>
+        </p:txBody>
+      </p:sp>
+      <p:sp>
+        <p:nvSpPr>
+          <p:cNvPr id="8" name="テキスト プレースホルダ 7"/>
+          <p:cNvSpPr>
+            <a:spLocks noGrp="1"/>
+          </p:cNvSpPr>
+          <p:nvPr>
+            <p:ph type="body" idx="1"/>
           </p:nvPr>
         </p:nvSpPr>
         <p:spPr>
           <a:xfrm>
-            <a:off x="457200" y="274638"/>
-            <a:ext cx="8229600" cy="1143000"/>
+            <a:off x="304800" y="1554162"/>
+            <a:ext cx="8686800" cy="4525963"/>
           </a:xfrm>
           <a:prstGeom prst="rect">
             <a:avLst/>
           </a:prstGeom>
         </p:spPr>
         <p:txBody>
-          <a:bodyPr vert="horz" lIns="91440" tIns="45720" rIns="91440" bIns="45720" rtlCol="0" anchor="ctr">
+          <a:bodyPr vert="horz">
             <a:normAutofit/>
           </a:bodyPr>
           <a:lstStyle/>
           <a:p>
-            <a:r>
-              <a:rPr kumimoji="1" lang="ja-JP" altLang="en-US" smtClean="0"/>
-              <a:t>マスタ タイトルの書式設定</a:t>
-            </a:r>
-            <a:endParaRPr kumimoji="1" lang="ja-JP" altLang="en-US"/>
-          </a:p>
-        </p:txBody>
-      </p:sp>
-      <p:sp>
-        <p:nvSpPr>
-          <p:cNvPr id="3" name="テキスト プレースホルダ 2"/>
-          <p:cNvSpPr>
-            <a:spLocks noGrp="1"/>
-          </p:cNvSpPr>
-          <p:nvPr>
-            <p:ph type="body" idx="1"/>
+            <a:pPr lvl="0" eaLnBrk="1" latinLnBrk="0" hangingPunct="1"/>
+            <a:r>
+              <a:rPr kumimoji="0" lang="ja-JP" altLang="en-US" smtClean="0"/>
+              <a:t>マスタ テキストの書式設定</a:t>
+            </a:r>
+          </a:p>
+          <a:p>
+            <a:pPr lvl="1" eaLnBrk="1" latinLnBrk="0" hangingPunct="1"/>
+            <a:r>
+              <a:rPr kumimoji="0" lang="ja-JP" altLang="en-US" smtClean="0"/>
+              <a:t>第 </a:t>
+            </a:r>
+            <a:r>
+              <a:rPr kumimoji="0" lang="en-US" altLang="ja-JP" smtClean="0"/>
+              <a:t>2 </a:t>
+            </a:r>
+            <a:r>
+              <a:rPr kumimoji="0" lang="ja-JP" altLang="en-US" smtClean="0"/>
+              <a:t>レベル</a:t>
+            </a:r>
+          </a:p>
+          <a:p>
+            <a:pPr lvl="2" eaLnBrk="1" latinLnBrk="0" hangingPunct="1"/>
+            <a:r>
+              <a:rPr kumimoji="0" lang="ja-JP" altLang="en-US" smtClean="0"/>
+              <a:t>第 </a:t>
+            </a:r>
+            <a:r>
+              <a:rPr kumimoji="0" lang="en-US" altLang="ja-JP" smtClean="0"/>
+              <a:t>3 </a:t>
+            </a:r>
+            <a:r>
+              <a:rPr kumimoji="0" lang="ja-JP" altLang="en-US" smtClean="0"/>
+              <a:t>レベル</a:t>
+            </a:r>
+          </a:p>
+          <a:p>
+            <a:pPr lvl="3" eaLnBrk="1" latinLnBrk="0" hangingPunct="1"/>
+            <a:r>
+              <a:rPr kumimoji="0" lang="ja-JP" altLang="en-US" smtClean="0"/>
+              <a:t>第 </a:t>
+            </a:r>
+            <a:r>
+              <a:rPr kumimoji="0" lang="en-US" altLang="ja-JP" smtClean="0"/>
+              <a:t>4 </a:t>
+            </a:r>
+            <a:r>
+              <a:rPr kumimoji="0" lang="ja-JP" altLang="en-US" smtClean="0"/>
+              <a:t>レベル</a:t>
+            </a:r>
+          </a:p>
+          <a:p>
+            <a:pPr lvl="4" eaLnBrk="1" latinLnBrk="0" hangingPunct="1"/>
+            <a:r>
+              <a:rPr kumimoji="0" lang="ja-JP" altLang="en-US" smtClean="0"/>
+              <a:t>第 </a:t>
+            </a:r>
+            <a:r>
+              <a:rPr kumimoji="0" lang="en-US" altLang="ja-JP" smtClean="0"/>
+              <a:t>5 </a:t>
+            </a:r>
+            <a:r>
+              <a:rPr kumimoji="0" lang="ja-JP" altLang="en-US" smtClean="0"/>
+              <a:t>レベル</a:t>
+            </a:r>
+            <a:endParaRPr kumimoji="0" lang="en-US"/>
+          </a:p>
+        </p:txBody>
+      </p:sp>
+      <p:sp>
+        <p:nvSpPr>
+          <p:cNvPr id="11" name="日付プレースホルダ 10"/>
+          <p:cNvSpPr>
+            <a:spLocks noGrp="1"/>
+          </p:cNvSpPr>
+          <p:nvPr>
+            <p:ph type="dt" sz="half" idx="2"/>
           </p:nvPr>
         </p:nvSpPr>
         <p:spPr>
           <a:xfrm>
-            <a:off x="457200" y="1600200"/>
-            <a:ext cx="8229600" cy="4525963"/>
+            <a:off x="6477000" y="76200"/>
+            <a:ext cx="2514600" cy="288925"/>
           </a:xfrm>
           <a:prstGeom prst="rect">
             <a:avLst/>
           </a:prstGeom>
         </p:spPr>
         <p:txBody>
-          <a:bodyPr vert="horz" lIns="91440" tIns="45720" rIns="91440" bIns="45720" rtlCol="0">
-            <a:normAutofit/>
-          </a:bodyPr>
-          <a:lstStyle/>
-          <a:p>
-            <a:pPr lvl="0"/>
-            <a:r>
+          <a:bodyPr vert="horz"/>
+          <a:lstStyle>
+            <a:lvl1pPr algn="l" eaLnBrk="1" latinLnBrk="0" hangingPunct="1">
+              <a:defRPr kumimoji="0" sz="1200">
+                <a:solidFill>
+                  <a:schemeClr val="accent1">
+                    <a:shade val="75000"/>
+                  </a:schemeClr>
+                </a:solidFill>
+              </a:defRPr>
+            </a:lvl1pPr>
+          </a:lstStyle>
+          <a:p>
+            <a:fld id="{DE9977B0-5F5F-420C-A4FC-EE0FB58BDCCA}" type="datetimeFigureOut">
               <a:rPr kumimoji="1" lang="ja-JP" altLang="en-US" smtClean="0"/>
-              <a:t>マスタ テキストの書式設定</a:t>
-            </a:r>
-          </a:p>
-          <a:p>
-            <a:pPr lvl="1"/>
-            <a:r>
-              <a:rPr kumimoji="1" lang="ja-JP" altLang="en-US" smtClean="0"/>
-              <a:t>第 </a:t>
-            </a:r>
-            <a:r>
-              <a:rPr kumimoji="1" lang="en-US" altLang="ja-JP" smtClean="0"/>
-              <a:t>2 </a:t>
-            </a:r>
-            <a:r>
-              <a:rPr kumimoji="1" lang="ja-JP" altLang="en-US" smtClean="0"/>
-              <a:t>レベル</a:t>
-            </a:r>
-          </a:p>
-          <a:p>
-            <a:pPr lvl="2"/>
-            <a:r>
-              <a:rPr kumimoji="1" lang="ja-JP" altLang="en-US" smtClean="0"/>
-              <a:t>第 </a:t>
-            </a:r>
-            <a:r>
-              <a:rPr kumimoji="1" lang="en-US" altLang="ja-JP" smtClean="0"/>
-              <a:t>3 </a:t>
-            </a:r>
-            <a:r>
-              <a:rPr kumimoji="1" lang="ja-JP" altLang="en-US" smtClean="0"/>
-              <a:t>レベル</a:t>
-            </a:r>
-          </a:p>
-          <a:p>
-            <a:pPr lvl="3"/>
-            <a:r>
-              <a:rPr kumimoji="1" lang="ja-JP" altLang="en-US" smtClean="0"/>
-              <a:t>第 </a:t>
-            </a:r>
-            <a:r>
-              <a:rPr kumimoji="1" lang="en-US" altLang="ja-JP" smtClean="0"/>
-              <a:t>4 </a:t>
-            </a:r>
-            <a:r>
-              <a:rPr kumimoji="1" lang="ja-JP" altLang="en-US" smtClean="0"/>
-              <a:t>レベル</a:t>
-            </a:r>
-          </a:p>
-          <a:p>
-            <a:pPr lvl="4"/>
-            <a:r>
-              <a:rPr kumimoji="1" lang="ja-JP" altLang="en-US" smtClean="0"/>
-              <a:t>第 </a:t>
-            </a:r>
-            <a:r>
-              <a:rPr kumimoji="1" lang="en-US" altLang="ja-JP" smtClean="0"/>
-              <a:t>5 </a:t>
-            </a:r>
-            <a:r>
-              <a:rPr kumimoji="1" lang="ja-JP" altLang="en-US" smtClean="0"/>
-              <a:t>レベル</a:t>
-            </a:r>
+              <a:pPr/>
+              <a:t>2014/2/24</a:t>
+            </a:fld>
             <a:endParaRPr kumimoji="1" lang="ja-JP" altLang="en-US"/>
           </a:p>
         </p:txBody>
       </p:sp>
       <p:sp>
         <p:nvSpPr>
-          <p:cNvPr id="4" name="日付プレースホルダ 3"/>
-          <p:cNvSpPr>
-            <a:spLocks noGrp="1"/>
-          </p:cNvSpPr>
-          <p:nvPr>
-            <p:ph type="dt" sz="half" idx="2"/>
+          <p:cNvPr id="28" name="フッター プレースホルダ 27"/>
+          <p:cNvSpPr>
+            <a:spLocks noGrp="1"/>
+          </p:cNvSpPr>
+          <p:nvPr>
+            <p:ph type="ftr" sz="quarter" idx="3"/>
           </p:nvPr>
         </p:nvSpPr>
         <p:spPr>
           <a:xfrm>
-            <a:off x="457200" y="6356350"/>
-            <a:ext cx="2133600" cy="365125"/>
+            <a:off x="3124200" y="76200"/>
+            <a:ext cx="3352800" cy="288925"/>
           </a:xfrm>
           <a:prstGeom prst="rect">
             <a:avLst/>
           </a:prstGeom>
         </p:spPr>
         <p:txBody>
-          <a:bodyPr vert="horz" lIns="91440" tIns="45720" rIns="91440" bIns="45720" rtlCol="0" anchor="ctr"/>
+          <a:bodyPr vert="horz"/>
           <a:lstStyle>
-            <a:lvl1pPr algn="l">
-              <a:defRPr sz="1200">
+            <a:lvl1pPr algn="r" eaLnBrk="1" latinLnBrk="0" hangingPunct="1">
+              <a:defRPr kumimoji="0" sz="1200">
                 <a:solidFill>
-                  <a:schemeClr val="tx1">
-                    <a:tint val="75000"/>
+                  <a:schemeClr val="accent1">
+                    <a:shade val="75000"/>
                   </a:schemeClr>
                 </a:solidFill>
               </a:defRPr>
             </a:lvl1pPr>
           </a:lstStyle>
           <a:p>
-            <a:fld id="{DE9977B0-5F5F-420C-A4FC-EE0FB58BDCCA}" type="datetimeFigureOut">
-              <a:rPr kumimoji="1" lang="ja-JP" altLang="en-US" smtClean="0"/>
-              <a:pPr/>
-              <a:t>2014/2/11</a:t>
-            </a:fld>
             <a:endParaRPr kumimoji="1" lang="ja-JP" altLang="en-US"/>
           </a:p>
         </p:txBody>
       </p:sp>
       <p:sp>
         <p:nvSpPr>
-          <p:cNvPr id="5" name="フッター プレースホルダ 4"/>
-          <p:cNvSpPr>
-            <a:spLocks noGrp="1"/>
-          </p:cNvSpPr>
-          <p:nvPr>
-            <p:ph type="ftr" sz="quarter" idx="3"/>
+          <p:cNvPr id="5" name="スライド番号プレースホルダ 4"/>
+          <p:cNvSpPr>
+            <a:spLocks noGrp="1"/>
+          </p:cNvSpPr>
+          <p:nvPr>
+            <p:ph type="sldNum" sz="quarter" idx="4"/>
           </p:nvPr>
         </p:nvSpPr>
         <p:spPr>
           <a:xfrm>
-            <a:off x="3124200" y="6356350"/>
-            <a:ext cx="2895600" cy="365125"/>
+            <a:off x="8229600" y="6477000"/>
+            <a:ext cx="762000" cy="244475"/>
           </a:xfrm>
           <a:prstGeom prst="rect">
             <a:avLst/>
           </a:prstGeom>
         </p:spPr>
         <p:txBody>
-          <a:bodyPr vert="horz" lIns="91440" tIns="45720" rIns="91440" bIns="45720" rtlCol="0" anchor="ctr"/>
+          <a:bodyPr vert="horz"/>
           <a:lstStyle>
-            <a:lvl1pPr algn="ctr">
-              <a:defRPr sz="1200">
+            <a:lvl1pPr algn="r" eaLnBrk="1" latinLnBrk="0" hangingPunct="1">
+              <a:defRPr kumimoji="0" sz="1200">
                 <a:solidFill>
-                  <a:schemeClr val="tx1">
-                    <a:tint val="75000"/>
-                  </a:schemeClr>
-                </a:solidFill>
-              </a:defRPr>
-            </a:lvl1pPr>
-          </a:lstStyle>
-          <a:p>
-            <a:endParaRPr kumimoji="1" lang="ja-JP" altLang="en-US"/>
-          </a:p>
-        </p:txBody>
-      </p:sp>
-      <p:sp>
-        <p:nvSpPr>
-          <p:cNvPr id="6" name="スライド番号プレースホルダ 5"/>
-          <p:cNvSpPr>
-            <a:spLocks noGrp="1"/>
-          </p:cNvSpPr>
-          <p:nvPr>
-            <p:ph type="sldNum" sz="quarter" idx="4"/>
-          </p:nvPr>
-        </p:nvSpPr>
-        <p:spPr>
-          <a:xfrm>
-            <a:off x="6553200" y="6356350"/>
-            <a:ext cx="2133600" cy="365125"/>
-          </a:xfrm>
-          <a:prstGeom prst="rect">
-            <a:avLst/>
-          </a:prstGeom>
-        </p:spPr>
-        <p:txBody>
-          <a:bodyPr vert="horz" lIns="91440" tIns="45720" rIns="91440" bIns="45720" rtlCol="0" anchor="ctr"/>
-          <a:lstStyle>
-            <a:lvl1pPr algn="r">
-              <a:defRPr sz="1200">
-                <a:solidFill>
-                  <a:schemeClr val="tx1">
-                    <a:tint val="75000"/>
+                  <a:schemeClr val="accent1">
+                    <a:shade val="75000"/>
                   </a:schemeClr>
                 </a:solidFill>
               </a:defRPr>
@@ -3097,33 +3133,169 @@
           </a:p>
         </p:txBody>
       </p:sp>
+      <p:sp>
+        <p:nvSpPr>
+          <p:cNvPr id="10" name="タイトル プレースホルダ 9"/>
+          <p:cNvSpPr>
+            <a:spLocks noGrp="1"/>
+          </p:cNvSpPr>
+          <p:nvPr>
+            <p:ph type="title"/>
+          </p:nvPr>
+        </p:nvSpPr>
+        <p:spPr>
+          <a:xfrm>
+            <a:off x="304800" y="457200"/>
+            <a:ext cx="8686800" cy="838200"/>
+          </a:xfrm>
+          <a:prstGeom prst="rect">
+            <a:avLst/>
+          </a:prstGeom>
+        </p:spPr>
+        <p:txBody>
+          <a:bodyPr vert="horz" anchor="ctr">
+            <a:normAutofit/>
+          </a:bodyPr>
+          <a:lstStyle/>
+          <a:p>
+            <a:r>
+              <a:rPr kumimoji="0" lang="ja-JP" altLang="en-US" smtClean="0"/>
+              <a:t>マスタ タイトルの書式設定</a:t>
+            </a:r>
+            <a:endParaRPr kumimoji="0" lang="en-US"/>
+          </a:p>
+        </p:txBody>
+      </p:sp>
+      <p:sp>
+        <p:nvSpPr>
+          <p:cNvPr id="9" name="直線コネクタ 8"/>
+          <p:cNvSpPr>
+            <a:spLocks noChangeShapeType="1"/>
+          </p:cNvSpPr>
+          <p:nvPr/>
+        </p:nvSpPr>
+        <p:spPr bwMode="auto">
+          <a:xfrm>
+            <a:off x="514350" y="1050898"/>
+            <a:ext cx="8629650" cy="2381"/>
+          </a:xfrm>
+          <a:prstGeom prst="line">
+            <a:avLst/>
+          </a:prstGeom>
+          <a:noFill/>
+          <a:ln w="9525" cap="flat" cmpd="sng" algn="ctr">
+            <a:gradFill flip="none" rotWithShape="1">
+              <a:gsLst>
+                <a:gs pos="0">
+                  <a:schemeClr val="accent1">
+                    <a:alpha val="0"/>
+                  </a:schemeClr>
+                </a:gs>
+                <a:gs pos="17000">
+                  <a:schemeClr val="accent1"/>
+                </a:gs>
+                <a:gs pos="100000">
+                  <a:schemeClr val="accent1"/>
+                </a:gs>
+              </a:gsLst>
+              <a:lin ang="0" scaled="1"/>
+              <a:tileRect/>
+            </a:gradFill>
+            <a:prstDash val="solid"/>
+            <a:round/>
+            <a:headEnd type="none" w="med" len="med"/>
+            <a:tailEnd type="none" w="med" len="med"/>
+          </a:ln>
+          <a:effectLst/>
+        </p:spPr>
+        <p:txBody>
+          <a:bodyPr vert="horz" wrap="square" lIns="91440" tIns="45720" rIns="91440" bIns="45720" anchor="t" compatLnSpc="1"/>
+          <a:lstStyle/>
+          <a:p>
+            <a:endParaRPr kumimoji="0" lang="en-US"/>
+          </a:p>
+        </p:txBody>
+      </p:sp>
+      <p:sp>
+        <p:nvSpPr>
+          <p:cNvPr id="12" name="直線コネクタ 11"/>
+          <p:cNvSpPr>
+            <a:spLocks noChangeShapeType="1"/>
+          </p:cNvSpPr>
+          <p:nvPr/>
+        </p:nvSpPr>
+        <p:spPr bwMode="auto">
+          <a:xfrm>
+            <a:off x="514350" y="1057986"/>
+            <a:ext cx="8629650" cy="2381"/>
+          </a:xfrm>
+          <a:prstGeom prst="line">
+            <a:avLst/>
+          </a:prstGeom>
+          <a:noFill/>
+          <a:ln w="9525" cap="flat" cmpd="sng" algn="ctr">
+            <a:gradFill flip="none" rotWithShape="1">
+              <a:gsLst>
+                <a:gs pos="0">
+                  <a:schemeClr val="accent1">
+                    <a:alpha val="0"/>
+                  </a:schemeClr>
+                </a:gs>
+                <a:gs pos="17000">
+                  <a:schemeClr val="accent1"/>
+                </a:gs>
+                <a:gs pos="100000">
+                  <a:schemeClr val="accent1"/>
+                </a:gs>
+              </a:gsLst>
+              <a:lin ang="0" scaled="1"/>
+              <a:tileRect/>
+            </a:gradFill>
+            <a:prstDash val="solid"/>
+            <a:round/>
+            <a:headEnd type="none" w="med" len="med"/>
+            <a:tailEnd type="none" w="med" len="med"/>
+          </a:ln>
+          <a:effectLst/>
+        </p:spPr>
+        <p:txBody>
+          <a:bodyPr vert="horz" wrap="square" lIns="91440" tIns="45720" rIns="91440" bIns="45720" anchor="t" compatLnSpc="1"/>
+          <a:lstStyle/>
+          <a:p>
+            <a:endParaRPr kumimoji="0" lang="en-US"/>
+          </a:p>
+        </p:txBody>
+      </p:sp>
     </p:spTree>
   </p:cSld>
   <p:clrMap bg1="lt1" tx1="dk1" bg2="lt2" tx2="dk2" accent1="accent1" accent2="accent2" accent3="accent3" accent4="accent4" accent5="accent5" accent6="accent6" hlink="hlink" folHlink="folHlink"/>
   <p:sldLayoutIdLst>
-    <p:sldLayoutId id="2147483649" r:id="rId1"/>
-    <p:sldLayoutId id="2147483650" r:id="rId2"/>
-    <p:sldLayoutId id="2147483651" r:id="rId3"/>
-    <p:sldLayoutId id="2147483652" r:id="rId4"/>
-    <p:sldLayoutId id="2147483653" r:id="rId5"/>
-    <p:sldLayoutId id="2147483654" r:id="rId6"/>
-    <p:sldLayoutId id="2147483655" r:id="rId7"/>
-    <p:sldLayoutId id="2147483656" r:id="rId8"/>
-    <p:sldLayoutId id="2147483657" r:id="rId9"/>
-    <p:sldLayoutId id="2147483658" r:id="rId10"/>
-    <p:sldLayoutId id="2147483659" r:id="rId11"/>
+    <p:sldLayoutId id="2147483661" r:id="rId1"/>
+    <p:sldLayoutId id="2147483662" r:id="rId2"/>
+    <p:sldLayoutId id="2147483663" r:id="rId3"/>
+    <p:sldLayoutId id="2147483664" r:id="rId4"/>
+    <p:sldLayoutId id="2147483665" r:id="rId5"/>
+    <p:sldLayoutId id="2147483666" r:id="rId6"/>
+    <p:sldLayoutId id="2147483667" r:id="rId7"/>
+    <p:sldLayoutId id="2147483668" r:id="rId8"/>
+    <p:sldLayoutId id="2147483669" r:id="rId9"/>
+    <p:sldLayoutId id="2147483670" r:id="rId10"/>
+    <p:sldLayoutId id="2147483671" r:id="rId11"/>
   </p:sldLayoutIdLst>
   <p:txStyles>
     <p:titleStyle>
-      <a:lvl1pPr algn="ctr" defTabSz="914400" rtl="0" eaLnBrk="1" latinLnBrk="0" hangingPunct="1">
+      <a:lvl1pPr algn="l" rtl="0" eaLnBrk="1" latinLnBrk="0" hangingPunct="1">
         <a:spcBef>
           <a:spcPct val="0"/>
         </a:spcBef>
         <a:buNone/>
-        <a:defRPr kumimoji="1" sz="4400" kern="1200">
+        <a:defRPr kumimoji="1" sz="3600" kern="1200" cap="all" baseline="0">
           <a:solidFill>
-            <a:schemeClr val="tx1"/>
+            <a:schemeClr val="tx2"/>
           </a:solidFill>
+          <a:effectLst>
+            <a:reflection blurRad="12700" stA="48000" endA="300" endPos="55000" dir="5400000" sy="-90000" algn="bl" rotWithShape="0"/>
+          </a:effectLst>
           <a:latin typeface="+mj-lt"/>
           <a:ea typeface="+mj-ea"/>
           <a:cs typeface="+mj-cs"/>
@@ -3131,13 +3303,181 @@
       </a:lvl1pPr>
     </p:titleStyle>
     <p:bodyStyle>
-      <a:lvl1pPr marL="342900" indent="-342900" algn="l" defTabSz="914400" rtl="0" eaLnBrk="1" latinLnBrk="0" hangingPunct="1">
+      <a:lvl1pPr marL="342900" indent="-342900" algn="l" rtl="0" eaLnBrk="1" latinLnBrk="0" hangingPunct="1">
         <a:spcBef>
           <a:spcPct val="20000"/>
         </a:spcBef>
-        <a:buFont typeface="Arial" pitchFamily="34" charset="0"/>
-        <a:buChar char="•"/>
+        <a:buClr>
+          <a:schemeClr val="accent1"/>
+        </a:buClr>
+        <a:buSzPct val="70000"/>
+        <a:buFont typeface="Wingdings 2"/>
+        <a:buChar char=""/>
         <a:defRPr kumimoji="1" sz="3200" kern="1200">
+          <a:solidFill>
+            <a:schemeClr val="tx2"/>
+          </a:solidFill>
+          <a:latin typeface="+mn-lt"/>
+          <a:ea typeface="+mn-ea"/>
+          <a:cs typeface="+mn-cs"/>
+        </a:defRPr>
+      </a:lvl1pPr>
+      <a:lvl2pPr marL="742950" indent="-285750" algn="l" rtl="0" eaLnBrk="1" latinLnBrk="0" hangingPunct="1">
+        <a:spcBef>
+          <a:spcPct val="20000"/>
+        </a:spcBef>
+        <a:buClr>
+          <a:schemeClr val="accent1"/>
+        </a:buClr>
+        <a:buSzPct val="70000"/>
+        <a:buFont typeface="Wingdings 2"/>
+        <a:buChar char=""/>
+        <a:defRPr kumimoji="1" sz="2800" kern="1200">
+          <a:solidFill>
+            <a:schemeClr val="tx2"/>
+          </a:solidFill>
+          <a:latin typeface="+mn-lt"/>
+          <a:ea typeface="+mn-ea"/>
+          <a:cs typeface="+mn-cs"/>
+        </a:defRPr>
+      </a:lvl2pPr>
+      <a:lvl3pPr marL="1143000" indent="-228600" algn="l" rtl="0" eaLnBrk="1" latinLnBrk="0" hangingPunct="1">
+        <a:spcBef>
+          <a:spcPct val="20000"/>
+        </a:spcBef>
+        <a:buClr>
+          <a:schemeClr val="accent1"/>
+        </a:buClr>
+        <a:buSzPct val="70000"/>
+        <a:buFont typeface="Wingdings 2"/>
+        <a:buChar char=""/>
+        <a:defRPr kumimoji="1" sz="2400" kern="1200">
+          <a:solidFill>
+            <a:schemeClr val="tx2"/>
+          </a:solidFill>
+          <a:latin typeface="+mn-lt"/>
+          <a:ea typeface="+mn-ea"/>
+          <a:cs typeface="+mn-cs"/>
+        </a:defRPr>
+      </a:lvl3pPr>
+      <a:lvl4pPr marL="1600200" indent="-228600" algn="l" rtl="0" eaLnBrk="1" latinLnBrk="0" hangingPunct="1">
+        <a:spcBef>
+          <a:spcPct val="20000"/>
+        </a:spcBef>
+        <a:buClr>
+          <a:schemeClr val="accent1"/>
+        </a:buClr>
+        <a:buSzPct val="70000"/>
+        <a:buFont typeface="Wingdings 2"/>
+        <a:buChar char=""/>
+        <a:defRPr kumimoji="1" sz="2000" kern="1200">
+          <a:solidFill>
+            <a:schemeClr val="tx2"/>
+          </a:solidFill>
+          <a:latin typeface="+mn-lt"/>
+          <a:ea typeface="+mn-ea"/>
+          <a:cs typeface="+mn-cs"/>
+        </a:defRPr>
+      </a:lvl4pPr>
+      <a:lvl5pPr marL="2057400" indent="-228600" algn="l" rtl="0" eaLnBrk="1" latinLnBrk="0" hangingPunct="1">
+        <a:spcBef>
+          <a:spcPct val="20000"/>
+        </a:spcBef>
+        <a:buClr>
+          <a:schemeClr val="accent1"/>
+        </a:buClr>
+        <a:buSzPct val="60000"/>
+        <a:buFont typeface="Wingdings 2"/>
+        <a:buChar char=""/>
+        <a:defRPr kumimoji="1" sz="1800" kern="1200">
+          <a:solidFill>
+            <a:schemeClr val="tx2"/>
+          </a:solidFill>
+          <a:latin typeface="+mn-lt"/>
+          <a:ea typeface="+mn-ea"/>
+          <a:cs typeface="+mn-cs"/>
+        </a:defRPr>
+      </a:lvl5pPr>
+      <a:lvl6pPr marL="2514600" indent="-228600" algn="l" rtl="0" eaLnBrk="1" latinLnBrk="0" hangingPunct="1">
+        <a:spcBef>
+          <a:spcPct val="20000"/>
+        </a:spcBef>
+        <a:buClr>
+          <a:schemeClr val="accent1"/>
+        </a:buClr>
+        <a:buSzPct val="60000"/>
+        <a:buFont typeface="Wingdings 2"/>
+        <a:buChar char=""/>
+        <a:defRPr kumimoji="1" sz="1800" kern="1200">
+          <a:solidFill>
+            <a:schemeClr val="tx2"/>
+          </a:solidFill>
+          <a:latin typeface="+mn-lt"/>
+          <a:ea typeface="+mn-ea"/>
+          <a:cs typeface="+mn-cs"/>
+        </a:defRPr>
+      </a:lvl6pPr>
+      <a:lvl7pPr marL="2971800" indent="-228600" algn="l" rtl="0" eaLnBrk="1" latinLnBrk="0" hangingPunct="1">
+        <a:spcBef>
+          <a:spcPct val="20000"/>
+        </a:spcBef>
+        <a:buClr>
+          <a:schemeClr val="accent1"/>
+        </a:buClr>
+        <a:buSzPct val="60000"/>
+        <a:buFont typeface="Wingdings 2"/>
+        <a:buChar char=""/>
+        <a:defRPr kumimoji="1" sz="1600" kern="1200">
+          <a:solidFill>
+            <a:schemeClr val="tx2"/>
+          </a:solidFill>
+          <a:latin typeface="+mn-lt"/>
+          <a:ea typeface="+mn-ea"/>
+          <a:cs typeface="+mn-cs"/>
+        </a:defRPr>
+      </a:lvl7pPr>
+      <a:lvl8pPr marL="3429000" indent="-228600" algn="l" rtl="0" eaLnBrk="1" latinLnBrk="0" hangingPunct="1">
+        <a:spcBef>
+          <a:spcPct val="20000"/>
+        </a:spcBef>
+        <a:buClr>
+          <a:schemeClr val="accent1"/>
+        </a:buClr>
+        <a:buSzPct val="60000"/>
+        <a:buFont typeface="Wingdings 2"/>
+        <a:buChar char=""/>
+        <a:defRPr kumimoji="1" sz="1600" kern="1200" baseline="0">
+          <a:solidFill>
+            <a:schemeClr val="tx2"/>
+          </a:solidFill>
+          <a:latin typeface="+mn-lt"/>
+          <a:ea typeface="+mn-ea"/>
+          <a:cs typeface="+mn-cs"/>
+        </a:defRPr>
+      </a:lvl8pPr>
+      <a:lvl9pPr marL="3886200" indent="-228600" algn="l" rtl="0" eaLnBrk="1" latinLnBrk="0" hangingPunct="1">
+        <a:spcBef>
+          <a:spcPct val="20000"/>
+        </a:spcBef>
+        <a:buClr>
+          <a:schemeClr val="accent1"/>
+        </a:buClr>
+        <a:buSzPct val="60000"/>
+        <a:buFont typeface="Wingdings 2"/>
+        <a:buChar char=""/>
+        <a:defRPr kumimoji="1" sz="1400" kern="1200" baseline="0">
+          <a:solidFill>
+            <a:schemeClr val="tx2"/>
+          </a:solidFill>
+          <a:latin typeface="+mn-lt"/>
+          <a:ea typeface="+mn-ea"/>
+          <a:cs typeface="+mn-cs"/>
+        </a:defRPr>
+      </a:lvl9pPr>
+    </p:bodyStyle>
+    <p:otherStyle>
+      <a:lvl1pPr marL="0" algn="l" rtl="0" eaLnBrk="1" latinLnBrk="0" hangingPunct="1">
+        <a:defRPr kumimoji="1" kern="1200">
           <a:solidFill>
             <a:schemeClr val="tx1"/>
           </a:solidFill>
@@ -3146,13 +3486,8 @@
           <a:cs typeface="+mn-cs"/>
         </a:defRPr>
       </a:lvl1pPr>
-      <a:lvl2pPr marL="742950" indent="-285750" algn="l" defTabSz="914400" rtl="0" eaLnBrk="1" latinLnBrk="0" hangingPunct="1">
-        <a:spcBef>
-          <a:spcPct val="20000"/>
-        </a:spcBef>
-        <a:buFont typeface="Arial" pitchFamily="34" charset="0"/>
-        <a:buChar char="–"/>
-        <a:defRPr kumimoji="1" sz="2800" kern="1200">
+      <a:lvl2pPr marL="457200" algn="l" rtl="0" eaLnBrk="1" latinLnBrk="0" hangingPunct="1">
+        <a:defRPr kumimoji="1" kern="1200">
           <a:solidFill>
             <a:schemeClr val="tx1"/>
           </a:solidFill>
@@ -3161,13 +3496,8 @@
           <a:cs typeface="+mn-cs"/>
         </a:defRPr>
       </a:lvl2pPr>
-      <a:lvl3pPr marL="1143000" indent="-228600" algn="l" defTabSz="914400" rtl="0" eaLnBrk="1" latinLnBrk="0" hangingPunct="1">
-        <a:spcBef>
-          <a:spcPct val="20000"/>
-        </a:spcBef>
-        <a:buFont typeface="Arial" pitchFamily="34" charset="0"/>
-        <a:buChar char="•"/>
-        <a:defRPr kumimoji="1" sz="2400" kern="1200">
+      <a:lvl3pPr marL="914400" algn="l" rtl="0" eaLnBrk="1" latinLnBrk="0" hangingPunct="1">
+        <a:defRPr kumimoji="1" kern="1200">
           <a:solidFill>
             <a:schemeClr val="tx1"/>
           </a:solidFill>
@@ -3176,13 +3506,8 @@
           <a:cs typeface="+mn-cs"/>
         </a:defRPr>
       </a:lvl3pPr>
-      <a:lvl4pPr marL="1600200" indent="-228600" algn="l" defTabSz="914400" rtl="0" eaLnBrk="1" latinLnBrk="0" hangingPunct="1">
-        <a:spcBef>
-          <a:spcPct val="20000"/>
-        </a:spcBef>
-        <a:buFont typeface="Arial" pitchFamily="34" charset="0"/>
-        <a:buChar char="–"/>
-        <a:defRPr kumimoji="1" sz="2000" kern="1200">
+      <a:lvl4pPr marL="1371600" algn="l" rtl="0" eaLnBrk="1" latinLnBrk="0" hangingPunct="1">
+        <a:defRPr kumimoji="1" kern="1200">
           <a:solidFill>
             <a:schemeClr val="tx1"/>
           </a:solidFill>
@@ -3191,13 +3516,8 @@
           <a:cs typeface="+mn-cs"/>
         </a:defRPr>
       </a:lvl4pPr>
-      <a:lvl5pPr marL="2057400" indent="-228600" algn="l" defTabSz="914400" rtl="0" eaLnBrk="1" latinLnBrk="0" hangingPunct="1">
-        <a:spcBef>
-          <a:spcPct val="20000"/>
-        </a:spcBef>
-        <a:buFont typeface="Arial" pitchFamily="34" charset="0"/>
-        <a:buChar char="»"/>
-        <a:defRPr kumimoji="1" sz="2000" kern="1200">
+      <a:lvl5pPr marL="1828800" algn="l" rtl="0" eaLnBrk="1" latinLnBrk="0" hangingPunct="1">
+        <a:defRPr kumimoji="1" kern="1200">
           <a:solidFill>
             <a:schemeClr val="tx1"/>
           </a:solidFill>
@@ -3206,13 +3526,8 @@
           <a:cs typeface="+mn-cs"/>
         </a:defRPr>
       </a:lvl5pPr>
-      <a:lvl6pPr marL="2514600" indent="-228600" algn="l" defTabSz="914400" rtl="0" eaLnBrk="1" latinLnBrk="0" hangingPunct="1">
-        <a:spcBef>
-          <a:spcPct val="20000"/>
-        </a:spcBef>
-        <a:buFont typeface="Arial" pitchFamily="34" charset="0"/>
-        <a:buChar char="•"/>
-        <a:defRPr kumimoji="1" sz="2000" kern="1200">
+      <a:lvl6pPr marL="2286000" algn="l" rtl="0" eaLnBrk="1" latinLnBrk="0" hangingPunct="1">
+        <a:defRPr kumimoji="1" kern="1200">
           <a:solidFill>
             <a:schemeClr val="tx1"/>
           </a:solidFill>
@@ -3221,13 +3536,8 @@
           <a:cs typeface="+mn-cs"/>
         </a:defRPr>
       </a:lvl6pPr>
-      <a:lvl7pPr marL="2971800" indent="-228600" algn="l" defTabSz="914400" rtl="0" eaLnBrk="1" latinLnBrk="0" hangingPunct="1">
-        <a:spcBef>
-          <a:spcPct val="20000"/>
-        </a:spcBef>
-        <a:buFont typeface="Arial" pitchFamily="34" charset="0"/>
-        <a:buChar char="•"/>
-        <a:defRPr kumimoji="1" sz="2000" kern="1200">
+      <a:lvl7pPr marL="2743200" algn="l" rtl="0" eaLnBrk="1" latinLnBrk="0" hangingPunct="1">
+        <a:defRPr kumimoji="1" kern="1200">
           <a:solidFill>
             <a:schemeClr val="tx1"/>
           </a:solidFill>
@@ -3236,13 +3546,8 @@
           <a:cs typeface="+mn-cs"/>
         </a:defRPr>
       </a:lvl7pPr>
-      <a:lvl8pPr marL="3429000" indent="-228600" algn="l" defTabSz="914400" rtl="0" eaLnBrk="1" latinLnBrk="0" hangingPunct="1">
-        <a:spcBef>
-          <a:spcPct val="20000"/>
-        </a:spcBef>
-        <a:buFont typeface="Arial" pitchFamily="34" charset="0"/>
-        <a:buChar char="•"/>
-        <a:defRPr kumimoji="1" sz="2000" kern="1200">
+      <a:lvl8pPr marL="3200400" algn="l" rtl="0" eaLnBrk="1" latinLnBrk="0" hangingPunct="1">
+        <a:defRPr kumimoji="1" kern="1200">
           <a:solidFill>
             <a:schemeClr val="tx1"/>
           </a:solidFill>
@@ -3251,108 +3556,8 @@
           <a:cs typeface="+mn-cs"/>
         </a:defRPr>
       </a:lvl8pPr>
-      <a:lvl9pPr marL="3886200" indent="-228600" algn="l" defTabSz="914400" rtl="0" eaLnBrk="1" latinLnBrk="0" hangingPunct="1">
-        <a:spcBef>
-          <a:spcPct val="20000"/>
-        </a:spcBef>
-        <a:buFont typeface="Arial" pitchFamily="34" charset="0"/>
-        <a:buChar char="•"/>
-        <a:defRPr kumimoji="1" sz="2000" kern="1200">
-          <a:solidFill>
-            <a:schemeClr val="tx1"/>
-          </a:solidFill>
-          <a:latin typeface="+mn-lt"/>
-          <a:ea typeface="+mn-ea"/>
-          <a:cs typeface="+mn-cs"/>
-        </a:defRPr>
-      </a:lvl9pPr>
-    </p:bodyStyle>
-    <p:otherStyle>
-      <a:defPPr>
-        <a:defRPr lang="ja-JP"/>
-      </a:defPPr>
-      <a:lvl1pPr marL="0" algn="l" defTabSz="914400" rtl="0" eaLnBrk="1" latinLnBrk="0" hangingPunct="1">
-        <a:defRPr kumimoji="1" sz="1800" kern="1200">
-          <a:solidFill>
-            <a:schemeClr val="tx1"/>
-          </a:solidFill>
-          <a:latin typeface="+mn-lt"/>
-          <a:ea typeface="+mn-ea"/>
-          <a:cs typeface="+mn-cs"/>
-        </a:defRPr>
-      </a:lvl1pPr>
-      <a:lvl2pPr marL="457200" algn="l" defTabSz="914400" rtl="0" eaLnBrk="1" latinLnBrk="0" hangingPunct="1">
-        <a:defRPr kumimoji="1" sz="1800" kern="1200">
-          <a:solidFill>
-            <a:schemeClr val="tx1"/>
-          </a:solidFill>
-          <a:latin typeface="+mn-lt"/>
-          <a:ea typeface="+mn-ea"/>
-          <a:cs typeface="+mn-cs"/>
-        </a:defRPr>
-      </a:lvl2pPr>
-      <a:lvl3pPr marL="914400" algn="l" defTabSz="914400" rtl="0" eaLnBrk="1" latinLnBrk="0" hangingPunct="1">
-        <a:defRPr kumimoji="1" sz="1800" kern="1200">
-          <a:solidFill>
-            <a:schemeClr val="tx1"/>
-          </a:solidFill>
-          <a:latin typeface="+mn-lt"/>
-          <a:ea typeface="+mn-ea"/>
-          <a:cs typeface="+mn-cs"/>
-        </a:defRPr>
-      </a:lvl3pPr>
-      <a:lvl4pPr marL="1371600" algn="l" defTabSz="914400" rtl="0" eaLnBrk="1" latinLnBrk="0" hangingPunct="1">
-        <a:defRPr kumimoji="1" sz="1800" kern="1200">
-          <a:solidFill>
-            <a:schemeClr val="tx1"/>
-          </a:solidFill>
-          <a:latin typeface="+mn-lt"/>
-          <a:ea typeface="+mn-ea"/>
-          <a:cs typeface="+mn-cs"/>
-        </a:defRPr>
-      </a:lvl4pPr>
-      <a:lvl5pPr marL="1828800" algn="l" defTabSz="914400" rtl="0" eaLnBrk="1" latinLnBrk="0" hangingPunct="1">
-        <a:defRPr kumimoji="1" sz="1800" kern="1200">
-          <a:solidFill>
-            <a:schemeClr val="tx1"/>
-          </a:solidFill>
-          <a:latin typeface="+mn-lt"/>
-          <a:ea typeface="+mn-ea"/>
-          <a:cs typeface="+mn-cs"/>
-        </a:defRPr>
-      </a:lvl5pPr>
-      <a:lvl6pPr marL="2286000" algn="l" defTabSz="914400" rtl="0" eaLnBrk="1" latinLnBrk="0" hangingPunct="1">
-        <a:defRPr kumimoji="1" sz="1800" kern="1200">
-          <a:solidFill>
-            <a:schemeClr val="tx1"/>
-          </a:solidFill>
-          <a:latin typeface="+mn-lt"/>
-          <a:ea typeface="+mn-ea"/>
-          <a:cs typeface="+mn-cs"/>
-        </a:defRPr>
-      </a:lvl6pPr>
-      <a:lvl7pPr marL="2743200" algn="l" defTabSz="914400" rtl="0" eaLnBrk="1" latinLnBrk="0" hangingPunct="1">
-        <a:defRPr kumimoji="1" sz="1800" kern="1200">
-          <a:solidFill>
-            <a:schemeClr val="tx1"/>
-          </a:solidFill>
-          <a:latin typeface="+mn-lt"/>
-          <a:ea typeface="+mn-ea"/>
-          <a:cs typeface="+mn-cs"/>
-        </a:defRPr>
-      </a:lvl7pPr>
-      <a:lvl8pPr marL="3200400" algn="l" defTabSz="914400" rtl="0" eaLnBrk="1" latinLnBrk="0" hangingPunct="1">
-        <a:defRPr kumimoji="1" sz="1800" kern="1200">
-          <a:solidFill>
-            <a:schemeClr val="tx1"/>
-          </a:solidFill>
-          <a:latin typeface="+mn-lt"/>
-          <a:ea typeface="+mn-ea"/>
-          <a:cs typeface="+mn-cs"/>
-        </a:defRPr>
-      </a:lvl8pPr>
-      <a:lvl9pPr marL="3657600" algn="l" defTabSz="914400" rtl="0" eaLnBrk="1" latinLnBrk="0" hangingPunct="1">
-        <a:defRPr kumimoji="1" sz="1800" kern="1200">
+      <a:lvl9pPr marL="3657600" algn="l" rtl="0" eaLnBrk="1" latinLnBrk="0" hangingPunct="1">
+        <a:defRPr kumimoji="1" kern="1200">
           <a:solidFill>
             <a:schemeClr val="tx1"/>
           </a:solidFill>
@@ -3395,33 +3600,43 @@
         </p:nvSpPr>
         <p:spPr/>
         <p:txBody>
-          <a:bodyPr/>
+          <a:bodyPr>
+            <a:normAutofit/>
+          </a:bodyPr>
           <a:lstStyle/>
           <a:p>
             <a:r>
               <a:rPr lang="en-US" altLang="ja-JP" dirty="0" smtClean="0"/>
-              <a:t>GLFW</a:t>
-            </a:r>
-            <a:r>
-              <a:rPr lang="ja-JP" altLang="en-US" dirty="0" smtClean="0"/>
-              <a:t>３</a:t>
+              <a:t>GLFW OpenGL</a:t>
             </a:r>
             <a:r>
               <a:rPr lang="en-US" altLang="ja-JP" dirty="0" smtClean="0"/>
-              <a:t> OpenGL </a:t>
-            </a:r>
-            <a:r>
-              <a:rPr lang="ja-JP" altLang="en-US" dirty="0" smtClean="0"/>
-              <a:t>を使った</a:t>
+              <a:t>/ES </a:t>
+            </a:r>
+            <a:r>
+              <a:rPr lang="ja-JP" altLang="en-US" dirty="0" smtClean="0"/>
+              <a:t>を</a:t>
+            </a:r>
+            <a:r>
+              <a:rPr lang="ja-JP" altLang="en-US" dirty="0" smtClean="0"/>
+              <a:t>使った</a:t>
             </a:r>
             <a:r>
               <a:rPr lang="en-US" altLang="ja-JP" dirty="0" smtClean="0"/>
-              <a:t>GUI</a:t>
+              <a:t/>
             </a:r>
             <a:br>
               <a:rPr lang="en-US" altLang="ja-JP" dirty="0" smtClean="0"/>
             </a:br>
             <a:r>
+              <a:rPr lang="en-US" altLang="ja-JP" dirty="0" smtClean="0"/>
+              <a:t>GUI</a:t>
+            </a:r>
+            <a:r>
+              <a:rPr lang="en-US" altLang="ja-JP" dirty="0" smtClean="0"/>
+              <a:t> </a:t>
+            </a:r>
+            <a:r>
               <a:rPr lang="ja-JP" altLang="en-US" dirty="0" smtClean="0"/>
               <a:t>フレームワーク </a:t>
             </a:r>
@@ -3448,6 +3663,54 @@
           </a:p>
         </p:txBody>
       </p:sp>
+      <p:pic>
+        <p:nvPicPr>
+          <p:cNvPr id="4" name="図 3" descr="OpenGL_ES_logo.png"/>
+          <p:cNvPicPr>
+            <a:picLocks noChangeAspect="1"/>
+          </p:cNvPicPr>
+          <p:nvPr/>
+        </p:nvPicPr>
+        <p:blipFill>
+          <a:blip r:embed="rId2" cstate="print"/>
+          <a:stretch>
+            <a:fillRect/>
+          </a:stretch>
+        </p:blipFill>
+        <p:spPr>
+          <a:xfrm>
+            <a:off x="4355976" y="692696"/>
+            <a:ext cx="4114741" cy="1440160"/>
+          </a:xfrm>
+          <a:prstGeom prst="rect">
+            <a:avLst/>
+          </a:prstGeom>
+        </p:spPr>
+      </p:pic>
+      <p:pic>
+        <p:nvPicPr>
+          <p:cNvPr id="5" name="図 4" descr="glfw_logo.png"/>
+          <p:cNvPicPr>
+            <a:picLocks noChangeAspect="1"/>
+          </p:cNvPicPr>
+          <p:nvPr/>
+        </p:nvPicPr>
+        <p:blipFill>
+          <a:blip r:embed="rId3" cstate="print"/>
+          <a:stretch>
+            <a:fillRect/>
+          </a:stretch>
+        </p:blipFill>
+        <p:spPr>
+          <a:xfrm>
+            <a:off x="1259632" y="1124744"/>
+            <a:ext cx="2734052" cy="648072"/>
+          </a:xfrm>
+          <a:prstGeom prst="rect">
+            <a:avLst/>
+          </a:prstGeom>
+        </p:spPr>
+      </p:pic>
     </p:spTree>
   </p:cSld>
   <p:clrMapOvr>
@@ -4008,7 +4271,15 @@
           <a:p>
             <a:r>
               <a:rPr lang="ja-JP" altLang="en-US" dirty="0" smtClean="0"/>
-              <a:t>音声フォーマットの出し入れ</a:t>
+              <a:t>音楽</a:t>
+            </a:r>
+            <a:r>
+              <a:rPr lang="ja-JP" altLang="en-US" dirty="0" smtClean="0"/>
+              <a:t>フォーマット</a:t>
+            </a:r>
+            <a:r>
+              <a:rPr lang="ja-JP" altLang="en-US" dirty="0" smtClean="0"/>
+              <a:t>の出し入れ</a:t>
             </a:r>
             <a:endParaRPr lang="en-US" altLang="ja-JP" dirty="0" smtClean="0"/>
           </a:p>
@@ -4390,7 +4661,15 @@
             </a:r>
             <a:r>
               <a:rPr kumimoji="1" lang="ja-JP" altLang="en-US" dirty="0" smtClean="0"/>
-              <a:t>３に加えた改造</a:t>
+              <a:t>３</a:t>
+            </a:r>
+            <a:r>
+              <a:rPr lang="ja-JP" altLang="en-US" dirty="0" smtClean="0"/>
+              <a:t>の</a:t>
+            </a:r>
+            <a:r>
+              <a:rPr kumimoji="1" lang="ja-JP" altLang="en-US" dirty="0" smtClean="0"/>
+              <a:t>改造</a:t>
             </a:r>
             <a:endParaRPr kumimoji="1" lang="ja-JP" altLang="en-US" dirty="0"/>
           </a:p>
@@ -4427,7 +4706,22 @@
             </a:r>
             <a:r>
               <a:rPr lang="ja-JP" altLang="en-US" dirty="0" smtClean="0"/>
-              <a:t>Ｗｉｎｄｏｗｓのみ</a:t>
+              <a:t>Ｗｉｎｄｏｗｓ</a:t>
+            </a:r>
+            <a:r>
+              <a:rPr lang="ja-JP" altLang="en-US" dirty="0" smtClean="0"/>
+              <a:t>のみ</a:t>
+            </a:r>
+            <a:endParaRPr lang="en-US" altLang="ja-JP" dirty="0" smtClean="0"/>
+          </a:p>
+          <a:p>
+            <a:r>
+              <a:rPr kumimoji="1" lang="en-US" altLang="ja-JP" dirty="0" smtClean="0"/>
+              <a:t>FEP</a:t>
+            </a:r>
+            <a:r>
+              <a:rPr kumimoji="1" lang="ja-JP" altLang="en-US" dirty="0" smtClean="0"/>
+              <a:t>関係のメッセージ（予定）</a:t>
             </a:r>
             <a:endParaRPr kumimoji="1" lang="ja-JP" altLang="en-US" dirty="0"/>
           </a:p>
@@ -4494,7 +4788,7 @@
         <p:spPr/>
         <p:txBody>
           <a:bodyPr>
-            <a:normAutofit lnSpcReduction="10000"/>
+            <a:normAutofit fontScale="92500"/>
           </a:bodyPr>
           <a:lstStyle/>
           <a:p>
@@ -4541,13 +4835,8 @@
           <a:p>
             <a:r>
               <a:rPr lang="en-US" altLang="ja-JP" dirty="0" smtClean="0"/>
-              <a:t>m</a:t>
-            </a:r>
-            <a:r>
-              <a:rPr lang="en-US" altLang="ja-JP" dirty="0" smtClean="0"/>
-              <a:t>ake</a:t>
-            </a:r>
-            <a:endParaRPr lang="en-US" altLang="ja-JP" dirty="0" smtClean="0"/>
+              <a:t>make</a:t>
+            </a:r>
           </a:p>
           <a:p>
             <a:r>
@@ -4690,7 +4979,7 @@
         </p:spPr>
         <p:txBody>
           <a:bodyPr>
-            <a:normAutofit lnSpcReduction="10000"/>
+            <a:normAutofit fontScale="92500"/>
           </a:bodyPr>
           <a:lstStyle/>
           <a:p>
@@ -4746,11 +5035,7 @@
           <a:p>
             <a:r>
               <a:rPr lang="ja-JP" altLang="en-US" dirty="0" smtClean="0"/>
-              <a:t>マウス、ジョイステック、タッチパッドなどでも操作が</a:t>
-            </a:r>
-            <a:r>
-              <a:rPr lang="ja-JP" altLang="en-US" dirty="0" smtClean="0"/>
-              <a:t>可能（今後の課題）</a:t>
+              <a:t>マウス、ジョイステック、タッチパッドなどでも操作が可能（今後の課題）</a:t>
             </a:r>
             <a:endParaRPr lang="en-US" altLang="ja-JP" dirty="0" smtClean="0"/>
           </a:p>
@@ -4962,13 +5247,28 @@
         <p:spPr/>
         <p:txBody>
           <a:bodyPr>
-            <a:normAutofit fontScale="85000" lnSpcReduction="20000"/>
+            <a:normAutofit fontScale="77500" lnSpcReduction="20000"/>
           </a:bodyPr>
           <a:lstStyle/>
           <a:p>
             <a:r>
+              <a:rPr lang="ja-JP" altLang="en-US" dirty="0" smtClean="0"/>
+              <a:t>バイク乗り、整備、エンジン</a:t>
+            </a:r>
+            <a:r>
+              <a:rPr lang="en-US" altLang="ja-JP" dirty="0" smtClean="0"/>
+              <a:t>OH</a:t>
+            </a:r>
+            <a:endParaRPr kumimoji="1" lang="en-US" altLang="ja-JP" dirty="0" smtClean="0"/>
+          </a:p>
+          <a:p>
+            <a:r>
               <a:rPr kumimoji="1" lang="ja-JP" altLang="en-US" dirty="0" smtClean="0"/>
-              <a:t>主にゲーム関係の仕事に従事</a:t>
+              <a:t>主</a:t>
+            </a:r>
+            <a:r>
+              <a:rPr kumimoji="1" lang="ja-JP" altLang="en-US" dirty="0" smtClean="0"/>
+              <a:t>にゲーム関係の仕事に従事</a:t>
             </a:r>
             <a:endParaRPr kumimoji="1" lang="en-US" altLang="ja-JP" dirty="0" smtClean="0"/>
           </a:p>
@@ -4989,22 +5289,11 @@
           <a:p>
             <a:r>
               <a:rPr kumimoji="1" lang="ja-JP" altLang="en-US" dirty="0" smtClean="0"/>
-              <a:t>金属加工（旋盤、フライス）、溶接</a:t>
-            </a:r>
-            <a:endParaRPr kumimoji="1" lang="en-US" altLang="ja-JP" dirty="0" smtClean="0"/>
-          </a:p>
-          <a:p>
+              <a:t>金属加工（旋盤、フライス）、</a:t>
+            </a:r>
             <a:r>
               <a:rPr kumimoji="1" lang="ja-JP" altLang="en-US" dirty="0" smtClean="0"/>
-              <a:t>バイク整備、エンジンの</a:t>
-            </a:r>
-            <a:r>
-              <a:rPr kumimoji="1" lang="en-US" altLang="ja-JP" dirty="0" smtClean="0"/>
-              <a:t>OH</a:t>
-            </a:r>
-            <a:r>
-              <a:rPr lang="ja-JP" altLang="en-US" dirty="0" smtClean="0"/>
-              <a:t>など</a:t>
+              <a:t>溶接</a:t>
             </a:r>
             <a:endParaRPr lang="en-US" altLang="ja-JP" dirty="0" smtClean="0"/>
           </a:p>
@@ -5149,11 +5438,7 @@
           <a:p>
             <a:r>
               <a:rPr kumimoji="1" lang="ja-JP" altLang="en-US" dirty="0" smtClean="0"/>
-              <a:t>入力デバイスの能力を</a:t>
-            </a:r>
-            <a:r>
-              <a:rPr kumimoji="1" lang="ja-JP" altLang="en-US" dirty="0" smtClean="0"/>
-              <a:t>使い切りたい</a:t>
+              <a:t>入力デバイスの能力を使い切りたい</a:t>
             </a:r>
             <a:endParaRPr kumimoji="1" lang="en-US" altLang="ja-JP" dirty="0" smtClean="0"/>
           </a:p>
@@ -5398,11 +5683,7 @@
             </a:r>
             <a:r>
               <a:rPr lang="ja-JP" altLang="en-US" dirty="0" smtClean="0"/>
-              <a:t>　ビットマップ</a:t>
-            </a:r>
-            <a:r>
-              <a:rPr lang="ja-JP" altLang="en-US" dirty="0" smtClean="0"/>
-              <a:t>変換ツール</a:t>
+              <a:t>　ビットマップ変換ツール</a:t>
             </a:r>
             <a:endParaRPr lang="en-US" altLang="ja-JP" dirty="0" smtClean="0"/>
           </a:p>
@@ -5548,7 +5829,7 @@
         <p:spPr/>
         <p:txBody>
           <a:bodyPr>
-            <a:normAutofit fontScale="47500" lnSpcReduction="20000"/>
+            <a:normAutofit fontScale="40000" lnSpcReduction="20000"/>
           </a:bodyPr>
           <a:lstStyle/>
           <a:p>
@@ -7722,7 +8003,15 @@
           <a:p>
             <a:r>
               <a:rPr kumimoji="1" lang="ja-JP" altLang="en-US" dirty="0" smtClean="0"/>
-              <a:t>面倒そうなので、昔の方法を使ったり・・</a:t>
+              <a:t>面倒そうなので</a:t>
+            </a:r>
+            <a:r>
+              <a:rPr kumimoji="1" lang="ja-JP" altLang="en-US" dirty="0" smtClean="0"/>
+              <a:t>、従来の</a:t>
+            </a:r>
+            <a:r>
+              <a:rPr kumimoji="1" lang="ja-JP" altLang="en-US" dirty="0" smtClean="0"/>
+              <a:t>方法を使ったり・・</a:t>
             </a:r>
             <a:endParaRPr kumimoji="1" lang="en-US" altLang="ja-JP" dirty="0" smtClean="0"/>
           </a:p>
@@ -7778,7 +8067,7 @@
         </p:spPr>
         <p:txBody>
           <a:bodyPr>
-            <a:normAutofit fontScale="90000"/>
+            <a:normAutofit/>
           </a:bodyPr>
           <a:lstStyle/>
           <a:p>
@@ -8605,7 +8894,23 @@
             </a:pPr>
             <a:r>
               <a:rPr lang="en-US" altLang="ja-JP" sz="1400" dirty="0" smtClean="0"/>
-              <a:t>			if(open_-&gt;</a:t>
+              <a:t>		</a:t>
+            </a:r>
+            <a:r>
+              <a:rPr lang="ja-JP" altLang="en-US" sz="1400" dirty="0" smtClean="0"/>
+              <a:t> </a:t>
+            </a:r>
+            <a:r>
+              <a:rPr lang="ja-JP" altLang="en-US" sz="1400" dirty="0" smtClean="0"/>
+              <a:t>   </a:t>
+            </a:r>
+            <a:r>
+              <a:rPr lang="en-US" altLang="ja-JP" sz="1400" dirty="0" smtClean="0"/>
+              <a:t>if(open</a:t>
+            </a:r>
+            <a:r>
+              <a:rPr lang="en-US" altLang="ja-JP" sz="1400" dirty="0" smtClean="0"/>
+              <a:t>_-&gt;</a:t>
             </a:r>
             <a:r>
               <a:rPr lang="en-US" altLang="ja-JP" sz="1400" dirty="0" err="1" smtClean="0"/>
@@ -8622,16 +8927,28 @@
             </a:pPr>
             <a:r>
               <a:rPr lang="en-US" altLang="ja-JP" sz="1400" dirty="0" smtClean="0"/>
-              <a:t>				if(filer_) {</a:t>
-            </a:r>
-          </a:p>
-          <a:p>
-            <a:pPr>
-              <a:buNone/>
-            </a:pPr>
+              <a:t>		</a:t>
+            </a:r>
             <a:r>
               <a:rPr lang="en-US" altLang="ja-JP" sz="1400" dirty="0" smtClean="0"/>
-              <a:t>					</a:t>
+              <a:t>        if(filer</a:t>
+            </a:r>
+            <a:r>
+              <a:rPr lang="en-US" altLang="ja-JP" sz="1400" dirty="0" smtClean="0"/>
+              <a:t>_) {</a:t>
+            </a:r>
+          </a:p>
+          <a:p>
+            <a:pPr>
+              <a:buNone/>
+            </a:pPr>
+            <a:r>
+              <a:rPr lang="en-US" altLang="ja-JP" sz="1400" dirty="0" smtClean="0"/>
+              <a:t>		</a:t>
+            </a:r>
+            <a:r>
+              <a:rPr lang="en-US" altLang="ja-JP" sz="1400" dirty="0" smtClean="0"/>
+              <a:t>            </a:t>
             </a:r>
             <a:r>
               <a:rPr lang="en-US" altLang="ja-JP" sz="1400" dirty="0" err="1" smtClean="0"/>
@@ -8639,7 +8956,11 @@
             </a:r>
             <a:r>
               <a:rPr lang="en-US" altLang="ja-JP" sz="1400" dirty="0" smtClean="0"/>
-              <a:t> f = filer_-&gt;</a:t>
+              <a:t> </a:t>
+            </a:r>
+            <a:r>
+              <a:rPr lang="en-US" altLang="ja-JP" sz="1400" dirty="0" smtClean="0"/>
+              <a:t>f = filer_-&gt;</a:t>
             </a:r>
             <a:r>
               <a:rPr lang="en-US" altLang="ja-JP" sz="1400" dirty="0" err="1" smtClean="0"/>
@@ -8664,25 +8985,15 @@
             </a:pPr>
             <a:r>
               <a:rPr lang="en-US" altLang="ja-JP" sz="1400" dirty="0" smtClean="0"/>
-              <a:t>					filer_-&gt;enable(!f);</a:t>
-            </a:r>
-          </a:p>
-          <a:p>
-            <a:pPr>
-              <a:buNone/>
-            </a:pPr>
+              <a:t>		</a:t>
+            </a:r>
             <a:r>
               <a:rPr lang="en-US" altLang="ja-JP" sz="1400" dirty="0" smtClean="0"/>
-              <a:t>				}</a:t>
-            </a:r>
-          </a:p>
-          <a:p>
-            <a:pPr>
-              <a:buNone/>
-            </a:pPr>
+              <a:t>            filer</a:t>
+            </a:r>
             <a:r>
               <a:rPr lang="en-US" altLang="ja-JP" sz="1400" dirty="0" smtClean="0"/>
-              <a:t>			}</a:t>
+              <a:t>_-&gt;enable(!f);</a:t>
             </a:r>
           </a:p>
           <a:p>
@@ -8691,31 +9002,40 @@
             </a:pPr>
             <a:r>
               <a:rPr lang="en-US" altLang="ja-JP" sz="1400" dirty="0" smtClean="0"/>
-              <a:t>		}</a:t>
-            </a:r>
-          </a:p>
-          <a:p>
-            <a:pPr>
-              <a:buNone/>
-            </a:pPr>
+              <a:t>		</a:t>
+            </a:r>
+            <a:r>
+              <a:rPr lang="en-US" altLang="ja-JP" sz="1400" dirty="0" smtClean="0"/>
+              <a:t>        }</a:t>
+            </a:r>
             <a:endParaRPr lang="en-US" altLang="ja-JP" sz="1400" dirty="0" smtClean="0"/>
           </a:p>
           <a:p>
             <a:pPr>
               <a:buNone/>
             </a:pPr>
+            <a:r>
+              <a:rPr lang="en-US" altLang="ja-JP" sz="1400" dirty="0" smtClean="0"/>
+              <a:t>		</a:t>
+            </a:r>
+            <a:r>
+              <a:rPr lang="en-US" altLang="ja-JP" sz="1400" dirty="0" smtClean="0"/>
+              <a:t>    }</a:t>
+            </a:r>
             <a:endParaRPr lang="en-US" altLang="ja-JP" sz="1400" dirty="0" smtClean="0"/>
           </a:p>
           <a:p>
             <a:pPr>
               <a:buNone/>
             </a:pPr>
-            <a:endParaRPr lang="en-US" altLang="ja-JP" sz="1400" dirty="0" smtClean="0"/>
-          </a:p>
-          <a:p>
-            <a:pPr>
-              <a:buNone/>
-            </a:pPr>
+            <a:r>
+              <a:rPr lang="en-US" altLang="ja-JP" sz="1400" dirty="0" smtClean="0"/>
+              <a:t>		</a:t>
+            </a:r>
+            <a:r>
+              <a:rPr lang="en-US" altLang="ja-JP" sz="1400" dirty="0" smtClean="0"/>
+              <a:t>}</a:t>
+            </a:r>
             <a:endParaRPr lang="en-US" altLang="ja-JP" sz="1400" dirty="0" smtClean="0"/>
           </a:p>
           <a:p>
@@ -8807,7 +9127,7 @@
         </p:spPr>
         <p:txBody>
           <a:bodyPr>
-            <a:normAutofit fontScale="90000"/>
+            <a:normAutofit/>
           </a:bodyPr>
           <a:lstStyle/>
           <a:p>
@@ -8850,25 +9170,17 @@
             </a:pPr>
             <a:r>
               <a:rPr lang="en-US" altLang="ja-JP" sz="1400" dirty="0" smtClean="0"/>
-              <a:t>	if(filer_) {</a:t>
-            </a:r>
-          </a:p>
-          <a:p>
-            <a:pPr>
-              <a:buNone/>
-            </a:pPr>
+              <a:t>	if(filer_) </a:t>
+            </a:r>
             <a:r>
               <a:rPr lang="en-US" altLang="ja-JP" sz="1400" dirty="0" smtClean="0"/>
-              <a:t>	    </a:t>
-            </a:r>
-            <a:r>
-              <a:rPr lang="en-US" altLang="ja-JP" sz="1400" dirty="0" err="1" smtClean="0"/>
-              <a:t>wd.top_widget</a:t>
-            </a:r>
-            <a:r>
-              <a:rPr lang="en-US" altLang="ja-JP" sz="1400" dirty="0" smtClean="0"/>
-              <a:t>(filer_);</a:t>
-            </a:r>
+              <a:t>{</a:t>
+            </a:r>
+            <a:r>
+              <a:rPr lang="ja-JP" altLang="en-US" sz="1400" dirty="0" smtClean="0"/>
+              <a:t>　</a:t>
+            </a:r>
+            <a:endParaRPr lang="en-US" altLang="ja-JP" sz="1400" dirty="0" smtClean="0"/>
           </a:p>
           <a:p>
             <a:pPr>
@@ -9733,7 +10045,7 @@
         <p:spPr/>
         <p:txBody>
           <a:bodyPr>
-            <a:normAutofit lnSpcReduction="10000"/>
+            <a:normAutofit fontScale="92500" lnSpcReduction="10000"/>
           </a:bodyPr>
           <a:lstStyle/>
           <a:p>
@@ -9815,12 +10127,42 @@
               <a:t>DirectX</a:t>
             </a:r>
             <a:r>
-              <a:rPr lang="ja-JP" altLang="en-US" dirty="0"/>
+              <a:rPr lang="ja-JP" altLang="en-US" dirty="0" smtClean="0"/>
               <a:t>は</a:t>
             </a:r>
             <a:r>
               <a:rPr lang="ja-JP" altLang="en-US" dirty="0" smtClean="0"/>
-              <a:t>クズだと思ってる</a:t>
+              <a:t>？</a:t>
+            </a:r>
+            <a:r>
+              <a:rPr lang="ja-JP" altLang="en-US" dirty="0" smtClean="0"/>
+              <a:t>だと思ってる</a:t>
+            </a:r>
+            <a:endParaRPr lang="en-US" altLang="ja-JP" dirty="0" smtClean="0"/>
+          </a:p>
+          <a:p>
+            <a:pPr>
+              <a:buNone/>
+            </a:pPr>
+            <a:r>
+              <a:rPr lang="en-US" altLang="ja-JP" dirty="0" smtClean="0"/>
+              <a:t>※ms</a:t>
+            </a:r>
+            <a:r>
+              <a:rPr lang="ja-JP" altLang="en-US" dirty="0" smtClean="0"/>
+              <a:t> </a:t>
+            </a:r>
+            <a:r>
+              <a:rPr lang="ja-JP" altLang="en-US" dirty="0" smtClean="0"/>
+              <a:t>社の</a:t>
+            </a:r>
+            <a:r>
+              <a:rPr lang="en-US" altLang="ja-JP" dirty="0" smtClean="0"/>
+              <a:t>OpenGL</a:t>
+            </a:r>
+            <a:r>
+              <a:rPr lang="ja-JP" altLang="en-US" dirty="0" smtClean="0"/>
+              <a:t>エバンジェリストに聞いた事</a:t>
             </a:r>
             <a:endParaRPr lang="en-US" altLang="ja-JP" dirty="0" smtClean="0"/>
           </a:p>
@@ -9893,7 +10235,9 @@
         </p:nvSpPr>
         <p:spPr/>
         <p:txBody>
-          <a:bodyPr/>
+          <a:bodyPr>
+            <a:normAutofit lnSpcReduction="10000"/>
+          </a:bodyPr>
           <a:lstStyle/>
           <a:p>
             <a:r>
@@ -10562,7 +10906,15 @@
             </a:r>
             <a:r>
               <a:rPr lang="ja-JP" altLang="en-US" dirty="0" smtClean="0"/>
-              <a:t>の構造（</a:t>
+              <a:t>の</a:t>
+            </a:r>
+            <a:r>
+              <a:rPr lang="ja-JP" altLang="en-US" dirty="0" smtClean="0"/>
+              <a:t>構成</a:t>
+            </a:r>
+            <a:r>
+              <a:rPr lang="ja-JP" altLang="en-US" dirty="0" smtClean="0"/>
+              <a:t>（</a:t>
             </a:r>
             <a:r>
               <a:rPr lang="en-US" altLang="ja-JP" dirty="0" smtClean="0"/>
@@ -10685,9 +11037,9 @@
 </file>
 
 <file path=ppt/theme/theme1.xml><?xml version="1.0" encoding="utf-8"?>
-<a:theme xmlns:a="http://schemas.openxmlformats.org/drawingml/2006/main" name="Office テーマ">
+<a:theme xmlns:a="http://schemas.openxmlformats.org/drawingml/2006/main" name="トラベル">
   <a:themeElements>
-    <a:clrScheme name="Office">
+    <a:clrScheme name="トラベル">
       <a:dk1>
         <a:sysClr val="windowText" lastClr="000000"/>
       </a:dk1>
@@ -10695,82 +11047,48 @@
         <a:sysClr val="window" lastClr="FFFFFF"/>
       </a:lt1>
       <a:dk2>
-        <a:srgbClr val="1F497D"/>
+        <a:srgbClr val="4E3B30"/>
       </a:dk2>
       <a:lt2>
-        <a:srgbClr val="EEECE1"/>
+        <a:srgbClr val="FBEEC9"/>
       </a:lt2>
       <a:accent1>
-        <a:srgbClr val="4F81BD"/>
+        <a:srgbClr val="F0A22E"/>
       </a:accent1>
       <a:accent2>
-        <a:srgbClr val="C0504D"/>
+        <a:srgbClr val="A5644E"/>
       </a:accent2>
       <a:accent3>
-        <a:srgbClr val="9BBB59"/>
+        <a:srgbClr val="B58B80"/>
       </a:accent3>
       <a:accent4>
-        <a:srgbClr val="8064A2"/>
+        <a:srgbClr val="C3986D"/>
       </a:accent4>
       <a:accent5>
-        <a:srgbClr val="4BACC6"/>
+        <a:srgbClr val="A19574"/>
       </a:accent5>
       <a:accent6>
-        <a:srgbClr val="F79646"/>
+        <a:srgbClr val="C17529"/>
       </a:accent6>
       <a:hlink>
-        <a:srgbClr val="0000FF"/>
+        <a:srgbClr val="AD1F1F"/>
       </a:hlink>
       <a:folHlink>
-        <a:srgbClr val="800080"/>
+        <a:srgbClr val="FFC42F"/>
       </a:folHlink>
     </a:clrScheme>
-    <a:fontScheme name="Office">
+    <a:fontScheme name="トラベル">
       <a:majorFont>
-        <a:latin typeface="Calibri"/>
+        <a:latin typeface="Franklin Gothic Medium"/>
         <a:ea typeface=""/>
         <a:cs typeface=""/>
-        <a:font script="Jpan" typeface="ＭＳ Ｐゴシック"/>
-        <a:font script="Hang" typeface="맑은 고딕"/>
-        <a:font script="Hans" typeface="宋体"/>
-        <a:font script="Hant" typeface="新細明體"/>
-        <a:font script="Arab" typeface="Times New Roman"/>
-        <a:font script="Hebr" typeface="Times New Roman"/>
-        <a:font script="Thai" typeface="Angsana New"/>
-        <a:font script="Ethi" typeface="Nyala"/>
-        <a:font script="Beng" typeface="Vrinda"/>
-        <a:font script="Gujr" typeface="Shruti"/>
-        <a:font script="Khmr" typeface="MoolBoran"/>
-        <a:font script="Knda" typeface="Tunga"/>
-        <a:font script="Guru" typeface="Raavi"/>
-        <a:font script="Cans" typeface="Euphemia"/>
-        <a:font script="Cher" typeface="Plantagenet Cherokee"/>
-        <a:font script="Yiii" typeface="Microsoft Yi Baiti"/>
-        <a:font script="Tibt" typeface="Microsoft Himalaya"/>
-        <a:font script="Thaa" typeface="MV Boli"/>
-        <a:font script="Deva" typeface="Mangal"/>
-        <a:font script="Telu" typeface="Gautami"/>
-        <a:font script="Taml" typeface="Latha"/>
-        <a:font script="Syrc" typeface="Estrangelo Edessa"/>
-        <a:font script="Orya" typeface="Kalinga"/>
-        <a:font script="Mlym" typeface="Kartika"/>
-        <a:font script="Laoo" typeface="DokChampa"/>
-        <a:font script="Sinh" typeface="Iskoola Pota"/>
-        <a:font script="Mong" typeface="Mongolian Baiti"/>
-        <a:font script="Viet" typeface="Times New Roman"/>
-        <a:font script="Uigh" typeface="Microsoft Uighur"/>
-      </a:majorFont>
-      <a:minorFont>
-        <a:latin typeface="Calibri"/>
-        <a:ea typeface=""/>
-        <a:cs typeface=""/>
-        <a:font script="Jpan" typeface="ＭＳ Ｐゴシック"/>
-        <a:font script="Hang" typeface="맑은 고딕"/>
-        <a:font script="Hans" typeface="宋体"/>
-        <a:font script="Hant" typeface="新細明體"/>
-        <a:font script="Arab" typeface="Arial"/>
-        <a:font script="Hebr" typeface="Arial"/>
-        <a:font script="Thai" typeface="Cordia New"/>
+        <a:font script="Jpan" typeface="HG創英角ｺﾞｼｯｸUB"/>
+        <a:font script="Hang" typeface="돋움"/>
+        <a:font script="Hans" typeface="隶书"/>
+        <a:font script="Hant" typeface="微軟正黑體"/>
+        <a:font script="Arab" typeface="Tahoma"/>
+        <a:font script="Hebr" typeface="Aharoni"/>
+        <a:font script="Thai" typeface="LilyUPC"/>
         <a:font script="Ethi" typeface="Nyala"/>
         <a:font script="Beng" typeface="Vrinda"/>
         <a:font script="Gujr" typeface="Shruti"/>
@@ -10793,9 +11111,43 @@
         <a:font script="Mong" typeface="Mongolian Baiti"/>
         <a:font script="Viet" typeface="Arial"/>
         <a:font script="Uigh" typeface="Microsoft Uighur"/>
+      </a:majorFont>
+      <a:minorFont>
+        <a:latin typeface="Franklin Gothic Book"/>
+        <a:ea typeface=""/>
+        <a:cs typeface=""/>
+        <a:font script="Jpan" typeface="HGｺﾞｼｯｸE"/>
+        <a:font script="Hang" typeface="돋움"/>
+        <a:font script="Hans" typeface="华文楷体"/>
+        <a:font script="Hant" typeface="微軟正黑體"/>
+        <a:font script="Arab" typeface="Tahoma"/>
+        <a:font script="Hebr" typeface="Aharoni"/>
+        <a:font script="Thai" typeface="LilyUPC"/>
+        <a:font script="Ethi" typeface="Nyala"/>
+        <a:font script="Beng" typeface="Vrinda"/>
+        <a:font script="Gujr" typeface="Shruti"/>
+        <a:font script="Khmr" typeface="DaunPenh"/>
+        <a:font script="Knda" typeface="Tunga"/>
+        <a:font script="Guru" typeface="Raavi"/>
+        <a:font script="Cans" typeface="Euphemia"/>
+        <a:font script="Cher" typeface="Plantagenet Cherokee"/>
+        <a:font script="Yiii" typeface="Microsoft Yi Baiti"/>
+        <a:font script="Tibt" typeface="Microsoft Himalaya"/>
+        <a:font script="Thaa" typeface="MV Boli"/>
+        <a:font script="Deva" typeface="Mangal"/>
+        <a:font script="Telu" typeface="Gautami"/>
+        <a:font script="Taml" typeface="Latha"/>
+        <a:font script="Syrc" typeface="Estrangelo Edessa"/>
+        <a:font script="Orya" typeface="Kalinga"/>
+        <a:font script="Mlym" typeface="Kartika"/>
+        <a:font script="Laoo" typeface="DokChampa"/>
+        <a:font script="Sinh" typeface="Iskoola Pota"/>
+        <a:font script="Mong" typeface="Mongolian Baiti"/>
+        <a:font script="Viet" typeface="Tahoma"/>
+        <a:font script="Uigh" typeface="Microsoft Uighur"/>
       </a:minorFont>
     </a:fontScheme>
-    <a:fmtScheme name="Office">
+    <a:fmtScheme name="トラベル">
       <a:fillStyleLst>
         <a:solidFill>
           <a:schemeClr val="phClr"/>
@@ -10804,56 +11156,77 @@
           <a:gsLst>
             <a:gs pos="0">
               <a:schemeClr val="phClr">
-                <a:tint val="50000"/>
-                <a:satMod val="300000"/>
+                <a:tint val="30000"/>
+                <a:satMod val="250000"/>
               </a:schemeClr>
             </a:gs>
-            <a:gs pos="35000">
+            <a:gs pos="72000">
               <a:schemeClr val="phClr">
-                <a:tint val="37000"/>
-                <a:satMod val="300000"/>
+                <a:tint val="75000"/>
+                <a:satMod val="210000"/>
               </a:schemeClr>
             </a:gs>
             <a:gs pos="100000">
               <a:schemeClr val="phClr">
-                <a:tint val="15000"/>
-                <a:satMod val="350000"/>
+                <a:tint val="85000"/>
+                <a:satMod val="210000"/>
               </a:schemeClr>
             </a:gs>
           </a:gsLst>
-          <a:lin ang="16200000" scaled="1"/>
+          <a:lin ang="5400000" scaled="1"/>
         </a:gradFill>
         <a:gradFill rotWithShape="1">
           <a:gsLst>
             <a:gs pos="0">
               <a:schemeClr val="phClr">
-                <a:shade val="51000"/>
-                <a:satMod val="130000"/>
+                <a:tint val="75000"/>
+                <a:shade val="85000"/>
+                <a:satMod val="230000"/>
+              </a:schemeClr>
+            </a:gs>
+            <a:gs pos="25000">
+              <a:schemeClr val="phClr">
+                <a:tint val="90000"/>
+                <a:shade val="70000"/>
+                <a:satMod val="220000"/>
+              </a:schemeClr>
+            </a:gs>
+            <a:gs pos="50000">
+              <a:schemeClr val="phClr">
+                <a:tint val="90000"/>
+                <a:shade val="58000"/>
+                <a:satMod val="225000"/>
+              </a:schemeClr>
+            </a:gs>
+            <a:gs pos="65000">
+              <a:schemeClr val="phClr">
+                <a:tint val="90000"/>
+                <a:shade val="58000"/>
+                <a:satMod val="225000"/>
               </a:schemeClr>
             </a:gs>
             <a:gs pos="80000">
               <a:schemeClr val="phClr">
-                <a:shade val="93000"/>
-                <a:satMod val="130000"/>
+                <a:tint val="90000"/>
+                <a:shade val="69000"/>
+                <a:satMod val="220000"/>
               </a:schemeClr>
             </a:gs>
             <a:gs pos="100000">
               <a:schemeClr val="phClr">
-                <a:shade val="94000"/>
-                <a:satMod val="135000"/>
+                <a:tint val="77000"/>
+                <a:shade val="80000"/>
+                <a:satMod val="230000"/>
               </a:schemeClr>
             </a:gs>
           </a:gsLst>
-          <a:lin ang="16200000" scaled="0"/>
+          <a:lin ang="5400000" scaled="1"/>
         </a:gradFill>
       </a:fillStyleLst>
       <a:lnStyleLst>
-        <a:ln w="9525" cap="flat" cmpd="sng" algn="ctr">
+        <a:ln w="10000" cap="flat" cmpd="sng" algn="ctr">
           <a:solidFill>
-            <a:schemeClr val="phClr">
-              <a:shade val="95000"/>
-              <a:satMod val="105000"/>
-            </a:schemeClr>
+            <a:schemeClr val="phClr"/>
           </a:solidFill>
           <a:prstDash val="solid"/>
         </a:ln>
@@ -10873,27 +11246,18 @@
       <a:effectStyleLst>
         <a:effectStyle>
           <a:effectLst>
-            <a:outerShdw blurRad="40000" dist="20000" dir="5400000" rotWithShape="0">
-              <a:srgbClr val="000000">
-                <a:alpha val="38000"/>
+            <a:outerShdw blurRad="76200" dist="50800" dir="5400000" rotWithShape="0">
+              <a:srgbClr val="4E3B30">
+                <a:alpha val="60000"/>
               </a:srgbClr>
             </a:outerShdw>
           </a:effectLst>
         </a:effectStyle>
         <a:effectStyle>
           <a:effectLst>
-            <a:outerShdw blurRad="40000" dist="23000" dir="5400000" rotWithShape="0">
-              <a:srgbClr val="000000">
-                <a:alpha val="35000"/>
-              </a:srgbClr>
-            </a:outerShdw>
-          </a:effectLst>
-        </a:effectStyle>
-        <a:effectStyle>
-          <a:effectLst>
-            <a:outerShdw blurRad="40000" dist="23000" dir="5400000" rotWithShape="0">
-              <a:srgbClr val="000000">
-                <a:alpha val="35000"/>
+            <a:outerShdw blurRad="76200" dist="50800" dir="5400000" rotWithShape="0">
+              <a:srgbClr val="4E3B30">
+                <a:alpha val="60000"/>
               </a:srgbClr>
             </a:outerShdw>
           </a:effectLst>
@@ -10901,12 +11265,38 @@
             <a:camera prst="orthographicFront">
               <a:rot lat="0" lon="0" rev="0"/>
             </a:camera>
-            <a:lightRig rig="threePt" dir="t">
-              <a:rot lat="0" lon="0" rev="1200000"/>
+            <a:lightRig rig="threePt" dir="tl">
+              <a:rot lat="0" lon="0" rev="0"/>
             </a:lightRig>
           </a:scene3d>
-          <a:sp3d>
-            <a:bevelT w="63500" h="25400"/>
+          <a:sp3d prstMaterial="metal">
+            <a:bevelT w="10000" h="10000"/>
+          </a:sp3d>
+        </a:effectStyle>
+        <a:effectStyle>
+          <a:effectLst>
+            <a:outerShdw blurRad="76200" dist="50800" dir="5400000" rotWithShape="0">
+              <a:srgbClr val="4E3B30">
+                <a:alpha val="60000"/>
+              </a:srgbClr>
+            </a:outerShdw>
+          </a:effectLst>
+          <a:scene3d>
+            <a:camera prst="obliqueTopLeft" fov="600000">
+              <a:rot lat="0" lon="0" rev="0"/>
+            </a:camera>
+            <a:lightRig rig="balanced" dir="t">
+              <a:rot lat="0" lon="0" rev="19200000"/>
+            </a:lightRig>
+          </a:scene3d>
+          <a:sp3d contourW="12700" prstMaterial="matte">
+            <a:bevelT w="60000" h="50800"/>
+            <a:contourClr>
+              <a:schemeClr val="phClr">
+                <a:shade val="60000"/>
+                <a:satMod val="110000"/>
+              </a:schemeClr>
+            </a:contourClr>
           </a:sp3d>
         </a:effectStyle>
       </a:effectStyleLst>
@@ -10914,51 +11304,38 @@
         <a:solidFill>
           <a:schemeClr val="phClr"/>
         </a:solidFill>
-        <a:gradFill rotWithShape="1">
-          <a:gsLst>
-            <a:gs pos="0">
+        <a:blipFill>
+          <a:blip xmlns:r="http://schemas.openxmlformats.org/officeDocument/2006/relationships" r:embed="rId1">
+            <a:duotone>
               <a:schemeClr val="phClr">
-                <a:tint val="40000"/>
-                <a:satMod val="350000"/>
+                <a:shade val="90000"/>
+                <a:satMod val="150000"/>
               </a:schemeClr>
-            </a:gs>
-            <a:gs pos="40000">
               <a:schemeClr val="phClr">
-                <a:tint val="45000"/>
-                <a:shade val="99000"/>
-                <a:satMod val="350000"/>
+                <a:tint val="88000"/>
+                <a:satMod val="105000"/>
               </a:schemeClr>
-            </a:gs>
-            <a:gs pos="100000">
-              <a:schemeClr val="phClr">
-                <a:shade val="20000"/>
-                <a:satMod val="255000"/>
-              </a:schemeClr>
-            </a:gs>
-          </a:gsLst>
-          <a:path path="circle">
-            <a:fillToRect l="50000" t="-80000" r="50000" b="180000"/>
-          </a:path>
-        </a:gradFill>
-        <a:gradFill rotWithShape="1">
-          <a:gsLst>
-            <a:gs pos="0">
-              <a:schemeClr val="phClr">
-                <a:tint val="80000"/>
-                <a:satMod val="300000"/>
-              </a:schemeClr>
-            </a:gs>
-            <a:gs pos="100000">
+            </a:duotone>
+          </a:blip>
+          <a:tile tx="0" ty="0" sx="95000" sy="95000" flip="none" algn="t"/>
+        </a:blipFill>
+        <a:blipFill>
+          <a:blip xmlns:r="http://schemas.openxmlformats.org/officeDocument/2006/relationships" r:embed="rId2">
+            <a:duotone>
               <a:schemeClr val="phClr">
                 <a:shade val="30000"/>
-                <a:satMod val="200000"/>
+                <a:satMod val="455000"/>
               </a:schemeClr>
-            </a:gs>
-          </a:gsLst>
-          <a:path path="circle">
-            <a:fillToRect l="50000" t="50000" r="50000" b="50000"/>
-          </a:path>
-        </a:gradFill>
+              <a:schemeClr val="phClr">
+                <a:tint val="95000"/>
+                <a:satMod val="120000"/>
+              </a:schemeClr>
+            </a:duotone>
+          </a:blip>
+          <a:stretch>
+            <a:fillRect/>
+          </a:stretch>
+        </a:blipFill>
       </a:bgFillStyleLst>
     </a:fmtScheme>
   </a:themeElements>

--- a/glfw3_app/docs/GLFW3_OpenGL_GUI.pptx
+++ b/glfw3_app/docs/GLFW3_OpenGL_GUI.pptx
@@ -26,26 +26,29 @@
     <p:sldId id="290" r:id="rId20"/>
     <p:sldId id="272" r:id="rId21"/>
     <p:sldId id="270" r:id="rId22"/>
-    <p:sldId id="294" r:id="rId23"/>
-    <p:sldId id="295" r:id="rId24"/>
-    <p:sldId id="296" r:id="rId25"/>
-    <p:sldId id="292" r:id="rId26"/>
-    <p:sldId id="275" r:id="rId27"/>
-    <p:sldId id="276" r:id="rId28"/>
-    <p:sldId id="277" r:id="rId29"/>
-    <p:sldId id="278" r:id="rId30"/>
-    <p:sldId id="279" r:id="rId31"/>
-    <p:sldId id="280" r:id="rId32"/>
-    <p:sldId id="281" r:id="rId33"/>
-    <p:sldId id="282" r:id="rId34"/>
-    <p:sldId id="297" r:id="rId35"/>
-    <p:sldId id="283" r:id="rId36"/>
-    <p:sldId id="286" r:id="rId37"/>
-    <p:sldId id="298" r:id="rId38"/>
-    <p:sldId id="284" r:id="rId39"/>
-    <p:sldId id="285" r:id="rId40"/>
-    <p:sldId id="288" r:id="rId41"/>
-    <p:sldId id="293" r:id="rId42"/>
+    <p:sldId id="299" r:id="rId23"/>
+    <p:sldId id="300" r:id="rId24"/>
+    <p:sldId id="301" r:id="rId25"/>
+    <p:sldId id="294" r:id="rId26"/>
+    <p:sldId id="295" r:id="rId27"/>
+    <p:sldId id="296" r:id="rId28"/>
+    <p:sldId id="292" r:id="rId29"/>
+    <p:sldId id="275" r:id="rId30"/>
+    <p:sldId id="276" r:id="rId31"/>
+    <p:sldId id="277" r:id="rId32"/>
+    <p:sldId id="278" r:id="rId33"/>
+    <p:sldId id="279" r:id="rId34"/>
+    <p:sldId id="280" r:id="rId35"/>
+    <p:sldId id="281" r:id="rId36"/>
+    <p:sldId id="282" r:id="rId37"/>
+    <p:sldId id="297" r:id="rId38"/>
+    <p:sldId id="283" r:id="rId39"/>
+    <p:sldId id="286" r:id="rId40"/>
+    <p:sldId id="298" r:id="rId41"/>
+    <p:sldId id="284" r:id="rId42"/>
+    <p:sldId id="285" r:id="rId43"/>
+    <p:sldId id="288" r:id="rId44"/>
+    <p:sldId id="293" r:id="rId45"/>
   </p:sldIdLst>
   <p:sldSz cx="9144000" cy="6858000" type="screen4x3"/>
   <p:notesSz cx="6858000" cy="9144000"/>
@@ -10710,53 +10713,30 @@
           <a:chExt cx="0" cy="0"/>
         </a:xfrm>
       </p:grpSpPr>
-      <p:sp>
-        <p:nvSpPr>
-          <p:cNvPr id="2" name="タイトル 1"/>
-          <p:cNvSpPr>
-            <a:spLocks noGrp="1"/>
-          </p:cNvSpPr>
-          <p:nvPr>
-            <p:ph type="title"/>
-          </p:nvPr>
-        </p:nvSpPr>
-        <p:spPr/>
-        <p:txBody>
-          <a:bodyPr/>
-          <a:lstStyle/>
-          <a:p>
-            <a:r>
-              <a:rPr lang="en-US" altLang="ja-JP" dirty="0" smtClean="0"/>
-              <a:t>Image </a:t>
-            </a:r>
-            <a:r>
-              <a:rPr lang="ja-JP" altLang="en-US" dirty="0" smtClean="0"/>
-              <a:t>アプリケーション</a:t>
-            </a:r>
-            <a:endParaRPr kumimoji="1" lang="ja-JP" altLang="en-US" dirty="0"/>
-          </a:p>
-        </p:txBody>
-      </p:sp>
-      <p:graphicFrame>
-        <p:nvGraphicFramePr>
-          <p:cNvPr id="4" name="コンテンツ プレースホルダ 3"/>
-          <p:cNvGraphicFramePr>
-            <a:graphicFrameLocks noGrp="1"/>
-          </p:cNvGraphicFramePr>
-          <p:nvPr>
-            <p:ph idx="1"/>
-          </p:nvPr>
-        </p:nvGraphicFramePr>
-        <p:xfrm>
-          <a:off x="304800" y="1554163"/>
-          <a:ext cx="8686800" cy="4107086"/>
-        </p:xfrm>
-        <a:graphic>
-          <a:graphicData uri="http://schemas.openxmlformats.org/drawingml/2006/diagram">
-            <dgm:relIds xmlns:dgm="http://schemas.openxmlformats.org/drawingml/2006/diagram" xmlns:r="http://schemas.openxmlformats.org/officeDocument/2006/relationships" r:dm="rId2" r:lo="rId3" r:qs="rId4" r:cs="rId5"/>
-          </a:graphicData>
-        </a:graphic>
-      </p:graphicFrame>
+      <p:pic>
+        <p:nvPicPr>
+          <p:cNvPr id="4" name="図 3" descr="PlayerScreenShot.png"/>
+          <p:cNvPicPr>
+            <a:picLocks noChangeAspect="1"/>
+          </p:cNvPicPr>
+          <p:nvPr/>
+        </p:nvPicPr>
+        <p:blipFill>
+          <a:blip r:embed="rId2" cstate="print"/>
+          <a:stretch>
+            <a:fillRect/>
+          </a:stretch>
+        </p:blipFill>
+        <p:spPr>
+          <a:xfrm>
+            <a:off x="0" y="271831"/>
+            <a:ext cx="9144000" cy="6314338"/>
+          </a:xfrm>
+          <a:prstGeom prst="rect">
+            <a:avLst/>
+          </a:prstGeom>
+        </p:spPr>
+      </p:pic>
     </p:spTree>
   </p:cSld>
   <p:clrMapOvr>
@@ -10782,138 +10762,30 @@
           <a:chExt cx="0" cy="0"/>
         </a:xfrm>
       </p:grpSpPr>
-      <p:sp>
-        <p:nvSpPr>
-          <p:cNvPr id="2" name="タイトル 1"/>
-          <p:cNvSpPr>
-            <a:spLocks noGrp="1"/>
-          </p:cNvSpPr>
-          <p:nvPr>
-            <p:ph type="title"/>
-          </p:nvPr>
-        </p:nvSpPr>
-        <p:spPr/>
-        <p:txBody>
-          <a:bodyPr/>
-          <a:lstStyle/>
-          <a:p>
-            <a:r>
-              <a:rPr kumimoji="1" lang="en-US" altLang="ja-JP" dirty="0" smtClean="0"/>
-              <a:t>Widget </a:t>
-            </a:r>
-            <a:r>
-              <a:rPr kumimoji="1" lang="ja-JP" altLang="en-US" dirty="0" smtClean="0"/>
-              <a:t>の制御</a:t>
-            </a:r>
-            <a:endParaRPr kumimoji="1" lang="ja-JP" altLang="en-US" dirty="0"/>
-          </a:p>
-        </p:txBody>
-      </p:sp>
-      <p:sp>
-        <p:nvSpPr>
-          <p:cNvPr id="3" name="コンテンツ プレースホルダ 2"/>
-          <p:cNvSpPr>
-            <a:spLocks noGrp="1"/>
-          </p:cNvSpPr>
-          <p:nvPr>
-            <p:ph idx="1"/>
-          </p:nvPr>
-        </p:nvSpPr>
-        <p:spPr/>
-        <p:txBody>
-          <a:bodyPr/>
-          <a:lstStyle/>
-          <a:p>
-            <a:r>
-              <a:rPr kumimoji="1" lang="ja-JP" altLang="en-US" dirty="0" smtClean="0"/>
-              <a:t>選択</a:t>
-            </a:r>
-            <a:endParaRPr kumimoji="1" lang="en-US" altLang="ja-JP" dirty="0" smtClean="0"/>
-          </a:p>
-          <a:p>
-            <a:pPr lvl="1"/>
-            <a:r>
-              <a:rPr kumimoji="1" lang="ja-JP" altLang="en-US" dirty="0" smtClean="0"/>
-              <a:t>押した</a:t>
-            </a:r>
-            <a:r>
-              <a:rPr lang="ja-JP" altLang="en-US" dirty="0" smtClean="0"/>
-              <a:t>瞬間（</a:t>
-            </a:r>
-            <a:r>
-              <a:rPr lang="en-US" altLang="ja-JP" dirty="0" smtClean="0"/>
-              <a:t>positive</a:t>
-            </a:r>
-            <a:r>
-              <a:rPr lang="ja-JP" altLang="en-US" dirty="0" smtClean="0"/>
-              <a:t>）</a:t>
-            </a:r>
-            <a:endParaRPr lang="en-US" altLang="ja-JP" dirty="0" smtClean="0"/>
-          </a:p>
-          <a:p>
-            <a:pPr lvl="1"/>
-            <a:r>
-              <a:rPr kumimoji="1" lang="ja-JP" altLang="en-US" dirty="0" smtClean="0"/>
-              <a:t>押している（</a:t>
-            </a:r>
-            <a:r>
-              <a:rPr kumimoji="1" lang="en-US" altLang="ja-JP" dirty="0" smtClean="0"/>
-              <a:t>level</a:t>
-            </a:r>
-            <a:r>
-              <a:rPr kumimoji="1" lang="ja-JP" altLang="en-US" dirty="0" smtClean="0"/>
-              <a:t>）</a:t>
-            </a:r>
-            <a:endParaRPr kumimoji="1" lang="en-US" altLang="ja-JP" dirty="0" smtClean="0"/>
-          </a:p>
-          <a:p>
-            <a:pPr lvl="1"/>
-            <a:r>
-              <a:rPr lang="ja-JP" altLang="en-US" dirty="0" smtClean="0"/>
-              <a:t>離した瞬間（</a:t>
-            </a:r>
-            <a:r>
-              <a:rPr lang="en-US" altLang="ja-JP" dirty="0" smtClean="0"/>
-              <a:t>negative</a:t>
-            </a:r>
-            <a:r>
-              <a:rPr lang="ja-JP" altLang="en-US" dirty="0" smtClean="0"/>
-              <a:t>）</a:t>
-            </a:r>
-            <a:endParaRPr kumimoji="1" lang="en-US" altLang="ja-JP" dirty="0" smtClean="0"/>
-          </a:p>
-          <a:p>
-            <a:r>
-              <a:rPr lang="ja-JP" altLang="en-US" dirty="0" smtClean="0"/>
-              <a:t>移動</a:t>
-            </a:r>
-            <a:endParaRPr lang="en-US" altLang="ja-JP" dirty="0" smtClean="0"/>
-          </a:p>
-          <a:p>
-            <a:pPr lvl="1"/>
-            <a:r>
-              <a:rPr lang="ja-JP" altLang="en-US" dirty="0" smtClean="0"/>
-              <a:t>押しながら移動（ドラッグ）</a:t>
-            </a:r>
-            <a:endParaRPr lang="en-US" altLang="ja-JP" dirty="0" smtClean="0"/>
-          </a:p>
-          <a:p>
-            <a:r>
-              <a:rPr kumimoji="1" lang="ja-JP" altLang="en-US" dirty="0" smtClean="0"/>
-              <a:t>リサイズ</a:t>
-            </a:r>
-            <a:endParaRPr kumimoji="1" lang="en-US" altLang="ja-JP" dirty="0" smtClean="0"/>
-          </a:p>
-          <a:p>
-            <a:pPr lvl="1"/>
-            <a:r>
-              <a:rPr lang="ja-JP" altLang="en-US" dirty="0" smtClean="0"/>
-              <a:t>押しながらリサイズ（右ボタン）</a:t>
-            </a:r>
-            <a:endParaRPr kumimoji="1" lang="ja-JP" altLang="en-US" dirty="0"/>
-          </a:p>
-        </p:txBody>
-      </p:sp>
+      <p:pic>
+        <p:nvPicPr>
+          <p:cNvPr id="2" name="図 1" descr="ImageScreenShot.png"/>
+          <p:cNvPicPr>
+            <a:picLocks noChangeAspect="1"/>
+          </p:cNvPicPr>
+          <p:nvPr/>
+        </p:nvPicPr>
+        <p:blipFill>
+          <a:blip r:embed="rId2" cstate="print"/>
+          <a:stretch>
+            <a:fillRect/>
+          </a:stretch>
+        </p:blipFill>
+        <p:spPr>
+          <a:xfrm>
+            <a:off x="0" y="250956"/>
+            <a:ext cx="9144000" cy="6356088"/>
+          </a:xfrm>
+          <a:prstGeom prst="rect">
+            <a:avLst/>
+          </a:prstGeom>
+        </p:spPr>
+      </p:pic>
     </p:spTree>
   </p:cSld>
   <p:clrMapOvr>
@@ -10939,100 +10811,30 @@
           <a:chExt cx="0" cy="0"/>
         </a:xfrm>
       </p:grpSpPr>
-      <p:sp>
-        <p:nvSpPr>
-          <p:cNvPr id="2" name="タイトル 1"/>
-          <p:cNvSpPr>
-            <a:spLocks noGrp="1"/>
-          </p:cNvSpPr>
-          <p:nvPr>
-            <p:ph type="title"/>
-          </p:nvPr>
-        </p:nvSpPr>
-        <p:spPr/>
-        <p:txBody>
-          <a:bodyPr/>
-          <a:lstStyle/>
-          <a:p>
-            <a:r>
-              <a:rPr kumimoji="1" lang="ja-JP" altLang="en-US" dirty="0" smtClean="0"/>
-              <a:t>基本制御プロパテ</a:t>
-            </a:r>
-            <a:r>
-              <a:rPr lang="ja-JP" altLang="en-US" dirty="0" smtClean="0"/>
-              <a:t>ィ</a:t>
-            </a:r>
-            <a:endParaRPr kumimoji="1" lang="ja-JP" altLang="en-US" dirty="0"/>
-          </a:p>
-        </p:txBody>
-      </p:sp>
-      <p:sp>
-        <p:nvSpPr>
-          <p:cNvPr id="3" name="コンテンツ プレースホルダ 2"/>
-          <p:cNvSpPr>
-            <a:spLocks noGrp="1"/>
-          </p:cNvSpPr>
-          <p:nvPr>
-            <p:ph idx="1"/>
-          </p:nvPr>
-        </p:nvSpPr>
-        <p:spPr/>
-        <p:txBody>
-          <a:bodyPr/>
-          <a:lstStyle/>
-          <a:p>
-            <a:r>
-              <a:rPr lang="ja-JP" altLang="en-US" dirty="0" smtClean="0"/>
-              <a:t>表示・非表示</a:t>
-            </a:r>
-            <a:r>
-              <a:rPr lang="en-US" altLang="ja-JP" dirty="0" smtClean="0"/>
-              <a:t>(enable)</a:t>
-            </a:r>
-          </a:p>
-          <a:p>
-            <a:r>
-              <a:rPr lang="ja-JP" altLang="en-US" dirty="0" smtClean="0"/>
-              <a:t>停止</a:t>
-            </a:r>
-            <a:r>
-              <a:rPr lang="en-US" altLang="ja-JP" dirty="0" smtClean="0"/>
-              <a:t>(stall)</a:t>
-            </a:r>
-          </a:p>
-          <a:p>
-            <a:r>
-              <a:rPr lang="ja-JP" altLang="en-US" dirty="0" smtClean="0"/>
-              <a:t>位置固定</a:t>
-            </a:r>
-            <a:endParaRPr lang="en-US" altLang="ja-JP" dirty="0" smtClean="0"/>
-          </a:p>
-          <a:p>
-            <a:r>
-              <a:rPr kumimoji="1" lang="ja-JP" altLang="en-US" dirty="0" smtClean="0"/>
-              <a:t>水平リサイズ</a:t>
-            </a:r>
-            <a:endParaRPr kumimoji="1" lang="en-US" altLang="ja-JP" dirty="0" smtClean="0"/>
-          </a:p>
-          <a:p>
-            <a:r>
-              <a:rPr lang="ja-JP" altLang="en-US" dirty="0" smtClean="0"/>
-              <a:t>垂直リサイズ</a:t>
-            </a:r>
-            <a:endParaRPr lang="en-US" altLang="ja-JP" dirty="0" smtClean="0"/>
-          </a:p>
-          <a:p>
-            <a:r>
-              <a:rPr kumimoji="1" lang="ja-JP" altLang="en-US" dirty="0" smtClean="0"/>
-              <a:t>サイズ固定</a:t>
-            </a:r>
-            <a:endParaRPr kumimoji="1" lang="en-US" altLang="ja-JP" dirty="0" smtClean="0"/>
-          </a:p>
-          <a:p>
-            <a:endParaRPr kumimoji="1" lang="ja-JP" altLang="en-US" dirty="0"/>
-          </a:p>
-        </p:txBody>
-      </p:sp>
+      <p:pic>
+        <p:nvPicPr>
+          <p:cNvPr id="2" name="図 1" descr="PMDvScreenShot.png"/>
+          <p:cNvPicPr>
+            <a:picLocks noChangeAspect="1"/>
+          </p:cNvPicPr>
+          <p:nvPr/>
+        </p:nvPicPr>
+        <p:blipFill>
+          <a:blip r:embed="rId2" cstate="print"/>
+          <a:stretch>
+            <a:fillRect/>
+          </a:stretch>
+        </p:blipFill>
+        <p:spPr>
+          <a:xfrm>
+            <a:off x="0" y="422920"/>
+            <a:ext cx="9144000" cy="6012160"/>
+          </a:xfrm>
+          <a:prstGeom prst="rect">
+            <a:avLst/>
+          </a:prstGeom>
+        </p:spPr>
+      </p:pic>
     </p:spTree>
   </p:cSld>
   <p:clrMapOvr>
@@ -11068,28 +10870,43 @@
             <p:ph type="title"/>
           </p:nvPr>
         </p:nvSpPr>
-        <p:spPr>
-          <a:xfrm>
-            <a:off x="467544" y="2708920"/>
-            <a:ext cx="8229600" cy="1143000"/>
-          </a:xfrm>
-        </p:spPr>
+        <p:spPr/>
         <p:txBody>
           <a:bodyPr/>
           <a:lstStyle/>
           <a:p>
             <a:r>
-              <a:rPr kumimoji="1" lang="ja-JP" altLang="en-US" dirty="0" smtClean="0"/>
-              <a:t>実際の</a:t>
+              <a:rPr lang="en-US" altLang="ja-JP" dirty="0" smtClean="0"/>
+              <a:t>Image </a:t>
             </a:r>
             <a:r>
               <a:rPr lang="ja-JP" altLang="en-US" dirty="0" smtClean="0"/>
-              <a:t>ソースコード</a:t>
+              <a:t>アプリケーション</a:t>
             </a:r>
             <a:endParaRPr kumimoji="1" lang="ja-JP" altLang="en-US" dirty="0"/>
           </a:p>
         </p:txBody>
       </p:sp>
+      <p:graphicFrame>
+        <p:nvGraphicFramePr>
+          <p:cNvPr id="4" name="コンテンツ プレースホルダ 3"/>
+          <p:cNvGraphicFramePr>
+            <a:graphicFrameLocks noGrp="1"/>
+          </p:cNvGraphicFramePr>
+          <p:nvPr>
+            <p:ph idx="1"/>
+          </p:nvPr>
+        </p:nvGraphicFramePr>
+        <p:xfrm>
+          <a:off x="304800" y="1554163"/>
+          <a:ext cx="8686800" cy="4107086"/>
+        </p:xfrm>
+        <a:graphic>
+          <a:graphicData uri="http://schemas.openxmlformats.org/drawingml/2006/diagram">
+            <dgm:relIds xmlns:dgm="http://schemas.openxmlformats.org/drawingml/2006/diagram" xmlns:r="http://schemas.openxmlformats.org/officeDocument/2006/relationships" r:dm="rId2" r:lo="rId3" r:qs="rId4" r:cs="rId5"/>
+          </a:graphicData>
+        </a:graphic>
+      </p:graphicFrame>
     </p:spTree>
   </p:cSld>
   <p:clrMapOvr>
@@ -11131,8 +10948,12 @@
           <a:lstStyle/>
           <a:p>
             <a:r>
+              <a:rPr kumimoji="1" lang="en-US" altLang="ja-JP" dirty="0" smtClean="0"/>
+              <a:t>Widget </a:t>
+            </a:r>
+            <a:r>
               <a:rPr kumimoji="1" lang="ja-JP" altLang="en-US" dirty="0" smtClean="0"/>
-              <a:t>アプリケーション・コンテキスト</a:t>
+              <a:t>の制御</a:t>
             </a:r>
             <a:endParaRPr kumimoji="1" lang="ja-JP" altLang="en-US" dirty="0"/>
           </a:p>
@@ -11150,227 +10971,95 @@
         </p:nvSpPr>
         <p:spPr/>
         <p:txBody>
-          <a:bodyPr>
-            <a:normAutofit fontScale="40000" lnSpcReduction="20000"/>
-          </a:bodyPr>
+          <a:bodyPr/>
           <a:lstStyle/>
           <a:p>
-            <a:pPr>
-              <a:buNone/>
-            </a:pPr>
+            <a:r>
+              <a:rPr kumimoji="1" lang="ja-JP" altLang="en-US" dirty="0" smtClean="0"/>
+              <a:t>選択</a:t>
+            </a:r>
+            <a:endParaRPr kumimoji="1" lang="en-US" altLang="ja-JP" dirty="0" smtClean="0"/>
+          </a:p>
+          <a:p>
+            <a:pPr lvl="1"/>
+            <a:r>
+              <a:rPr kumimoji="1" lang="ja-JP" altLang="en-US" dirty="0" smtClean="0"/>
+              <a:t>押した</a:t>
+            </a:r>
+            <a:r>
+              <a:rPr lang="ja-JP" altLang="en-US" dirty="0" smtClean="0"/>
+              <a:t>瞬間（</a:t>
+            </a:r>
             <a:r>
               <a:rPr lang="en-US" altLang="ja-JP" dirty="0" smtClean="0"/>
-              <a:t>namespace app {</a:t>
-            </a:r>
-          </a:p>
-          <a:p>
-            <a:pPr>
-              <a:buNone/>
-            </a:pPr>
+              <a:t>positive</a:t>
+            </a:r>
+            <a:r>
+              <a:rPr lang="ja-JP" altLang="en-US" dirty="0" smtClean="0"/>
+              <a:t>）</a:t>
+            </a:r>
             <a:endParaRPr lang="en-US" altLang="ja-JP" dirty="0" smtClean="0"/>
           </a:p>
           <a:p>
-            <a:pPr>
-              <a:buNone/>
-            </a:pPr>
+            <a:pPr lvl="1"/>
+            <a:r>
+              <a:rPr kumimoji="1" lang="ja-JP" altLang="en-US" dirty="0" smtClean="0"/>
+              <a:t>押している（</a:t>
+            </a:r>
+            <a:r>
+              <a:rPr kumimoji="1" lang="en-US" altLang="ja-JP" dirty="0" smtClean="0"/>
+              <a:t>level</a:t>
+            </a:r>
+            <a:r>
+              <a:rPr kumimoji="1" lang="ja-JP" altLang="en-US" dirty="0" smtClean="0"/>
+              <a:t>）</a:t>
+            </a:r>
+            <a:endParaRPr kumimoji="1" lang="en-US" altLang="ja-JP" dirty="0" smtClean="0"/>
+          </a:p>
+          <a:p>
+            <a:pPr lvl="1"/>
+            <a:r>
+              <a:rPr lang="ja-JP" altLang="en-US" dirty="0" smtClean="0"/>
+              <a:t>離した瞬間（</a:t>
+            </a:r>
             <a:r>
               <a:rPr lang="en-US" altLang="ja-JP" dirty="0" smtClean="0"/>
-              <a:t>	</a:t>
-            </a:r>
-            <a:r>
-              <a:rPr lang="en-US" altLang="ja-JP" dirty="0" smtClean="0"/>
-              <a:t>//++++++++++++++++++++++++++++++++++++++++++++++++++++++++++//</a:t>
+              <a:t>negative</a:t>
+            </a:r>
+            <a:r>
+              <a:rPr lang="ja-JP" altLang="en-US" dirty="0" smtClean="0"/>
+              <a:t>）</a:t>
+            </a:r>
+            <a:endParaRPr kumimoji="1" lang="en-US" altLang="ja-JP" dirty="0" smtClean="0"/>
+          </a:p>
+          <a:p>
+            <a:r>
+              <a:rPr lang="ja-JP" altLang="en-US" dirty="0" smtClean="0"/>
+              <a:t>移動</a:t>
             </a:r>
             <a:endParaRPr lang="en-US" altLang="ja-JP" dirty="0" smtClean="0"/>
           </a:p>
           <a:p>
-            <a:pPr>
-              <a:buNone/>
-            </a:pPr>
-            <a:r>
-              <a:rPr lang="en-US" altLang="ja-JP" dirty="0" smtClean="0"/>
-              <a:t>	/*!</a:t>
-            </a:r>
-          </a:p>
-          <a:p>
-            <a:pPr>
-              <a:buNone/>
-            </a:pPr>
-            <a:r>
-              <a:rPr lang="en-US" altLang="ja-JP" dirty="0" smtClean="0"/>
-              <a:t>		@brief  </a:t>
-            </a:r>
+            <a:pPr lvl="1"/>
             <a:r>
               <a:rPr lang="ja-JP" altLang="en-US" dirty="0" smtClean="0"/>
-              <a:t>アプリケーション・共有リソース</a:t>
-            </a:r>
-          </a:p>
-          <a:p>
-            <a:pPr>
-              <a:buNone/>
-            </a:pPr>
+              <a:t>押しながら移動（ドラッグ）</a:t>
+            </a:r>
+            <a:endParaRPr lang="en-US" altLang="ja-JP" dirty="0" smtClean="0"/>
+          </a:p>
+          <a:p>
+            <a:r>
+              <a:rPr kumimoji="1" lang="ja-JP" altLang="en-US" dirty="0" smtClean="0"/>
+              <a:t>リサイズ</a:t>
+            </a:r>
+            <a:endParaRPr kumimoji="1" lang="en-US" altLang="ja-JP" dirty="0" smtClean="0"/>
+          </a:p>
+          <a:p>
+            <a:pPr lvl="1"/>
             <a:r>
               <a:rPr lang="ja-JP" altLang="en-US" dirty="0" smtClean="0"/>
-              <a:t>	*</a:t>
-            </a:r>
-            <a:r>
-              <a:rPr lang="en-US" altLang="ja-JP" dirty="0" smtClean="0"/>
-              <a:t>/</a:t>
-            </a:r>
-          </a:p>
-          <a:p>
-            <a:pPr>
-              <a:buNone/>
-            </a:pPr>
-            <a:r>
-              <a:rPr lang="en-US" altLang="ja-JP" dirty="0" smtClean="0"/>
-              <a:t>	</a:t>
-            </a:r>
-            <a:r>
-              <a:rPr lang="en-US" altLang="ja-JP" dirty="0" smtClean="0"/>
-              <a:t>//++++++++++++++++++++++++++++++++++++++++++++++++++++++++++//</a:t>
-            </a:r>
-            <a:endParaRPr lang="en-US" altLang="ja-JP" dirty="0" smtClean="0"/>
-          </a:p>
-          <a:p>
-            <a:pPr>
-              <a:buNone/>
-            </a:pPr>
-            <a:r>
-              <a:rPr lang="en-US" altLang="ja-JP" dirty="0" smtClean="0"/>
-              <a:t>	</a:t>
-            </a:r>
-            <a:r>
-              <a:rPr lang="en-US" altLang="ja-JP" dirty="0" err="1" smtClean="0"/>
-              <a:t>struct</a:t>
-            </a:r>
-            <a:r>
-              <a:rPr lang="en-US" altLang="ja-JP" dirty="0" smtClean="0"/>
-              <a:t> core {</a:t>
-            </a:r>
-          </a:p>
-          <a:p>
-            <a:pPr>
-              <a:buNone/>
-            </a:pPr>
-            <a:endParaRPr lang="en-US" altLang="ja-JP" dirty="0" smtClean="0"/>
-          </a:p>
-          <a:p>
-            <a:pPr>
-              <a:buNone/>
-            </a:pPr>
-            <a:r>
-              <a:rPr lang="en-US" altLang="ja-JP" dirty="0" smtClean="0"/>
-              <a:t>		al::sound	</a:t>
-            </a:r>
-            <a:r>
-              <a:rPr lang="en-US" altLang="ja-JP" dirty="0" err="1" smtClean="0"/>
-              <a:t>sound</a:t>
-            </a:r>
-            <a:r>
-              <a:rPr lang="en-US" altLang="ja-JP" dirty="0" smtClean="0"/>
-              <a:t>_;</a:t>
-            </a:r>
-          </a:p>
-          <a:p>
-            <a:pPr>
-              <a:buNone/>
-            </a:pPr>
-            <a:endParaRPr lang="en-US" altLang="ja-JP" dirty="0" smtClean="0"/>
-          </a:p>
-          <a:p>
-            <a:pPr>
-              <a:buNone/>
-            </a:pPr>
-            <a:r>
-              <a:rPr lang="en-US" altLang="ja-JP" dirty="0" smtClean="0"/>
-              <a:t>		</a:t>
-            </a:r>
-            <a:r>
-              <a:rPr lang="en-US" altLang="ja-JP" dirty="0" err="1" smtClean="0"/>
-              <a:t>gui</a:t>
-            </a:r>
-            <a:r>
-              <a:rPr lang="en-US" altLang="ja-JP" dirty="0" smtClean="0"/>
-              <a:t>::</a:t>
-            </a:r>
-            <a:r>
-              <a:rPr lang="en-US" altLang="ja-JP" dirty="0" err="1" smtClean="0"/>
-              <a:t>widget_director</a:t>
-            </a:r>
-            <a:r>
-              <a:rPr lang="en-US" altLang="ja-JP" dirty="0" smtClean="0"/>
-              <a:t>	</a:t>
-            </a:r>
-            <a:r>
-              <a:rPr lang="en-US" altLang="ja-JP" dirty="0" err="1" smtClean="0"/>
-              <a:t>widget_director</a:t>
-            </a:r>
-            <a:r>
-              <a:rPr lang="en-US" altLang="ja-JP" dirty="0" smtClean="0"/>
-              <a:t>_;</a:t>
-            </a:r>
-          </a:p>
-          <a:p>
-            <a:pPr>
-              <a:buNone/>
-            </a:pPr>
-            <a:endParaRPr lang="en-US" altLang="ja-JP" dirty="0" smtClean="0"/>
-          </a:p>
-          <a:p>
-            <a:pPr>
-              <a:buNone/>
-            </a:pPr>
-            <a:r>
-              <a:rPr lang="en-US" altLang="ja-JP" dirty="0" smtClean="0"/>
-              <a:t>		sys::preference	</a:t>
-            </a:r>
-            <a:r>
-              <a:rPr lang="en-US" altLang="ja-JP" dirty="0" err="1" smtClean="0"/>
-              <a:t>preference</a:t>
-            </a:r>
-            <a:r>
-              <a:rPr lang="en-US" altLang="ja-JP" dirty="0" smtClean="0"/>
-              <a:t>_;</a:t>
-            </a:r>
-          </a:p>
-          <a:p>
-            <a:pPr>
-              <a:buNone/>
-            </a:pPr>
-            <a:endParaRPr lang="en-US" altLang="ja-JP" dirty="0" smtClean="0"/>
-          </a:p>
-          <a:p>
-            <a:pPr>
-              <a:buNone/>
-            </a:pPr>
-            <a:r>
-              <a:rPr lang="en-US" altLang="ja-JP" dirty="0" smtClean="0"/>
-              <a:t>		core() { }</a:t>
-            </a:r>
-          </a:p>
-          <a:p>
-            <a:pPr>
-              <a:buNone/>
-            </a:pPr>
-            <a:r>
-              <a:rPr lang="en-US" altLang="ja-JP" dirty="0" smtClean="0"/>
-              <a:t>	};</a:t>
-            </a:r>
-          </a:p>
-          <a:p>
-            <a:pPr>
-              <a:buNone/>
-            </a:pPr>
-            <a:r>
-              <a:rPr lang="en-US" altLang="ja-JP" dirty="0" smtClean="0"/>
-              <a:t>}</a:t>
-            </a:r>
-          </a:p>
-          <a:p>
-            <a:pPr>
-              <a:buNone/>
-            </a:pPr>
+              <a:t>押しながらリサイズ（右ボタン）</a:t>
+            </a:r>
             <a:endParaRPr kumimoji="1" lang="ja-JP" altLang="en-US" dirty="0"/>
           </a:p>
         </p:txBody>
@@ -11417,7 +11106,11 @@
           <a:p>
             <a:r>
               <a:rPr kumimoji="1" lang="ja-JP" altLang="en-US" dirty="0" smtClean="0"/>
-              <a:t>メイン</a:t>
+              <a:t>基本制御プロパテ</a:t>
+            </a:r>
+            <a:r>
+              <a:rPr lang="ja-JP" altLang="en-US" dirty="0" smtClean="0"/>
+              <a:t>ィ</a:t>
             </a:r>
             <a:endParaRPr kumimoji="1" lang="ja-JP" altLang="en-US" dirty="0"/>
           </a:p>
@@ -11435,180 +11128,58 @@
         </p:nvSpPr>
         <p:spPr/>
         <p:txBody>
-          <a:bodyPr>
-            <a:noAutofit/>
-          </a:bodyPr>
+          <a:bodyPr/>
           <a:lstStyle/>
           <a:p>
-            <a:pPr>
-              <a:buNone/>
-            </a:pPr>
-            <a:r>
-              <a:rPr lang="en-US" altLang="ja-JP" sz="1600" dirty="0" smtClean="0"/>
-              <a:t>#include "main.hpp"</a:t>
-            </a:r>
-          </a:p>
-          <a:p>
-            <a:pPr>
-              <a:buNone/>
-            </a:pPr>
-            <a:r>
-              <a:rPr lang="en-US" altLang="ja-JP" sz="1600" dirty="0" smtClean="0"/>
-              <a:t>#include “img_main.hpp"</a:t>
-            </a:r>
-          </a:p>
-          <a:p>
-            <a:pPr>
-              <a:buNone/>
-            </a:pPr>
-            <a:endParaRPr lang="en-US" altLang="ja-JP" sz="1600" dirty="0" smtClean="0"/>
-          </a:p>
-          <a:p>
-            <a:pPr>
-              <a:buNone/>
-            </a:pPr>
-            <a:r>
-              <a:rPr lang="en-US" altLang="ja-JP" sz="1600" dirty="0" err="1" smtClean="0"/>
-              <a:t>typedef</a:t>
-            </a:r>
-            <a:r>
-              <a:rPr lang="en-US" altLang="ja-JP" sz="1600" dirty="0" smtClean="0"/>
-              <a:t> app::</a:t>
-            </a:r>
-            <a:r>
-              <a:rPr lang="en-US" altLang="ja-JP" sz="1600" dirty="0" err="1" smtClean="0"/>
-              <a:t>img_main</a:t>
-            </a:r>
-            <a:r>
-              <a:rPr lang="en-US" altLang="ja-JP" sz="1600" dirty="0" smtClean="0"/>
-              <a:t>	</a:t>
-            </a:r>
-            <a:r>
-              <a:rPr lang="en-US" altLang="ja-JP" sz="1600" dirty="0" err="1" smtClean="0"/>
-              <a:t>start_app</a:t>
-            </a:r>
-            <a:r>
-              <a:rPr lang="en-US" altLang="ja-JP" sz="1600" dirty="0" smtClean="0"/>
-              <a:t>;</a:t>
-            </a:r>
-          </a:p>
-          <a:p>
-            <a:pPr>
-              <a:buNone/>
-            </a:pPr>
-            <a:endParaRPr lang="en-US" altLang="ja-JP" sz="1600" dirty="0" smtClean="0"/>
-          </a:p>
-          <a:p>
-            <a:pPr>
-              <a:buNone/>
-            </a:pPr>
-            <a:r>
-              <a:rPr lang="en-US" altLang="ja-JP" sz="1600" dirty="0" smtClean="0"/>
-              <a:t>static const char* </a:t>
-            </a:r>
-            <a:r>
-              <a:rPr lang="en-US" altLang="ja-JP" sz="1600" dirty="0" err="1" smtClean="0"/>
-              <a:t>window_key</a:t>
-            </a:r>
-            <a:r>
-              <a:rPr lang="en-US" altLang="ja-JP" sz="1600" dirty="0" smtClean="0"/>
-              <a:t>_ = { "application/window" };</a:t>
-            </a:r>
-          </a:p>
-          <a:p>
-            <a:pPr>
-              <a:buNone/>
-            </a:pPr>
-            <a:r>
-              <a:rPr lang="en-US" altLang="ja-JP" sz="1600" dirty="0" smtClean="0"/>
-              <a:t>static const char* </a:t>
-            </a:r>
-            <a:r>
-              <a:rPr lang="en-US" altLang="ja-JP" sz="1600" dirty="0" err="1" smtClean="0"/>
-              <a:t>app_title</a:t>
-            </a:r>
-            <a:r>
-              <a:rPr lang="en-US" altLang="ja-JP" sz="1600" dirty="0" smtClean="0"/>
-              <a:t>_ = { "Image" };</a:t>
-            </a:r>
-          </a:p>
-          <a:p>
-            <a:pPr>
-              <a:buNone/>
-            </a:pPr>
-            <a:r>
-              <a:rPr lang="en-US" altLang="ja-JP" sz="1600" dirty="0" smtClean="0"/>
-              <a:t>static const </a:t>
-            </a:r>
-            <a:r>
-              <a:rPr lang="en-US" altLang="ja-JP" sz="1600" dirty="0" err="1" smtClean="0"/>
-              <a:t>vtx</a:t>
-            </a:r>
-            <a:r>
-              <a:rPr lang="en-US" altLang="ja-JP" sz="1600" dirty="0" smtClean="0"/>
-              <a:t>::</a:t>
-            </a:r>
-            <a:r>
-              <a:rPr lang="en-US" altLang="ja-JP" sz="1600" dirty="0" err="1" smtClean="0"/>
-              <a:t>spos</a:t>
-            </a:r>
-            <a:r>
-              <a:rPr lang="en-US" altLang="ja-JP" sz="1600" dirty="0" smtClean="0"/>
-              <a:t> </a:t>
-            </a:r>
-            <a:r>
-              <a:rPr lang="en-US" altLang="ja-JP" sz="1600" dirty="0" err="1" smtClean="0"/>
-              <a:t>start_size</a:t>
-            </a:r>
-            <a:r>
-              <a:rPr lang="en-US" altLang="ja-JP" sz="1600" dirty="0" smtClean="0"/>
-              <a:t>_(1024, 768);</a:t>
-            </a:r>
-          </a:p>
-          <a:p>
-            <a:pPr>
-              <a:buNone/>
-            </a:pPr>
-            <a:r>
-              <a:rPr lang="en-US" altLang="ja-JP" sz="1600" dirty="0" smtClean="0"/>
-              <a:t>static const </a:t>
-            </a:r>
-            <a:r>
-              <a:rPr lang="en-US" altLang="ja-JP" sz="1600" dirty="0" err="1" smtClean="0"/>
-              <a:t>vtx</a:t>
-            </a:r>
-            <a:r>
-              <a:rPr lang="en-US" altLang="ja-JP" sz="1600" dirty="0" smtClean="0"/>
-              <a:t>::</a:t>
-            </a:r>
-            <a:r>
-              <a:rPr lang="en-US" altLang="ja-JP" sz="1600" dirty="0" err="1" smtClean="0"/>
-              <a:t>spos</a:t>
-            </a:r>
-            <a:r>
-              <a:rPr lang="en-US" altLang="ja-JP" sz="1600" dirty="0" smtClean="0"/>
-              <a:t> </a:t>
-            </a:r>
-            <a:r>
-              <a:rPr lang="en-US" altLang="ja-JP" sz="1600" dirty="0" err="1" smtClean="0"/>
-              <a:t>limit_size</a:t>
-            </a:r>
-            <a:r>
-              <a:rPr lang="en-US" altLang="ja-JP" sz="1600" dirty="0" smtClean="0"/>
-              <a:t>_(800, 600);</a:t>
-            </a:r>
-          </a:p>
-          <a:p>
-            <a:pPr>
-              <a:buNone/>
-            </a:pPr>
-            <a:endParaRPr lang="en-US" altLang="ja-JP" sz="1600" dirty="0" smtClean="0"/>
-          </a:p>
-          <a:p>
-            <a:pPr>
-              <a:buNone/>
-            </a:pPr>
-            <a:endParaRPr kumimoji="1" lang="ja-JP" altLang="en-US" sz="1600" dirty="0"/>
+            <a:r>
+              <a:rPr lang="ja-JP" altLang="en-US" dirty="0" smtClean="0"/>
+              <a:t>表示・非表示</a:t>
+            </a:r>
+            <a:r>
+              <a:rPr lang="en-US" altLang="ja-JP" dirty="0" smtClean="0"/>
+              <a:t>(enable)</a:t>
+            </a:r>
+          </a:p>
+          <a:p>
+            <a:r>
+              <a:rPr lang="ja-JP" altLang="en-US" dirty="0" smtClean="0"/>
+              <a:t>停止</a:t>
+            </a:r>
+            <a:r>
+              <a:rPr lang="en-US" altLang="ja-JP" dirty="0" smtClean="0"/>
+              <a:t>(stall)</a:t>
+            </a:r>
+          </a:p>
+          <a:p>
+            <a:r>
+              <a:rPr lang="ja-JP" altLang="en-US" dirty="0" smtClean="0"/>
+              <a:t>位置固定</a:t>
+            </a:r>
+            <a:endParaRPr lang="en-US" altLang="ja-JP" dirty="0" smtClean="0"/>
+          </a:p>
+          <a:p>
+            <a:r>
+              <a:rPr kumimoji="1" lang="ja-JP" altLang="en-US" dirty="0" smtClean="0"/>
+              <a:t>水平リサイズ</a:t>
+            </a:r>
+            <a:endParaRPr kumimoji="1" lang="en-US" altLang="ja-JP" dirty="0" smtClean="0"/>
+          </a:p>
+          <a:p>
+            <a:r>
+              <a:rPr lang="ja-JP" altLang="en-US" dirty="0" smtClean="0"/>
+              <a:t>垂直リサイズ</a:t>
+            </a:r>
+            <a:endParaRPr lang="en-US" altLang="ja-JP" dirty="0" smtClean="0"/>
+          </a:p>
+          <a:p>
+            <a:r>
+              <a:rPr kumimoji="1" lang="ja-JP" altLang="en-US" dirty="0" smtClean="0"/>
+              <a:t>サイズ固定</a:t>
+            </a:r>
+            <a:endParaRPr kumimoji="1" lang="en-US" altLang="ja-JP" dirty="0" smtClean="0"/>
+          </a:p>
+          <a:p>
+            <a:endParaRPr kumimoji="1" lang="ja-JP" altLang="en-US" dirty="0"/>
           </a:p>
         </p:txBody>
       </p:sp>
@@ -11639,7 +11210,7 @@
       </p:grpSpPr>
       <p:sp>
         <p:nvSpPr>
-          <p:cNvPr id="6" name="タイトル 5"/>
+          <p:cNvPr id="2" name="タイトル 1"/>
           <p:cNvSpPr>
             <a:spLocks noGrp="1"/>
           </p:cNvSpPr>
@@ -11649,370 +11220,23 @@
         </p:nvSpPr>
         <p:spPr>
           <a:xfrm>
-            <a:off x="457200" y="274638"/>
-            <a:ext cx="8291264" cy="274042"/>
+            <a:off x="467544" y="2708920"/>
+            <a:ext cx="8229600" cy="1143000"/>
           </a:xfrm>
         </p:spPr>
         <p:txBody>
-          <a:bodyPr>
-            <a:normAutofit fontScale="90000"/>
-          </a:bodyPr>
+          <a:bodyPr/>
           <a:lstStyle/>
           <a:p>
+            <a:r>
+              <a:rPr kumimoji="1" lang="ja-JP" altLang="en-US" dirty="0" smtClean="0"/>
+              <a:t>実際の</a:t>
+            </a:r>
+            <a:r>
+              <a:rPr lang="ja-JP" altLang="en-US" dirty="0" smtClean="0"/>
+              <a:t>ソースコード</a:t>
+            </a:r>
             <a:endParaRPr kumimoji="1" lang="ja-JP" altLang="en-US" dirty="0"/>
-          </a:p>
-        </p:txBody>
-      </p:sp>
-      <p:sp>
-        <p:nvSpPr>
-          <p:cNvPr id="7" name="コンテンツ プレースホルダ 6"/>
-          <p:cNvSpPr>
-            <a:spLocks noGrp="1"/>
-          </p:cNvSpPr>
-          <p:nvPr>
-            <p:ph idx="1"/>
-          </p:nvPr>
-        </p:nvSpPr>
-        <p:spPr>
-          <a:xfrm>
-            <a:off x="457200" y="836712"/>
-            <a:ext cx="8229600" cy="5289451"/>
-          </a:xfrm>
-        </p:spPr>
-        <p:txBody>
-          <a:bodyPr>
-            <a:normAutofit/>
-          </a:bodyPr>
-          <a:lstStyle/>
-          <a:p>
-            <a:pPr>
-              <a:buNone/>
-            </a:pPr>
-            <a:r>
-              <a:rPr lang="en-US" altLang="ja-JP" sz="1600" dirty="0" err="1" smtClean="0"/>
-              <a:t>int</a:t>
-            </a:r>
-            <a:r>
-              <a:rPr lang="en-US" altLang="ja-JP" sz="1600" dirty="0" smtClean="0"/>
-              <a:t> main(</a:t>
-            </a:r>
-            <a:r>
-              <a:rPr lang="en-US" altLang="ja-JP" sz="1600" dirty="0" err="1" smtClean="0"/>
-              <a:t>int</a:t>
-            </a:r>
-            <a:r>
-              <a:rPr lang="en-US" altLang="ja-JP" sz="1600" dirty="0" smtClean="0"/>
-              <a:t> </a:t>
-            </a:r>
-            <a:r>
-              <a:rPr lang="en-US" altLang="ja-JP" sz="1600" dirty="0" err="1" smtClean="0"/>
-              <a:t>argc</a:t>
-            </a:r>
-            <a:r>
-              <a:rPr lang="en-US" altLang="ja-JP" sz="1600" dirty="0" smtClean="0"/>
-              <a:t>, char** </a:t>
-            </a:r>
-            <a:r>
-              <a:rPr lang="en-US" altLang="ja-JP" sz="1600" dirty="0" err="1" smtClean="0"/>
-              <a:t>argv</a:t>
-            </a:r>
-            <a:r>
-              <a:rPr lang="en-US" altLang="ja-JP" sz="1600" dirty="0" smtClean="0"/>
-              <a:t>)</a:t>
-            </a:r>
-          </a:p>
-          <a:p>
-            <a:pPr>
-              <a:buNone/>
-            </a:pPr>
-            <a:r>
-              <a:rPr lang="en-US" altLang="ja-JP" sz="1600" dirty="0" smtClean="0"/>
-              <a:t>{</a:t>
-            </a:r>
-          </a:p>
-          <a:p>
-            <a:pPr>
-              <a:buNone/>
-            </a:pPr>
-            <a:r>
-              <a:rPr lang="en-US" altLang="ja-JP" sz="1600" dirty="0" smtClean="0"/>
-              <a:t>	</a:t>
-            </a:r>
-            <a:r>
-              <a:rPr lang="en-US" altLang="ja-JP" sz="1600" dirty="0" err="1" smtClean="0"/>
-              <a:t>gl</a:t>
-            </a:r>
-            <a:r>
-              <a:rPr lang="en-US" altLang="ja-JP" sz="1600" dirty="0" smtClean="0"/>
-              <a:t>::</a:t>
-            </a:r>
-            <a:r>
-              <a:rPr lang="en-US" altLang="ja-JP" sz="1600" dirty="0" err="1" smtClean="0"/>
-              <a:t>create_glcore</a:t>
-            </a:r>
-            <a:r>
-              <a:rPr lang="en-US" altLang="ja-JP" sz="1600" dirty="0" smtClean="0"/>
-              <a:t>();</a:t>
-            </a:r>
-          </a:p>
-          <a:p>
-            <a:pPr>
-              <a:buNone/>
-            </a:pPr>
-            <a:endParaRPr lang="en-US" altLang="ja-JP" sz="1600" dirty="0" smtClean="0"/>
-          </a:p>
-          <a:p>
-            <a:pPr>
-              <a:buNone/>
-            </a:pPr>
-            <a:r>
-              <a:rPr lang="en-US" altLang="ja-JP" sz="1600" dirty="0" smtClean="0"/>
-              <a:t>	</a:t>
-            </a:r>
-            <a:r>
-              <a:rPr lang="en-US" altLang="ja-JP" sz="1600" dirty="0" err="1" smtClean="0"/>
-              <a:t>gl</a:t>
-            </a:r>
-            <a:r>
-              <a:rPr lang="en-US" altLang="ja-JP" sz="1600" dirty="0" smtClean="0"/>
-              <a:t>::</a:t>
-            </a:r>
-            <a:r>
-              <a:rPr lang="en-US" altLang="ja-JP" sz="1600" dirty="0" err="1" smtClean="0"/>
-              <a:t>IGLcore</a:t>
-            </a:r>
-            <a:r>
-              <a:rPr lang="en-US" altLang="ja-JP" sz="1600" dirty="0" smtClean="0"/>
-              <a:t>* </a:t>
-            </a:r>
-            <a:r>
-              <a:rPr lang="en-US" altLang="ja-JP" sz="1600" dirty="0" err="1" smtClean="0"/>
-              <a:t>igl</a:t>
-            </a:r>
-            <a:r>
-              <a:rPr lang="en-US" altLang="ja-JP" sz="1600" dirty="0" smtClean="0"/>
-              <a:t> = </a:t>
-            </a:r>
-            <a:r>
-              <a:rPr lang="en-US" altLang="ja-JP" sz="1600" dirty="0" err="1" smtClean="0"/>
-              <a:t>gl</a:t>
-            </a:r>
-            <a:r>
-              <a:rPr lang="en-US" altLang="ja-JP" sz="1600" dirty="0" smtClean="0"/>
-              <a:t>::</a:t>
-            </a:r>
-            <a:r>
-              <a:rPr lang="en-US" altLang="ja-JP" sz="1600" dirty="0" err="1" smtClean="0"/>
-              <a:t>get_glcore</a:t>
-            </a:r>
-            <a:r>
-              <a:rPr lang="en-US" altLang="ja-JP" sz="1600" dirty="0" smtClean="0"/>
-              <a:t>();</a:t>
-            </a:r>
-          </a:p>
-          <a:p>
-            <a:pPr>
-              <a:buNone/>
-            </a:pPr>
-            <a:endParaRPr lang="en-US" altLang="ja-JP" sz="1600" dirty="0" smtClean="0"/>
-          </a:p>
-          <a:p>
-            <a:pPr>
-              <a:buNone/>
-            </a:pPr>
-            <a:r>
-              <a:rPr lang="en-US" altLang="ja-JP" sz="1600" dirty="0" smtClean="0"/>
-              <a:t>	// </a:t>
-            </a:r>
-            <a:r>
-              <a:rPr lang="ja-JP" altLang="en-US" sz="1600" dirty="0" smtClean="0"/>
-              <a:t>カレントパスを生成</a:t>
-            </a:r>
-          </a:p>
-          <a:p>
-            <a:pPr>
-              <a:buNone/>
-            </a:pPr>
-            <a:r>
-              <a:rPr lang="ja-JP" altLang="en-US" sz="1600" dirty="0" smtClean="0"/>
-              <a:t>	</a:t>
-            </a:r>
-            <a:r>
-              <a:rPr lang="en-US" altLang="ja-JP" sz="1600" dirty="0" smtClean="0"/>
-              <a:t>std::string </a:t>
-            </a:r>
-            <a:r>
-              <a:rPr lang="en-US" altLang="ja-JP" sz="1600" dirty="0" err="1" smtClean="0"/>
-              <a:t>tmp</a:t>
-            </a:r>
-            <a:r>
-              <a:rPr lang="en-US" altLang="ja-JP" sz="1600" dirty="0" smtClean="0"/>
-              <a:t>;</a:t>
-            </a:r>
-          </a:p>
-          <a:p>
-            <a:pPr>
-              <a:buNone/>
-            </a:pPr>
-            <a:r>
-              <a:rPr lang="en-US" altLang="ja-JP" sz="1600" dirty="0" smtClean="0"/>
-              <a:t>	</a:t>
-            </a:r>
-            <a:r>
-              <a:rPr lang="en-US" altLang="ja-JP" sz="1600" dirty="0" err="1" smtClean="0"/>
-              <a:t>utils</a:t>
-            </a:r>
-            <a:r>
-              <a:rPr lang="en-US" altLang="ja-JP" sz="1600" dirty="0" smtClean="0"/>
-              <a:t>::</a:t>
-            </a:r>
-            <a:r>
-              <a:rPr lang="en-US" altLang="ja-JP" sz="1600" dirty="0" err="1" smtClean="0"/>
-              <a:t>convert_delimiter</a:t>
-            </a:r>
-            <a:r>
-              <a:rPr lang="en-US" altLang="ja-JP" sz="1600" dirty="0" smtClean="0"/>
-              <a:t>(</a:t>
-            </a:r>
-            <a:r>
-              <a:rPr lang="en-US" altLang="ja-JP" sz="1600" dirty="0" err="1" smtClean="0"/>
-              <a:t>argv</a:t>
-            </a:r>
-            <a:r>
-              <a:rPr lang="en-US" altLang="ja-JP" sz="1600" dirty="0" smtClean="0"/>
-              <a:t>[0], '\\', '/', </a:t>
-            </a:r>
-            <a:r>
-              <a:rPr lang="en-US" altLang="ja-JP" sz="1600" dirty="0" err="1" smtClean="0"/>
-              <a:t>tmp</a:t>
-            </a:r>
-            <a:r>
-              <a:rPr lang="en-US" altLang="ja-JP" sz="1600" dirty="0" smtClean="0"/>
-              <a:t>);</a:t>
-            </a:r>
-          </a:p>
-          <a:p>
-            <a:pPr>
-              <a:buNone/>
-            </a:pPr>
-            <a:r>
-              <a:rPr lang="en-US" altLang="ja-JP" sz="1600" dirty="0" smtClean="0"/>
-              <a:t>	std::string </a:t>
-            </a:r>
-            <a:r>
-              <a:rPr lang="en-US" altLang="ja-JP" sz="1600" dirty="0" err="1" smtClean="0"/>
-              <a:t>pref</a:t>
-            </a:r>
-            <a:r>
-              <a:rPr lang="en-US" altLang="ja-JP" sz="1600" dirty="0" smtClean="0"/>
-              <a:t>;</a:t>
-            </a:r>
-          </a:p>
-          <a:p>
-            <a:pPr>
-              <a:buNone/>
-            </a:pPr>
-            <a:r>
-              <a:rPr lang="en-US" altLang="ja-JP" sz="1600" dirty="0" smtClean="0"/>
-              <a:t>	</a:t>
-            </a:r>
-            <a:r>
-              <a:rPr lang="en-US" altLang="ja-JP" sz="1600" dirty="0" err="1" smtClean="0"/>
-              <a:t>utils</a:t>
-            </a:r>
-            <a:r>
-              <a:rPr lang="en-US" altLang="ja-JP" sz="1600" dirty="0" smtClean="0"/>
-              <a:t>::</a:t>
-            </a:r>
-            <a:r>
-              <a:rPr lang="en-US" altLang="ja-JP" sz="1600" dirty="0" err="1" smtClean="0"/>
-              <a:t>get_file_base</a:t>
-            </a:r>
-            <a:r>
-              <a:rPr lang="en-US" altLang="ja-JP" sz="1600" dirty="0" smtClean="0"/>
-              <a:t>(</a:t>
-            </a:r>
-            <a:r>
-              <a:rPr lang="en-US" altLang="ja-JP" sz="1600" dirty="0" err="1" smtClean="0"/>
-              <a:t>tmp</a:t>
-            </a:r>
-            <a:r>
-              <a:rPr lang="en-US" altLang="ja-JP" sz="1600" dirty="0" smtClean="0"/>
-              <a:t>, </a:t>
-            </a:r>
-            <a:r>
-              <a:rPr lang="en-US" altLang="ja-JP" sz="1600" dirty="0" err="1" smtClean="0"/>
-              <a:t>pref</a:t>
-            </a:r>
-            <a:r>
-              <a:rPr lang="en-US" altLang="ja-JP" sz="1600" dirty="0" smtClean="0"/>
-              <a:t>);</a:t>
-            </a:r>
-          </a:p>
-          <a:p>
-            <a:pPr>
-              <a:buNone/>
-            </a:pPr>
-            <a:r>
-              <a:rPr lang="en-US" altLang="ja-JP" sz="1600" dirty="0" smtClean="0"/>
-              <a:t>	</a:t>
-            </a:r>
-            <a:r>
-              <a:rPr lang="en-US" altLang="ja-JP" sz="1600" dirty="0" err="1" smtClean="0"/>
-              <a:t>pref</a:t>
-            </a:r>
-            <a:r>
-              <a:rPr lang="en-US" altLang="ja-JP" sz="1600" dirty="0" smtClean="0"/>
-              <a:t> += ".pre";</a:t>
-            </a:r>
-          </a:p>
-          <a:p>
-            <a:pPr>
-              <a:buNone/>
-            </a:pPr>
-            <a:r>
-              <a:rPr lang="en-US" altLang="ja-JP" sz="1600" dirty="0" smtClean="0"/>
-              <a:t>	std::string path;</a:t>
-            </a:r>
-          </a:p>
-          <a:p>
-            <a:pPr>
-              <a:buNone/>
-            </a:pPr>
-            <a:r>
-              <a:rPr lang="en-US" altLang="ja-JP" sz="1600" dirty="0" smtClean="0"/>
-              <a:t>	</a:t>
-            </a:r>
-            <a:r>
-              <a:rPr lang="en-US" altLang="ja-JP" sz="1600" dirty="0" err="1" smtClean="0"/>
-              <a:t>utils</a:t>
-            </a:r>
-            <a:r>
-              <a:rPr lang="en-US" altLang="ja-JP" sz="1600" dirty="0" smtClean="0"/>
-              <a:t>::</a:t>
-            </a:r>
-            <a:r>
-              <a:rPr lang="en-US" altLang="ja-JP" sz="1600" dirty="0" err="1" smtClean="0"/>
-              <a:t>get_file_path</a:t>
-            </a:r>
-            <a:r>
-              <a:rPr lang="en-US" altLang="ja-JP" sz="1600" dirty="0" smtClean="0"/>
-              <a:t>(</a:t>
-            </a:r>
-            <a:r>
-              <a:rPr lang="en-US" altLang="ja-JP" sz="1600" dirty="0" err="1" smtClean="0"/>
-              <a:t>tmp</a:t>
-            </a:r>
-            <a:r>
-              <a:rPr lang="en-US" altLang="ja-JP" sz="1600" dirty="0" smtClean="0"/>
-              <a:t>, path);</a:t>
-            </a:r>
-          </a:p>
-          <a:p>
-            <a:pPr>
-              <a:buNone/>
-            </a:pPr>
-            <a:endParaRPr kumimoji="1" lang="ja-JP" altLang="en-US" sz="1600" dirty="0"/>
           </a:p>
         </p:txBody>
       </p:sp>
@@ -12051,18 +11275,15 @@
             <p:ph type="title"/>
           </p:nvPr>
         </p:nvSpPr>
-        <p:spPr>
-          <a:xfrm>
-            <a:off x="457200" y="274638"/>
-            <a:ext cx="8229600" cy="202034"/>
-          </a:xfrm>
-        </p:spPr>
+        <p:spPr/>
         <p:txBody>
-          <a:bodyPr>
-            <a:normAutofit fontScale="90000"/>
-          </a:bodyPr>
+          <a:bodyPr/>
           <a:lstStyle/>
           <a:p>
+            <a:r>
+              <a:rPr kumimoji="1" lang="ja-JP" altLang="en-US" dirty="0" smtClean="0"/>
+              <a:t>アプリケーション・コンテキスト</a:t>
+            </a:r>
             <a:endParaRPr kumimoji="1" lang="ja-JP" altLang="en-US" dirty="0"/>
           </a:p>
         </p:txBody>
@@ -12077,15 +11298,10 @@
             <p:ph idx="1"/>
           </p:nvPr>
         </p:nvSpPr>
-        <p:spPr>
-          <a:xfrm>
-            <a:off x="457200" y="1052736"/>
-            <a:ext cx="8229600" cy="5400600"/>
-          </a:xfrm>
-        </p:spPr>
+        <p:spPr/>
         <p:txBody>
           <a:bodyPr>
-            <a:noAutofit/>
+            <a:normAutofit fontScale="40000" lnSpcReduction="20000"/>
           </a:bodyPr>
           <a:lstStyle/>
           <a:p>
@@ -12093,402 +11309,209 @@
               <a:buNone/>
             </a:pPr>
             <a:r>
-              <a:rPr lang="en-US" altLang="ja-JP" sz="1600" dirty="0" smtClean="0"/>
-              <a:t>	if(!</a:t>
-            </a:r>
-            <a:r>
-              <a:rPr lang="en-US" altLang="ja-JP" sz="1600" dirty="0" err="1" smtClean="0"/>
-              <a:t>igl</a:t>
-            </a:r>
-            <a:r>
-              <a:rPr lang="en-US" altLang="ja-JP" sz="1600" dirty="0" smtClean="0"/>
-              <a:t>-&gt;initialize(path)) {</a:t>
-            </a:r>
-          </a:p>
-          <a:p>
-            <a:pPr>
-              <a:buNone/>
-            </a:pPr>
-            <a:r>
-              <a:rPr lang="en-US" altLang="ja-JP" sz="1600" dirty="0" smtClean="0"/>
-              <a:t>		return -1;</a:t>
-            </a:r>
-          </a:p>
-          <a:p>
-            <a:pPr>
-              <a:buNone/>
-            </a:pPr>
-            <a:r>
-              <a:rPr lang="en-US" altLang="ja-JP" sz="1600" dirty="0" smtClean="0"/>
-              <a:t>	}</a:t>
-            </a:r>
-          </a:p>
-          <a:p>
-            <a:pPr>
-              <a:buNone/>
-            </a:pPr>
-            <a:endParaRPr lang="en-US" altLang="ja-JP" sz="1600" dirty="0" smtClean="0"/>
-          </a:p>
-          <a:p>
-            <a:pPr>
-              <a:buNone/>
-            </a:pPr>
-            <a:r>
-              <a:rPr lang="en-US" altLang="ja-JP" sz="1600" dirty="0" smtClean="0"/>
+              <a:rPr lang="en-US" altLang="ja-JP" dirty="0" smtClean="0"/>
+              <a:t>namespace app {</a:t>
+            </a:r>
+          </a:p>
+          <a:p>
+            <a:pPr>
+              <a:buNone/>
+            </a:pPr>
+            <a:endParaRPr lang="en-US" altLang="ja-JP" dirty="0" smtClean="0"/>
+          </a:p>
+          <a:p>
+            <a:pPr>
+              <a:buNone/>
+            </a:pPr>
+            <a:r>
+              <a:rPr lang="en-US" altLang="ja-JP" dirty="0" smtClean="0"/>
+              <a:t>	//++++++++++++++++++++++++++++++++++++++++++++++++++++++++++//</a:t>
+            </a:r>
+          </a:p>
+          <a:p>
+            <a:pPr>
+              <a:buNone/>
+            </a:pPr>
+            <a:r>
+              <a:rPr lang="en-US" altLang="ja-JP" dirty="0" smtClean="0"/>
+              <a:t>	/*!</a:t>
+            </a:r>
+          </a:p>
+          <a:p>
+            <a:pPr>
+              <a:buNone/>
+            </a:pPr>
+            <a:r>
+              <a:rPr lang="en-US" altLang="ja-JP" dirty="0" smtClean="0"/>
+              <a:t>		@brief  </a:t>
+            </a:r>
+            <a:r>
+              <a:rPr lang="ja-JP" altLang="en-US" dirty="0" smtClean="0"/>
+              <a:t>アプリケーション・共有リソース</a:t>
+            </a:r>
+          </a:p>
+          <a:p>
+            <a:pPr>
+              <a:buNone/>
+            </a:pPr>
+            <a:r>
+              <a:rPr lang="ja-JP" altLang="en-US" dirty="0" smtClean="0"/>
+              <a:t>	*</a:t>
+            </a:r>
+            <a:r>
+              <a:rPr lang="en-US" altLang="ja-JP" dirty="0" smtClean="0"/>
+              <a:t>/</a:t>
+            </a:r>
+          </a:p>
+          <a:p>
+            <a:pPr>
+              <a:buNone/>
+            </a:pPr>
+            <a:r>
+              <a:rPr lang="en-US" altLang="ja-JP" dirty="0" smtClean="0"/>
+              <a:t>	//++++++++++++++++++++++++++++++++++++++++++++++++++++++++++//</a:t>
+            </a:r>
+          </a:p>
+          <a:p>
+            <a:pPr>
+              <a:buNone/>
+            </a:pPr>
+            <a:r>
+              <a:rPr lang="en-US" altLang="ja-JP" dirty="0" smtClean="0"/>
               <a:t>	</a:t>
             </a:r>
             <a:r>
-              <a:rPr lang="en-US" altLang="ja-JP" sz="1600" dirty="0" err="1" smtClean="0"/>
-              <a:t>utils</a:t>
-            </a:r>
-            <a:r>
-              <a:rPr lang="en-US" altLang="ja-JP" sz="1600" dirty="0" smtClean="0"/>
-              <a:t>::director&lt;app::core&gt; director;</a:t>
-            </a:r>
-          </a:p>
-          <a:p>
-            <a:pPr>
-              <a:buNone/>
-            </a:pPr>
-            <a:r>
-              <a:rPr lang="en-US" altLang="ja-JP" sz="1600" dirty="0" smtClean="0"/>
+              <a:rPr lang="en-US" altLang="ja-JP" dirty="0" err="1" smtClean="0"/>
+              <a:t>struct</a:t>
+            </a:r>
+            <a:r>
+              <a:rPr lang="en-US" altLang="ja-JP" dirty="0" smtClean="0"/>
+              <a:t> core {</a:t>
+            </a:r>
+          </a:p>
+          <a:p>
+            <a:pPr>
+              <a:buNone/>
+            </a:pPr>
+            <a:endParaRPr lang="en-US" altLang="ja-JP" dirty="0" smtClean="0"/>
+          </a:p>
+          <a:p>
+            <a:pPr>
+              <a:buNone/>
+            </a:pPr>
+            <a:r>
+              <a:rPr lang="en-US" altLang="ja-JP" dirty="0" smtClean="0"/>
+              <a:t>		al::sound	</a:t>
+            </a:r>
+            <a:r>
+              <a:rPr lang="en-US" altLang="ja-JP" dirty="0" err="1" smtClean="0"/>
+              <a:t>sound</a:t>
+            </a:r>
+            <a:r>
+              <a:rPr lang="en-US" altLang="ja-JP" dirty="0" smtClean="0"/>
+              <a:t>_;</a:t>
+            </a:r>
+          </a:p>
+          <a:p>
+            <a:pPr>
+              <a:buNone/>
+            </a:pPr>
+            <a:endParaRPr lang="en-US" altLang="ja-JP" dirty="0" smtClean="0"/>
+          </a:p>
+          <a:p>
+            <a:pPr>
+              <a:buNone/>
+            </a:pPr>
+            <a:r>
+              <a:rPr lang="en-US" altLang="ja-JP" dirty="0" smtClean="0"/>
+              <a:t>		</a:t>
+            </a:r>
+            <a:r>
+              <a:rPr lang="en-US" altLang="ja-JP" dirty="0" err="1" smtClean="0"/>
+              <a:t>gui</a:t>
+            </a:r>
+            <a:r>
+              <a:rPr lang="en-US" altLang="ja-JP" dirty="0" smtClean="0"/>
+              <a:t>::</a:t>
+            </a:r>
+            <a:r>
+              <a:rPr lang="en-US" altLang="ja-JP" dirty="0" err="1" smtClean="0"/>
+              <a:t>widget_director</a:t>
+            </a:r>
+            <a:r>
+              <a:rPr lang="en-US" altLang="ja-JP" dirty="0" smtClean="0"/>
               <a:t>	</a:t>
             </a:r>
             <a:r>
-              <a:rPr lang="en-US" altLang="ja-JP" sz="1600" dirty="0" err="1" smtClean="0"/>
-              <a:t>director.at</a:t>
-            </a:r>
-            <a:r>
-              <a:rPr lang="en-US" altLang="ja-JP" sz="1600" dirty="0" smtClean="0"/>
-              <a:t>().</a:t>
-            </a:r>
-            <a:r>
-              <a:rPr lang="en-US" altLang="ja-JP" sz="1600" dirty="0" err="1" smtClean="0"/>
-              <a:t>preference_.load</a:t>
-            </a:r>
-            <a:r>
-              <a:rPr lang="en-US" altLang="ja-JP" sz="1600" dirty="0" smtClean="0"/>
-              <a:t>(</a:t>
-            </a:r>
-            <a:r>
-              <a:rPr lang="en-US" altLang="ja-JP" sz="1600" dirty="0" err="1" smtClean="0"/>
-              <a:t>pref</a:t>
-            </a:r>
-            <a:r>
-              <a:rPr lang="en-US" altLang="ja-JP" sz="1600" dirty="0" smtClean="0"/>
-              <a:t>);</a:t>
-            </a:r>
-          </a:p>
-          <a:p>
-            <a:pPr>
-              <a:buNone/>
-            </a:pPr>
-            <a:r>
-              <a:rPr lang="en-US" altLang="ja-JP" sz="1600" dirty="0" smtClean="0"/>
-              <a:t>	</a:t>
-            </a:r>
-            <a:r>
-              <a:rPr lang="en-US" altLang="ja-JP" sz="1600" dirty="0" err="1" smtClean="0"/>
-              <a:t>vtx</a:t>
-            </a:r>
-            <a:r>
-              <a:rPr lang="en-US" altLang="ja-JP" sz="1600" dirty="0" smtClean="0"/>
-              <a:t>::</a:t>
-            </a:r>
-            <a:r>
-              <a:rPr lang="en-US" altLang="ja-JP" sz="1600" dirty="0" err="1" smtClean="0"/>
-              <a:t>srect</a:t>
-            </a:r>
-            <a:r>
-              <a:rPr lang="en-US" altLang="ja-JP" sz="1600" dirty="0" smtClean="0"/>
-              <a:t> </a:t>
-            </a:r>
-            <a:r>
-              <a:rPr lang="en-US" altLang="ja-JP" sz="1600" dirty="0" err="1" smtClean="0"/>
-              <a:t>rect</a:t>
-            </a:r>
-            <a:r>
-              <a:rPr lang="en-US" altLang="ja-JP" sz="1600" dirty="0" smtClean="0"/>
-              <a:t>(</a:t>
-            </a:r>
-            <a:r>
-              <a:rPr lang="en-US" altLang="ja-JP" sz="1600" dirty="0" err="1" smtClean="0"/>
-              <a:t>vtx</a:t>
-            </a:r>
-            <a:r>
-              <a:rPr lang="en-US" altLang="ja-JP" sz="1600" dirty="0" smtClean="0"/>
-              <a:t>::</a:t>
-            </a:r>
-            <a:r>
-              <a:rPr lang="en-US" altLang="ja-JP" sz="1600" dirty="0" err="1" smtClean="0"/>
-              <a:t>spos</a:t>
-            </a:r>
-            <a:r>
-              <a:rPr lang="en-US" altLang="ja-JP" sz="1600" dirty="0" smtClean="0"/>
-              <a:t>(10, 40), </a:t>
-            </a:r>
-            <a:r>
-              <a:rPr lang="en-US" altLang="ja-JP" sz="1600" dirty="0" err="1" smtClean="0"/>
-              <a:t>start_size</a:t>
-            </a:r>
-            <a:r>
-              <a:rPr lang="en-US" altLang="ja-JP" sz="1600" dirty="0" smtClean="0"/>
-              <a:t>_);</a:t>
-            </a:r>
-          </a:p>
-          <a:p>
-            <a:pPr>
-              <a:buNone/>
-            </a:pPr>
-            <a:r>
-              <a:rPr lang="en-US" altLang="ja-JP" sz="1600" dirty="0" smtClean="0"/>
-              <a:t>	if(!</a:t>
-            </a:r>
-            <a:r>
-              <a:rPr lang="en-US" altLang="ja-JP" sz="1600" dirty="0" err="1" smtClean="0"/>
-              <a:t>director.at</a:t>
-            </a:r>
-            <a:r>
-              <a:rPr lang="en-US" altLang="ja-JP" sz="1600" dirty="0" smtClean="0"/>
-              <a:t>().</a:t>
-            </a:r>
-            <a:r>
-              <a:rPr lang="en-US" altLang="ja-JP" sz="1600" dirty="0" err="1" smtClean="0"/>
-              <a:t>preference_.load_rect</a:t>
-            </a:r>
-            <a:r>
-              <a:rPr lang="en-US" altLang="ja-JP" sz="1600" dirty="0" smtClean="0"/>
-              <a:t>(</a:t>
-            </a:r>
-            <a:r>
-              <a:rPr lang="en-US" altLang="ja-JP" sz="1600" dirty="0" err="1" smtClean="0"/>
-              <a:t>window_key</a:t>
-            </a:r>
-            <a:r>
-              <a:rPr lang="en-US" altLang="ja-JP" sz="1600" dirty="0" smtClean="0"/>
-              <a:t>_, </a:t>
-            </a:r>
-            <a:r>
-              <a:rPr lang="en-US" altLang="ja-JP" sz="1600" dirty="0" err="1" smtClean="0"/>
-              <a:t>rect</a:t>
-            </a:r>
-            <a:r>
-              <a:rPr lang="en-US" altLang="ja-JP" sz="1600" dirty="0" smtClean="0"/>
-              <a:t>)) {</a:t>
-            </a:r>
-          </a:p>
-          <a:p>
-            <a:pPr>
-              <a:buNone/>
-            </a:pPr>
-            <a:r>
-              <a:rPr lang="en-US" altLang="ja-JP" sz="1600" dirty="0" smtClean="0"/>
-              <a:t>//		std::</a:t>
-            </a:r>
-            <a:r>
-              <a:rPr lang="en-US" altLang="ja-JP" sz="1600" dirty="0" err="1" smtClean="0"/>
-              <a:t>cout</a:t>
-            </a:r>
-            <a:r>
-              <a:rPr lang="en-US" altLang="ja-JP" sz="1600" dirty="0" smtClean="0"/>
-              <a:t> &lt;&lt; "Load </a:t>
-            </a:r>
-            <a:r>
-              <a:rPr lang="en-US" altLang="ja-JP" sz="1600" dirty="0" err="1" smtClean="0"/>
-              <a:t>rect</a:t>
-            </a:r>
-            <a:r>
-              <a:rPr lang="en-US" altLang="ja-JP" sz="1600" dirty="0" smtClean="0"/>
-              <a:t> error..." &lt;&lt; std::</a:t>
-            </a:r>
-            <a:r>
-              <a:rPr lang="en-US" altLang="ja-JP" sz="1600" dirty="0" err="1" smtClean="0"/>
-              <a:t>endl</a:t>
-            </a:r>
-            <a:r>
-              <a:rPr lang="en-US" altLang="ja-JP" sz="1600" dirty="0" smtClean="0"/>
-              <a:t>; </a:t>
-            </a:r>
-          </a:p>
-          <a:p>
-            <a:pPr>
-              <a:buNone/>
-            </a:pPr>
-            <a:r>
-              <a:rPr lang="en-US" altLang="ja-JP" sz="1600" dirty="0" smtClean="0"/>
-              <a:t>	}</a:t>
-            </a:r>
-          </a:p>
-          <a:p>
-            <a:pPr>
-              <a:buNone/>
-            </a:pPr>
-            <a:r>
-              <a:rPr lang="en-US" altLang="ja-JP" sz="1600" dirty="0" smtClean="0"/>
-              <a:t>	if(!</a:t>
-            </a:r>
-            <a:r>
-              <a:rPr lang="en-US" altLang="ja-JP" sz="1600" dirty="0" err="1" smtClean="0"/>
-              <a:t>igl</a:t>
-            </a:r>
-            <a:r>
-              <a:rPr lang="en-US" altLang="ja-JP" sz="1600" dirty="0" smtClean="0"/>
-              <a:t>-&gt;setup(</a:t>
-            </a:r>
-            <a:r>
-              <a:rPr lang="en-US" altLang="ja-JP" sz="1600" dirty="0" err="1" smtClean="0"/>
-              <a:t>rect</a:t>
-            </a:r>
-            <a:r>
-              <a:rPr lang="en-US" altLang="ja-JP" sz="1600" dirty="0" smtClean="0"/>
-              <a:t>, </a:t>
-            </a:r>
-            <a:r>
-              <a:rPr lang="en-US" altLang="ja-JP" sz="1600" dirty="0" err="1" smtClean="0"/>
-              <a:t>app_title</a:t>
-            </a:r>
-            <a:r>
-              <a:rPr lang="en-US" altLang="ja-JP" sz="1600" dirty="0" smtClean="0"/>
-              <a:t>_, false)) {</a:t>
-            </a:r>
-          </a:p>
-          <a:p>
-            <a:pPr>
-              <a:buNone/>
-            </a:pPr>
-            <a:r>
-              <a:rPr lang="en-US" altLang="ja-JP" sz="1600" dirty="0" smtClean="0"/>
-              <a:t>		return -1;</a:t>
-            </a:r>
-          </a:p>
-          <a:p>
-            <a:pPr>
-              <a:buNone/>
-            </a:pPr>
-            <a:r>
-              <a:rPr lang="en-US" altLang="ja-JP" sz="1600" dirty="0" smtClean="0"/>
-              <a:t>	}</a:t>
-            </a:r>
-          </a:p>
-          <a:p>
-            <a:pPr>
-              <a:buNone/>
-            </a:pPr>
-            <a:r>
-              <a:rPr lang="en-US" altLang="ja-JP" sz="1600" dirty="0" smtClean="0"/>
-              <a:t>	</a:t>
-            </a:r>
-            <a:r>
-              <a:rPr lang="en-US" altLang="ja-JP" sz="1600" dirty="0" err="1" smtClean="0"/>
-              <a:t>igl</a:t>
-            </a:r>
-            <a:r>
-              <a:rPr lang="en-US" altLang="ja-JP" sz="1600" dirty="0" smtClean="0"/>
-              <a:t>-&gt;</a:t>
-            </a:r>
-            <a:r>
-              <a:rPr lang="en-US" altLang="ja-JP" sz="1600" dirty="0" err="1" smtClean="0"/>
-              <a:t>set_limit_size</a:t>
-            </a:r>
-            <a:r>
-              <a:rPr lang="en-US" altLang="ja-JP" sz="1600" dirty="0" smtClean="0"/>
-              <a:t>(</a:t>
-            </a:r>
-            <a:r>
-              <a:rPr lang="en-US" altLang="ja-JP" sz="1600" dirty="0" err="1" smtClean="0"/>
-              <a:t>limit_size</a:t>
-            </a:r>
-            <a:r>
-              <a:rPr lang="en-US" altLang="ja-JP" sz="1600" dirty="0" smtClean="0"/>
-              <a:t>_);</a:t>
-            </a:r>
-          </a:p>
-          <a:p>
-            <a:pPr>
-              <a:buNone/>
-            </a:pPr>
-            <a:endParaRPr lang="en-US" altLang="ja-JP" sz="1600" dirty="0" smtClean="0"/>
-          </a:p>
-          <a:p>
-            <a:pPr>
-              <a:buNone/>
-            </a:pPr>
-            <a:r>
-              <a:rPr lang="en-US" altLang="ja-JP" sz="1600" dirty="0" smtClean="0"/>
-              <a:t>	</a:t>
-            </a:r>
-            <a:r>
-              <a:rPr lang="en-US" altLang="ja-JP" sz="1600" dirty="0" err="1" smtClean="0"/>
-              <a:t>director.at</a:t>
-            </a:r>
-            <a:r>
-              <a:rPr lang="en-US" altLang="ja-JP" sz="1600" dirty="0" smtClean="0"/>
-              <a:t>().</a:t>
-            </a:r>
-            <a:r>
-              <a:rPr lang="en-US" altLang="ja-JP" sz="1600" dirty="0" err="1" smtClean="0"/>
-              <a:t>sound_.initialize</a:t>
-            </a:r>
-            <a:r>
-              <a:rPr lang="en-US" altLang="ja-JP" sz="1600" dirty="0" smtClean="0"/>
-              <a:t>(16);</a:t>
-            </a:r>
-          </a:p>
-          <a:p>
-            <a:pPr>
-              <a:buNone/>
-            </a:pPr>
-            <a:r>
-              <a:rPr lang="en-US" altLang="ja-JP" sz="1600" dirty="0" smtClean="0"/>
-              <a:t>	</a:t>
-            </a:r>
-            <a:r>
-              <a:rPr lang="en-US" altLang="ja-JP" sz="1600" dirty="0" err="1" smtClean="0"/>
-              <a:t>director.at</a:t>
-            </a:r>
-            <a:r>
-              <a:rPr lang="en-US" altLang="ja-JP" sz="1600" dirty="0" smtClean="0"/>
-              <a:t>().</a:t>
-            </a:r>
-            <a:r>
-              <a:rPr lang="en-US" altLang="ja-JP" sz="1600" dirty="0" err="1" smtClean="0"/>
-              <a:t>widget_director_.initialize</a:t>
-            </a:r>
-            <a:r>
-              <a:rPr lang="en-US" altLang="ja-JP" sz="1600" dirty="0" smtClean="0"/>
-              <a:t>();</a:t>
-            </a:r>
-          </a:p>
-          <a:p>
-            <a:pPr>
-              <a:buNone/>
-            </a:pPr>
-            <a:r>
-              <a:rPr lang="en-US" altLang="ja-JP" sz="1600" dirty="0" smtClean="0"/>
-              <a:t>	</a:t>
-            </a:r>
-            <a:r>
-              <a:rPr lang="en-US" altLang="ja-JP" sz="1600" dirty="0" err="1" smtClean="0"/>
-              <a:t>director.install_scene</a:t>
-            </a:r>
-            <a:r>
-              <a:rPr lang="en-US" altLang="ja-JP" sz="1600" dirty="0" smtClean="0"/>
-              <a:t>&lt;</a:t>
-            </a:r>
-            <a:r>
-              <a:rPr lang="en-US" altLang="ja-JP" sz="1600" dirty="0" err="1" smtClean="0"/>
-              <a:t>start_app</a:t>
-            </a:r>
-            <a:r>
-              <a:rPr lang="en-US" altLang="ja-JP" sz="1600" dirty="0" smtClean="0"/>
-              <a:t>&gt;();</a:t>
-            </a:r>
-          </a:p>
-          <a:p>
-            <a:pPr>
-              <a:buNone/>
-            </a:pPr>
-            <a:endParaRPr kumimoji="1" lang="ja-JP" altLang="en-US" sz="1600" dirty="0"/>
+              <a:rPr lang="en-US" altLang="ja-JP" dirty="0" err="1" smtClean="0"/>
+              <a:t>widget_director</a:t>
+            </a:r>
+            <a:r>
+              <a:rPr lang="en-US" altLang="ja-JP" dirty="0" smtClean="0"/>
+              <a:t>_;</a:t>
+            </a:r>
+          </a:p>
+          <a:p>
+            <a:pPr>
+              <a:buNone/>
+            </a:pPr>
+            <a:endParaRPr lang="en-US" altLang="ja-JP" dirty="0" smtClean="0"/>
+          </a:p>
+          <a:p>
+            <a:pPr>
+              <a:buNone/>
+            </a:pPr>
+            <a:r>
+              <a:rPr lang="en-US" altLang="ja-JP" dirty="0" smtClean="0"/>
+              <a:t>		sys::preference	</a:t>
+            </a:r>
+            <a:r>
+              <a:rPr lang="en-US" altLang="ja-JP" dirty="0" err="1" smtClean="0"/>
+              <a:t>preference</a:t>
+            </a:r>
+            <a:r>
+              <a:rPr lang="en-US" altLang="ja-JP" dirty="0" smtClean="0"/>
+              <a:t>_;</a:t>
+            </a:r>
+          </a:p>
+          <a:p>
+            <a:pPr>
+              <a:buNone/>
+            </a:pPr>
+            <a:endParaRPr lang="en-US" altLang="ja-JP" dirty="0" smtClean="0"/>
+          </a:p>
+          <a:p>
+            <a:pPr>
+              <a:buNone/>
+            </a:pPr>
+            <a:r>
+              <a:rPr lang="en-US" altLang="ja-JP" dirty="0" smtClean="0"/>
+              <a:t>		core() { }</a:t>
+            </a:r>
+          </a:p>
+          <a:p>
+            <a:pPr>
+              <a:buNone/>
+            </a:pPr>
+            <a:r>
+              <a:rPr lang="en-US" altLang="ja-JP" dirty="0" smtClean="0"/>
+              <a:t>	};</a:t>
+            </a:r>
+          </a:p>
+          <a:p>
+            <a:pPr>
+              <a:buNone/>
+            </a:pPr>
+            <a:r>
+              <a:rPr lang="en-US" altLang="ja-JP" dirty="0" smtClean="0"/>
+              <a:t>}</a:t>
+            </a:r>
+          </a:p>
+          <a:p>
+            <a:pPr>
+              <a:buNone/>
+            </a:pPr>
+            <a:endParaRPr kumimoji="1" lang="ja-JP" altLang="en-US" dirty="0"/>
           </a:p>
         </p:txBody>
       </p:sp>
@@ -12653,18 +11676,15 @@
             <p:ph type="title"/>
           </p:nvPr>
         </p:nvSpPr>
-        <p:spPr>
-          <a:xfrm>
-            <a:off x="457200" y="274638"/>
-            <a:ext cx="8229600" cy="274042"/>
-          </a:xfrm>
-        </p:spPr>
+        <p:spPr/>
         <p:txBody>
-          <a:bodyPr>
-            <a:normAutofit fontScale="90000"/>
-          </a:bodyPr>
+          <a:bodyPr/>
           <a:lstStyle/>
           <a:p>
+            <a:r>
+              <a:rPr kumimoji="1" lang="ja-JP" altLang="en-US" dirty="0" smtClean="0"/>
+              <a:t>メイン</a:t>
+            </a:r>
             <a:endParaRPr kumimoji="1" lang="ja-JP" altLang="en-US" dirty="0"/>
           </a:p>
         </p:txBody>
@@ -12679,15 +11699,10 @@
             <p:ph idx="1"/>
           </p:nvPr>
         </p:nvSpPr>
-        <p:spPr>
-          <a:xfrm>
-            <a:off x="457200" y="1052736"/>
-            <a:ext cx="8229600" cy="5073427"/>
-          </a:xfrm>
-        </p:spPr>
+        <p:spPr/>
         <p:txBody>
           <a:bodyPr>
-            <a:normAutofit fontScale="47500" lnSpcReduction="20000"/>
+            <a:noAutofit/>
           </a:bodyPr>
           <a:lstStyle/>
           <a:p>
@@ -12695,297 +11710,171 @@
               <a:buNone/>
             </a:pPr>
             <a:r>
-              <a:rPr lang="en-US" altLang="ja-JP" sz="3400" dirty="0" smtClean="0"/>
-              <a:t>	while(!</a:t>
-            </a:r>
-            <a:r>
-              <a:rPr lang="en-US" altLang="ja-JP" sz="3400" dirty="0" err="1" smtClean="0"/>
-              <a:t>igl</a:t>
-            </a:r>
-            <a:r>
-              <a:rPr lang="en-US" altLang="ja-JP" sz="3400" dirty="0" smtClean="0"/>
-              <a:t>-&gt;</a:t>
-            </a:r>
-            <a:r>
-              <a:rPr lang="en-US" altLang="ja-JP" sz="3400" dirty="0" err="1" smtClean="0"/>
-              <a:t>get_exit_signal</a:t>
-            </a:r>
-            <a:r>
-              <a:rPr lang="en-US" altLang="ja-JP" sz="3400" dirty="0" smtClean="0"/>
-              <a:t>()) {</a:t>
-            </a:r>
-          </a:p>
-          <a:p>
-            <a:pPr>
-              <a:buNone/>
-            </a:pPr>
-            <a:r>
-              <a:rPr lang="en-US" altLang="ja-JP" sz="3400" dirty="0" smtClean="0"/>
-              <a:t>		</a:t>
-            </a:r>
-            <a:r>
-              <a:rPr lang="en-US" altLang="ja-JP" sz="3400" dirty="0" err="1" smtClean="0"/>
-              <a:t>igl</a:t>
-            </a:r>
-            <a:r>
-              <a:rPr lang="en-US" altLang="ja-JP" sz="3400" dirty="0" smtClean="0"/>
-              <a:t>-&gt;service();</a:t>
-            </a:r>
-          </a:p>
-          <a:p>
-            <a:pPr>
-              <a:buNone/>
-            </a:pPr>
-            <a:endParaRPr lang="en-US" altLang="ja-JP" sz="3400" dirty="0" smtClean="0"/>
-          </a:p>
-          <a:p>
-            <a:pPr>
-              <a:buNone/>
-            </a:pPr>
-            <a:r>
-              <a:rPr lang="en-US" altLang="ja-JP" sz="3400" dirty="0" smtClean="0"/>
-              <a:t>		</a:t>
-            </a:r>
-            <a:r>
-              <a:rPr lang="en-US" altLang="ja-JP" sz="3400" dirty="0" err="1" smtClean="0"/>
-              <a:t>glClear</a:t>
-            </a:r>
-            <a:r>
-              <a:rPr lang="en-US" altLang="ja-JP" sz="3400" dirty="0" smtClean="0"/>
-              <a:t>( GL_COLOR_BUFFER_BIT | GL_DEPTH_BUFFER_BIT );</a:t>
-            </a:r>
-          </a:p>
-          <a:p>
-            <a:pPr>
-              <a:buNone/>
-            </a:pPr>
-            <a:r>
-              <a:rPr lang="en-US" altLang="ja-JP" sz="3400" dirty="0" smtClean="0"/>
-              <a:t>		</a:t>
-            </a:r>
-            <a:r>
-              <a:rPr lang="en-US" altLang="ja-JP" sz="3400" dirty="0" err="1" smtClean="0"/>
-              <a:t>gl</a:t>
-            </a:r>
-            <a:r>
-              <a:rPr lang="en-US" altLang="ja-JP" sz="3400" dirty="0" smtClean="0"/>
+              <a:rPr lang="en-US" altLang="ja-JP" sz="1600" dirty="0" smtClean="0"/>
+              <a:t>#include "main.hpp"</a:t>
+            </a:r>
+          </a:p>
+          <a:p>
+            <a:pPr>
+              <a:buNone/>
+            </a:pPr>
+            <a:r>
+              <a:rPr lang="en-US" altLang="ja-JP" sz="1600" dirty="0" smtClean="0"/>
+              <a:t>#include “img_main.hpp"</a:t>
+            </a:r>
+          </a:p>
+          <a:p>
+            <a:pPr>
+              <a:buNone/>
+            </a:pPr>
+            <a:endParaRPr lang="en-US" altLang="ja-JP" sz="1600" dirty="0" smtClean="0"/>
+          </a:p>
+          <a:p>
+            <a:pPr>
+              <a:buNone/>
+            </a:pPr>
+            <a:r>
+              <a:rPr lang="en-US" altLang="ja-JP" sz="1600" dirty="0" err="1" smtClean="0"/>
+              <a:t>typedef</a:t>
+            </a:r>
+            <a:r>
+              <a:rPr lang="en-US" altLang="ja-JP" sz="1600" dirty="0" smtClean="0"/>
+              <a:t> app::</a:t>
+            </a:r>
+            <a:r>
+              <a:rPr lang="en-US" altLang="ja-JP" sz="1600" dirty="0" err="1" smtClean="0"/>
+              <a:t>img_main</a:t>
+            </a:r>
+            <a:r>
+              <a:rPr lang="en-US" altLang="ja-JP" sz="1600" dirty="0" smtClean="0"/>
+              <a:t>	</a:t>
+            </a:r>
+            <a:r>
+              <a:rPr lang="en-US" altLang="ja-JP" sz="1600" dirty="0" err="1" smtClean="0"/>
+              <a:t>start_app</a:t>
+            </a:r>
+            <a:r>
+              <a:rPr lang="en-US" altLang="ja-JP" sz="1600" dirty="0" smtClean="0"/>
+              <a:t>;</a:t>
+            </a:r>
+          </a:p>
+          <a:p>
+            <a:pPr>
+              <a:buNone/>
+            </a:pPr>
+            <a:endParaRPr lang="en-US" altLang="ja-JP" sz="1600" dirty="0" smtClean="0"/>
+          </a:p>
+          <a:p>
+            <a:pPr>
+              <a:buNone/>
+            </a:pPr>
+            <a:r>
+              <a:rPr lang="en-US" altLang="ja-JP" sz="1600" dirty="0" smtClean="0"/>
+              <a:t>static const char* </a:t>
+            </a:r>
+            <a:r>
+              <a:rPr lang="en-US" altLang="ja-JP" sz="1600" dirty="0" err="1" smtClean="0"/>
+              <a:t>window_key</a:t>
+            </a:r>
+            <a:r>
+              <a:rPr lang="en-US" altLang="ja-JP" sz="1600" dirty="0" smtClean="0"/>
+              <a:t>_ = { "application/window" };</a:t>
+            </a:r>
+          </a:p>
+          <a:p>
+            <a:pPr>
+              <a:buNone/>
+            </a:pPr>
+            <a:r>
+              <a:rPr lang="en-US" altLang="ja-JP" sz="1600" dirty="0" smtClean="0"/>
+              <a:t>static const char* </a:t>
+            </a:r>
+            <a:r>
+              <a:rPr lang="en-US" altLang="ja-JP" sz="1600" dirty="0" err="1" smtClean="0"/>
+              <a:t>app_title</a:t>
+            </a:r>
+            <a:r>
+              <a:rPr lang="en-US" altLang="ja-JP" sz="1600" dirty="0" smtClean="0"/>
+              <a:t>_ = { "Image" };</a:t>
+            </a:r>
+          </a:p>
+          <a:p>
+            <a:pPr>
+              <a:buNone/>
+            </a:pPr>
+            <a:r>
+              <a:rPr lang="en-US" altLang="ja-JP" sz="1600" dirty="0" smtClean="0"/>
+              <a:t>static const </a:t>
+            </a:r>
+            <a:r>
+              <a:rPr lang="en-US" altLang="ja-JP" sz="1600" dirty="0" err="1" smtClean="0"/>
+              <a:t>vtx</a:t>
+            </a:r>
+            <a:r>
+              <a:rPr lang="en-US" altLang="ja-JP" sz="1600" dirty="0" smtClean="0"/>
               <a:t>::</a:t>
             </a:r>
             <a:r>
-              <a:rPr lang="en-US" altLang="ja-JP" sz="3400" dirty="0" err="1" smtClean="0"/>
-              <a:t>glColor</a:t>
-            </a:r>
-            <a:r>
-              <a:rPr lang="en-US" altLang="ja-JP" sz="3400" dirty="0" smtClean="0"/>
-              <a:t>(</a:t>
-            </a:r>
-            <a:r>
-              <a:rPr lang="en-US" altLang="ja-JP" sz="3400" dirty="0" err="1" smtClean="0"/>
-              <a:t>img</a:t>
-            </a:r>
-            <a:r>
-              <a:rPr lang="en-US" altLang="ja-JP" sz="3400" dirty="0" smtClean="0"/>
+              <a:rPr lang="en-US" altLang="ja-JP" sz="1600" dirty="0" err="1" smtClean="0"/>
+              <a:t>spos</a:t>
+            </a:r>
+            <a:r>
+              <a:rPr lang="en-US" altLang="ja-JP" sz="1600" dirty="0" smtClean="0"/>
+              <a:t> </a:t>
+            </a:r>
+            <a:r>
+              <a:rPr lang="en-US" altLang="ja-JP" sz="1600" dirty="0" err="1" smtClean="0"/>
+              <a:t>start_size</a:t>
+            </a:r>
+            <a:r>
+              <a:rPr lang="en-US" altLang="ja-JP" sz="1600" dirty="0" smtClean="0"/>
+              <a:t>_(1024, 768);</a:t>
+            </a:r>
+          </a:p>
+          <a:p>
+            <a:pPr>
+              <a:buNone/>
+            </a:pPr>
+            <a:r>
+              <a:rPr lang="en-US" altLang="ja-JP" sz="1600" dirty="0" smtClean="0"/>
+              <a:t>static const </a:t>
+            </a:r>
+            <a:r>
+              <a:rPr lang="en-US" altLang="ja-JP" sz="1600" dirty="0" err="1" smtClean="0"/>
+              <a:t>vtx</a:t>
+            </a:r>
+            <a:r>
+              <a:rPr lang="en-US" altLang="ja-JP" sz="1600" dirty="0" smtClean="0"/>
               <a:t>::</a:t>
             </a:r>
             <a:r>
-              <a:rPr lang="en-US" altLang="ja-JP" sz="3400" dirty="0" err="1" smtClean="0"/>
-              <a:t>rgbaf</a:t>
-            </a:r>
-            <a:r>
-              <a:rPr lang="en-US" altLang="ja-JP" sz="3400" dirty="0" smtClean="0"/>
-              <a:t>(1.0f));</a:t>
-            </a:r>
-          </a:p>
-          <a:p>
-            <a:pPr>
-              <a:buNone/>
-            </a:pPr>
-            <a:endParaRPr lang="en-US" altLang="ja-JP" sz="3400" dirty="0" smtClean="0"/>
-          </a:p>
-          <a:p>
-            <a:pPr>
-              <a:buNone/>
-            </a:pPr>
-            <a:r>
-              <a:rPr lang="en-US" altLang="ja-JP" sz="3400" dirty="0" smtClean="0"/>
-              <a:t>		</a:t>
-            </a:r>
-            <a:r>
-              <a:rPr lang="en-US" altLang="ja-JP" sz="3400" dirty="0" err="1" smtClean="0"/>
-              <a:t>glTexEnvi</a:t>
-            </a:r>
-            <a:r>
-              <a:rPr lang="en-US" altLang="ja-JP" sz="3400" dirty="0" smtClean="0"/>
-              <a:t>(GL_TEXTURE_ENV, GL_TEXTURE_ENV_MODE, GL_MODULATE);</a:t>
-            </a:r>
-          </a:p>
-          <a:p>
-            <a:pPr>
-              <a:buNone/>
-            </a:pPr>
-            <a:r>
-              <a:rPr lang="en-US" altLang="ja-JP" sz="3400" dirty="0" smtClean="0"/>
-              <a:t>		</a:t>
-            </a:r>
-            <a:r>
-              <a:rPr lang="en-US" altLang="ja-JP" sz="3400" dirty="0" err="1" smtClean="0"/>
-              <a:t>glEnable</a:t>
-            </a:r>
-            <a:r>
-              <a:rPr lang="en-US" altLang="ja-JP" sz="3400" dirty="0" smtClean="0"/>
-              <a:t>(GL_TEXTURE_2D);</a:t>
-            </a:r>
-          </a:p>
-          <a:p>
-            <a:pPr>
-              <a:buNone/>
-            </a:pPr>
-            <a:r>
-              <a:rPr lang="en-US" altLang="ja-JP" sz="3400" dirty="0" smtClean="0"/>
-              <a:t>		</a:t>
-            </a:r>
-            <a:r>
-              <a:rPr lang="en-US" altLang="ja-JP" sz="3400" dirty="0" err="1" smtClean="0"/>
-              <a:t>glEnable</a:t>
-            </a:r>
-            <a:r>
-              <a:rPr lang="en-US" altLang="ja-JP" sz="3400" dirty="0" smtClean="0"/>
-              <a:t>(GL_BLEND);</a:t>
-            </a:r>
-          </a:p>
-          <a:p>
-            <a:pPr>
-              <a:buNone/>
-            </a:pPr>
-            <a:r>
-              <a:rPr lang="en-US" altLang="ja-JP" sz="3400" dirty="0" smtClean="0"/>
-              <a:t>		</a:t>
-            </a:r>
-            <a:r>
-              <a:rPr lang="en-US" altLang="ja-JP" sz="3400" dirty="0" err="1" smtClean="0"/>
-              <a:t>glDisable</a:t>
-            </a:r>
-            <a:r>
-              <a:rPr lang="en-US" altLang="ja-JP" sz="3400" dirty="0" smtClean="0"/>
-              <a:t>(GL_DEPTH_TEST);</a:t>
-            </a:r>
-          </a:p>
-          <a:p>
-            <a:pPr>
-              <a:buNone/>
-            </a:pPr>
-            <a:r>
-              <a:rPr lang="en-US" altLang="ja-JP" sz="3400" dirty="0" smtClean="0"/>
-              <a:t>		</a:t>
-            </a:r>
-            <a:r>
-              <a:rPr lang="en-US" altLang="ja-JP" sz="3400" dirty="0" err="1" smtClean="0"/>
-              <a:t>glBlendFunc</a:t>
-            </a:r>
-            <a:r>
-              <a:rPr lang="en-US" altLang="ja-JP" sz="3400" dirty="0" smtClean="0"/>
-              <a:t>(GL_SRC_ALPHA, GL_ONE_MINUS_SRC_ALPHA);</a:t>
-            </a:r>
-          </a:p>
-          <a:p>
-            <a:pPr>
-              <a:buNone/>
-            </a:pPr>
-            <a:endParaRPr lang="en-US" altLang="ja-JP" sz="3400" dirty="0" smtClean="0"/>
-          </a:p>
-          <a:p>
-            <a:pPr>
-              <a:buNone/>
-            </a:pPr>
-            <a:r>
-              <a:rPr lang="en-US" altLang="ja-JP" sz="3400" dirty="0" smtClean="0"/>
-              <a:t>		</a:t>
-            </a:r>
-            <a:r>
-              <a:rPr lang="en-US" altLang="ja-JP" sz="3400" dirty="0" err="1" smtClean="0"/>
-              <a:t>director.render</a:t>
-            </a:r>
-            <a:r>
-              <a:rPr lang="en-US" altLang="ja-JP" sz="3400" dirty="0" smtClean="0"/>
-              <a:t>();</a:t>
-            </a:r>
-          </a:p>
-          <a:p>
-            <a:pPr>
-              <a:buNone/>
-            </a:pPr>
-            <a:endParaRPr lang="en-US" altLang="ja-JP" sz="3400" dirty="0" smtClean="0"/>
-          </a:p>
-          <a:p>
-            <a:pPr>
-              <a:buNone/>
-            </a:pPr>
-            <a:r>
-              <a:rPr lang="en-US" altLang="ja-JP" sz="3400" dirty="0" smtClean="0"/>
-              <a:t>		</a:t>
-            </a:r>
-            <a:r>
-              <a:rPr lang="en-US" altLang="ja-JP" sz="3400" dirty="0" err="1" smtClean="0"/>
-              <a:t>igl</a:t>
-            </a:r>
-            <a:r>
-              <a:rPr lang="en-US" altLang="ja-JP" sz="3400" dirty="0" smtClean="0"/>
-              <a:t>-&gt;</a:t>
-            </a:r>
-            <a:r>
-              <a:rPr lang="en-US" altLang="ja-JP" sz="3400" dirty="0" err="1" smtClean="0"/>
-              <a:t>flip_frame</a:t>
-            </a:r>
-            <a:r>
-              <a:rPr lang="en-US" altLang="ja-JP" sz="3400" dirty="0" smtClean="0"/>
-              <a:t>();</a:t>
-            </a:r>
-          </a:p>
-          <a:p>
-            <a:pPr>
-              <a:buNone/>
-            </a:pPr>
-            <a:endParaRPr lang="en-US" altLang="ja-JP" sz="3400" dirty="0" smtClean="0"/>
-          </a:p>
-          <a:p>
-            <a:pPr>
-              <a:buNone/>
-            </a:pPr>
-            <a:r>
-              <a:rPr lang="en-US" altLang="ja-JP" sz="3400" dirty="0" smtClean="0"/>
-              <a:t>		</a:t>
-            </a:r>
-            <a:r>
-              <a:rPr lang="en-US" altLang="ja-JP" sz="3400" dirty="0" err="1" smtClean="0"/>
-              <a:t>director.at</a:t>
-            </a:r>
-            <a:r>
-              <a:rPr lang="en-US" altLang="ja-JP" sz="3400" dirty="0" smtClean="0"/>
-              <a:t>().</a:t>
-            </a:r>
-            <a:r>
-              <a:rPr lang="en-US" altLang="ja-JP" sz="3400" dirty="0" err="1" smtClean="0"/>
-              <a:t>sound_.service</a:t>
-            </a:r>
-            <a:r>
-              <a:rPr lang="en-US" altLang="ja-JP" sz="3400" dirty="0" smtClean="0"/>
-              <a:t>();</a:t>
-            </a:r>
-          </a:p>
-          <a:p>
-            <a:pPr>
-              <a:buNone/>
-            </a:pPr>
-            <a:r>
-              <a:rPr lang="en-US" altLang="ja-JP" sz="3400" dirty="0" smtClean="0"/>
-              <a:t>	}</a:t>
-            </a:r>
-          </a:p>
-          <a:p>
-            <a:pPr>
-              <a:buNone/>
-            </a:pPr>
-            <a:endParaRPr kumimoji="1" lang="ja-JP" altLang="en-US" dirty="0"/>
+              <a:rPr lang="en-US" altLang="ja-JP" sz="1600" dirty="0" err="1" smtClean="0"/>
+              <a:t>spos</a:t>
+            </a:r>
+            <a:r>
+              <a:rPr lang="en-US" altLang="ja-JP" sz="1600" dirty="0" smtClean="0"/>
+              <a:t> </a:t>
+            </a:r>
+            <a:r>
+              <a:rPr lang="en-US" altLang="ja-JP" sz="1600" dirty="0" err="1" smtClean="0"/>
+              <a:t>limit_size</a:t>
+            </a:r>
+            <a:r>
+              <a:rPr lang="en-US" altLang="ja-JP" sz="1600" dirty="0" smtClean="0"/>
+              <a:t>_(800, 600);</a:t>
+            </a:r>
+          </a:p>
+          <a:p>
+            <a:pPr>
+              <a:buNone/>
+            </a:pPr>
+            <a:endParaRPr lang="en-US" altLang="ja-JP" sz="1600" dirty="0" smtClean="0"/>
+          </a:p>
+          <a:p>
+            <a:pPr>
+              <a:buNone/>
+            </a:pPr>
+            <a:endParaRPr kumimoji="1" lang="ja-JP" altLang="en-US" sz="1600" dirty="0"/>
           </a:p>
         </p:txBody>
       </p:sp>
@@ -13016,7 +11905,7 @@
       </p:grpSpPr>
       <p:sp>
         <p:nvSpPr>
-          <p:cNvPr id="2" name="タイトル 1"/>
+          <p:cNvPr id="6" name="タイトル 5"/>
           <p:cNvSpPr>
             <a:spLocks noGrp="1"/>
           </p:cNvSpPr>
@@ -13027,7 +11916,7 @@
         <p:spPr>
           <a:xfrm>
             <a:off x="457200" y="274638"/>
-            <a:ext cx="8229600" cy="274042"/>
+            <a:ext cx="8291264" cy="274042"/>
           </a:xfrm>
         </p:spPr>
         <p:txBody>
@@ -13042,7 +11931,7 @@
       </p:sp>
       <p:sp>
         <p:nvSpPr>
-          <p:cNvPr id="3" name="コンテンツ プレースホルダ 2"/>
+          <p:cNvPr id="7" name="コンテンツ プレースホルダ 6"/>
           <p:cNvSpPr>
             <a:spLocks noGrp="1"/>
           </p:cNvSpPr>
@@ -13052,8 +11941,8 @@
         </p:nvSpPr>
         <p:spPr>
           <a:xfrm>
-            <a:off x="457200" y="1052736"/>
-            <a:ext cx="8229600" cy="5073427"/>
+            <a:off x="457200" y="836712"/>
+            <a:ext cx="8229600" cy="5289451"/>
           </a:xfrm>
         </p:spPr>
         <p:txBody>
@@ -13066,12 +11955,144 @@
               <a:buNone/>
             </a:pPr>
             <a:r>
+              <a:rPr lang="en-US" altLang="ja-JP" sz="1600" dirty="0" err="1" smtClean="0"/>
+              <a:t>int</a:t>
+            </a:r>
+            <a:r>
+              <a:rPr lang="en-US" altLang="ja-JP" sz="1600" dirty="0" smtClean="0"/>
+              <a:t> main(</a:t>
+            </a:r>
+            <a:r>
+              <a:rPr lang="en-US" altLang="ja-JP" sz="1600" dirty="0" err="1" smtClean="0"/>
+              <a:t>int</a:t>
+            </a:r>
+            <a:r>
+              <a:rPr lang="en-US" altLang="ja-JP" sz="1600" dirty="0" smtClean="0"/>
+              <a:t> </a:t>
+            </a:r>
+            <a:r>
+              <a:rPr lang="en-US" altLang="ja-JP" sz="1600" dirty="0" err="1" smtClean="0"/>
+              <a:t>argc</a:t>
+            </a:r>
+            <a:r>
+              <a:rPr lang="en-US" altLang="ja-JP" sz="1600" dirty="0" smtClean="0"/>
+              <a:t>, char** </a:t>
+            </a:r>
+            <a:r>
+              <a:rPr lang="en-US" altLang="ja-JP" sz="1600" dirty="0" err="1" smtClean="0"/>
+              <a:t>argv</a:t>
+            </a:r>
+            <a:r>
+              <a:rPr lang="en-US" altLang="ja-JP" sz="1600" dirty="0" smtClean="0"/>
+              <a:t>)</a:t>
+            </a:r>
+          </a:p>
+          <a:p>
+            <a:pPr>
+              <a:buNone/>
+            </a:pPr>
+            <a:r>
+              <a:rPr lang="en-US" altLang="ja-JP" sz="1600" dirty="0" smtClean="0"/>
+              <a:t>{</a:t>
+            </a:r>
+          </a:p>
+          <a:p>
+            <a:pPr>
+              <a:buNone/>
+            </a:pPr>
+            <a:r>
+              <a:rPr lang="en-US" altLang="ja-JP" sz="1600" dirty="0" smtClean="0"/>
+              <a:t>	</a:t>
+            </a:r>
+            <a:r>
+              <a:rPr lang="en-US" altLang="ja-JP" sz="1600" dirty="0" err="1" smtClean="0"/>
+              <a:t>gl</a:t>
+            </a:r>
+            <a:r>
+              <a:rPr lang="en-US" altLang="ja-JP" sz="1600" dirty="0" smtClean="0"/>
+              <a:t>::</a:t>
+            </a:r>
+            <a:r>
+              <a:rPr lang="en-US" altLang="ja-JP" sz="1600" dirty="0" err="1" smtClean="0"/>
+              <a:t>create_glcore</a:t>
+            </a:r>
+            <a:r>
+              <a:rPr lang="en-US" altLang="ja-JP" sz="1600" dirty="0" smtClean="0"/>
+              <a:t>();</a:t>
+            </a:r>
+          </a:p>
+          <a:p>
+            <a:pPr>
+              <a:buNone/>
+            </a:pPr>
+            <a:endParaRPr lang="en-US" altLang="ja-JP" sz="1600" dirty="0" smtClean="0"/>
+          </a:p>
+          <a:p>
+            <a:pPr>
+              <a:buNone/>
+            </a:pPr>
+            <a:r>
+              <a:rPr lang="en-US" altLang="ja-JP" sz="1600" dirty="0" smtClean="0"/>
+              <a:t>	</a:t>
+            </a:r>
+            <a:r>
+              <a:rPr lang="en-US" altLang="ja-JP" sz="1600" dirty="0" err="1" smtClean="0"/>
+              <a:t>gl</a:t>
+            </a:r>
+            <a:r>
+              <a:rPr lang="en-US" altLang="ja-JP" sz="1600" dirty="0" smtClean="0"/>
+              <a:t>::</a:t>
+            </a:r>
+            <a:r>
+              <a:rPr lang="en-US" altLang="ja-JP" sz="1600" dirty="0" err="1" smtClean="0"/>
+              <a:t>IGLcore</a:t>
+            </a:r>
+            <a:r>
+              <a:rPr lang="en-US" altLang="ja-JP" sz="1600" dirty="0" smtClean="0"/>
+              <a:t>* </a:t>
+            </a:r>
+            <a:r>
+              <a:rPr lang="en-US" altLang="ja-JP" sz="1600" dirty="0" err="1" smtClean="0"/>
+              <a:t>igl</a:t>
+            </a:r>
+            <a:r>
+              <a:rPr lang="en-US" altLang="ja-JP" sz="1600" dirty="0" smtClean="0"/>
+              <a:t> = </a:t>
+            </a:r>
+            <a:r>
+              <a:rPr lang="en-US" altLang="ja-JP" sz="1600" dirty="0" err="1" smtClean="0"/>
+              <a:t>gl</a:t>
+            </a:r>
+            <a:r>
+              <a:rPr lang="en-US" altLang="ja-JP" sz="1600" dirty="0" smtClean="0"/>
+              <a:t>::</a:t>
+            </a:r>
+            <a:r>
+              <a:rPr lang="en-US" altLang="ja-JP" sz="1600" dirty="0" err="1" smtClean="0"/>
+              <a:t>get_glcore</a:t>
+            </a:r>
+            <a:r>
+              <a:rPr lang="en-US" altLang="ja-JP" sz="1600" dirty="0" smtClean="0"/>
+              <a:t>();</a:t>
+            </a:r>
+          </a:p>
+          <a:p>
+            <a:pPr>
+              <a:buNone/>
+            </a:pPr>
+            <a:endParaRPr lang="en-US" altLang="ja-JP" sz="1600" dirty="0" smtClean="0"/>
+          </a:p>
+          <a:p>
+            <a:pPr>
+              <a:buNone/>
+            </a:pPr>
+            <a:r>
               <a:rPr lang="en-US" altLang="ja-JP" sz="1600" dirty="0" smtClean="0"/>
               <a:t>	// </a:t>
             </a:r>
             <a:r>
               <a:rPr lang="ja-JP" altLang="en-US" sz="1600" dirty="0" smtClean="0"/>
-              <a:t>プログラム終了の廃棄</a:t>
+              <a:t>カレントパスを生成</a:t>
             </a:r>
           </a:p>
           <a:p>
@@ -13083,12 +12104,16 @@
               <a:t>	</a:t>
             </a:r>
             <a:r>
+              <a:rPr lang="en-US" altLang="ja-JP" sz="1600" dirty="0" smtClean="0"/>
+              <a:t>std::string </a:t>
+            </a:r>
+            <a:r>
               <a:rPr lang="en-US" altLang="ja-JP" sz="1600" dirty="0" err="1" smtClean="0"/>
-              <a:t>director.erase_scene</a:t>
-            </a:r>
-            <a:r>
-              <a:rPr lang="en-US" altLang="ja-JP" sz="1600" dirty="0" smtClean="0"/>
-              <a:t>();</a:t>
+              <a:t>tmp</a:t>
+            </a:r>
+            <a:r>
+              <a:rPr lang="en-US" altLang="ja-JP" sz="1600" dirty="0" smtClean="0"/>
+              <a:t>;</a:t>
             </a:r>
           </a:p>
           <a:p>
@@ -13101,128 +12126,31 @@
             </a:r>
             <a:r>
               <a:rPr lang="en-US" altLang="ja-JP" sz="1600" dirty="0" err="1" smtClean="0"/>
-              <a:t>director.render</a:t>
-            </a:r>
-            <a:r>
-              <a:rPr lang="en-US" altLang="ja-JP" sz="1600" dirty="0" smtClean="0"/>
-              <a:t>();</a:t>
-            </a:r>
-          </a:p>
-          <a:p>
-            <a:pPr>
-              <a:buNone/>
-            </a:pPr>
-            <a:endParaRPr lang="en-US" altLang="ja-JP" sz="1600" dirty="0" smtClean="0"/>
-          </a:p>
-          <a:p>
-            <a:pPr>
-              <a:buNone/>
-            </a:pPr>
-            <a:r>
-              <a:rPr lang="en-US" altLang="ja-JP" sz="1600" dirty="0" smtClean="0"/>
-              <a:t>	{</a:t>
-            </a:r>
-          </a:p>
-          <a:p>
-            <a:pPr>
-              <a:buNone/>
-            </a:pPr>
-            <a:r>
-              <a:rPr lang="en-US" altLang="ja-JP" sz="1600" dirty="0" smtClean="0"/>
-              <a:t>		</a:t>
+              <a:t>utils</a:t>
+            </a:r>
+            <a:r>
+              <a:rPr lang="en-US" altLang="ja-JP" sz="1600" dirty="0" smtClean="0"/>
+              <a:t>::</a:t>
             </a:r>
             <a:r>
               <a:rPr lang="en-US" altLang="ja-JP" sz="1600" dirty="0" err="1" smtClean="0"/>
-              <a:t>vtx</a:t>
-            </a:r>
-            <a:r>
-              <a:rPr lang="en-US" altLang="ja-JP" sz="1600" dirty="0" smtClean="0"/>
-              <a:t>::</a:t>
+              <a:t>convert_delimiter</a:t>
+            </a:r>
+            <a:r>
+              <a:rPr lang="en-US" altLang="ja-JP" sz="1600" dirty="0" smtClean="0"/>
+              <a:t>(</a:t>
             </a:r>
             <a:r>
               <a:rPr lang="en-US" altLang="ja-JP" sz="1600" dirty="0" err="1" smtClean="0"/>
-              <a:t>srect</a:t>
-            </a:r>
-            <a:r>
-              <a:rPr lang="en-US" altLang="ja-JP" sz="1600" dirty="0" smtClean="0"/>
-              <a:t> </a:t>
+              <a:t>argv</a:t>
+            </a:r>
+            <a:r>
+              <a:rPr lang="en-US" altLang="ja-JP" sz="1600" dirty="0" smtClean="0"/>
+              <a:t>[0], '\\', '/', </a:t>
             </a:r>
             <a:r>
               <a:rPr lang="en-US" altLang="ja-JP" sz="1600" dirty="0" err="1" smtClean="0"/>
-              <a:t>rect</a:t>
-            </a:r>
-            <a:r>
-              <a:rPr lang="en-US" altLang="ja-JP" sz="1600" dirty="0" smtClean="0"/>
-              <a:t>(</a:t>
-            </a:r>
-            <a:r>
-              <a:rPr lang="en-US" altLang="ja-JP" sz="1600" dirty="0" err="1" smtClean="0"/>
-              <a:t>igl</a:t>
-            </a:r>
-            <a:r>
-              <a:rPr lang="en-US" altLang="ja-JP" sz="1600" dirty="0" smtClean="0"/>
-              <a:t>-&gt;</a:t>
-            </a:r>
-            <a:r>
-              <a:rPr lang="en-US" altLang="ja-JP" sz="1600" dirty="0" err="1" smtClean="0"/>
-              <a:t>get_locate</a:t>
-            </a:r>
-            <a:r>
-              <a:rPr lang="en-US" altLang="ja-JP" sz="1600" dirty="0" smtClean="0"/>
-              <a:t>(), </a:t>
-            </a:r>
-            <a:r>
-              <a:rPr lang="en-US" altLang="ja-JP" sz="1600" dirty="0" err="1" smtClean="0"/>
-              <a:t>igl</a:t>
-            </a:r>
-            <a:r>
-              <a:rPr lang="en-US" altLang="ja-JP" sz="1600" dirty="0" smtClean="0"/>
-              <a:t>-&gt;</a:t>
-            </a:r>
-            <a:r>
-              <a:rPr lang="en-US" altLang="ja-JP" sz="1600" dirty="0" err="1" smtClean="0"/>
-              <a:t>get_size</a:t>
-            </a:r>
-            <a:r>
-              <a:rPr lang="en-US" altLang="ja-JP" sz="1600" dirty="0" smtClean="0"/>
-              <a:t>());</a:t>
-            </a:r>
-          </a:p>
-          <a:p>
-            <a:pPr>
-              <a:buNone/>
-            </a:pPr>
-            <a:r>
-              <a:rPr lang="en-US" altLang="ja-JP" sz="1600" dirty="0" smtClean="0"/>
-              <a:t>		</a:t>
-            </a:r>
-            <a:r>
-              <a:rPr lang="en-US" altLang="ja-JP" sz="1600" dirty="0" err="1" smtClean="0"/>
-              <a:t>director.at</a:t>
-            </a:r>
-            <a:r>
-              <a:rPr lang="en-US" altLang="ja-JP" sz="1600" dirty="0" smtClean="0"/>
-              <a:t>().</a:t>
-            </a:r>
-            <a:r>
-              <a:rPr lang="en-US" altLang="ja-JP" sz="1600" dirty="0" err="1" smtClean="0"/>
-              <a:t>preference_.save_rect</a:t>
-            </a:r>
-            <a:r>
-              <a:rPr lang="en-US" altLang="ja-JP" sz="1600" dirty="0" smtClean="0"/>
-              <a:t>(</a:t>
-            </a:r>
-            <a:r>
-              <a:rPr lang="en-US" altLang="ja-JP" sz="1600" dirty="0" err="1" smtClean="0"/>
-              <a:t>window_key</a:t>
-            </a:r>
-            <a:r>
-              <a:rPr lang="en-US" altLang="ja-JP" sz="1600" dirty="0" smtClean="0"/>
-              <a:t>_, </a:t>
-            </a:r>
-            <a:r>
-              <a:rPr lang="en-US" altLang="ja-JP" sz="1600" dirty="0" err="1" smtClean="0"/>
-              <a:t>rect</a:t>
+              <a:t>tmp</a:t>
             </a:r>
             <a:r>
               <a:rPr lang="en-US" altLang="ja-JP" sz="1600" dirty="0" smtClean="0"/>
@@ -13235,38 +12163,7 @@
             </a:pPr>
             <a:r>
               <a:rPr lang="en-US" altLang="ja-JP" sz="1600" dirty="0" smtClean="0"/>
-              <a:t>	}</a:t>
-            </a:r>
-          </a:p>
-          <a:p>
-            <a:pPr>
-              <a:buNone/>
-            </a:pPr>
-            <a:endParaRPr lang="en-US" altLang="ja-JP" sz="1600" dirty="0" smtClean="0"/>
-          </a:p>
-          <a:p>
-            <a:pPr>
-              <a:buNone/>
-            </a:pPr>
-            <a:r>
-              <a:rPr lang="en-US" altLang="ja-JP" sz="1600" dirty="0" smtClean="0"/>
-              <a:t>	</a:t>
-            </a:r>
-            <a:r>
-              <a:rPr lang="en-US" altLang="ja-JP" sz="1600" dirty="0" err="1" smtClean="0"/>
-              <a:t>director.at</a:t>
-            </a:r>
-            <a:r>
-              <a:rPr lang="en-US" altLang="ja-JP" sz="1600" dirty="0" smtClean="0"/>
-              <a:t>().</a:t>
-            </a:r>
-            <a:r>
-              <a:rPr lang="en-US" altLang="ja-JP" sz="1600" dirty="0" err="1" smtClean="0"/>
-              <a:t>preference_.save</a:t>
-            </a:r>
-            <a:r>
-              <a:rPr lang="en-US" altLang="ja-JP" sz="1600" dirty="0" smtClean="0"/>
-              <a:t>(</a:t>
+              <a:t>	std::string </a:t>
             </a:r>
             <a:r>
               <a:rPr lang="en-US" altLang="ja-JP" sz="1600" dirty="0" err="1" smtClean="0"/>
@@ -13274,6 +12171,47 @@
             </a:r>
             <a:r>
               <a:rPr lang="en-US" altLang="ja-JP" sz="1600" dirty="0" smtClean="0"/>
+              <a:t>;</a:t>
+            </a:r>
+          </a:p>
+          <a:p>
+            <a:pPr>
+              <a:buNone/>
+            </a:pPr>
+            <a:r>
+              <a:rPr lang="en-US" altLang="ja-JP" sz="1600" dirty="0" smtClean="0"/>
+              <a:t>	</a:t>
+            </a:r>
+            <a:r>
+              <a:rPr lang="en-US" altLang="ja-JP" sz="1600" dirty="0" err="1" smtClean="0"/>
+              <a:t>utils</a:t>
+            </a:r>
+            <a:r>
+              <a:rPr lang="en-US" altLang="ja-JP" sz="1600" dirty="0" smtClean="0"/>
+              <a:t>::</a:t>
+            </a:r>
+            <a:r>
+              <a:rPr lang="en-US" altLang="ja-JP" sz="1600" dirty="0" err="1" smtClean="0"/>
+              <a:t>get_file_base</a:t>
+            </a:r>
+            <a:r>
+              <a:rPr lang="en-US" altLang="ja-JP" sz="1600" dirty="0" smtClean="0"/>
+              <a:t>(</a:t>
+            </a:r>
+            <a:r>
+              <a:rPr lang="en-US" altLang="ja-JP" sz="1600" dirty="0" err="1" smtClean="0"/>
+              <a:t>tmp</a:t>
+            </a:r>
+            <a:r>
+              <a:rPr lang="en-US" altLang="ja-JP" sz="1600" dirty="0" smtClean="0"/>
+              <a:t>, </a:t>
+            </a:r>
+            <a:r>
+              <a:rPr lang="en-US" altLang="ja-JP" sz="1600" dirty="0" err="1" smtClean="0"/>
+              <a:t>pref</a:t>
+            </a:r>
+            <a:r>
+              <a:rPr lang="en-US" altLang="ja-JP" sz="1600" dirty="0" smtClean="0"/>
               <a:t>);</a:t>
             </a:r>
           </a:p>
@@ -13281,30 +12219,27 @@
             <a:pPr>
               <a:buNone/>
             </a:pPr>
-            <a:endParaRPr lang="en-US" altLang="ja-JP" sz="1600" dirty="0" smtClean="0"/>
-          </a:p>
-          <a:p>
-            <a:pPr>
-              <a:buNone/>
-            </a:pPr>
             <a:r>
               <a:rPr lang="en-US" altLang="ja-JP" sz="1600" dirty="0" smtClean="0"/>
               <a:t>	</a:t>
             </a:r>
             <a:r>
               <a:rPr lang="en-US" altLang="ja-JP" sz="1600" dirty="0" err="1" smtClean="0"/>
-              <a:t>igl</a:t>
-            </a:r>
-            <a:r>
-              <a:rPr lang="en-US" altLang="ja-JP" sz="1600" dirty="0" smtClean="0"/>
-              <a:t>-&gt;destroy();</a:t>
-            </a:r>
-          </a:p>
-          <a:p>
-            <a:pPr>
-              <a:buNone/>
-            </a:pPr>
-            <a:endParaRPr lang="en-US" altLang="ja-JP" sz="1600" dirty="0" smtClean="0"/>
+              <a:t>pref</a:t>
+            </a:r>
+            <a:r>
+              <a:rPr lang="en-US" altLang="ja-JP" sz="1600" dirty="0" smtClean="0"/>
+              <a:t> += ".pre";</a:t>
+            </a:r>
+          </a:p>
+          <a:p>
+            <a:pPr>
+              <a:buNone/>
+            </a:pPr>
+            <a:r>
+              <a:rPr lang="en-US" altLang="ja-JP" sz="1600" dirty="0" smtClean="0"/>
+              <a:t>	std::string path;</a:t>
+            </a:r>
           </a:p>
           <a:p>
             <a:pPr>
@@ -13316,7 +12251,7 @@
             </a:r>
             <a:r>
               <a:rPr lang="en-US" altLang="ja-JP" sz="1600" dirty="0" err="1" smtClean="0"/>
-              <a:t>gl</a:t>
+              <a:t>utils</a:t>
             </a:r>
             <a:r>
               <a:rPr lang="en-US" altLang="ja-JP" sz="1600" dirty="0" smtClean="0"/>
@@ -13324,27 +12259,26 @@
             </a:r>
             <a:r>
               <a:rPr lang="en-US" altLang="ja-JP" sz="1600" dirty="0" err="1" smtClean="0"/>
-              <a:t>destroy_glcore</a:t>
-            </a:r>
-            <a:r>
-              <a:rPr lang="en-US" altLang="ja-JP" sz="1600" dirty="0" smtClean="0"/>
-              <a:t>();</a:t>
-            </a:r>
-          </a:p>
-          <a:p>
-            <a:pPr>
-              <a:buNone/>
-            </a:pPr>
-            <a:r>
-              <a:rPr lang="en-US" altLang="ja-JP" sz="1600" dirty="0" smtClean="0"/>
-              <a:t>}</a:t>
-            </a:r>
-          </a:p>
-          <a:p>
-            <a:pPr>
-              <a:buNone/>
-            </a:pPr>
-            <a:endParaRPr kumimoji="1" lang="ja-JP" altLang="en-US" dirty="0"/>
+              <a:t>get_file_path</a:t>
+            </a:r>
+            <a:r>
+              <a:rPr lang="en-US" altLang="ja-JP" sz="1600" dirty="0" smtClean="0"/>
+              <a:t>(</a:t>
+            </a:r>
+            <a:r>
+              <a:rPr lang="en-US" altLang="ja-JP" sz="1600" dirty="0" err="1" smtClean="0"/>
+              <a:t>tmp</a:t>
+            </a:r>
+            <a:r>
+              <a:rPr lang="en-US" altLang="ja-JP" sz="1600" dirty="0" smtClean="0"/>
+              <a:t>, path);</a:t>
+            </a:r>
+          </a:p>
+          <a:p>
+            <a:pPr>
+              <a:buNone/>
+            </a:pPr>
+            <a:endParaRPr kumimoji="1" lang="ja-JP" altLang="en-US" sz="1600" dirty="0"/>
           </a:p>
         </p:txBody>
       </p:sp>
@@ -13386,19 +12320,15 @@
         <p:spPr>
           <a:xfrm>
             <a:off x="457200" y="274638"/>
-            <a:ext cx="8229600" cy="706090"/>
+            <a:ext cx="8229600" cy="202034"/>
           </a:xfrm>
         </p:spPr>
         <p:txBody>
           <a:bodyPr>
-            <a:normAutofit/>
+            <a:normAutofit fontScale="90000"/>
           </a:bodyPr>
           <a:lstStyle/>
           <a:p>
-            <a:r>
-              <a:rPr lang="ja-JP" altLang="en-US" dirty="0" smtClean="0"/>
-              <a:t>アプリケーション・定義</a:t>
-            </a:r>
             <a:endParaRPr kumimoji="1" lang="ja-JP" altLang="en-US" dirty="0"/>
           </a:p>
         </p:txBody>
@@ -13415,7 +12345,7 @@
         </p:nvSpPr>
         <p:spPr>
           <a:xfrm>
-            <a:off x="457200" y="1124744"/>
+            <a:off x="457200" y="1052736"/>
             <a:ext cx="8229600" cy="5400600"/>
           </a:xfrm>
         </p:spPr>
@@ -13430,7 +12360,33 @@
             </a:pPr>
             <a:r>
               <a:rPr lang="en-US" altLang="ja-JP" sz="1600" dirty="0" smtClean="0"/>
-              <a:t>namespace app {</a:t>
+              <a:t>	if(!</a:t>
+            </a:r>
+            <a:r>
+              <a:rPr lang="en-US" altLang="ja-JP" sz="1600" dirty="0" err="1" smtClean="0"/>
+              <a:t>igl</a:t>
+            </a:r>
+            <a:r>
+              <a:rPr lang="en-US" altLang="ja-JP" sz="1600" dirty="0" smtClean="0"/>
+              <a:t>-&gt;initialize(path)) {</a:t>
+            </a:r>
+          </a:p>
+          <a:p>
+            <a:pPr>
+              <a:buNone/>
+            </a:pPr>
+            <a:r>
+              <a:rPr lang="en-US" altLang="ja-JP" sz="1600" dirty="0" smtClean="0"/>
+              <a:t>		return -1;</a:t>
+            </a:r>
+          </a:p>
+          <a:p>
+            <a:pPr>
+              <a:buNone/>
+            </a:pPr>
+            <a:r>
+              <a:rPr lang="en-US" altLang="ja-JP" sz="1600" dirty="0" smtClean="0"/>
+              <a:t>	}</a:t>
             </a:r>
           </a:p>
           <a:p>
@@ -13445,15 +12401,7 @@
             </a:pPr>
             <a:r>
               <a:rPr lang="en-US" altLang="ja-JP" sz="1600" dirty="0" smtClean="0"/>
-              <a:t>	class </a:t>
-            </a:r>
-            <a:r>
-              <a:rPr lang="en-US" altLang="ja-JP" sz="1600" dirty="0" err="1" smtClean="0"/>
-              <a:t>img_main</a:t>
-            </a:r>
-            <a:r>
-              <a:rPr lang="en-US" altLang="ja-JP" sz="1600" dirty="0" smtClean="0"/>
-              <a:t> : public </a:t>
+              <a:t>	</a:t>
             </a:r>
             <a:r>
               <a:rPr lang="en-US" altLang="ja-JP" sz="1600" dirty="0" err="1" smtClean="0"/>
@@ -13461,15 +12409,264 @@
             </a:r>
             <a:r>
               <a:rPr lang="en-US" altLang="ja-JP" sz="1600" dirty="0" smtClean="0"/>
+              <a:t>::director&lt;app::core&gt; director;</a:t>
+            </a:r>
+          </a:p>
+          <a:p>
+            <a:pPr>
+              <a:buNone/>
+            </a:pPr>
+            <a:r>
+              <a:rPr lang="en-US" altLang="ja-JP" sz="1600" dirty="0" smtClean="0"/>
+              <a:t>	</a:t>
+            </a:r>
+            <a:r>
+              <a:rPr lang="en-US" altLang="ja-JP" sz="1600" dirty="0" err="1" smtClean="0"/>
+              <a:t>director.at</a:t>
+            </a:r>
+            <a:r>
+              <a:rPr lang="en-US" altLang="ja-JP" sz="1600" dirty="0" smtClean="0"/>
+              <a:t>().</a:t>
+            </a:r>
+            <a:r>
+              <a:rPr lang="en-US" altLang="ja-JP" sz="1600" dirty="0" err="1" smtClean="0"/>
+              <a:t>preference_.load</a:t>
+            </a:r>
+            <a:r>
+              <a:rPr lang="en-US" altLang="ja-JP" sz="1600" dirty="0" smtClean="0"/>
+              <a:t>(</a:t>
+            </a:r>
+            <a:r>
+              <a:rPr lang="en-US" altLang="ja-JP" sz="1600" dirty="0" err="1" smtClean="0"/>
+              <a:t>pref</a:t>
+            </a:r>
+            <a:r>
+              <a:rPr lang="en-US" altLang="ja-JP" sz="1600" dirty="0" smtClean="0"/>
+              <a:t>);</a:t>
+            </a:r>
+          </a:p>
+          <a:p>
+            <a:pPr>
+              <a:buNone/>
+            </a:pPr>
+            <a:r>
+              <a:rPr lang="en-US" altLang="ja-JP" sz="1600" dirty="0" smtClean="0"/>
+              <a:t>	</a:t>
+            </a:r>
+            <a:r>
+              <a:rPr lang="en-US" altLang="ja-JP" sz="1600" dirty="0" err="1" smtClean="0"/>
+              <a:t>vtx</a:t>
+            </a:r>
+            <a:r>
+              <a:rPr lang="en-US" altLang="ja-JP" sz="1600" dirty="0" smtClean="0"/>
               <a:t>::</a:t>
             </a:r>
             <a:r>
               <a:rPr lang="en-US" altLang="ja-JP" sz="1600" dirty="0" err="1" smtClean="0"/>
-              <a:t>i_scene</a:t>
-            </a:r>
-            <a:r>
-              <a:rPr lang="en-US" altLang="ja-JP" sz="1600" dirty="0" smtClean="0"/>
-              <a:t> {</a:t>
+              <a:t>srect</a:t>
+            </a:r>
+            <a:r>
+              <a:rPr lang="en-US" altLang="ja-JP" sz="1600" dirty="0" smtClean="0"/>
+              <a:t> </a:t>
+            </a:r>
+            <a:r>
+              <a:rPr lang="en-US" altLang="ja-JP" sz="1600" dirty="0" err="1" smtClean="0"/>
+              <a:t>rect</a:t>
+            </a:r>
+            <a:r>
+              <a:rPr lang="en-US" altLang="ja-JP" sz="1600" dirty="0" smtClean="0"/>
+              <a:t>(</a:t>
+            </a:r>
+            <a:r>
+              <a:rPr lang="en-US" altLang="ja-JP" sz="1600" dirty="0" err="1" smtClean="0"/>
+              <a:t>vtx</a:t>
+            </a:r>
+            <a:r>
+              <a:rPr lang="en-US" altLang="ja-JP" sz="1600" dirty="0" smtClean="0"/>
+              <a:t>::</a:t>
+            </a:r>
+            <a:r>
+              <a:rPr lang="en-US" altLang="ja-JP" sz="1600" dirty="0" err="1" smtClean="0"/>
+              <a:t>spos</a:t>
+            </a:r>
+            <a:r>
+              <a:rPr lang="en-US" altLang="ja-JP" sz="1600" dirty="0" smtClean="0"/>
+              <a:t>(10, 40), </a:t>
+            </a:r>
+            <a:r>
+              <a:rPr lang="en-US" altLang="ja-JP" sz="1600" dirty="0" err="1" smtClean="0"/>
+              <a:t>start_size</a:t>
+            </a:r>
+            <a:r>
+              <a:rPr lang="en-US" altLang="ja-JP" sz="1600" dirty="0" smtClean="0"/>
+              <a:t>_);</a:t>
+            </a:r>
+          </a:p>
+          <a:p>
+            <a:pPr>
+              <a:buNone/>
+            </a:pPr>
+            <a:r>
+              <a:rPr lang="en-US" altLang="ja-JP" sz="1600" dirty="0" smtClean="0"/>
+              <a:t>	if(!</a:t>
+            </a:r>
+            <a:r>
+              <a:rPr lang="en-US" altLang="ja-JP" sz="1600" dirty="0" err="1" smtClean="0"/>
+              <a:t>director.at</a:t>
+            </a:r>
+            <a:r>
+              <a:rPr lang="en-US" altLang="ja-JP" sz="1600" dirty="0" smtClean="0"/>
+              <a:t>().</a:t>
+            </a:r>
+            <a:r>
+              <a:rPr lang="en-US" altLang="ja-JP" sz="1600" dirty="0" err="1" smtClean="0"/>
+              <a:t>preference_.load_rect</a:t>
+            </a:r>
+            <a:r>
+              <a:rPr lang="en-US" altLang="ja-JP" sz="1600" dirty="0" smtClean="0"/>
+              <a:t>(</a:t>
+            </a:r>
+            <a:r>
+              <a:rPr lang="en-US" altLang="ja-JP" sz="1600" dirty="0" err="1" smtClean="0"/>
+              <a:t>window_key</a:t>
+            </a:r>
+            <a:r>
+              <a:rPr lang="en-US" altLang="ja-JP" sz="1600" dirty="0" smtClean="0"/>
+              <a:t>_, </a:t>
+            </a:r>
+            <a:r>
+              <a:rPr lang="en-US" altLang="ja-JP" sz="1600" dirty="0" err="1" smtClean="0"/>
+              <a:t>rect</a:t>
+            </a:r>
+            <a:r>
+              <a:rPr lang="en-US" altLang="ja-JP" sz="1600" dirty="0" smtClean="0"/>
+              <a:t>)) {</a:t>
+            </a:r>
+          </a:p>
+          <a:p>
+            <a:pPr>
+              <a:buNone/>
+            </a:pPr>
+            <a:r>
+              <a:rPr lang="en-US" altLang="ja-JP" sz="1600" dirty="0" smtClean="0"/>
+              <a:t>//		std::</a:t>
+            </a:r>
+            <a:r>
+              <a:rPr lang="en-US" altLang="ja-JP" sz="1600" dirty="0" err="1" smtClean="0"/>
+              <a:t>cout</a:t>
+            </a:r>
+            <a:r>
+              <a:rPr lang="en-US" altLang="ja-JP" sz="1600" dirty="0" smtClean="0"/>
+              <a:t> &lt;&lt; "Load </a:t>
+            </a:r>
+            <a:r>
+              <a:rPr lang="en-US" altLang="ja-JP" sz="1600" dirty="0" err="1" smtClean="0"/>
+              <a:t>rect</a:t>
+            </a:r>
+            <a:r>
+              <a:rPr lang="en-US" altLang="ja-JP" sz="1600" dirty="0" smtClean="0"/>
+              <a:t> error..." &lt;&lt; std::</a:t>
+            </a:r>
+            <a:r>
+              <a:rPr lang="en-US" altLang="ja-JP" sz="1600" dirty="0" err="1" smtClean="0"/>
+              <a:t>endl</a:t>
+            </a:r>
+            <a:r>
+              <a:rPr lang="en-US" altLang="ja-JP" sz="1600" dirty="0" smtClean="0"/>
+              <a:t>; </a:t>
+            </a:r>
+          </a:p>
+          <a:p>
+            <a:pPr>
+              <a:buNone/>
+            </a:pPr>
+            <a:r>
+              <a:rPr lang="en-US" altLang="ja-JP" sz="1600" dirty="0" smtClean="0"/>
+              <a:t>	}</a:t>
+            </a:r>
+          </a:p>
+          <a:p>
+            <a:pPr>
+              <a:buNone/>
+            </a:pPr>
+            <a:r>
+              <a:rPr lang="en-US" altLang="ja-JP" sz="1600" dirty="0" smtClean="0"/>
+              <a:t>	if(!</a:t>
+            </a:r>
+            <a:r>
+              <a:rPr lang="en-US" altLang="ja-JP" sz="1600" dirty="0" err="1" smtClean="0"/>
+              <a:t>igl</a:t>
+            </a:r>
+            <a:r>
+              <a:rPr lang="en-US" altLang="ja-JP" sz="1600" dirty="0" smtClean="0"/>
+              <a:t>-&gt;setup(</a:t>
+            </a:r>
+            <a:r>
+              <a:rPr lang="en-US" altLang="ja-JP" sz="1600" dirty="0" err="1" smtClean="0"/>
+              <a:t>rect</a:t>
+            </a:r>
+            <a:r>
+              <a:rPr lang="en-US" altLang="ja-JP" sz="1600" dirty="0" smtClean="0"/>
+              <a:t>, </a:t>
+            </a:r>
+            <a:r>
+              <a:rPr lang="en-US" altLang="ja-JP" sz="1600" dirty="0" err="1" smtClean="0"/>
+              <a:t>app_title</a:t>
+            </a:r>
+            <a:r>
+              <a:rPr lang="en-US" altLang="ja-JP" sz="1600" dirty="0" smtClean="0"/>
+              <a:t>_, false)) {</a:t>
+            </a:r>
+          </a:p>
+          <a:p>
+            <a:pPr>
+              <a:buNone/>
+            </a:pPr>
+            <a:r>
+              <a:rPr lang="en-US" altLang="ja-JP" sz="1600" dirty="0" smtClean="0"/>
+              <a:t>		return -1;</a:t>
+            </a:r>
+          </a:p>
+          <a:p>
+            <a:pPr>
+              <a:buNone/>
+            </a:pPr>
+            <a:r>
+              <a:rPr lang="en-US" altLang="ja-JP" sz="1600" dirty="0" smtClean="0"/>
+              <a:t>	}</a:t>
+            </a:r>
+          </a:p>
+          <a:p>
+            <a:pPr>
+              <a:buNone/>
+            </a:pPr>
+            <a:r>
+              <a:rPr lang="en-US" altLang="ja-JP" sz="1600" dirty="0" smtClean="0"/>
+              <a:t>	</a:t>
+            </a:r>
+            <a:r>
+              <a:rPr lang="en-US" altLang="ja-JP" sz="1600" dirty="0" err="1" smtClean="0"/>
+              <a:t>igl</a:t>
+            </a:r>
+            <a:r>
+              <a:rPr lang="en-US" altLang="ja-JP" sz="1600" dirty="0" smtClean="0"/>
+              <a:t>-&gt;</a:t>
+            </a:r>
+            <a:r>
+              <a:rPr lang="en-US" altLang="ja-JP" sz="1600" dirty="0" err="1" smtClean="0"/>
+              <a:t>set_limit_size</a:t>
+            </a:r>
+            <a:r>
+              <a:rPr lang="en-US" altLang="ja-JP" sz="1600" dirty="0" smtClean="0"/>
+              <a:t>(</a:t>
+            </a:r>
+            <a:r>
+              <a:rPr lang="en-US" altLang="ja-JP" sz="1600" dirty="0" err="1" smtClean="0"/>
+              <a:t>limit_size</a:t>
+            </a:r>
+            <a:r>
+              <a:rPr lang="en-US" altLang="ja-JP" sz="1600" dirty="0" smtClean="0"/>
+              <a:t>_);</a:t>
             </a:r>
           </a:p>
           <a:p>
@@ -13484,165 +12681,74 @@
             </a:pPr>
             <a:r>
               <a:rPr lang="en-US" altLang="ja-JP" sz="1600" dirty="0" smtClean="0"/>
-              <a:t>		</a:t>
+              <a:t>	</a:t>
             </a:r>
             <a:r>
               <a:rPr lang="en-US" altLang="ja-JP" sz="1600" dirty="0" err="1" smtClean="0"/>
-              <a:t>utils</a:t>
-            </a:r>
-            <a:r>
-              <a:rPr lang="en-US" altLang="ja-JP" sz="1600" dirty="0" smtClean="0"/>
-              <a:t>::director&lt;core&gt;&amp;	director_;</a:t>
-            </a:r>
-          </a:p>
-          <a:p>
-            <a:pPr>
-              <a:buNone/>
-            </a:pPr>
-            <a:endParaRPr lang="en-US" altLang="ja-JP" sz="1600" dirty="0" smtClean="0"/>
-          </a:p>
-          <a:p>
-            <a:pPr>
-              <a:buNone/>
-            </a:pPr>
-            <a:r>
-              <a:rPr lang="en-US" altLang="ja-JP" sz="1600" dirty="0" smtClean="0"/>
-              <a:t>	public:</a:t>
-            </a:r>
-          </a:p>
-          <a:p>
-            <a:pPr>
-              <a:buNone/>
-            </a:pPr>
-            <a:r>
-              <a:rPr lang="en-US" altLang="ja-JP" sz="1600" dirty="0" smtClean="0"/>
-              <a:t>		</a:t>
+              <a:t>director.at</a:t>
+            </a:r>
+            <a:r>
+              <a:rPr lang="en-US" altLang="ja-JP" sz="1600" dirty="0" smtClean="0"/>
+              <a:t>().</a:t>
             </a:r>
             <a:r>
               <a:rPr lang="en-US" altLang="ja-JP" sz="1600" dirty="0" err="1" smtClean="0"/>
-              <a:t>img_main</a:t>
-            </a:r>
-            <a:r>
-              <a:rPr lang="en-US" altLang="ja-JP" sz="1600" dirty="0" smtClean="0"/>
-              <a:t>(</a:t>
+              <a:t>sound_.initialize</a:t>
+            </a:r>
+            <a:r>
+              <a:rPr lang="en-US" altLang="ja-JP" sz="1600" dirty="0" smtClean="0"/>
+              <a:t>(16);</a:t>
+            </a:r>
+          </a:p>
+          <a:p>
+            <a:pPr>
+              <a:buNone/>
+            </a:pPr>
+            <a:r>
+              <a:rPr lang="en-US" altLang="ja-JP" sz="1600" dirty="0" smtClean="0"/>
+              <a:t>	</a:t>
             </a:r>
             <a:r>
               <a:rPr lang="en-US" altLang="ja-JP" sz="1600" dirty="0" err="1" smtClean="0"/>
-              <a:t>utils</a:t>
-            </a:r>
-            <a:r>
-              <a:rPr lang="en-US" altLang="ja-JP" sz="1600" dirty="0" smtClean="0"/>
-              <a:t>::director&lt;core&gt;&amp; d) : director_(d)</a:t>
-            </a:r>
-            <a:r>
-              <a:rPr lang="ja-JP" altLang="en-US" sz="1600" dirty="0" smtClean="0"/>
-              <a:t>　</a:t>
-            </a:r>
-            <a:r>
-              <a:rPr lang="en-US" altLang="ja-JP" sz="1600" dirty="0" smtClean="0"/>
-              <a:t>{ }</a:t>
-            </a:r>
-          </a:p>
-          <a:p>
-            <a:pPr>
-              <a:buNone/>
-            </a:pPr>
-            <a:r>
-              <a:rPr lang="en-US" altLang="ja-JP" sz="1600" dirty="0" smtClean="0"/>
-              <a:t>		virtual ~</a:t>
+              <a:t>director.at</a:t>
+            </a:r>
+            <a:r>
+              <a:rPr lang="en-US" altLang="ja-JP" sz="1600" dirty="0" smtClean="0"/>
+              <a:t>().</a:t>
             </a:r>
             <a:r>
               <a:rPr lang="en-US" altLang="ja-JP" sz="1600" dirty="0" err="1" smtClean="0"/>
-              <a:t>img_main</a:t>
-            </a:r>
-            <a:r>
-              <a:rPr lang="en-US" altLang="ja-JP" sz="1600" dirty="0" smtClean="0"/>
-              <a:t>() { }</a:t>
-            </a:r>
-          </a:p>
-          <a:p>
-            <a:pPr>
-              <a:buNone/>
-            </a:pPr>
-            <a:endParaRPr lang="en-US" altLang="ja-JP" sz="1600" dirty="0" smtClean="0"/>
-          </a:p>
-          <a:p>
-            <a:pPr>
-              <a:buNone/>
-            </a:pPr>
-            <a:r>
-              <a:rPr lang="en-US" altLang="ja-JP" sz="1600" dirty="0" smtClean="0"/>
-              <a:t>		void initialize();</a:t>
-            </a:r>
-          </a:p>
-          <a:p>
-            <a:pPr>
-              <a:buNone/>
-            </a:pPr>
-            <a:endParaRPr lang="en-US" altLang="ja-JP" sz="1600" dirty="0" smtClean="0"/>
-          </a:p>
-          <a:p>
-            <a:pPr>
-              <a:buNone/>
-            </a:pPr>
-            <a:r>
-              <a:rPr lang="en-US" altLang="ja-JP" sz="1600" dirty="0" smtClean="0"/>
-              <a:t>		void update();</a:t>
-            </a:r>
-          </a:p>
-          <a:p>
-            <a:pPr>
-              <a:buNone/>
-            </a:pPr>
-            <a:endParaRPr lang="en-US" altLang="ja-JP" sz="1600" dirty="0" smtClean="0"/>
-          </a:p>
-          <a:p>
-            <a:pPr>
-              <a:buNone/>
-            </a:pPr>
-            <a:r>
-              <a:rPr lang="en-US" altLang="ja-JP" sz="1600" dirty="0" smtClean="0"/>
-              <a:t>		void render();</a:t>
-            </a:r>
-          </a:p>
-          <a:p>
-            <a:pPr>
-              <a:buNone/>
-            </a:pPr>
-            <a:endParaRPr lang="en-US" altLang="ja-JP" sz="1600" dirty="0" smtClean="0"/>
-          </a:p>
-          <a:p>
-            <a:pPr>
-              <a:buNone/>
-            </a:pPr>
-            <a:r>
-              <a:rPr lang="en-US" altLang="ja-JP" sz="1600" dirty="0" smtClean="0"/>
-              <a:t>		void destroy();</a:t>
-            </a:r>
-          </a:p>
-          <a:p>
-            <a:pPr>
-              <a:buNone/>
-            </a:pPr>
-            <a:r>
-              <a:rPr lang="en-US" altLang="ja-JP" sz="1600" dirty="0" smtClean="0"/>
-              <a:t>	};</a:t>
-            </a:r>
-          </a:p>
-          <a:p>
-            <a:pPr>
-              <a:buNone/>
-            </a:pPr>
-            <a:r>
-              <a:rPr lang="en-US" altLang="ja-JP" sz="1600" dirty="0" smtClean="0"/>
-              <a:t>}</a:t>
-            </a:r>
-          </a:p>
-          <a:p>
-            <a:pPr>
-              <a:buNone/>
-            </a:pPr>
-            <a:endParaRPr lang="en-US" altLang="ja-JP" sz="1600" dirty="0" smtClean="0"/>
+              <a:t>widget_director_.initialize</a:t>
+            </a:r>
+            <a:r>
+              <a:rPr lang="en-US" altLang="ja-JP" sz="1600" dirty="0" smtClean="0"/>
+              <a:t>();</a:t>
+            </a:r>
+          </a:p>
+          <a:p>
+            <a:pPr>
+              <a:buNone/>
+            </a:pPr>
+            <a:r>
+              <a:rPr lang="en-US" altLang="ja-JP" sz="1600" dirty="0" smtClean="0"/>
+              <a:t>	</a:t>
+            </a:r>
+            <a:r>
+              <a:rPr lang="en-US" altLang="ja-JP" sz="1600" dirty="0" err="1" smtClean="0"/>
+              <a:t>director.install_scene</a:t>
+            </a:r>
+            <a:r>
+              <a:rPr lang="en-US" altLang="ja-JP" sz="1600" dirty="0" smtClean="0"/>
+              <a:t>&lt;</a:t>
+            </a:r>
+            <a:r>
+              <a:rPr lang="en-US" altLang="ja-JP" sz="1600" dirty="0" err="1" smtClean="0"/>
+              <a:t>start_app</a:t>
+            </a:r>
+            <a:r>
+              <a:rPr lang="en-US" altLang="ja-JP" sz="1600" dirty="0" smtClean="0"/>
+              <a:t>&gt;();</a:t>
+            </a:r>
           </a:p>
           <a:p>
             <a:pPr>
@@ -13690,19 +12796,15 @@
         <p:spPr>
           <a:xfrm>
             <a:off x="457200" y="274638"/>
-            <a:ext cx="8229600" cy="778098"/>
+            <a:ext cx="8229600" cy="274042"/>
           </a:xfrm>
         </p:spPr>
         <p:txBody>
           <a:bodyPr>
-            <a:normAutofit/>
+            <a:normAutofit fontScale="90000"/>
           </a:bodyPr>
           <a:lstStyle/>
           <a:p>
-            <a:r>
-              <a:rPr lang="ja-JP" altLang="en-US" dirty="0" smtClean="0"/>
-              <a:t>アプリケーション初期化</a:t>
-            </a:r>
             <a:endParaRPr kumimoji="1" lang="ja-JP" altLang="en-US" dirty="0"/>
           </a:p>
         </p:txBody>
@@ -13720,12 +12822,12 @@
         <p:spPr>
           <a:xfrm>
             <a:off x="457200" y="1052736"/>
-            <a:ext cx="8229600" cy="5544616"/>
+            <a:ext cx="8229600" cy="5073427"/>
           </a:xfrm>
         </p:spPr>
         <p:txBody>
           <a:bodyPr>
-            <a:noAutofit/>
+            <a:normAutofit fontScale="47500" lnSpcReduction="20000"/>
           </a:bodyPr>
           <a:lstStyle/>
           <a:p>
@@ -13733,516 +12835,297 @@
               <a:buNone/>
             </a:pPr>
             <a:r>
-              <a:rPr lang="en-US" altLang="ja-JP" sz="1600" dirty="0" smtClean="0"/>
-              <a:t>	void </a:t>
-            </a:r>
-            <a:r>
-              <a:rPr lang="en-US" altLang="ja-JP" sz="1600" dirty="0" err="1" smtClean="0"/>
-              <a:t>img_main</a:t>
-            </a:r>
-            <a:r>
-              <a:rPr lang="en-US" altLang="ja-JP" sz="1600" dirty="0" smtClean="0"/>
-              <a:t>::initialize()</a:t>
-            </a:r>
-          </a:p>
-          <a:p>
-            <a:pPr>
-              <a:buNone/>
-            </a:pPr>
-            <a:r>
-              <a:rPr lang="en-US" altLang="ja-JP" sz="1600" dirty="0" smtClean="0"/>
-              <a:t>	{</a:t>
-            </a:r>
-          </a:p>
-          <a:p>
-            <a:pPr>
-              <a:buNone/>
-            </a:pPr>
-            <a:r>
-              <a:rPr lang="en-US" altLang="ja-JP" sz="1600" dirty="0" smtClean="0"/>
-              <a:t>		using namespace </a:t>
-            </a:r>
-            <a:r>
-              <a:rPr lang="en-US" altLang="ja-JP" sz="1600" dirty="0" err="1" smtClean="0"/>
-              <a:t>gui</a:t>
-            </a:r>
-            <a:r>
-              <a:rPr lang="en-US" altLang="ja-JP" sz="1600" dirty="0" smtClean="0"/>
-              <a:t>;</a:t>
-            </a:r>
-          </a:p>
-          <a:p>
-            <a:pPr>
-              <a:buNone/>
-            </a:pPr>
-            <a:r>
-              <a:rPr lang="en-US" altLang="ja-JP" sz="1600" dirty="0" smtClean="0"/>
+              <a:rPr lang="en-US" altLang="ja-JP" sz="3400" dirty="0" smtClean="0"/>
+              <a:t>	while(!</a:t>
+            </a:r>
+            <a:r>
+              <a:rPr lang="en-US" altLang="ja-JP" sz="3400" dirty="0" err="1" smtClean="0"/>
+              <a:t>igl</a:t>
+            </a:r>
+            <a:r>
+              <a:rPr lang="en-US" altLang="ja-JP" sz="3400" dirty="0" smtClean="0"/>
+              <a:t>-&gt;</a:t>
+            </a:r>
+            <a:r>
+              <a:rPr lang="en-US" altLang="ja-JP" sz="3400" dirty="0" err="1" smtClean="0"/>
+              <a:t>get_exit_signal</a:t>
+            </a:r>
+            <a:r>
+              <a:rPr lang="en-US" altLang="ja-JP" sz="3400" dirty="0" smtClean="0"/>
+              <a:t>()) {</a:t>
+            </a:r>
+          </a:p>
+          <a:p>
+            <a:pPr>
+              <a:buNone/>
+            </a:pPr>
+            <a:r>
+              <a:rPr lang="en-US" altLang="ja-JP" sz="3400" dirty="0" smtClean="0"/>
               <a:t>		</a:t>
             </a:r>
             <a:r>
-              <a:rPr lang="en-US" altLang="ja-JP" sz="1600" dirty="0" err="1" smtClean="0"/>
-              <a:t>widget_director</a:t>
-            </a:r>
-            <a:r>
-              <a:rPr lang="en-US" altLang="ja-JP" sz="1600" dirty="0" smtClean="0"/>
-              <a:t>&amp; wd = </a:t>
-            </a:r>
-            <a:r>
-              <a:rPr lang="en-US" altLang="ja-JP" sz="1600" dirty="0" err="1" smtClean="0"/>
-              <a:t>director_.at</a:t>
-            </a:r>
-            <a:r>
-              <a:rPr lang="en-US" altLang="ja-JP" sz="1600" dirty="0" smtClean="0"/>
+              <a:rPr lang="en-US" altLang="ja-JP" sz="3400" dirty="0" err="1" smtClean="0"/>
+              <a:t>igl</a:t>
+            </a:r>
+            <a:r>
+              <a:rPr lang="en-US" altLang="ja-JP" sz="3400" dirty="0" smtClean="0"/>
+              <a:t>-&gt;service();</a:t>
+            </a:r>
+          </a:p>
+          <a:p>
+            <a:pPr>
+              <a:buNone/>
+            </a:pPr>
+            <a:endParaRPr lang="en-US" altLang="ja-JP" sz="3400" dirty="0" smtClean="0"/>
+          </a:p>
+          <a:p>
+            <a:pPr>
+              <a:buNone/>
+            </a:pPr>
+            <a:r>
+              <a:rPr lang="en-US" altLang="ja-JP" sz="3400" dirty="0" smtClean="0"/>
+              <a:t>		</a:t>
+            </a:r>
+            <a:r>
+              <a:rPr lang="en-US" altLang="ja-JP" sz="3400" dirty="0" err="1" smtClean="0"/>
+              <a:t>glClear</a:t>
+            </a:r>
+            <a:r>
+              <a:rPr lang="en-US" altLang="ja-JP" sz="3400" dirty="0" smtClean="0"/>
+              <a:t>( GL_COLOR_BUFFER_BIT | GL_DEPTH_BUFFER_BIT );</a:t>
+            </a:r>
+          </a:p>
+          <a:p>
+            <a:pPr>
+              <a:buNone/>
+            </a:pPr>
+            <a:r>
+              <a:rPr lang="en-US" altLang="ja-JP" sz="3400" dirty="0" smtClean="0"/>
+              <a:t>		</a:t>
+            </a:r>
+            <a:r>
+              <a:rPr lang="en-US" altLang="ja-JP" sz="3400" dirty="0" err="1" smtClean="0"/>
+              <a:t>gl</a:t>
+            </a:r>
+            <a:r>
+              <a:rPr lang="en-US" altLang="ja-JP" sz="3400" dirty="0" smtClean="0"/>
+              <a:t>::</a:t>
+            </a:r>
+            <a:r>
+              <a:rPr lang="en-US" altLang="ja-JP" sz="3400" dirty="0" err="1" smtClean="0"/>
+              <a:t>glColor</a:t>
+            </a:r>
+            <a:r>
+              <a:rPr lang="en-US" altLang="ja-JP" sz="3400" dirty="0" smtClean="0"/>
+              <a:t>(</a:t>
+            </a:r>
+            <a:r>
+              <a:rPr lang="en-US" altLang="ja-JP" sz="3400" dirty="0" err="1" smtClean="0"/>
+              <a:t>img</a:t>
+            </a:r>
+            <a:r>
+              <a:rPr lang="en-US" altLang="ja-JP" sz="3400" dirty="0" smtClean="0"/>
+              <a:t>::</a:t>
+            </a:r>
+            <a:r>
+              <a:rPr lang="en-US" altLang="ja-JP" sz="3400" dirty="0" err="1" smtClean="0"/>
+              <a:t>rgbaf</a:t>
+            </a:r>
+            <a:r>
+              <a:rPr lang="en-US" altLang="ja-JP" sz="3400" dirty="0" smtClean="0"/>
+              <a:t>(1.0f));</a:t>
+            </a:r>
+          </a:p>
+          <a:p>
+            <a:pPr>
+              <a:buNone/>
+            </a:pPr>
+            <a:endParaRPr lang="en-US" altLang="ja-JP" sz="3400" dirty="0" smtClean="0"/>
+          </a:p>
+          <a:p>
+            <a:pPr>
+              <a:buNone/>
+            </a:pPr>
+            <a:r>
+              <a:rPr lang="en-US" altLang="ja-JP" sz="3400" dirty="0" smtClean="0"/>
+              <a:t>		</a:t>
+            </a:r>
+            <a:r>
+              <a:rPr lang="en-US" altLang="ja-JP" sz="3400" dirty="0" err="1" smtClean="0"/>
+              <a:t>glTexEnvi</a:t>
+            </a:r>
+            <a:r>
+              <a:rPr lang="en-US" altLang="ja-JP" sz="3400" dirty="0" smtClean="0"/>
+              <a:t>(GL_TEXTURE_ENV, GL_TEXTURE_ENV_MODE, GL_MODULATE);</a:t>
+            </a:r>
+          </a:p>
+          <a:p>
+            <a:pPr>
+              <a:buNone/>
+            </a:pPr>
+            <a:r>
+              <a:rPr lang="en-US" altLang="ja-JP" sz="3400" dirty="0" smtClean="0"/>
+              <a:t>		</a:t>
+            </a:r>
+            <a:r>
+              <a:rPr lang="en-US" altLang="ja-JP" sz="3400" dirty="0" err="1" smtClean="0"/>
+              <a:t>glEnable</a:t>
+            </a:r>
+            <a:r>
+              <a:rPr lang="en-US" altLang="ja-JP" sz="3400" dirty="0" smtClean="0"/>
+              <a:t>(GL_TEXTURE_2D);</a:t>
+            </a:r>
+          </a:p>
+          <a:p>
+            <a:pPr>
+              <a:buNone/>
+            </a:pPr>
+            <a:r>
+              <a:rPr lang="en-US" altLang="ja-JP" sz="3400" dirty="0" smtClean="0"/>
+              <a:t>		</a:t>
+            </a:r>
+            <a:r>
+              <a:rPr lang="en-US" altLang="ja-JP" sz="3400" dirty="0" err="1" smtClean="0"/>
+              <a:t>glEnable</a:t>
+            </a:r>
+            <a:r>
+              <a:rPr lang="en-US" altLang="ja-JP" sz="3400" dirty="0" smtClean="0"/>
+              <a:t>(GL_BLEND);</a:t>
+            </a:r>
+          </a:p>
+          <a:p>
+            <a:pPr>
+              <a:buNone/>
+            </a:pPr>
+            <a:r>
+              <a:rPr lang="en-US" altLang="ja-JP" sz="3400" dirty="0" smtClean="0"/>
+              <a:t>		</a:t>
+            </a:r>
+            <a:r>
+              <a:rPr lang="en-US" altLang="ja-JP" sz="3400" dirty="0" err="1" smtClean="0"/>
+              <a:t>glDisable</a:t>
+            </a:r>
+            <a:r>
+              <a:rPr lang="en-US" altLang="ja-JP" sz="3400" dirty="0" smtClean="0"/>
+              <a:t>(GL_DEPTH_TEST);</a:t>
+            </a:r>
+          </a:p>
+          <a:p>
+            <a:pPr>
+              <a:buNone/>
+            </a:pPr>
+            <a:r>
+              <a:rPr lang="en-US" altLang="ja-JP" sz="3400" dirty="0" smtClean="0"/>
+              <a:t>		</a:t>
+            </a:r>
+            <a:r>
+              <a:rPr lang="en-US" altLang="ja-JP" sz="3400" dirty="0" err="1" smtClean="0"/>
+              <a:t>glBlendFunc</a:t>
+            </a:r>
+            <a:r>
+              <a:rPr lang="en-US" altLang="ja-JP" sz="3400" dirty="0" smtClean="0"/>
+              <a:t>(GL_SRC_ALPHA, GL_ONE_MINUS_SRC_ALPHA);</a:t>
+            </a:r>
+          </a:p>
+          <a:p>
+            <a:pPr>
+              <a:buNone/>
+            </a:pPr>
+            <a:endParaRPr lang="en-US" altLang="ja-JP" sz="3400" dirty="0" smtClean="0"/>
+          </a:p>
+          <a:p>
+            <a:pPr>
+              <a:buNone/>
+            </a:pPr>
+            <a:r>
+              <a:rPr lang="en-US" altLang="ja-JP" sz="3400" dirty="0" smtClean="0"/>
+              <a:t>		</a:t>
+            </a:r>
+            <a:r>
+              <a:rPr lang="en-US" altLang="ja-JP" sz="3400" dirty="0" err="1" smtClean="0"/>
+              <a:t>director.render</a:t>
+            </a:r>
+            <a:r>
+              <a:rPr lang="en-US" altLang="ja-JP" sz="3400" dirty="0" smtClean="0"/>
+              <a:t>();</a:t>
+            </a:r>
+          </a:p>
+          <a:p>
+            <a:pPr>
+              <a:buNone/>
+            </a:pPr>
+            <a:endParaRPr lang="en-US" altLang="ja-JP" sz="3400" dirty="0" smtClean="0"/>
+          </a:p>
+          <a:p>
+            <a:pPr>
+              <a:buNone/>
+            </a:pPr>
+            <a:r>
+              <a:rPr lang="en-US" altLang="ja-JP" sz="3400" dirty="0" smtClean="0"/>
+              <a:t>		</a:t>
+            </a:r>
+            <a:r>
+              <a:rPr lang="en-US" altLang="ja-JP" sz="3400" dirty="0" err="1" smtClean="0"/>
+              <a:t>igl</a:t>
+            </a:r>
+            <a:r>
+              <a:rPr lang="en-US" altLang="ja-JP" sz="3400" dirty="0" smtClean="0"/>
+              <a:t>-&gt;</a:t>
+            </a:r>
+            <a:r>
+              <a:rPr lang="en-US" altLang="ja-JP" sz="3400" dirty="0" err="1" smtClean="0"/>
+              <a:t>flip_frame</a:t>
+            </a:r>
+            <a:r>
+              <a:rPr lang="en-US" altLang="ja-JP" sz="3400" dirty="0" smtClean="0"/>
+              <a:t>();</a:t>
+            </a:r>
+          </a:p>
+          <a:p>
+            <a:pPr>
+              <a:buNone/>
+            </a:pPr>
+            <a:endParaRPr lang="en-US" altLang="ja-JP" sz="3400" dirty="0" smtClean="0"/>
+          </a:p>
+          <a:p>
+            <a:pPr>
+              <a:buNone/>
+            </a:pPr>
+            <a:r>
+              <a:rPr lang="en-US" altLang="ja-JP" sz="3400" dirty="0" smtClean="0"/>
+              <a:t>		</a:t>
+            </a:r>
+            <a:r>
+              <a:rPr lang="en-US" altLang="ja-JP" sz="3400" dirty="0" err="1" smtClean="0"/>
+              <a:t>director.at</a:t>
+            </a:r>
+            <a:r>
+              <a:rPr lang="en-US" altLang="ja-JP" sz="3400" dirty="0" smtClean="0"/>
               <a:t>().</a:t>
             </a:r>
             <a:r>
-              <a:rPr lang="en-US" altLang="ja-JP" sz="1600" dirty="0" err="1" smtClean="0"/>
-              <a:t>widget_director</a:t>
-            </a:r>
-            <a:r>
-              <a:rPr lang="en-US" altLang="ja-JP" sz="1600" dirty="0" smtClean="0"/>
-              <a:t>_;</a:t>
-            </a:r>
-          </a:p>
-          <a:p>
-            <a:pPr>
-              <a:buNone/>
-            </a:pPr>
-            <a:endParaRPr lang="en-US" altLang="ja-JP" sz="1600" dirty="0" smtClean="0"/>
-          </a:p>
-          <a:p>
-            <a:pPr>
-              <a:buNone/>
-            </a:pPr>
-            <a:r>
-              <a:rPr lang="en-US" altLang="ja-JP" sz="1600" dirty="0" smtClean="0"/>
-              <a:t>		{ // </a:t>
-            </a:r>
-            <a:r>
-              <a:rPr lang="ja-JP" altLang="en-US" sz="1600" dirty="0" smtClean="0"/>
-              <a:t>画像ファイル表示用フレーム</a:t>
-            </a:r>
-          </a:p>
-          <a:p>
-            <a:pPr>
-              <a:buNone/>
-            </a:pPr>
-            <a:r>
-              <a:rPr lang="en-US" altLang="ja-JP" sz="1600" dirty="0" smtClean="0"/>
-              <a:t>		        </a:t>
-            </a:r>
-            <a:r>
-              <a:rPr lang="en-US" altLang="ja-JP" sz="1600" dirty="0" smtClean="0"/>
-              <a:t>widget</a:t>
-            </a:r>
-            <a:r>
-              <a:rPr lang="en-US" altLang="ja-JP" sz="1600" dirty="0" smtClean="0"/>
-              <a:t>::</a:t>
-            </a:r>
-            <a:r>
-              <a:rPr lang="en-US" altLang="ja-JP" sz="1600" dirty="0" err="1" smtClean="0"/>
-              <a:t>param</a:t>
-            </a:r>
-            <a:r>
-              <a:rPr lang="en-US" altLang="ja-JP" sz="1600" dirty="0" smtClean="0"/>
-              <a:t> </a:t>
-            </a:r>
-            <a:r>
-              <a:rPr lang="en-US" altLang="ja-JP" sz="1600" dirty="0" err="1" smtClean="0"/>
-              <a:t>wp</a:t>
-            </a:r>
-            <a:r>
-              <a:rPr lang="en-US" altLang="ja-JP" sz="1600" dirty="0" smtClean="0"/>
-              <a:t>(</a:t>
-            </a:r>
-            <a:r>
-              <a:rPr lang="en-US" altLang="ja-JP" sz="1600" dirty="0" err="1" smtClean="0"/>
-              <a:t>vtx</a:t>
-            </a:r>
-            <a:r>
-              <a:rPr lang="en-US" altLang="ja-JP" sz="1600" dirty="0" smtClean="0"/>
-              <a:t>::</a:t>
-            </a:r>
-            <a:r>
-              <a:rPr lang="en-US" altLang="ja-JP" sz="1600" dirty="0" err="1" smtClean="0"/>
-              <a:t>srect</a:t>
-            </a:r>
-            <a:r>
-              <a:rPr lang="en-US" altLang="ja-JP" sz="1600" dirty="0" smtClean="0"/>
-              <a:t>(30, 30, 256, 256));</a:t>
-            </a:r>
-          </a:p>
-          <a:p>
-            <a:pPr>
-              <a:buNone/>
-            </a:pPr>
-            <a:r>
-              <a:rPr lang="en-US" altLang="ja-JP" sz="1600" dirty="0" smtClean="0"/>
-              <a:t>		</a:t>
-            </a:r>
-            <a:r>
-              <a:rPr lang="en-US" altLang="ja-JP" sz="1600" dirty="0" smtClean="0"/>
-              <a:t>        </a:t>
-            </a:r>
-            <a:r>
-              <a:rPr lang="en-US" altLang="ja-JP" sz="1600" dirty="0" err="1" smtClean="0"/>
-              <a:t>widget_frame</a:t>
-            </a:r>
-            <a:r>
-              <a:rPr lang="en-US" altLang="ja-JP" sz="1600" dirty="0" smtClean="0"/>
-              <a:t>::</a:t>
-            </a:r>
-            <a:r>
-              <a:rPr lang="en-US" altLang="ja-JP" sz="1600" dirty="0" err="1" smtClean="0"/>
-              <a:t>param</a:t>
-            </a:r>
-            <a:r>
-              <a:rPr lang="en-US" altLang="ja-JP" sz="1600" dirty="0" smtClean="0"/>
-              <a:t> </a:t>
-            </a:r>
-            <a:r>
-              <a:rPr lang="en-US" altLang="ja-JP" sz="1600" dirty="0" err="1" smtClean="0"/>
-              <a:t>wp</a:t>
-            </a:r>
-            <a:r>
-              <a:rPr lang="en-US" altLang="ja-JP" sz="1600" dirty="0" smtClean="0"/>
-              <a:t>_;</a:t>
-            </a:r>
-          </a:p>
-          <a:p>
-            <a:pPr>
-              <a:buNone/>
-            </a:pPr>
-            <a:r>
-              <a:rPr lang="en-US" altLang="ja-JP" sz="1600" dirty="0" smtClean="0"/>
-              <a:t>		</a:t>
-            </a:r>
-            <a:r>
-              <a:rPr lang="en-US" altLang="ja-JP" sz="1600" dirty="0" smtClean="0"/>
-              <a:t>        </a:t>
-            </a:r>
-            <a:r>
-              <a:rPr lang="en-US" altLang="ja-JP" sz="1600" dirty="0" err="1" smtClean="0"/>
-              <a:t>wp</a:t>
-            </a:r>
-            <a:r>
-              <a:rPr lang="en-US" altLang="ja-JP" sz="1600" dirty="0" err="1" smtClean="0"/>
-              <a:t>_.plate_param_.set_caption</a:t>
-            </a:r>
-            <a:r>
-              <a:rPr lang="en-US" altLang="ja-JP" sz="1600" dirty="0" smtClean="0"/>
-              <a:t>(24);</a:t>
-            </a:r>
-          </a:p>
-          <a:p>
-            <a:pPr>
-              <a:buNone/>
-            </a:pPr>
-            <a:r>
-              <a:rPr lang="en-US" altLang="ja-JP" sz="1600" dirty="0" smtClean="0"/>
-              <a:t>		</a:t>
-            </a:r>
-            <a:r>
-              <a:rPr lang="en-US" altLang="ja-JP" sz="1600" dirty="0" smtClean="0"/>
-              <a:t>        frame</a:t>
-            </a:r>
-            <a:r>
-              <a:rPr lang="en-US" altLang="ja-JP" sz="1600" dirty="0" smtClean="0"/>
-              <a:t>_ = </a:t>
-            </a:r>
-            <a:r>
-              <a:rPr lang="en-US" altLang="ja-JP" sz="1600" dirty="0" err="1" smtClean="0"/>
-              <a:t>wd.add_widget</a:t>
-            </a:r>
-            <a:r>
-              <a:rPr lang="en-US" altLang="ja-JP" sz="1600" dirty="0" smtClean="0"/>
-              <a:t>&lt;</a:t>
-            </a:r>
-            <a:r>
-              <a:rPr lang="en-US" altLang="ja-JP" sz="1600" dirty="0" err="1" smtClean="0"/>
-              <a:t>widget_frame</a:t>
-            </a:r>
-            <a:r>
-              <a:rPr lang="en-US" altLang="ja-JP" sz="1600" dirty="0" smtClean="0"/>
-              <a:t>&gt;(</a:t>
-            </a:r>
-            <a:r>
-              <a:rPr lang="en-US" altLang="ja-JP" sz="1600" dirty="0" err="1" smtClean="0"/>
-              <a:t>wp</a:t>
-            </a:r>
-            <a:r>
-              <a:rPr lang="en-US" altLang="ja-JP" sz="1600" dirty="0" smtClean="0"/>
-              <a:t>, </a:t>
-            </a:r>
-            <a:r>
-              <a:rPr lang="en-US" altLang="ja-JP" sz="1600" dirty="0" err="1" smtClean="0"/>
-              <a:t>wp</a:t>
-            </a:r>
-            <a:r>
-              <a:rPr lang="en-US" altLang="ja-JP" sz="1600" dirty="0" smtClean="0"/>
-              <a:t>_);</a:t>
-            </a:r>
-          </a:p>
-          <a:p>
-            <a:pPr>
-              <a:buNone/>
-            </a:pPr>
-            <a:r>
-              <a:rPr lang="en-US" altLang="ja-JP" sz="1600" dirty="0" smtClean="0"/>
-              <a:t>		}</a:t>
-            </a:r>
-          </a:p>
-          <a:p>
-            <a:pPr>
-              <a:buNone/>
-            </a:pPr>
-            <a:r>
-              <a:rPr lang="ja-JP" altLang="en-US" sz="1600" dirty="0" smtClean="0"/>
-              <a:t>		</a:t>
-            </a:r>
-            <a:r>
-              <a:rPr lang="en-US" altLang="ja-JP" sz="1600" dirty="0" smtClean="0"/>
-              <a:t>{ // </a:t>
-            </a:r>
-            <a:r>
-              <a:rPr lang="ja-JP" altLang="en-US" sz="1600" dirty="0" smtClean="0"/>
-              <a:t>画像ファイル表示イメージ</a:t>
-            </a:r>
-          </a:p>
-          <a:p>
-            <a:pPr>
-              <a:buNone/>
-            </a:pPr>
-            <a:r>
-              <a:rPr lang="ja-JP" altLang="en-US" sz="1600" dirty="0" smtClean="0"/>
-              <a:t>		</a:t>
-            </a:r>
-            <a:r>
-              <a:rPr lang="ja-JP" altLang="en-US" sz="1600" dirty="0" smtClean="0"/>
-              <a:t>        </a:t>
-            </a:r>
-            <a:r>
-              <a:rPr lang="en-US" altLang="ja-JP" sz="1600" dirty="0" smtClean="0"/>
-              <a:t>widget</a:t>
-            </a:r>
-            <a:r>
-              <a:rPr lang="en-US" altLang="ja-JP" sz="1600" dirty="0" smtClean="0"/>
-              <a:t>::</a:t>
-            </a:r>
-            <a:r>
-              <a:rPr lang="en-US" altLang="ja-JP" sz="1600" dirty="0" err="1" smtClean="0"/>
-              <a:t>param</a:t>
-            </a:r>
-            <a:r>
-              <a:rPr lang="en-US" altLang="ja-JP" sz="1600" dirty="0" smtClean="0"/>
-              <a:t> </a:t>
-            </a:r>
-            <a:r>
-              <a:rPr lang="en-US" altLang="ja-JP" sz="1600" dirty="0" err="1" smtClean="0"/>
-              <a:t>wp</a:t>
-            </a:r>
-            <a:r>
-              <a:rPr lang="en-US" altLang="ja-JP" sz="1600" dirty="0" smtClean="0"/>
-              <a:t>(</a:t>
-            </a:r>
-            <a:r>
-              <a:rPr lang="en-US" altLang="ja-JP" sz="1600" dirty="0" err="1" smtClean="0"/>
-              <a:t>vtx</a:t>
-            </a:r>
-            <a:r>
-              <a:rPr lang="en-US" altLang="ja-JP" sz="1600" dirty="0" smtClean="0"/>
-              <a:t>::</a:t>
-            </a:r>
-            <a:r>
-              <a:rPr lang="en-US" altLang="ja-JP" sz="1600" dirty="0" err="1" smtClean="0"/>
-              <a:t>srect</a:t>
-            </a:r>
-            <a:r>
-              <a:rPr lang="en-US" altLang="ja-JP" sz="1600" dirty="0" smtClean="0"/>
-              <a:t>(0, 0, 256, 256), frame_);</a:t>
-            </a:r>
-          </a:p>
-          <a:p>
-            <a:pPr>
-              <a:buNone/>
-            </a:pPr>
-            <a:r>
-              <a:rPr lang="en-US" altLang="ja-JP" sz="1600" dirty="0" smtClean="0"/>
-              <a:t>		</a:t>
-            </a:r>
-            <a:r>
-              <a:rPr lang="en-US" altLang="ja-JP" sz="1600" dirty="0" smtClean="0"/>
-              <a:t>        </a:t>
-            </a:r>
-            <a:r>
-              <a:rPr lang="en-US" altLang="ja-JP" sz="1600" dirty="0" err="1" smtClean="0"/>
-              <a:t>widget_image</a:t>
-            </a:r>
-            <a:r>
-              <a:rPr lang="en-US" altLang="ja-JP" sz="1600" dirty="0" smtClean="0"/>
-              <a:t>::</a:t>
-            </a:r>
-            <a:r>
-              <a:rPr lang="en-US" altLang="ja-JP" sz="1600" dirty="0" err="1" smtClean="0"/>
-              <a:t>param</a:t>
-            </a:r>
-            <a:r>
-              <a:rPr lang="en-US" altLang="ja-JP" sz="1600" dirty="0" smtClean="0"/>
-              <a:t> </a:t>
-            </a:r>
-            <a:r>
-              <a:rPr lang="en-US" altLang="ja-JP" sz="1600" dirty="0" err="1" smtClean="0"/>
-              <a:t>wp</a:t>
-            </a:r>
-            <a:r>
-              <a:rPr lang="en-US" altLang="ja-JP" sz="1600" dirty="0" smtClean="0"/>
-              <a:t>_;</a:t>
-            </a:r>
-          </a:p>
-          <a:p>
-            <a:pPr>
-              <a:buNone/>
-            </a:pPr>
-            <a:r>
-              <a:rPr lang="en-US" altLang="ja-JP" sz="1600" dirty="0" smtClean="0"/>
-              <a:t>		</a:t>
-            </a:r>
-            <a:r>
-              <a:rPr lang="en-US" altLang="ja-JP" sz="1600" dirty="0" smtClean="0"/>
-              <a:t>        image</a:t>
-            </a:r>
-            <a:r>
-              <a:rPr lang="en-US" altLang="ja-JP" sz="1600" dirty="0" smtClean="0"/>
-              <a:t>_ = </a:t>
-            </a:r>
-            <a:r>
-              <a:rPr lang="en-US" altLang="ja-JP" sz="1600" dirty="0" err="1" smtClean="0"/>
-              <a:t>wd.add_widget</a:t>
-            </a:r>
-            <a:r>
-              <a:rPr lang="en-US" altLang="ja-JP" sz="1600" dirty="0" smtClean="0"/>
-              <a:t>&lt;</a:t>
-            </a:r>
-            <a:r>
-              <a:rPr lang="en-US" altLang="ja-JP" sz="1600" dirty="0" err="1" smtClean="0"/>
-              <a:t>widget_image</a:t>
-            </a:r>
-            <a:r>
-              <a:rPr lang="en-US" altLang="ja-JP" sz="1600" dirty="0" smtClean="0"/>
-              <a:t>&gt;(</a:t>
-            </a:r>
-            <a:r>
-              <a:rPr lang="en-US" altLang="ja-JP" sz="1600" dirty="0" err="1" smtClean="0"/>
-              <a:t>wp</a:t>
-            </a:r>
-            <a:r>
-              <a:rPr lang="en-US" altLang="ja-JP" sz="1600" dirty="0" smtClean="0"/>
-              <a:t>, </a:t>
-            </a:r>
-            <a:r>
-              <a:rPr lang="en-US" altLang="ja-JP" sz="1600" dirty="0" err="1" smtClean="0"/>
-              <a:t>wp</a:t>
-            </a:r>
-            <a:r>
-              <a:rPr lang="en-US" altLang="ja-JP" sz="1600" dirty="0" smtClean="0"/>
-              <a:t>_);</a:t>
-            </a:r>
-          </a:p>
-          <a:p>
-            <a:pPr>
-              <a:buNone/>
-            </a:pPr>
-            <a:r>
-              <a:rPr lang="en-US" altLang="ja-JP" sz="1600" dirty="0" smtClean="0"/>
-              <a:t>		</a:t>
-            </a:r>
-            <a:r>
-              <a:rPr lang="en-US" altLang="ja-JP" sz="1600" dirty="0" smtClean="0"/>
-              <a:t>        image</a:t>
-            </a:r>
-            <a:r>
-              <a:rPr lang="en-US" altLang="ja-JP" sz="1600" dirty="0" smtClean="0"/>
-              <a:t>_-&gt;</a:t>
-            </a:r>
-            <a:r>
-              <a:rPr lang="en-US" altLang="ja-JP" sz="1600" dirty="0" err="1" smtClean="0"/>
-              <a:t>set_state</a:t>
-            </a:r>
-            <a:r>
-              <a:rPr lang="en-US" altLang="ja-JP" sz="1600" dirty="0" smtClean="0"/>
-              <a:t>(widget::state::CLIP_PARENTS);</a:t>
-            </a:r>
-          </a:p>
-          <a:p>
-            <a:pPr>
-              <a:buNone/>
-            </a:pPr>
-            <a:r>
-              <a:rPr lang="en-US" altLang="ja-JP" sz="1600" dirty="0" smtClean="0"/>
-              <a:t>		</a:t>
-            </a:r>
-            <a:r>
-              <a:rPr lang="en-US" altLang="ja-JP" sz="1600" dirty="0" smtClean="0"/>
-              <a:t>        image</a:t>
-            </a:r>
-            <a:r>
-              <a:rPr lang="en-US" altLang="ja-JP" sz="1600" dirty="0" smtClean="0"/>
-              <a:t>_-&gt;</a:t>
-            </a:r>
-            <a:r>
-              <a:rPr lang="en-US" altLang="ja-JP" sz="1600" dirty="0" err="1" smtClean="0"/>
-              <a:t>set_state</a:t>
-            </a:r>
-            <a:r>
-              <a:rPr lang="en-US" altLang="ja-JP" sz="1600" dirty="0" smtClean="0"/>
-              <a:t>(widget::state::RESIZE_ROOT);</a:t>
-            </a:r>
-          </a:p>
-          <a:p>
-            <a:pPr>
-              <a:buNone/>
-            </a:pPr>
-            <a:r>
-              <a:rPr lang="en-US" altLang="ja-JP" sz="1600" dirty="0" smtClean="0"/>
-              <a:t>		</a:t>
-            </a:r>
-            <a:r>
-              <a:rPr lang="en-US" altLang="ja-JP" sz="1600" dirty="0" smtClean="0"/>
-              <a:t>        image</a:t>
-            </a:r>
-            <a:r>
-              <a:rPr lang="en-US" altLang="ja-JP" sz="1600" dirty="0" smtClean="0"/>
-              <a:t>_-&gt;</a:t>
-            </a:r>
-            <a:r>
-              <a:rPr lang="en-US" altLang="ja-JP" sz="1600" dirty="0" err="1" smtClean="0"/>
-              <a:t>set_state</a:t>
-            </a:r>
-            <a:r>
-              <a:rPr lang="en-US" altLang="ja-JP" sz="1600" dirty="0" smtClean="0"/>
-              <a:t>(widget::state::MOVE_ROOT, false);</a:t>
-            </a:r>
-          </a:p>
-          <a:p>
-            <a:pPr>
-              <a:buNone/>
-            </a:pPr>
-            <a:r>
-              <a:rPr lang="en-US" altLang="ja-JP" sz="1600" dirty="0" smtClean="0"/>
-              <a:t>		}</a:t>
-            </a:r>
-          </a:p>
-          <a:p>
-            <a:pPr>
-              <a:buNone/>
-            </a:pPr>
-            <a:endParaRPr lang="en-US" altLang="ja-JP" sz="1600" dirty="0" smtClean="0"/>
-          </a:p>
-          <a:p>
-            <a:pPr>
-              <a:buNone/>
-            </a:pPr>
-            <a:endParaRPr kumimoji="1" lang="ja-JP" altLang="en-US" sz="1600" dirty="0"/>
+              <a:rPr lang="en-US" altLang="ja-JP" sz="3400" dirty="0" err="1" smtClean="0"/>
+              <a:t>sound_.service</a:t>
+            </a:r>
+            <a:r>
+              <a:rPr lang="en-US" altLang="ja-JP" sz="3400" dirty="0" smtClean="0"/>
+              <a:t>();</a:t>
+            </a:r>
+          </a:p>
+          <a:p>
+            <a:pPr>
+              <a:buNone/>
+            </a:pPr>
+            <a:r>
+              <a:rPr lang="en-US" altLang="ja-JP" sz="3400" dirty="0" smtClean="0"/>
+              <a:t>	}</a:t>
+            </a:r>
+          </a:p>
+          <a:p>
+            <a:pPr>
+              <a:buNone/>
+            </a:pPr>
+            <a:endParaRPr kumimoji="1" lang="ja-JP" altLang="en-US" dirty="0"/>
           </a:p>
         </p:txBody>
       </p:sp>
@@ -14281,15 +13164,18 @@
             <p:ph type="title"/>
           </p:nvPr>
         </p:nvSpPr>
-        <p:spPr/>
+        <p:spPr>
+          <a:xfrm>
+            <a:off x="457200" y="274638"/>
+            <a:ext cx="8229600" cy="274042"/>
+          </a:xfrm>
+        </p:spPr>
         <p:txBody>
-          <a:bodyPr/>
+          <a:bodyPr>
+            <a:normAutofit fontScale="90000"/>
+          </a:bodyPr>
           <a:lstStyle/>
           <a:p>
-            <a:r>
-              <a:rPr lang="ja-JP" altLang="en-US" dirty="0" smtClean="0"/>
-              <a:t>アプリケーション初期化</a:t>
-            </a:r>
             <a:endParaRPr kumimoji="1" lang="ja-JP" altLang="en-US" dirty="0"/>
           </a:p>
         </p:txBody>
@@ -14304,10 +13190,15 @@
             <p:ph idx="1"/>
           </p:nvPr>
         </p:nvSpPr>
-        <p:spPr/>
+        <p:spPr>
+          <a:xfrm>
+            <a:off x="457200" y="1052736"/>
+            <a:ext cx="8229600" cy="5073427"/>
+          </a:xfrm>
+        </p:spPr>
         <p:txBody>
           <a:bodyPr>
-            <a:normAutofit lnSpcReduction="10000"/>
+            <a:normAutofit/>
           </a:bodyPr>
           <a:lstStyle/>
           <a:p>
@@ -14315,438 +13206,278 @@
               <a:buNone/>
             </a:pPr>
             <a:r>
-              <a:rPr lang="ja-JP" altLang="en-US" sz="1400" dirty="0" smtClean="0"/>
+              <a:rPr lang="en-US" altLang="ja-JP" sz="1600" dirty="0" smtClean="0"/>
+              <a:t>	// </a:t>
+            </a:r>
+            <a:r>
+              <a:rPr lang="ja-JP" altLang="en-US" sz="1600" dirty="0" smtClean="0"/>
+              <a:t>プログラム終了の廃棄</a:t>
+            </a:r>
+          </a:p>
+          <a:p>
+            <a:pPr>
+              <a:buNone/>
+            </a:pPr>
+            <a:r>
+              <a:rPr lang="ja-JP" altLang="en-US" sz="1600" dirty="0" smtClean="0"/>
+              <a:t>	</a:t>
+            </a:r>
+            <a:r>
+              <a:rPr lang="en-US" altLang="ja-JP" sz="1600" dirty="0" err="1" smtClean="0"/>
+              <a:t>director.erase_scene</a:t>
+            </a:r>
+            <a:r>
+              <a:rPr lang="en-US" altLang="ja-JP" sz="1600" dirty="0" smtClean="0"/>
+              <a:t>();</a:t>
+            </a:r>
+          </a:p>
+          <a:p>
+            <a:pPr>
+              <a:buNone/>
+            </a:pPr>
+            <a:r>
+              <a:rPr lang="en-US" altLang="ja-JP" sz="1600" dirty="0" smtClean="0"/>
+              <a:t>	</a:t>
+            </a:r>
+            <a:r>
+              <a:rPr lang="en-US" altLang="ja-JP" sz="1600" dirty="0" err="1" smtClean="0"/>
+              <a:t>director.render</a:t>
+            </a:r>
+            <a:r>
+              <a:rPr lang="en-US" altLang="ja-JP" sz="1600" dirty="0" smtClean="0"/>
+              <a:t>();</a:t>
+            </a:r>
+          </a:p>
+          <a:p>
+            <a:pPr>
+              <a:buNone/>
+            </a:pPr>
+            <a:endParaRPr lang="en-US" altLang="ja-JP" sz="1600" dirty="0" smtClean="0"/>
+          </a:p>
+          <a:p>
+            <a:pPr>
+              <a:buNone/>
+            </a:pPr>
+            <a:r>
+              <a:rPr lang="en-US" altLang="ja-JP" sz="1600" dirty="0" smtClean="0"/>
+              <a:t>	{</a:t>
+            </a:r>
+          </a:p>
+          <a:p>
+            <a:pPr>
+              <a:buNone/>
+            </a:pPr>
+            <a:r>
+              <a:rPr lang="en-US" altLang="ja-JP" sz="1600" dirty="0" smtClean="0"/>
               <a:t>		</a:t>
             </a:r>
             <a:r>
-              <a:rPr lang="en-US" altLang="ja-JP" sz="1400" dirty="0" smtClean="0"/>
-              <a:t>{ // </a:t>
-            </a:r>
-            <a:r>
-              <a:rPr lang="ja-JP" altLang="en-US" sz="1400" dirty="0" smtClean="0"/>
-              <a:t>機能ツールパレット</a:t>
-            </a:r>
-          </a:p>
-          <a:p>
-            <a:pPr>
-              <a:buNone/>
-            </a:pPr>
-            <a:r>
-              <a:rPr lang="ja-JP" altLang="en-US" sz="1400" dirty="0" smtClean="0"/>
+              <a:rPr lang="en-US" altLang="ja-JP" sz="1600" dirty="0" err="1" smtClean="0"/>
+              <a:t>vtx</a:t>
+            </a:r>
+            <a:r>
+              <a:rPr lang="en-US" altLang="ja-JP" sz="1600" dirty="0" smtClean="0"/>
+              <a:t>::</a:t>
+            </a:r>
+            <a:r>
+              <a:rPr lang="en-US" altLang="ja-JP" sz="1600" dirty="0" err="1" smtClean="0"/>
+              <a:t>srect</a:t>
+            </a:r>
+            <a:r>
+              <a:rPr lang="en-US" altLang="ja-JP" sz="1600" dirty="0" smtClean="0"/>
+              <a:t> </a:t>
+            </a:r>
+            <a:r>
+              <a:rPr lang="en-US" altLang="ja-JP" sz="1600" dirty="0" err="1" smtClean="0"/>
+              <a:t>rect</a:t>
+            </a:r>
+            <a:r>
+              <a:rPr lang="en-US" altLang="ja-JP" sz="1600" dirty="0" smtClean="0"/>
+              <a:t>(</a:t>
+            </a:r>
+            <a:r>
+              <a:rPr lang="en-US" altLang="ja-JP" sz="1600" dirty="0" err="1" smtClean="0"/>
+              <a:t>igl</a:t>
+            </a:r>
+            <a:r>
+              <a:rPr lang="en-US" altLang="ja-JP" sz="1600" dirty="0" smtClean="0"/>
+              <a:t>-&gt;</a:t>
+            </a:r>
+            <a:r>
+              <a:rPr lang="en-US" altLang="ja-JP" sz="1600" dirty="0" err="1" smtClean="0"/>
+              <a:t>get_locate</a:t>
+            </a:r>
+            <a:r>
+              <a:rPr lang="en-US" altLang="ja-JP" sz="1600" dirty="0" smtClean="0"/>
+              <a:t>(), </a:t>
+            </a:r>
+            <a:r>
+              <a:rPr lang="en-US" altLang="ja-JP" sz="1600" dirty="0" err="1" smtClean="0"/>
+              <a:t>igl</a:t>
+            </a:r>
+            <a:r>
+              <a:rPr lang="en-US" altLang="ja-JP" sz="1600" dirty="0" smtClean="0"/>
+              <a:t>-&gt;</a:t>
+            </a:r>
+            <a:r>
+              <a:rPr lang="en-US" altLang="ja-JP" sz="1600" dirty="0" err="1" smtClean="0"/>
+              <a:t>get_size</a:t>
+            </a:r>
+            <a:r>
+              <a:rPr lang="en-US" altLang="ja-JP" sz="1600" dirty="0" smtClean="0"/>
+              <a:t>());</a:t>
+            </a:r>
+          </a:p>
+          <a:p>
+            <a:pPr>
+              <a:buNone/>
+            </a:pPr>
+            <a:r>
+              <a:rPr lang="en-US" altLang="ja-JP" sz="1600" dirty="0" smtClean="0"/>
               <a:t>		</a:t>
             </a:r>
             <a:r>
-              <a:rPr lang="ja-JP" altLang="en-US" sz="1400" dirty="0" smtClean="0"/>
-              <a:t>        </a:t>
-            </a:r>
-            <a:r>
-              <a:rPr lang="en-US" altLang="ja-JP" sz="1400" dirty="0" smtClean="0"/>
-              <a:t>widget</a:t>
-            </a:r>
-            <a:r>
-              <a:rPr lang="en-US" altLang="ja-JP" sz="1400" dirty="0" smtClean="0"/>
+              <a:rPr lang="en-US" altLang="ja-JP" sz="1600" dirty="0" err="1" smtClean="0"/>
+              <a:t>director.at</a:t>
+            </a:r>
+            <a:r>
+              <a:rPr lang="en-US" altLang="ja-JP" sz="1600" dirty="0" smtClean="0"/>
+              <a:t>().</a:t>
+            </a:r>
+            <a:r>
+              <a:rPr lang="en-US" altLang="ja-JP" sz="1600" dirty="0" err="1" smtClean="0"/>
+              <a:t>preference_.save_rect</a:t>
+            </a:r>
+            <a:r>
+              <a:rPr lang="en-US" altLang="ja-JP" sz="1600" dirty="0" smtClean="0"/>
+              <a:t>(</a:t>
+            </a:r>
+            <a:r>
+              <a:rPr lang="en-US" altLang="ja-JP" sz="1600" dirty="0" err="1" smtClean="0"/>
+              <a:t>window_key</a:t>
+            </a:r>
+            <a:r>
+              <a:rPr lang="en-US" altLang="ja-JP" sz="1600" dirty="0" smtClean="0"/>
+              <a:t>_, </a:t>
+            </a:r>
+            <a:r>
+              <a:rPr lang="en-US" altLang="ja-JP" sz="1600" dirty="0" err="1" smtClean="0"/>
+              <a:t>rect</a:t>
+            </a:r>
+            <a:r>
+              <a:rPr lang="en-US" altLang="ja-JP" sz="1600" dirty="0" smtClean="0"/>
+              <a:t>);</a:t>
+            </a:r>
+          </a:p>
+          <a:p>
+            <a:pPr>
+              <a:buNone/>
+            </a:pPr>
+            <a:r>
+              <a:rPr lang="en-US" altLang="ja-JP" sz="1600" dirty="0" smtClean="0"/>
+              <a:t>	}</a:t>
+            </a:r>
+          </a:p>
+          <a:p>
+            <a:pPr>
+              <a:buNone/>
+            </a:pPr>
+            <a:endParaRPr lang="en-US" altLang="ja-JP" sz="1600" dirty="0" smtClean="0"/>
+          </a:p>
+          <a:p>
+            <a:pPr>
+              <a:buNone/>
+            </a:pPr>
+            <a:r>
+              <a:rPr lang="en-US" altLang="ja-JP" sz="1600" dirty="0" smtClean="0"/>
+              <a:t>	</a:t>
+            </a:r>
+            <a:r>
+              <a:rPr lang="en-US" altLang="ja-JP" sz="1600" dirty="0" err="1" smtClean="0"/>
+              <a:t>director.at</a:t>
+            </a:r>
+            <a:r>
+              <a:rPr lang="en-US" altLang="ja-JP" sz="1600" dirty="0" smtClean="0"/>
+              <a:t>().</a:t>
+            </a:r>
+            <a:r>
+              <a:rPr lang="en-US" altLang="ja-JP" sz="1600" dirty="0" err="1" smtClean="0"/>
+              <a:t>preference_.save</a:t>
+            </a:r>
+            <a:r>
+              <a:rPr lang="en-US" altLang="ja-JP" sz="1600" dirty="0" smtClean="0"/>
+              <a:t>(</a:t>
+            </a:r>
+            <a:r>
+              <a:rPr lang="en-US" altLang="ja-JP" sz="1600" dirty="0" err="1" smtClean="0"/>
+              <a:t>pref</a:t>
+            </a:r>
+            <a:r>
+              <a:rPr lang="en-US" altLang="ja-JP" sz="1600" dirty="0" smtClean="0"/>
+              <a:t>);</a:t>
+            </a:r>
+          </a:p>
+          <a:p>
+            <a:pPr>
+              <a:buNone/>
+            </a:pPr>
+            <a:endParaRPr lang="en-US" altLang="ja-JP" sz="1600" dirty="0" smtClean="0"/>
+          </a:p>
+          <a:p>
+            <a:pPr>
+              <a:buNone/>
+            </a:pPr>
+            <a:r>
+              <a:rPr lang="en-US" altLang="ja-JP" sz="1600" dirty="0" smtClean="0"/>
+              <a:t>	</a:t>
+            </a:r>
+            <a:r>
+              <a:rPr lang="en-US" altLang="ja-JP" sz="1600" dirty="0" err="1" smtClean="0"/>
+              <a:t>igl</a:t>
+            </a:r>
+            <a:r>
+              <a:rPr lang="en-US" altLang="ja-JP" sz="1600" dirty="0" smtClean="0"/>
+              <a:t>-&gt;destroy();</a:t>
+            </a:r>
+          </a:p>
+          <a:p>
+            <a:pPr>
+              <a:buNone/>
+            </a:pPr>
+            <a:endParaRPr lang="en-US" altLang="ja-JP" sz="1600" dirty="0" smtClean="0"/>
+          </a:p>
+          <a:p>
+            <a:pPr>
+              <a:buNone/>
+            </a:pPr>
+            <a:r>
+              <a:rPr lang="en-US" altLang="ja-JP" sz="1600" dirty="0" smtClean="0"/>
+              <a:t>	</a:t>
+            </a:r>
+            <a:r>
+              <a:rPr lang="en-US" altLang="ja-JP" sz="1600" dirty="0" err="1" smtClean="0"/>
+              <a:t>gl</a:t>
+            </a:r>
+            <a:r>
+              <a:rPr lang="en-US" altLang="ja-JP" sz="1600" dirty="0" smtClean="0"/>
               <a:t>::</a:t>
             </a:r>
             <a:r>
-              <a:rPr lang="en-US" altLang="ja-JP" sz="1400" dirty="0" err="1" smtClean="0"/>
-              <a:t>param</a:t>
-            </a:r>
-            <a:r>
-              <a:rPr lang="en-US" altLang="ja-JP" sz="1400" dirty="0" smtClean="0"/>
-              <a:t> </a:t>
-            </a:r>
-            <a:r>
-              <a:rPr lang="en-US" altLang="ja-JP" sz="1400" dirty="0" err="1" smtClean="0"/>
-              <a:t>wp</a:t>
-            </a:r>
-            <a:r>
-              <a:rPr lang="en-US" altLang="ja-JP" sz="1400" dirty="0" smtClean="0"/>
-              <a:t>(</a:t>
-            </a:r>
-            <a:r>
-              <a:rPr lang="en-US" altLang="ja-JP" sz="1400" dirty="0" err="1" smtClean="0"/>
-              <a:t>vtx</a:t>
-            </a:r>
-            <a:r>
-              <a:rPr lang="en-US" altLang="ja-JP" sz="1400" dirty="0" smtClean="0"/>
-              <a:t>::</a:t>
-            </a:r>
-            <a:r>
-              <a:rPr lang="en-US" altLang="ja-JP" sz="1400" dirty="0" err="1" smtClean="0"/>
-              <a:t>srect</a:t>
-            </a:r>
-            <a:r>
-              <a:rPr lang="en-US" altLang="ja-JP" sz="1400" dirty="0" smtClean="0"/>
-              <a:t>(10, 10, 130, 300));</a:t>
-            </a:r>
-          </a:p>
-          <a:p>
-            <a:pPr>
-              <a:buNone/>
-            </a:pPr>
-            <a:r>
-              <a:rPr lang="en-US" altLang="ja-JP" sz="1400" dirty="0" smtClean="0"/>
-              <a:t>		</a:t>
-            </a:r>
-            <a:r>
-              <a:rPr lang="en-US" altLang="ja-JP" sz="1400" dirty="0" smtClean="0"/>
-              <a:t>        </a:t>
-            </a:r>
-            <a:r>
-              <a:rPr lang="en-US" altLang="ja-JP" sz="1400" dirty="0" err="1" smtClean="0"/>
-              <a:t>widget_frame</a:t>
-            </a:r>
-            <a:r>
-              <a:rPr lang="en-US" altLang="ja-JP" sz="1400" dirty="0" smtClean="0"/>
-              <a:t>::</a:t>
-            </a:r>
-            <a:r>
-              <a:rPr lang="en-US" altLang="ja-JP" sz="1400" dirty="0" err="1" smtClean="0"/>
-              <a:t>param</a:t>
-            </a:r>
-            <a:r>
-              <a:rPr lang="en-US" altLang="ja-JP" sz="1400" dirty="0" smtClean="0"/>
-              <a:t> </a:t>
-            </a:r>
-            <a:r>
-              <a:rPr lang="en-US" altLang="ja-JP" sz="1400" dirty="0" err="1" smtClean="0"/>
-              <a:t>wp</a:t>
-            </a:r>
-            <a:r>
-              <a:rPr lang="en-US" altLang="ja-JP" sz="1400" dirty="0" smtClean="0"/>
-              <a:t>_;</a:t>
-            </a:r>
-          </a:p>
-          <a:p>
-            <a:pPr>
-              <a:buNone/>
-            </a:pPr>
-            <a:r>
-              <a:rPr lang="en-US" altLang="ja-JP" sz="1400" dirty="0" smtClean="0"/>
-              <a:t>		</a:t>
-            </a:r>
-            <a:r>
-              <a:rPr lang="en-US" altLang="ja-JP" sz="1400" dirty="0" smtClean="0"/>
-              <a:t>        tools</a:t>
-            </a:r>
-            <a:r>
-              <a:rPr lang="en-US" altLang="ja-JP" sz="1400" dirty="0" smtClean="0"/>
-              <a:t>_ = </a:t>
-            </a:r>
-            <a:r>
-              <a:rPr lang="en-US" altLang="ja-JP" sz="1400" dirty="0" err="1" smtClean="0"/>
-              <a:t>wd.add_widget</a:t>
-            </a:r>
-            <a:r>
-              <a:rPr lang="en-US" altLang="ja-JP" sz="1400" dirty="0" smtClean="0"/>
-              <a:t>&lt;</a:t>
-            </a:r>
-            <a:r>
-              <a:rPr lang="en-US" altLang="ja-JP" sz="1400" dirty="0" err="1" smtClean="0"/>
-              <a:t>widget_frame</a:t>
-            </a:r>
-            <a:r>
-              <a:rPr lang="en-US" altLang="ja-JP" sz="1400" dirty="0" smtClean="0"/>
-              <a:t>&gt;(</a:t>
-            </a:r>
-            <a:r>
-              <a:rPr lang="en-US" altLang="ja-JP" sz="1400" dirty="0" err="1" smtClean="0"/>
-              <a:t>wp</a:t>
-            </a:r>
-            <a:r>
-              <a:rPr lang="en-US" altLang="ja-JP" sz="1400" dirty="0" smtClean="0"/>
-              <a:t>, </a:t>
-            </a:r>
-            <a:r>
-              <a:rPr lang="en-US" altLang="ja-JP" sz="1400" dirty="0" err="1" smtClean="0"/>
-              <a:t>wp</a:t>
-            </a:r>
-            <a:r>
-              <a:rPr lang="en-US" altLang="ja-JP" sz="1400" dirty="0" smtClean="0"/>
-              <a:t>_);</a:t>
-            </a:r>
-          </a:p>
-          <a:p>
-            <a:pPr>
-              <a:buNone/>
-            </a:pPr>
-            <a:r>
-              <a:rPr lang="en-US" altLang="ja-JP" sz="1400" dirty="0" smtClean="0"/>
-              <a:t>		</a:t>
-            </a:r>
-            <a:r>
-              <a:rPr lang="en-US" altLang="ja-JP" sz="1400" dirty="0" smtClean="0"/>
-              <a:t>        tools</a:t>
-            </a:r>
-            <a:r>
-              <a:rPr lang="en-US" altLang="ja-JP" sz="1400" dirty="0" smtClean="0"/>
-              <a:t>_-&gt;</a:t>
-            </a:r>
-            <a:r>
-              <a:rPr lang="en-US" altLang="ja-JP" sz="1400" dirty="0" err="1" smtClean="0"/>
-              <a:t>set_state</a:t>
-            </a:r>
-            <a:r>
-              <a:rPr lang="en-US" altLang="ja-JP" sz="1400" dirty="0" smtClean="0"/>
-              <a:t>(widget::state::SIZE_LOCK);</a:t>
-            </a:r>
-          </a:p>
-          <a:p>
-            <a:pPr>
-              <a:buNone/>
-            </a:pPr>
-            <a:r>
-              <a:rPr lang="en-US" altLang="ja-JP" sz="1400" dirty="0" smtClean="0"/>
-              <a:t>		}</a:t>
-            </a:r>
-          </a:p>
-          <a:p>
-            <a:pPr>
-              <a:buNone/>
-            </a:pPr>
-            <a:r>
-              <a:rPr lang="en-US" altLang="ja-JP" sz="1400" dirty="0" smtClean="0"/>
-              <a:t>		{ // </a:t>
-            </a:r>
-            <a:r>
-              <a:rPr lang="ja-JP" altLang="en-US" sz="1400" dirty="0" smtClean="0"/>
-              <a:t>ファイラー起動ボタン</a:t>
-            </a:r>
-          </a:p>
-          <a:p>
-            <a:pPr>
-              <a:buNone/>
-            </a:pPr>
-            <a:r>
-              <a:rPr lang="ja-JP" altLang="en-US" sz="1400" dirty="0" smtClean="0"/>
-              <a:t>		</a:t>
-            </a:r>
-            <a:r>
-              <a:rPr lang="ja-JP" altLang="en-US" sz="1400" dirty="0" smtClean="0"/>
-              <a:t>        </a:t>
-            </a:r>
-            <a:r>
-              <a:rPr lang="en-US" altLang="ja-JP" sz="1400" dirty="0" smtClean="0"/>
-              <a:t>widget</a:t>
-            </a:r>
-            <a:r>
-              <a:rPr lang="en-US" altLang="ja-JP" sz="1400" dirty="0" smtClean="0"/>
-              <a:t>::</a:t>
-            </a:r>
-            <a:r>
-              <a:rPr lang="en-US" altLang="ja-JP" sz="1400" dirty="0" err="1" smtClean="0"/>
-              <a:t>param</a:t>
-            </a:r>
-            <a:r>
-              <a:rPr lang="en-US" altLang="ja-JP" sz="1400" dirty="0" smtClean="0"/>
-              <a:t> </a:t>
-            </a:r>
-            <a:r>
-              <a:rPr lang="en-US" altLang="ja-JP" sz="1400" dirty="0" err="1" smtClean="0"/>
-              <a:t>wp</a:t>
-            </a:r>
-            <a:r>
-              <a:rPr lang="en-US" altLang="ja-JP" sz="1400" dirty="0" smtClean="0"/>
-              <a:t>(</a:t>
-            </a:r>
-            <a:r>
-              <a:rPr lang="en-US" altLang="ja-JP" sz="1400" dirty="0" err="1" smtClean="0"/>
-              <a:t>vtx</a:t>
-            </a:r>
-            <a:r>
-              <a:rPr lang="en-US" altLang="ja-JP" sz="1400" dirty="0" smtClean="0"/>
-              <a:t>::</a:t>
-            </a:r>
-            <a:r>
-              <a:rPr lang="en-US" altLang="ja-JP" sz="1400" dirty="0" err="1" smtClean="0"/>
-              <a:t>srect</a:t>
-            </a:r>
-            <a:r>
-              <a:rPr lang="en-US" altLang="ja-JP" sz="1400" dirty="0" smtClean="0"/>
-              <a:t>(10, 10, 100, 40), tools_);</a:t>
-            </a:r>
-          </a:p>
-          <a:p>
-            <a:pPr>
-              <a:buNone/>
-            </a:pPr>
-            <a:r>
-              <a:rPr lang="en-US" altLang="ja-JP" sz="1400" dirty="0" smtClean="0"/>
-              <a:t>		</a:t>
-            </a:r>
-            <a:r>
-              <a:rPr lang="en-US" altLang="ja-JP" sz="1400" dirty="0" smtClean="0"/>
-              <a:t>        </a:t>
-            </a:r>
-            <a:r>
-              <a:rPr lang="en-US" altLang="ja-JP" sz="1400" dirty="0" err="1" smtClean="0"/>
-              <a:t>widget_button</a:t>
-            </a:r>
-            <a:r>
-              <a:rPr lang="en-US" altLang="ja-JP" sz="1400" dirty="0" smtClean="0"/>
-              <a:t>::</a:t>
-            </a:r>
-            <a:r>
-              <a:rPr lang="en-US" altLang="ja-JP" sz="1400" dirty="0" err="1" smtClean="0"/>
-              <a:t>param</a:t>
-            </a:r>
-            <a:r>
-              <a:rPr lang="en-US" altLang="ja-JP" sz="1400" dirty="0" smtClean="0"/>
-              <a:t> </a:t>
-            </a:r>
-            <a:r>
-              <a:rPr lang="en-US" altLang="ja-JP" sz="1400" dirty="0" err="1" smtClean="0"/>
-              <a:t>wp</a:t>
-            </a:r>
-            <a:r>
-              <a:rPr lang="en-US" altLang="ja-JP" sz="1400" dirty="0" smtClean="0"/>
-              <a:t>_("file");</a:t>
-            </a:r>
-          </a:p>
-          <a:p>
-            <a:pPr>
-              <a:buNone/>
-            </a:pPr>
-            <a:r>
-              <a:rPr lang="en-US" altLang="ja-JP" sz="1400" dirty="0" smtClean="0"/>
-              <a:t>		</a:t>
-            </a:r>
-            <a:r>
-              <a:rPr lang="en-US" altLang="ja-JP" sz="1400" dirty="0" smtClean="0"/>
-              <a:t>        open</a:t>
-            </a:r>
-            <a:r>
-              <a:rPr lang="en-US" altLang="ja-JP" sz="1400" dirty="0" smtClean="0"/>
-              <a:t>_ = </a:t>
-            </a:r>
-            <a:r>
-              <a:rPr lang="en-US" altLang="ja-JP" sz="1400" dirty="0" err="1" smtClean="0"/>
-              <a:t>wd.add_widget</a:t>
-            </a:r>
-            <a:r>
-              <a:rPr lang="en-US" altLang="ja-JP" sz="1400" dirty="0" smtClean="0"/>
-              <a:t>&lt;</a:t>
-            </a:r>
-            <a:r>
-              <a:rPr lang="en-US" altLang="ja-JP" sz="1400" dirty="0" err="1" smtClean="0"/>
-              <a:t>widget_button</a:t>
-            </a:r>
-            <a:r>
-              <a:rPr lang="en-US" altLang="ja-JP" sz="1400" dirty="0" smtClean="0"/>
-              <a:t>&gt;(</a:t>
-            </a:r>
-            <a:r>
-              <a:rPr lang="en-US" altLang="ja-JP" sz="1400" dirty="0" err="1" smtClean="0"/>
-              <a:t>wp</a:t>
-            </a:r>
-            <a:r>
-              <a:rPr lang="en-US" altLang="ja-JP" sz="1400" dirty="0" smtClean="0"/>
-              <a:t>, </a:t>
-            </a:r>
-            <a:r>
-              <a:rPr lang="en-US" altLang="ja-JP" sz="1400" dirty="0" err="1" smtClean="0"/>
-              <a:t>wp</a:t>
-            </a:r>
-            <a:r>
-              <a:rPr lang="en-US" altLang="ja-JP" sz="1400" dirty="0" smtClean="0"/>
-              <a:t>_);</a:t>
-            </a:r>
-          </a:p>
-          <a:p>
-            <a:pPr>
-              <a:buNone/>
-            </a:pPr>
-            <a:r>
-              <a:rPr lang="en-US" altLang="ja-JP" sz="1400" dirty="0" smtClean="0"/>
-              <a:t>		}</a:t>
-            </a:r>
-          </a:p>
-          <a:p>
-            <a:pPr>
-              <a:buNone/>
-            </a:pPr>
-            <a:endParaRPr lang="en-US" altLang="ja-JP" sz="1400" dirty="0" smtClean="0"/>
-          </a:p>
-          <a:p>
-            <a:pPr>
-              <a:buNone/>
-            </a:pPr>
-            <a:r>
-              <a:rPr lang="ja-JP" altLang="en-US" sz="1400" dirty="0" smtClean="0"/>
-              <a:t>		</a:t>
-            </a:r>
-            <a:r>
-              <a:rPr lang="en-US" altLang="ja-JP" sz="1400" dirty="0" smtClean="0"/>
-              <a:t>// </a:t>
-            </a:r>
-            <a:r>
-              <a:rPr lang="ja-JP" altLang="en-US" sz="1400" dirty="0" smtClean="0"/>
-              <a:t>プリファレンスの取得</a:t>
-            </a:r>
-          </a:p>
-          <a:p>
-            <a:pPr>
-              <a:buNone/>
-            </a:pPr>
-            <a:r>
-              <a:rPr lang="ja-JP" altLang="en-US" sz="1400" dirty="0" smtClean="0"/>
-              <a:t>		</a:t>
-            </a:r>
-            <a:r>
-              <a:rPr lang="en-US" altLang="ja-JP" sz="1400" dirty="0" smtClean="0"/>
-              <a:t>sys::preference&amp; pre = </a:t>
-            </a:r>
-            <a:r>
-              <a:rPr lang="en-US" altLang="ja-JP" sz="1400" dirty="0" err="1" smtClean="0"/>
-              <a:t>director_.at</a:t>
-            </a:r>
-            <a:r>
-              <a:rPr lang="en-US" altLang="ja-JP" sz="1400" dirty="0" smtClean="0"/>
-              <a:t>().preference_;</a:t>
-            </a:r>
-          </a:p>
-          <a:p>
-            <a:pPr>
-              <a:buNone/>
-            </a:pPr>
-            <a:r>
-              <a:rPr lang="en-US" altLang="ja-JP" sz="1400" dirty="0" smtClean="0"/>
-              <a:t>		if(filer_) {</a:t>
-            </a:r>
-          </a:p>
-          <a:p>
-            <a:pPr>
-              <a:buNone/>
-            </a:pPr>
-            <a:r>
-              <a:rPr lang="en-US" altLang="ja-JP" sz="1400" dirty="0" smtClean="0"/>
-              <a:t>		</a:t>
-            </a:r>
-            <a:r>
-              <a:rPr lang="en-US" altLang="ja-JP" sz="1400" dirty="0" smtClean="0"/>
-              <a:t>        frame</a:t>
-            </a:r>
-            <a:r>
-              <a:rPr lang="en-US" altLang="ja-JP" sz="1400" dirty="0" smtClean="0"/>
-              <a:t>_-&gt;load(pre);</a:t>
-            </a:r>
-          </a:p>
-          <a:p>
-            <a:pPr>
-              <a:buNone/>
-            </a:pPr>
-            <a:r>
-              <a:rPr lang="en-US" altLang="ja-JP" sz="1400" dirty="0" smtClean="0"/>
-              <a:t>		}</a:t>
-            </a:r>
-          </a:p>
-          <a:p>
-            <a:pPr>
-              <a:buNone/>
-            </a:pPr>
-            <a:r>
-              <a:rPr lang="en-US" altLang="ja-JP" sz="1400" dirty="0" smtClean="0"/>
-              <a:t>	}</a:t>
+              <a:rPr lang="en-US" altLang="ja-JP" sz="1600" dirty="0" err="1" smtClean="0"/>
+              <a:t>destroy_glcore</a:t>
+            </a:r>
+            <a:r>
+              <a:rPr lang="en-US" altLang="ja-JP" sz="1600" dirty="0" smtClean="0"/>
+              <a:t>();</a:t>
+            </a:r>
+          </a:p>
+          <a:p>
+            <a:pPr>
+              <a:buNone/>
+            </a:pPr>
+            <a:r>
+              <a:rPr lang="en-US" altLang="ja-JP" sz="1600" dirty="0" smtClean="0"/>
+              <a:t>}</a:t>
             </a:r>
           </a:p>
           <a:p>
@@ -14795,20 +13526,18 @@
         <p:spPr>
           <a:xfrm>
             <a:off x="457200" y="274638"/>
-            <a:ext cx="8229600" cy="778098"/>
+            <a:ext cx="8229600" cy="706090"/>
           </a:xfrm>
         </p:spPr>
         <p:txBody>
-          <a:bodyPr/>
+          <a:bodyPr>
+            <a:normAutofit/>
+          </a:bodyPr>
           <a:lstStyle/>
           <a:p>
             <a:r>
               <a:rPr lang="ja-JP" altLang="en-US" dirty="0" smtClean="0"/>
-              <a:t>アプリケーション </a:t>
-            </a:r>
-            <a:r>
-              <a:rPr lang="en-US" altLang="ja-JP" dirty="0" smtClean="0"/>
-              <a:t>update</a:t>
+              <a:t>アプリケーション・定義</a:t>
             </a:r>
             <a:endParaRPr kumimoji="1" lang="ja-JP" altLang="en-US" dirty="0"/>
           </a:p>
@@ -14827,12 +13556,12 @@
         <p:spPr>
           <a:xfrm>
             <a:off x="457200" y="1124744"/>
-            <a:ext cx="8229600" cy="5328592"/>
+            <a:ext cx="8229600" cy="5400600"/>
           </a:xfrm>
         </p:spPr>
         <p:txBody>
           <a:bodyPr>
-            <a:normAutofit lnSpcReduction="10000"/>
+            <a:noAutofit/>
           </a:bodyPr>
           <a:lstStyle/>
           <a:p>
@@ -14840,411 +13569,136 @@
               <a:buNone/>
             </a:pPr>
             <a:r>
-              <a:rPr lang="en-US" altLang="ja-JP" sz="1400" dirty="0" smtClean="0"/>
-              <a:t>	void </a:t>
-            </a:r>
-            <a:r>
-              <a:rPr lang="en-US" altLang="ja-JP" sz="1400" dirty="0" err="1" smtClean="0"/>
-              <a:t>amg_main</a:t>
-            </a:r>
-            <a:r>
-              <a:rPr lang="en-US" altLang="ja-JP" sz="1400" dirty="0" smtClean="0"/>
-              <a:t>::update()</a:t>
-            </a:r>
-          </a:p>
-          <a:p>
-            <a:pPr>
-              <a:buNone/>
-            </a:pPr>
-            <a:r>
-              <a:rPr lang="en-US" altLang="ja-JP" sz="1400" dirty="0" smtClean="0"/>
-              <a:t>	{</a:t>
-            </a:r>
-          </a:p>
-          <a:p>
-            <a:pPr>
-              <a:buNone/>
-            </a:pPr>
-            <a:r>
-              <a:rPr lang="en-US" altLang="ja-JP" sz="1400" dirty="0" smtClean="0"/>
+              <a:rPr lang="en-US" altLang="ja-JP" sz="1600" dirty="0" smtClean="0"/>
+              <a:t>namespace app {</a:t>
+            </a:r>
+          </a:p>
+          <a:p>
+            <a:pPr>
+              <a:buNone/>
+            </a:pPr>
+            <a:endParaRPr lang="en-US" altLang="ja-JP" sz="1600" dirty="0" smtClean="0"/>
+          </a:p>
+          <a:p>
+            <a:pPr>
+              <a:buNone/>
+            </a:pPr>
+            <a:r>
+              <a:rPr lang="en-US" altLang="ja-JP" sz="1600" dirty="0" smtClean="0"/>
+              <a:t>	class </a:t>
+            </a:r>
+            <a:r>
+              <a:rPr lang="en-US" altLang="ja-JP" sz="1600" dirty="0" err="1" smtClean="0"/>
+              <a:t>img_main</a:t>
+            </a:r>
+            <a:r>
+              <a:rPr lang="en-US" altLang="ja-JP" sz="1600" dirty="0" smtClean="0"/>
+              <a:t> : public </a:t>
+            </a:r>
+            <a:r>
+              <a:rPr lang="en-US" altLang="ja-JP" sz="1600" dirty="0" err="1" smtClean="0"/>
+              <a:t>utils</a:t>
+            </a:r>
+            <a:r>
+              <a:rPr lang="en-US" altLang="ja-JP" sz="1600" dirty="0" smtClean="0"/>
+              <a:t>::</a:t>
+            </a:r>
+            <a:r>
+              <a:rPr lang="en-US" altLang="ja-JP" sz="1600" dirty="0" err="1" smtClean="0"/>
+              <a:t>i_scene</a:t>
+            </a:r>
+            <a:r>
+              <a:rPr lang="en-US" altLang="ja-JP" sz="1600" dirty="0" smtClean="0"/>
+              <a:t> {</a:t>
+            </a:r>
+          </a:p>
+          <a:p>
+            <a:pPr>
+              <a:buNone/>
+            </a:pPr>
+            <a:endParaRPr lang="en-US" altLang="ja-JP" sz="1600" dirty="0" smtClean="0"/>
+          </a:p>
+          <a:p>
+            <a:pPr>
+              <a:buNone/>
+            </a:pPr>
+            <a:r>
+              <a:rPr lang="en-US" altLang="ja-JP" sz="1600" dirty="0" smtClean="0"/>
               <a:t>		</a:t>
             </a:r>
             <a:r>
-              <a:rPr lang="en-US" altLang="ja-JP" sz="1400" dirty="0" err="1" smtClean="0"/>
-              <a:t>gui</a:t>
-            </a:r>
-            <a:r>
-              <a:rPr lang="en-US" altLang="ja-JP" sz="1400" dirty="0" smtClean="0"/>
-              <a:t>::</a:t>
-            </a:r>
-            <a:r>
-              <a:rPr lang="en-US" altLang="ja-JP" sz="1400" dirty="0" err="1" smtClean="0"/>
-              <a:t>widget_director</a:t>
-            </a:r>
-            <a:r>
-              <a:rPr lang="en-US" altLang="ja-JP" sz="1400" dirty="0" smtClean="0"/>
-              <a:t>&amp; wd = </a:t>
-            </a:r>
-            <a:r>
-              <a:rPr lang="en-US" altLang="ja-JP" sz="1400" dirty="0" err="1" smtClean="0"/>
-              <a:t>director_.at</a:t>
-            </a:r>
-            <a:r>
-              <a:rPr lang="en-US" altLang="ja-JP" sz="1400" dirty="0" smtClean="0"/>
-              <a:t>().</a:t>
-            </a:r>
-            <a:r>
-              <a:rPr lang="en-US" altLang="ja-JP" sz="1400" dirty="0" err="1" smtClean="0"/>
-              <a:t>widget_director</a:t>
-            </a:r>
-            <a:r>
-              <a:rPr lang="en-US" altLang="ja-JP" sz="1400" dirty="0" smtClean="0"/>
-              <a:t>_;</a:t>
-            </a:r>
-          </a:p>
-          <a:p>
-            <a:pPr>
-              <a:buNone/>
-            </a:pPr>
-            <a:endParaRPr lang="en-US" altLang="ja-JP" sz="1400" dirty="0" smtClean="0"/>
-          </a:p>
-          <a:p>
-            <a:pPr>
-              <a:buNone/>
-            </a:pPr>
-            <a:r>
-              <a:rPr lang="en-US" altLang="ja-JP" sz="1400" dirty="0" smtClean="0"/>
-              <a:t>		if(open_) {</a:t>
-            </a:r>
-          </a:p>
-          <a:p>
-            <a:pPr>
-              <a:buNone/>
-            </a:pPr>
-            <a:r>
-              <a:rPr lang="en-US" altLang="ja-JP" sz="1400" dirty="0" smtClean="0"/>
+              <a:rPr lang="en-US" altLang="ja-JP" sz="1600" dirty="0" err="1" smtClean="0"/>
+              <a:t>utils</a:t>
+            </a:r>
+            <a:r>
+              <a:rPr lang="en-US" altLang="ja-JP" sz="1600" dirty="0" smtClean="0"/>
+              <a:t>::director&lt;core&gt;&amp;	director_;</a:t>
+            </a:r>
+          </a:p>
+          <a:p>
+            <a:pPr>
+              <a:buNone/>
+            </a:pPr>
+            <a:endParaRPr lang="en-US" altLang="ja-JP" sz="1600" dirty="0" smtClean="0"/>
+          </a:p>
+          <a:p>
+            <a:pPr>
+              <a:buNone/>
+            </a:pPr>
+            <a:r>
+              <a:rPr lang="en-US" altLang="ja-JP" sz="1600" dirty="0" smtClean="0"/>
+              <a:t>	public:</a:t>
+            </a:r>
+          </a:p>
+          <a:p>
+            <a:pPr>
+              <a:buNone/>
+            </a:pPr>
+            <a:r>
+              <a:rPr lang="en-US" altLang="ja-JP" sz="1600" dirty="0" smtClean="0"/>
               <a:t>		</a:t>
             </a:r>
             <a:r>
-              <a:rPr lang="ja-JP" altLang="en-US" sz="1400" dirty="0" smtClean="0"/>
-              <a:t>    </a:t>
-            </a:r>
-            <a:r>
-              <a:rPr lang="en-US" altLang="ja-JP" sz="1400" dirty="0" smtClean="0"/>
-              <a:t>if(open_-&gt;</a:t>
-            </a:r>
-            <a:r>
-              <a:rPr lang="en-US" altLang="ja-JP" sz="1400" dirty="0" err="1" smtClean="0"/>
-              <a:t>get_selected</a:t>
-            </a:r>
-            <a:r>
-              <a:rPr lang="en-US" altLang="ja-JP" sz="1400" dirty="0" smtClean="0"/>
-              <a:t>()) {</a:t>
-            </a:r>
-          </a:p>
-          <a:p>
-            <a:pPr>
-              <a:buNone/>
-            </a:pPr>
-            <a:r>
-              <a:rPr lang="en-US" altLang="ja-JP" sz="1400" dirty="0" smtClean="0"/>
-              <a:t>		        if(filer_) {</a:t>
-            </a:r>
-          </a:p>
-          <a:p>
-            <a:pPr>
-              <a:buNone/>
-            </a:pPr>
-            <a:r>
-              <a:rPr lang="en-US" altLang="ja-JP" sz="1400" dirty="0" smtClean="0"/>
-              <a:t>		            </a:t>
-            </a:r>
-            <a:r>
-              <a:rPr lang="en-US" altLang="ja-JP" sz="1400" dirty="0" err="1" smtClean="0"/>
-              <a:t>bool</a:t>
-            </a:r>
-            <a:r>
-              <a:rPr lang="en-US" altLang="ja-JP" sz="1400" dirty="0" smtClean="0"/>
-              <a:t> f = filer_-&gt;</a:t>
-            </a:r>
-            <a:r>
-              <a:rPr lang="en-US" altLang="ja-JP" sz="1400" dirty="0" err="1" smtClean="0"/>
-              <a:t>get_state</a:t>
-            </a:r>
-            <a:r>
-              <a:rPr lang="en-US" altLang="ja-JP" sz="1400" dirty="0" smtClean="0"/>
+              <a:rPr lang="en-US" altLang="ja-JP" sz="1600" dirty="0" err="1" smtClean="0"/>
+              <a:t>img_main</a:t>
+            </a:r>
+            <a:r>
+              <a:rPr lang="en-US" altLang="ja-JP" sz="1600" dirty="0" smtClean="0"/>
               <a:t>(</a:t>
             </a:r>
             <a:r>
-              <a:rPr lang="en-US" altLang="ja-JP" sz="1400" dirty="0" err="1" smtClean="0"/>
-              <a:t>gui</a:t>
-            </a:r>
-            <a:r>
-              <a:rPr lang="en-US" altLang="ja-JP" sz="1400" dirty="0" smtClean="0"/>
-              <a:t>::widget::state::ENABLE);</a:t>
-            </a:r>
-          </a:p>
-          <a:p>
-            <a:pPr>
-              <a:buNone/>
-            </a:pPr>
-            <a:r>
-              <a:rPr lang="en-US" altLang="ja-JP" sz="1400" dirty="0" smtClean="0"/>
-              <a:t>		            filer_-&gt;enable(!f);</a:t>
-            </a:r>
-          </a:p>
-          <a:p>
-            <a:pPr>
-              <a:buNone/>
-            </a:pPr>
-            <a:r>
-              <a:rPr lang="en-US" altLang="ja-JP" sz="1400" dirty="0" smtClean="0"/>
-              <a:t>		        }</a:t>
-            </a:r>
-          </a:p>
-          <a:p>
-            <a:pPr>
-              <a:buNone/>
-            </a:pPr>
-            <a:r>
-              <a:rPr lang="en-US" altLang="ja-JP" sz="1400" dirty="0" smtClean="0"/>
-              <a:t>		    }</a:t>
-            </a:r>
-          </a:p>
-          <a:p>
-            <a:pPr>
-              <a:buNone/>
-            </a:pPr>
-            <a:r>
-              <a:rPr lang="en-US" altLang="ja-JP" sz="1400" dirty="0" smtClean="0"/>
-              <a:t>		}</a:t>
-            </a:r>
-          </a:p>
-          <a:p>
-            <a:pPr>
-              <a:buNone/>
-            </a:pPr>
-            <a:endParaRPr lang="en-US" altLang="ja-JP" sz="1400" dirty="0" smtClean="0"/>
-          </a:p>
-          <a:p>
-            <a:pPr>
-              <a:buNone/>
-            </a:pPr>
-            <a:r>
-              <a:rPr lang="en-US" altLang="ja-JP" sz="1400" dirty="0" smtClean="0"/>
-              <a:t>		std::string </a:t>
-            </a:r>
-            <a:r>
-              <a:rPr lang="en-US" altLang="ja-JP" sz="1400" dirty="0" err="1" smtClean="0"/>
-              <a:t>imfn</a:t>
-            </a:r>
-            <a:r>
-              <a:rPr lang="en-US" altLang="ja-JP" sz="1400" dirty="0" smtClean="0"/>
-              <a:t>;</a:t>
-            </a:r>
-          </a:p>
-          <a:p>
-            <a:pPr>
-              <a:buNone/>
-            </a:pPr>
-            <a:r>
-              <a:rPr lang="en-US" altLang="ja-JP" sz="1400" dirty="0" smtClean="0"/>
-              <a:t>		</a:t>
-            </a:r>
-            <a:r>
-              <a:rPr lang="en-US" altLang="ja-JP" sz="1400" dirty="0" err="1" smtClean="0"/>
-              <a:t>int</a:t>
-            </a:r>
-            <a:r>
-              <a:rPr lang="en-US" altLang="ja-JP" sz="1400" dirty="0" smtClean="0"/>
-              <a:t> id = </a:t>
-            </a:r>
-            <a:r>
-              <a:rPr lang="en-US" altLang="ja-JP" sz="1400" dirty="0" err="1" smtClean="0"/>
-              <a:t>igl</a:t>
-            </a:r>
-            <a:r>
-              <a:rPr lang="en-US" altLang="ja-JP" sz="1400" dirty="0" smtClean="0"/>
-              <a:t>-&gt;</a:t>
-            </a:r>
-            <a:r>
-              <a:rPr lang="en-US" altLang="ja-JP" sz="1400" dirty="0" err="1" smtClean="0"/>
-              <a:t>get_recv_file_id</a:t>
-            </a:r>
-            <a:r>
-              <a:rPr lang="en-US" altLang="ja-JP" sz="1400" dirty="0" smtClean="0"/>
-              <a:t>();</a:t>
-            </a:r>
-          </a:p>
-          <a:p>
-            <a:pPr>
-              <a:buNone/>
-            </a:pPr>
-            <a:r>
-              <a:rPr lang="en-US" altLang="ja-JP" sz="1400" dirty="0" smtClean="0"/>
-              <a:t>		if(</a:t>
-            </a:r>
-            <a:r>
-              <a:rPr lang="en-US" altLang="ja-JP" sz="1400" dirty="0" err="1" smtClean="0"/>
-              <a:t>dd_id</a:t>
-            </a:r>
-            <a:r>
-              <a:rPr lang="en-US" altLang="ja-JP" sz="1400" dirty="0" smtClean="0"/>
-              <a:t>_ != id) {</a:t>
-            </a:r>
-          </a:p>
-          <a:p>
-            <a:pPr>
-              <a:buNone/>
-            </a:pPr>
-            <a:r>
-              <a:rPr lang="en-US" altLang="ja-JP" sz="1400" dirty="0" smtClean="0"/>
-              <a:t>		</a:t>
-            </a:r>
-            <a:r>
-              <a:rPr lang="en-US" altLang="ja-JP" sz="1400" dirty="0" smtClean="0"/>
-              <a:t>    </a:t>
-            </a:r>
-            <a:r>
-              <a:rPr lang="en-US" altLang="ja-JP" sz="1400" dirty="0" err="1" smtClean="0"/>
-              <a:t>dd_id</a:t>
-            </a:r>
-            <a:r>
-              <a:rPr lang="en-US" altLang="ja-JP" sz="1400" dirty="0" smtClean="0"/>
-              <a:t>_ = id;</a:t>
-            </a:r>
-          </a:p>
-          <a:p>
-            <a:pPr>
-              <a:buNone/>
-            </a:pPr>
-            <a:r>
-              <a:rPr lang="en-US" altLang="ja-JP" sz="1400" dirty="0" smtClean="0"/>
-              <a:t>		</a:t>
-            </a:r>
-            <a:r>
-              <a:rPr lang="en-US" altLang="ja-JP" sz="1400" dirty="0" smtClean="0"/>
-              <a:t>    const </a:t>
-            </a:r>
-            <a:r>
-              <a:rPr lang="en-US" altLang="ja-JP" sz="1400" dirty="0" err="1" smtClean="0"/>
+              <a:rPr lang="en-US" altLang="ja-JP" sz="1600" dirty="0" err="1" smtClean="0"/>
               <a:t>utils</a:t>
             </a:r>
             <a:r>
-              <a:rPr lang="en-US" altLang="ja-JP" sz="1400" dirty="0" smtClean="0"/>
-              <a:t>::strings&amp; </a:t>
-            </a:r>
-            <a:r>
-              <a:rPr lang="en-US" altLang="ja-JP" sz="1400" dirty="0" err="1" smtClean="0"/>
-              <a:t>ss</a:t>
-            </a:r>
-            <a:r>
-              <a:rPr lang="en-US" altLang="ja-JP" sz="1400" dirty="0" smtClean="0"/>
-              <a:t> = </a:t>
-            </a:r>
-            <a:r>
-              <a:rPr lang="en-US" altLang="ja-JP" sz="1400" dirty="0" err="1" smtClean="0"/>
-              <a:t>igl</a:t>
-            </a:r>
-            <a:r>
-              <a:rPr lang="en-US" altLang="ja-JP" sz="1400" dirty="0" smtClean="0"/>
-              <a:t>-&gt;</a:t>
-            </a:r>
-            <a:r>
-              <a:rPr lang="en-US" altLang="ja-JP" sz="1400" dirty="0" err="1" smtClean="0"/>
-              <a:t>get_recv_file_path</a:t>
-            </a:r>
-            <a:r>
-              <a:rPr lang="en-US" altLang="ja-JP" sz="1400" dirty="0" smtClean="0"/>
-              <a:t>();</a:t>
-            </a:r>
-          </a:p>
-          <a:p>
-            <a:pPr>
-              <a:buNone/>
-            </a:pPr>
-            <a:r>
-              <a:rPr lang="en-US" altLang="ja-JP" sz="1400" dirty="0" smtClean="0"/>
-              <a:t>		</a:t>
-            </a:r>
-            <a:r>
-              <a:rPr lang="en-US" altLang="ja-JP" sz="1400" dirty="0" smtClean="0"/>
-              <a:t>    if</a:t>
-            </a:r>
-            <a:r>
-              <a:rPr lang="en-US" altLang="ja-JP" sz="1400" dirty="0" smtClean="0"/>
-              <a:t>(!</a:t>
-            </a:r>
-            <a:r>
-              <a:rPr lang="en-US" altLang="ja-JP" sz="1400" dirty="0" err="1" smtClean="0"/>
-              <a:t>ss.empty</a:t>
-            </a:r>
-            <a:r>
-              <a:rPr lang="en-US" altLang="ja-JP" sz="1400" dirty="0" smtClean="0"/>
-              <a:t>()) {</a:t>
-            </a:r>
-          </a:p>
-          <a:p>
-            <a:pPr>
-              <a:buNone/>
-            </a:pPr>
-            <a:r>
-              <a:rPr lang="en-US" altLang="ja-JP" sz="1400" dirty="0" smtClean="0"/>
-              <a:t>		</a:t>
-            </a:r>
-            <a:r>
-              <a:rPr lang="en-US" altLang="ja-JP" sz="1400" dirty="0" smtClean="0"/>
-              <a:t>        </a:t>
-            </a:r>
-            <a:r>
-              <a:rPr lang="en-US" altLang="ja-JP" sz="1400" dirty="0" err="1" smtClean="0"/>
-              <a:t>imfn</a:t>
-            </a:r>
-            <a:r>
-              <a:rPr lang="en-US" altLang="ja-JP" sz="1400" dirty="0" smtClean="0"/>
-              <a:t> </a:t>
-            </a:r>
-            <a:r>
-              <a:rPr lang="en-US" altLang="ja-JP" sz="1400" dirty="0" smtClean="0"/>
-              <a:t>= </a:t>
-            </a:r>
-            <a:r>
-              <a:rPr lang="en-US" altLang="ja-JP" sz="1400" dirty="0" err="1" smtClean="0"/>
-              <a:t>ss.back</a:t>
-            </a:r>
-            <a:r>
-              <a:rPr lang="en-US" altLang="ja-JP" sz="1400" dirty="0" smtClean="0"/>
-              <a:t>();</a:t>
-            </a:r>
-          </a:p>
-          <a:p>
-            <a:pPr>
-              <a:buNone/>
-            </a:pPr>
-            <a:r>
-              <a:rPr lang="en-US" altLang="ja-JP" sz="1400" dirty="0" smtClean="0"/>
-              <a:t>		</a:t>
-            </a:r>
-            <a:r>
-              <a:rPr lang="en-US" altLang="ja-JP" sz="1400" dirty="0" smtClean="0"/>
-              <a:t>    }</a:t>
-            </a:r>
-            <a:endParaRPr lang="en-US" altLang="ja-JP" sz="1400" dirty="0" smtClean="0"/>
-          </a:p>
-          <a:p>
-            <a:pPr>
-              <a:buNone/>
-            </a:pPr>
-            <a:r>
-              <a:rPr lang="en-US" altLang="ja-JP" sz="1400" dirty="0" smtClean="0"/>
-              <a:t>		}</a:t>
-            </a:r>
-          </a:p>
-          <a:p>
-            <a:pPr>
-              <a:buNone/>
-            </a:pPr>
-            <a:endParaRPr lang="en-US" altLang="ja-JP" sz="1400" dirty="0" smtClean="0"/>
+              <a:rPr lang="en-US" altLang="ja-JP" sz="1600" dirty="0" smtClean="0"/>
+              <a:t>::director&lt;core&gt;&amp; d) : director_(d)</a:t>
+            </a:r>
+            <a:r>
+              <a:rPr lang="ja-JP" altLang="en-US" sz="1600" dirty="0" smtClean="0"/>
+              <a:t>　</a:t>
+            </a:r>
+            <a:r>
+              <a:rPr lang="en-US" altLang="ja-JP" sz="1600" dirty="0" smtClean="0"/>
+              <a:t>{ }</a:t>
+            </a:r>
+          </a:p>
+          <a:p>
+            <a:pPr>
+              <a:buNone/>
+            </a:pPr>
+            <a:r>
+              <a:rPr lang="en-US" altLang="ja-JP" sz="1600" dirty="0" smtClean="0"/>
+              <a:t>		virtual ~</a:t>
+            </a:r>
+            <a:r>
+              <a:rPr lang="en-US" altLang="ja-JP" sz="1600" dirty="0" err="1" smtClean="0"/>
+              <a:t>img_main</a:t>
+            </a:r>
+            <a:r>
+              <a:rPr lang="en-US" altLang="ja-JP" sz="1600" dirty="0" smtClean="0"/>
+              <a:t>() { }</a:t>
+            </a:r>
           </a:p>
           <a:p>
             <a:pPr>
@@ -15256,7 +13710,85 @@
             <a:pPr>
               <a:buNone/>
             </a:pPr>
-            <a:endParaRPr kumimoji="1" lang="ja-JP" altLang="en-US" dirty="0"/>
+            <a:r>
+              <a:rPr lang="en-US" altLang="ja-JP" sz="1600" dirty="0" smtClean="0"/>
+              <a:t>		void initialize();</a:t>
+            </a:r>
+          </a:p>
+          <a:p>
+            <a:pPr>
+              <a:buNone/>
+            </a:pPr>
+            <a:endParaRPr lang="en-US" altLang="ja-JP" sz="1600" dirty="0" smtClean="0"/>
+          </a:p>
+          <a:p>
+            <a:pPr>
+              <a:buNone/>
+            </a:pPr>
+            <a:r>
+              <a:rPr lang="en-US" altLang="ja-JP" sz="1600" dirty="0" smtClean="0"/>
+              <a:t>		void update();</a:t>
+            </a:r>
+          </a:p>
+          <a:p>
+            <a:pPr>
+              <a:buNone/>
+            </a:pPr>
+            <a:endParaRPr lang="en-US" altLang="ja-JP" sz="1600" dirty="0" smtClean="0"/>
+          </a:p>
+          <a:p>
+            <a:pPr>
+              <a:buNone/>
+            </a:pPr>
+            <a:r>
+              <a:rPr lang="en-US" altLang="ja-JP" sz="1600" dirty="0" smtClean="0"/>
+              <a:t>		void render();</a:t>
+            </a:r>
+          </a:p>
+          <a:p>
+            <a:pPr>
+              <a:buNone/>
+            </a:pPr>
+            <a:endParaRPr lang="en-US" altLang="ja-JP" sz="1600" dirty="0" smtClean="0"/>
+          </a:p>
+          <a:p>
+            <a:pPr>
+              <a:buNone/>
+            </a:pPr>
+            <a:r>
+              <a:rPr lang="en-US" altLang="ja-JP" sz="1600" dirty="0" smtClean="0"/>
+              <a:t>		void destroy();</a:t>
+            </a:r>
+          </a:p>
+          <a:p>
+            <a:pPr>
+              <a:buNone/>
+            </a:pPr>
+            <a:r>
+              <a:rPr lang="en-US" altLang="ja-JP" sz="1600" dirty="0" smtClean="0"/>
+              <a:t>	};</a:t>
+            </a:r>
+          </a:p>
+          <a:p>
+            <a:pPr>
+              <a:buNone/>
+            </a:pPr>
+            <a:r>
+              <a:rPr lang="en-US" altLang="ja-JP" sz="1600" dirty="0" smtClean="0"/>
+              <a:t>}</a:t>
+            </a:r>
+          </a:p>
+          <a:p>
+            <a:pPr>
+              <a:buNone/>
+            </a:pPr>
+            <a:endParaRPr lang="en-US" altLang="ja-JP" sz="1600" dirty="0" smtClean="0"/>
+          </a:p>
+          <a:p>
+            <a:pPr>
+              <a:buNone/>
+            </a:pPr>
+            <a:endParaRPr kumimoji="1" lang="ja-JP" altLang="en-US" sz="1600" dirty="0"/>
           </a:p>
         </p:txBody>
       </p:sp>
@@ -15298,7 +13830,7 @@
         <p:spPr>
           <a:xfrm>
             <a:off x="457200" y="274638"/>
-            <a:ext cx="8229600" cy="706090"/>
+            <a:ext cx="8229600" cy="778098"/>
           </a:xfrm>
         </p:spPr>
         <p:txBody>
@@ -15309,11 +13841,7 @@
           <a:p>
             <a:r>
               <a:rPr lang="ja-JP" altLang="en-US" dirty="0" smtClean="0"/>
-              <a:t>アプリケーション </a:t>
-            </a:r>
-            <a:r>
-              <a:rPr lang="en-US" altLang="ja-JP" dirty="0" smtClean="0"/>
-              <a:t>update</a:t>
+              <a:t>アプリケーション初期化</a:t>
             </a:r>
             <a:endParaRPr kumimoji="1" lang="ja-JP" altLang="en-US" dirty="0"/>
           </a:p>
@@ -15331,8 +13859,8 @@
         </p:nvSpPr>
         <p:spPr>
           <a:xfrm>
-            <a:off x="457200" y="1196752"/>
-            <a:ext cx="8229600" cy="5400600"/>
+            <a:off x="457200" y="1052736"/>
+            <a:ext cx="8229600" cy="5544616"/>
           </a:xfrm>
         </p:spPr>
         <p:txBody>
@@ -15345,32 +13873,225 @@
               <a:buNone/>
             </a:pPr>
             <a:r>
-              <a:rPr lang="en-US" altLang="ja-JP" sz="1400" dirty="0" smtClean="0"/>
-              <a:t>	if(filer_) {</a:t>
-            </a:r>
-          </a:p>
-          <a:p>
-            <a:pPr>
-              <a:buNone/>
-            </a:pPr>
-            <a:r>
-              <a:rPr lang="en-US" altLang="ja-JP" sz="1400" dirty="0" smtClean="0"/>
-              <a:t>	</a:t>
-            </a:r>
-            <a:r>
-              <a:rPr lang="en-US" altLang="ja-JP" sz="1400" dirty="0" smtClean="0"/>
-              <a:t>    </a:t>
-            </a:r>
-            <a:r>
-              <a:rPr lang="en-US" altLang="ja-JP" sz="1400" dirty="0" err="1" smtClean="0"/>
-              <a:t>wd.top_widget</a:t>
-            </a:r>
-            <a:r>
-              <a:rPr lang="en-US" altLang="ja-JP" sz="1400" dirty="0" smtClean="0"/>
-              <a:t>(filer</a:t>
-            </a:r>
-            <a:r>
-              <a:rPr lang="en-US" altLang="ja-JP" sz="1400" dirty="0" smtClean="0"/>
+              <a:rPr lang="en-US" altLang="ja-JP" sz="1600" dirty="0" smtClean="0"/>
+              <a:t>	void </a:t>
+            </a:r>
+            <a:r>
+              <a:rPr lang="en-US" altLang="ja-JP" sz="1600" dirty="0" err="1" smtClean="0"/>
+              <a:t>img_main</a:t>
+            </a:r>
+            <a:r>
+              <a:rPr lang="en-US" altLang="ja-JP" sz="1600" dirty="0" smtClean="0"/>
+              <a:t>::initialize()</a:t>
+            </a:r>
+          </a:p>
+          <a:p>
+            <a:pPr>
+              <a:buNone/>
+            </a:pPr>
+            <a:r>
+              <a:rPr lang="en-US" altLang="ja-JP" sz="1600" dirty="0" smtClean="0"/>
+              <a:t>	{</a:t>
+            </a:r>
+          </a:p>
+          <a:p>
+            <a:pPr>
+              <a:buNone/>
+            </a:pPr>
+            <a:r>
+              <a:rPr lang="en-US" altLang="ja-JP" sz="1600" dirty="0" smtClean="0"/>
+              <a:t>		using namespace </a:t>
+            </a:r>
+            <a:r>
+              <a:rPr lang="en-US" altLang="ja-JP" sz="1600" dirty="0" err="1" smtClean="0"/>
+              <a:t>gui</a:t>
+            </a:r>
+            <a:r>
+              <a:rPr lang="en-US" altLang="ja-JP" sz="1600" dirty="0" smtClean="0"/>
+              <a:t>;</a:t>
+            </a:r>
+          </a:p>
+          <a:p>
+            <a:pPr>
+              <a:buNone/>
+            </a:pPr>
+            <a:r>
+              <a:rPr lang="en-US" altLang="ja-JP" sz="1600" dirty="0" smtClean="0"/>
+              <a:t>		</a:t>
+            </a:r>
+            <a:r>
+              <a:rPr lang="en-US" altLang="ja-JP" sz="1600" dirty="0" err="1" smtClean="0"/>
+              <a:t>widget_director</a:t>
+            </a:r>
+            <a:r>
+              <a:rPr lang="en-US" altLang="ja-JP" sz="1600" dirty="0" smtClean="0"/>
+              <a:t>&amp; wd = </a:t>
+            </a:r>
+            <a:r>
+              <a:rPr lang="en-US" altLang="ja-JP" sz="1600" dirty="0" err="1" smtClean="0"/>
+              <a:t>director_.at</a:t>
+            </a:r>
+            <a:r>
+              <a:rPr lang="en-US" altLang="ja-JP" sz="1600" dirty="0" smtClean="0"/>
+              <a:t>().</a:t>
+            </a:r>
+            <a:r>
+              <a:rPr lang="en-US" altLang="ja-JP" sz="1600" dirty="0" err="1" smtClean="0"/>
+              <a:t>widget_director</a:t>
+            </a:r>
+            <a:r>
+              <a:rPr lang="en-US" altLang="ja-JP" sz="1600" dirty="0" smtClean="0"/>
+              <a:t>_;</a:t>
+            </a:r>
+          </a:p>
+          <a:p>
+            <a:pPr>
+              <a:buNone/>
+            </a:pPr>
+            <a:endParaRPr lang="en-US" altLang="ja-JP" sz="1600" dirty="0" smtClean="0"/>
+          </a:p>
+          <a:p>
+            <a:pPr>
+              <a:buNone/>
+            </a:pPr>
+            <a:r>
+              <a:rPr lang="en-US" altLang="ja-JP" sz="1600" dirty="0" smtClean="0"/>
+              <a:t>		{ // </a:t>
+            </a:r>
+            <a:r>
+              <a:rPr lang="ja-JP" altLang="en-US" sz="1600" dirty="0" smtClean="0"/>
+              <a:t>画像ファイル表示用フレーム</a:t>
+            </a:r>
+          </a:p>
+          <a:p>
+            <a:pPr>
+              <a:buNone/>
+            </a:pPr>
+            <a:r>
+              <a:rPr lang="en-US" altLang="ja-JP" sz="1600" dirty="0" smtClean="0"/>
+              <a:t>		        widget::</a:t>
+            </a:r>
+            <a:r>
+              <a:rPr lang="en-US" altLang="ja-JP" sz="1600" dirty="0" err="1" smtClean="0"/>
+              <a:t>param</a:t>
+            </a:r>
+            <a:r>
+              <a:rPr lang="en-US" altLang="ja-JP" sz="1600" dirty="0" smtClean="0"/>
+              <a:t> </a:t>
+            </a:r>
+            <a:r>
+              <a:rPr lang="en-US" altLang="ja-JP" sz="1600" dirty="0" err="1" smtClean="0"/>
+              <a:t>wp</a:t>
+            </a:r>
+            <a:r>
+              <a:rPr lang="en-US" altLang="ja-JP" sz="1600" dirty="0" smtClean="0"/>
+              <a:t>(</a:t>
+            </a:r>
+            <a:r>
+              <a:rPr lang="en-US" altLang="ja-JP" sz="1600" dirty="0" err="1" smtClean="0"/>
+              <a:t>vtx</a:t>
+            </a:r>
+            <a:r>
+              <a:rPr lang="en-US" altLang="ja-JP" sz="1600" dirty="0" smtClean="0"/>
+              <a:t>::</a:t>
+            </a:r>
+            <a:r>
+              <a:rPr lang="en-US" altLang="ja-JP" sz="1600" dirty="0" err="1" smtClean="0"/>
+              <a:t>srect</a:t>
+            </a:r>
+            <a:r>
+              <a:rPr lang="en-US" altLang="ja-JP" sz="1600" dirty="0" smtClean="0"/>
+              <a:t>(30, 30, 256, 256));</a:t>
+            </a:r>
+          </a:p>
+          <a:p>
+            <a:pPr>
+              <a:buNone/>
+            </a:pPr>
+            <a:r>
+              <a:rPr lang="en-US" altLang="ja-JP" sz="1600" dirty="0" smtClean="0"/>
+              <a:t>		        </a:t>
+            </a:r>
+            <a:r>
+              <a:rPr lang="en-US" altLang="ja-JP" sz="1600" dirty="0" err="1" smtClean="0"/>
+              <a:t>widget_frame</a:t>
+            </a:r>
+            <a:r>
+              <a:rPr lang="en-US" altLang="ja-JP" sz="1600" dirty="0" smtClean="0"/>
+              <a:t>::</a:t>
+            </a:r>
+            <a:r>
+              <a:rPr lang="en-US" altLang="ja-JP" sz="1600" dirty="0" err="1" smtClean="0"/>
+              <a:t>param</a:t>
+            </a:r>
+            <a:r>
+              <a:rPr lang="en-US" altLang="ja-JP" sz="1600" dirty="0" smtClean="0"/>
+              <a:t> </a:t>
+            </a:r>
+            <a:r>
+              <a:rPr lang="en-US" altLang="ja-JP" sz="1600" dirty="0" err="1" smtClean="0"/>
+              <a:t>wp</a:t>
+            </a:r>
+            <a:r>
+              <a:rPr lang="en-US" altLang="ja-JP" sz="1600" dirty="0" smtClean="0"/>
+              <a:t>_;</a:t>
+            </a:r>
+          </a:p>
+          <a:p>
+            <a:pPr>
+              <a:buNone/>
+            </a:pPr>
+            <a:r>
+              <a:rPr lang="en-US" altLang="ja-JP" sz="1600" dirty="0" smtClean="0"/>
+              <a:t>		        </a:t>
+            </a:r>
+            <a:r>
+              <a:rPr lang="en-US" altLang="ja-JP" sz="1600" dirty="0" err="1" smtClean="0"/>
+              <a:t>wp_.plate_param_.set_caption</a:t>
+            </a:r>
+            <a:r>
+              <a:rPr lang="en-US" altLang="ja-JP" sz="1600" dirty="0" smtClean="0"/>
+              <a:t>(24);</a:t>
+            </a:r>
+          </a:p>
+          <a:p>
+            <a:pPr>
+              <a:buNone/>
+            </a:pPr>
+            <a:r>
+              <a:rPr lang="en-US" altLang="ja-JP" sz="1600" dirty="0" smtClean="0"/>
+              <a:t>		        frame_ = </a:t>
+            </a:r>
+            <a:r>
+              <a:rPr lang="en-US" altLang="ja-JP" sz="1600" dirty="0" err="1" smtClean="0"/>
+              <a:t>wd.add_widget</a:t>
+            </a:r>
+            <a:r>
+              <a:rPr lang="en-US" altLang="ja-JP" sz="1600" dirty="0" smtClean="0"/>
+              <a:t>&lt;</a:t>
+            </a:r>
+            <a:r>
+              <a:rPr lang="en-US" altLang="ja-JP" sz="1600" dirty="0" err="1" smtClean="0"/>
+              <a:t>widget_frame</a:t>
+            </a:r>
+            <a:r>
+              <a:rPr lang="en-US" altLang="ja-JP" sz="1600" dirty="0" smtClean="0"/>
+              <a:t>&gt;(</a:t>
+            </a:r>
+            <a:r>
+              <a:rPr lang="en-US" altLang="ja-JP" sz="1600" dirty="0" err="1" smtClean="0"/>
+              <a:t>wp</a:t>
+            </a:r>
+            <a:r>
+              <a:rPr lang="en-US" altLang="ja-JP" sz="1600" dirty="0" smtClean="0"/>
+              <a:t>, </a:t>
+            </a:r>
+            <a:r>
+              <a:rPr lang="en-US" altLang="ja-JP" sz="1600" dirty="0" err="1" smtClean="0"/>
+              <a:t>wp</a:t>
+            </a:r>
+            <a:r>
+              <a:rPr lang="en-US" altLang="ja-JP" sz="1600" dirty="0" smtClean="0"/>
               <a:t>_);</a:t>
             </a:r>
           </a:p>
@@ -15378,136 +14099,218 @@
             <a:pPr>
               <a:buNone/>
             </a:pPr>
-            <a:endParaRPr lang="en-US" altLang="ja-JP" sz="1400" dirty="0" smtClean="0"/>
-          </a:p>
-          <a:p>
-            <a:pPr>
-              <a:buNone/>
-            </a:pPr>
-            <a:r>
-              <a:rPr lang="en-US" altLang="ja-JP" sz="1400" dirty="0" smtClean="0"/>
-              <a:t>	</a:t>
-            </a:r>
-            <a:r>
-              <a:rPr lang="en-US" altLang="ja-JP" sz="1400" dirty="0" smtClean="0"/>
-              <a:t>    </a:t>
-            </a:r>
-            <a:r>
-              <a:rPr lang="en-US" altLang="ja-JP" sz="1400" dirty="0" smtClean="0"/>
-              <a:t>if(</a:t>
-            </a:r>
-            <a:r>
-              <a:rPr lang="en-US" altLang="ja-JP" sz="1400" dirty="0" err="1" smtClean="0"/>
-              <a:t>filer_id</a:t>
-            </a:r>
-            <a:r>
-              <a:rPr lang="en-US" altLang="ja-JP" sz="1400" dirty="0" smtClean="0"/>
-              <a:t>_ != filer_-&gt;</a:t>
-            </a:r>
-            <a:r>
-              <a:rPr lang="en-US" altLang="ja-JP" sz="1400" dirty="0" err="1" smtClean="0"/>
-              <a:t>get_select_file_id</a:t>
-            </a:r>
-            <a:r>
-              <a:rPr lang="en-US" altLang="ja-JP" sz="1400" dirty="0" smtClean="0"/>
-              <a:t>()) {</a:t>
-            </a:r>
-          </a:p>
-          <a:p>
-            <a:pPr>
-              <a:buNone/>
-            </a:pPr>
-            <a:r>
-              <a:rPr lang="en-US" altLang="ja-JP" sz="1400" dirty="0" smtClean="0"/>
-              <a:t>	</a:t>
-            </a:r>
-            <a:r>
-              <a:rPr lang="en-US" altLang="ja-JP" sz="1400" dirty="0" smtClean="0"/>
-              <a:t>        </a:t>
-            </a:r>
-            <a:r>
-              <a:rPr lang="en-US" altLang="ja-JP" sz="1400" dirty="0" err="1" smtClean="0"/>
-              <a:t>filer_id</a:t>
-            </a:r>
-            <a:r>
-              <a:rPr lang="en-US" altLang="ja-JP" sz="1400" dirty="0" smtClean="0"/>
-              <a:t>_ = filer_-&gt;</a:t>
-            </a:r>
-            <a:r>
-              <a:rPr lang="en-US" altLang="ja-JP" sz="1400" dirty="0" err="1" smtClean="0"/>
-              <a:t>get_select_file_id</a:t>
-            </a:r>
-            <a:r>
-              <a:rPr lang="en-US" altLang="ja-JP" sz="1400" dirty="0" smtClean="0"/>
-              <a:t>();</a:t>
-            </a:r>
-          </a:p>
-          <a:p>
-            <a:pPr>
-              <a:buNone/>
-            </a:pPr>
-            <a:r>
-              <a:rPr lang="en-US" altLang="ja-JP" sz="1400" dirty="0" smtClean="0"/>
-              <a:t>	</a:t>
-            </a:r>
-            <a:r>
-              <a:rPr lang="en-US" altLang="ja-JP" sz="1400" dirty="0" smtClean="0"/>
-              <a:t>        </a:t>
-            </a:r>
-            <a:r>
-              <a:rPr lang="en-US" altLang="ja-JP" sz="1400" dirty="0" err="1" smtClean="0"/>
-              <a:t>imfn</a:t>
-            </a:r>
-            <a:r>
-              <a:rPr lang="en-US" altLang="ja-JP" sz="1400" dirty="0" smtClean="0"/>
+            <a:r>
+              <a:rPr lang="en-US" altLang="ja-JP" sz="1600" dirty="0" smtClean="0"/>
+              <a:t>		}</a:t>
+            </a:r>
+          </a:p>
+          <a:p>
+            <a:pPr>
+              <a:buNone/>
+            </a:pPr>
+            <a:r>
+              <a:rPr lang="ja-JP" altLang="en-US" sz="1600" dirty="0" smtClean="0"/>
+              <a:t>		</a:t>
+            </a:r>
+            <a:r>
+              <a:rPr lang="en-US" altLang="ja-JP" sz="1600" dirty="0" smtClean="0"/>
+              <a:t>{ // </a:t>
+            </a:r>
+            <a:r>
+              <a:rPr lang="ja-JP" altLang="en-US" sz="1600" dirty="0" smtClean="0"/>
+              <a:t>画像ファイル表示イメージ</a:t>
+            </a:r>
+          </a:p>
+          <a:p>
+            <a:pPr>
+              <a:buNone/>
+            </a:pPr>
+            <a:r>
+              <a:rPr lang="ja-JP" altLang="en-US" sz="1600" dirty="0" smtClean="0"/>
+              <a:t>		        </a:t>
+            </a:r>
+            <a:r>
+              <a:rPr lang="en-US" altLang="ja-JP" sz="1600" dirty="0" smtClean="0"/>
+              <a:t>widget::</a:t>
+            </a:r>
+            <a:r>
+              <a:rPr lang="en-US" altLang="ja-JP" sz="1600" dirty="0" err="1" smtClean="0"/>
+              <a:t>param</a:t>
+            </a:r>
+            <a:r>
+              <a:rPr lang="en-US" altLang="ja-JP" sz="1600" dirty="0" smtClean="0"/>
               <a:t> </a:t>
             </a:r>
             <a:r>
-              <a:rPr lang="en-US" altLang="ja-JP" sz="1400" dirty="0" smtClean="0"/>
-              <a:t>= filer_-&gt;</a:t>
-            </a:r>
-            <a:r>
-              <a:rPr lang="en-US" altLang="ja-JP" sz="1400" dirty="0" err="1" smtClean="0"/>
-              <a:t>get_file</a:t>
-            </a:r>
-            <a:r>
-              <a:rPr lang="en-US" altLang="ja-JP" sz="1400" dirty="0" smtClean="0"/>
-              <a:t>();</a:t>
-            </a:r>
-          </a:p>
-          <a:p>
-            <a:pPr>
-              <a:buNone/>
-            </a:pPr>
-            <a:r>
-              <a:rPr lang="en-US" altLang="ja-JP" sz="1400" dirty="0" smtClean="0"/>
-              <a:t>	    </a:t>
-            </a:r>
-            <a:r>
-              <a:rPr lang="en-US" altLang="ja-JP" sz="1400" dirty="0" smtClean="0"/>
-              <a:t>}</a:t>
-            </a:r>
-            <a:endParaRPr lang="en-US" altLang="ja-JP" sz="1400" dirty="0" smtClean="0"/>
-          </a:p>
-          <a:p>
-            <a:pPr>
-              <a:buNone/>
-            </a:pPr>
-            <a:r>
-              <a:rPr lang="en-US" altLang="ja-JP" sz="1400" dirty="0" smtClean="0"/>
-              <a:t>	</a:t>
-            </a:r>
-            <a:r>
-              <a:rPr lang="en-US" altLang="ja-JP" sz="1400" dirty="0" smtClean="0"/>
-              <a:t>}</a:t>
-            </a:r>
-            <a:endParaRPr lang="en-US" altLang="ja-JP" sz="1400" dirty="0" smtClean="0"/>
-          </a:p>
-          <a:p>
-            <a:pPr>
-              <a:buNone/>
-            </a:pPr>
-            <a:endParaRPr kumimoji="1" lang="ja-JP" altLang="en-US" sz="1400" dirty="0"/>
+              <a:rPr lang="en-US" altLang="ja-JP" sz="1600" dirty="0" err="1" smtClean="0"/>
+              <a:t>wp</a:t>
+            </a:r>
+            <a:r>
+              <a:rPr lang="en-US" altLang="ja-JP" sz="1600" dirty="0" smtClean="0"/>
+              <a:t>(</a:t>
+            </a:r>
+            <a:r>
+              <a:rPr lang="en-US" altLang="ja-JP" sz="1600" dirty="0" err="1" smtClean="0"/>
+              <a:t>vtx</a:t>
+            </a:r>
+            <a:r>
+              <a:rPr lang="en-US" altLang="ja-JP" sz="1600" dirty="0" smtClean="0"/>
+              <a:t>::</a:t>
+            </a:r>
+            <a:r>
+              <a:rPr lang="en-US" altLang="ja-JP" sz="1600" dirty="0" err="1" smtClean="0"/>
+              <a:t>srect</a:t>
+            </a:r>
+            <a:r>
+              <a:rPr lang="en-US" altLang="ja-JP" sz="1600" dirty="0" smtClean="0"/>
+              <a:t>(0, 0, 256, 256), frame_);</a:t>
+            </a:r>
+          </a:p>
+          <a:p>
+            <a:pPr>
+              <a:buNone/>
+            </a:pPr>
+            <a:r>
+              <a:rPr lang="en-US" altLang="ja-JP" sz="1600" dirty="0" smtClean="0"/>
+              <a:t>		        </a:t>
+            </a:r>
+            <a:r>
+              <a:rPr lang="en-US" altLang="ja-JP" sz="1600" dirty="0" err="1" smtClean="0"/>
+              <a:t>widget_image</a:t>
+            </a:r>
+            <a:r>
+              <a:rPr lang="en-US" altLang="ja-JP" sz="1600" dirty="0" smtClean="0"/>
+              <a:t>::</a:t>
+            </a:r>
+            <a:r>
+              <a:rPr lang="en-US" altLang="ja-JP" sz="1600" dirty="0" err="1" smtClean="0"/>
+              <a:t>param</a:t>
+            </a:r>
+            <a:r>
+              <a:rPr lang="en-US" altLang="ja-JP" sz="1600" dirty="0" smtClean="0"/>
+              <a:t> </a:t>
+            </a:r>
+            <a:r>
+              <a:rPr lang="en-US" altLang="ja-JP" sz="1600" dirty="0" err="1" smtClean="0"/>
+              <a:t>wp</a:t>
+            </a:r>
+            <a:r>
+              <a:rPr lang="en-US" altLang="ja-JP" sz="1600" dirty="0" smtClean="0"/>
+              <a:t>_;</a:t>
+            </a:r>
+          </a:p>
+          <a:p>
+            <a:pPr>
+              <a:buNone/>
+            </a:pPr>
+            <a:r>
+              <a:rPr lang="en-US" altLang="ja-JP" sz="1600" dirty="0" smtClean="0"/>
+              <a:t>		        image_ = </a:t>
+            </a:r>
+            <a:r>
+              <a:rPr lang="en-US" altLang="ja-JP" sz="1600" dirty="0" err="1" smtClean="0"/>
+              <a:t>wd.add_widget</a:t>
+            </a:r>
+            <a:r>
+              <a:rPr lang="en-US" altLang="ja-JP" sz="1600" dirty="0" smtClean="0"/>
+              <a:t>&lt;</a:t>
+            </a:r>
+            <a:r>
+              <a:rPr lang="en-US" altLang="ja-JP" sz="1600" dirty="0" err="1" smtClean="0"/>
+              <a:t>widget_image</a:t>
+            </a:r>
+            <a:r>
+              <a:rPr lang="en-US" altLang="ja-JP" sz="1600" dirty="0" smtClean="0"/>
+              <a:t>&gt;(</a:t>
+            </a:r>
+            <a:r>
+              <a:rPr lang="en-US" altLang="ja-JP" sz="1600" dirty="0" err="1" smtClean="0"/>
+              <a:t>wp</a:t>
+            </a:r>
+            <a:r>
+              <a:rPr lang="en-US" altLang="ja-JP" sz="1600" dirty="0" smtClean="0"/>
+              <a:t>, </a:t>
+            </a:r>
+            <a:r>
+              <a:rPr lang="en-US" altLang="ja-JP" sz="1600" dirty="0" err="1" smtClean="0"/>
+              <a:t>wp</a:t>
+            </a:r>
+            <a:r>
+              <a:rPr lang="en-US" altLang="ja-JP" sz="1600" dirty="0" smtClean="0"/>
+              <a:t>_);</a:t>
+            </a:r>
+          </a:p>
+          <a:p>
+            <a:pPr>
+              <a:buNone/>
+            </a:pPr>
+            <a:r>
+              <a:rPr lang="en-US" altLang="ja-JP" sz="1600" dirty="0" smtClean="0"/>
+              <a:t>		        image_-&gt;</a:t>
+            </a:r>
+            <a:r>
+              <a:rPr lang="en-US" altLang="ja-JP" sz="1600" dirty="0" err="1" smtClean="0"/>
+              <a:t>set_state</a:t>
+            </a:r>
+            <a:r>
+              <a:rPr lang="en-US" altLang="ja-JP" sz="1600" dirty="0" smtClean="0"/>
+              <a:t>(widget::state::CLIP_PARENTS);</a:t>
+            </a:r>
+          </a:p>
+          <a:p>
+            <a:pPr>
+              <a:buNone/>
+            </a:pPr>
+            <a:r>
+              <a:rPr lang="en-US" altLang="ja-JP" sz="1600" dirty="0" smtClean="0"/>
+              <a:t>		        image_-&gt;</a:t>
+            </a:r>
+            <a:r>
+              <a:rPr lang="en-US" altLang="ja-JP" sz="1600" dirty="0" err="1" smtClean="0"/>
+              <a:t>set_state</a:t>
+            </a:r>
+            <a:r>
+              <a:rPr lang="en-US" altLang="ja-JP" sz="1600" dirty="0" smtClean="0"/>
+              <a:t>(widget::state::RESIZE_ROOT);</a:t>
+            </a:r>
+          </a:p>
+          <a:p>
+            <a:pPr>
+              <a:buNone/>
+            </a:pPr>
+            <a:r>
+              <a:rPr lang="en-US" altLang="ja-JP" sz="1600" dirty="0" smtClean="0"/>
+              <a:t>		        image_-&gt;</a:t>
+            </a:r>
+            <a:r>
+              <a:rPr lang="en-US" altLang="ja-JP" sz="1600" dirty="0" err="1" smtClean="0"/>
+              <a:t>set_state</a:t>
+            </a:r>
+            <a:r>
+              <a:rPr lang="en-US" altLang="ja-JP" sz="1600" dirty="0" smtClean="0"/>
+              <a:t>(widget::state::MOVE_ROOT, false);</a:t>
+            </a:r>
+          </a:p>
+          <a:p>
+            <a:pPr>
+              <a:buNone/>
+            </a:pPr>
+            <a:r>
+              <a:rPr lang="en-US" altLang="ja-JP" sz="1600" dirty="0" smtClean="0"/>
+              <a:t>		}</a:t>
+            </a:r>
+          </a:p>
+          <a:p>
+            <a:pPr>
+              <a:buNone/>
+            </a:pPr>
+            <a:endParaRPr lang="en-US" altLang="ja-JP" sz="1600" dirty="0" smtClean="0"/>
+          </a:p>
+          <a:p>
+            <a:pPr>
+              <a:buNone/>
+            </a:pPr>
+            <a:endParaRPr kumimoji="1" lang="ja-JP" altLang="en-US" sz="1600" dirty="0"/>
           </a:p>
         </p:txBody>
       </p:sp>
@@ -15553,11 +14356,7 @@
           <a:p>
             <a:r>
               <a:rPr lang="ja-JP" altLang="en-US" dirty="0" smtClean="0"/>
-              <a:t>アプリケーション </a:t>
-            </a:r>
-            <a:r>
-              <a:rPr lang="en-US" altLang="ja-JP" dirty="0" smtClean="0"/>
-              <a:t>update</a:t>
+              <a:t>アプリケーション初期化</a:t>
             </a:r>
             <a:endParaRPr kumimoji="1" lang="ja-JP" altLang="en-US" dirty="0"/>
           </a:p>
@@ -15576,7 +14375,7 @@
         <p:spPr/>
         <p:txBody>
           <a:bodyPr>
-            <a:normAutofit fontScale="47500" lnSpcReduction="20000"/>
+            <a:normAutofit lnSpcReduction="10000"/>
           </a:bodyPr>
           <a:lstStyle/>
           <a:p>
@@ -15584,490 +14383,382 @@
               <a:buNone/>
             </a:pPr>
             <a:r>
-              <a:rPr lang="en-US" altLang="ja-JP" dirty="0" smtClean="0"/>
-              <a:t>	</a:t>
-            </a:r>
-            <a:r>
-              <a:rPr lang="en-US" altLang="ja-JP" dirty="0" smtClean="0"/>
-              <a:t>if</a:t>
-            </a:r>
-            <a:r>
-              <a:rPr lang="en-US" altLang="ja-JP" dirty="0" smtClean="0"/>
-              <a:t>(!</a:t>
-            </a:r>
-            <a:r>
-              <a:rPr lang="en-US" altLang="ja-JP" dirty="0" err="1" smtClean="0"/>
-              <a:t>imfn.empty</a:t>
-            </a:r>
-            <a:r>
-              <a:rPr lang="en-US" altLang="ja-JP" dirty="0" smtClean="0"/>
-              <a:t>()) {</a:t>
-            </a:r>
-          </a:p>
-          <a:p>
-            <a:pPr>
-              <a:buNone/>
-            </a:pPr>
-            <a:r>
-              <a:rPr lang="en-US" altLang="ja-JP" dirty="0" smtClean="0"/>
-              <a:t>	</a:t>
-            </a:r>
-            <a:r>
-              <a:rPr lang="en-US" altLang="ja-JP" dirty="0" smtClean="0"/>
-              <a:t>    </a:t>
-            </a:r>
-            <a:r>
-              <a:rPr lang="en-US" altLang="ja-JP" dirty="0" err="1" smtClean="0"/>
-              <a:t>img</a:t>
-            </a:r>
-            <a:r>
-              <a:rPr lang="en-US" altLang="ja-JP" dirty="0" smtClean="0"/>
+              <a:rPr lang="ja-JP" altLang="en-US" sz="1400" dirty="0" smtClean="0"/>
+              <a:t>		</a:t>
+            </a:r>
+            <a:r>
+              <a:rPr lang="en-US" altLang="ja-JP" sz="1400" dirty="0" smtClean="0"/>
+              <a:t>{ // </a:t>
+            </a:r>
+            <a:r>
+              <a:rPr lang="ja-JP" altLang="en-US" sz="1400" dirty="0" smtClean="0"/>
+              <a:t>機能ツールパレット</a:t>
+            </a:r>
+          </a:p>
+          <a:p>
+            <a:pPr>
+              <a:buNone/>
+            </a:pPr>
+            <a:r>
+              <a:rPr lang="ja-JP" altLang="en-US" sz="1400" dirty="0" smtClean="0"/>
+              <a:t>		        </a:t>
+            </a:r>
+            <a:r>
+              <a:rPr lang="en-US" altLang="ja-JP" sz="1400" dirty="0" smtClean="0"/>
+              <a:t>widget::</a:t>
+            </a:r>
+            <a:r>
+              <a:rPr lang="en-US" altLang="ja-JP" sz="1400" dirty="0" err="1" smtClean="0"/>
+              <a:t>param</a:t>
+            </a:r>
+            <a:r>
+              <a:rPr lang="en-US" altLang="ja-JP" sz="1400" dirty="0" smtClean="0"/>
+              <a:t> </a:t>
+            </a:r>
+            <a:r>
+              <a:rPr lang="en-US" altLang="ja-JP" sz="1400" dirty="0" err="1" smtClean="0"/>
+              <a:t>wp</a:t>
+            </a:r>
+            <a:r>
+              <a:rPr lang="en-US" altLang="ja-JP" sz="1400" dirty="0" smtClean="0"/>
+              <a:t>(</a:t>
+            </a:r>
+            <a:r>
+              <a:rPr lang="en-US" altLang="ja-JP" sz="1400" dirty="0" err="1" smtClean="0"/>
+              <a:t>vtx</a:t>
+            </a:r>
+            <a:r>
+              <a:rPr lang="en-US" altLang="ja-JP" sz="1400" dirty="0" smtClean="0"/>
               <a:t>::</a:t>
             </a:r>
             <a:r>
-              <a:rPr lang="en-US" altLang="ja-JP" dirty="0" err="1" smtClean="0"/>
-              <a:t>img_files</a:t>
-            </a:r>
-            <a:r>
-              <a:rPr lang="en-US" altLang="ja-JP" dirty="0" smtClean="0"/>
-              <a:t>&amp; </a:t>
-            </a:r>
-            <a:r>
-              <a:rPr lang="en-US" altLang="ja-JP" dirty="0" err="1" smtClean="0"/>
-              <a:t>imf</a:t>
-            </a:r>
-            <a:r>
-              <a:rPr lang="en-US" altLang="ja-JP" dirty="0" smtClean="0"/>
-              <a:t> = </a:t>
-            </a:r>
-            <a:r>
-              <a:rPr lang="en-US" altLang="ja-JP" dirty="0" err="1" smtClean="0"/>
-              <a:t>wd.at_img_files</a:t>
-            </a:r>
-            <a:r>
-              <a:rPr lang="en-US" altLang="ja-JP" dirty="0" smtClean="0"/>
-              <a:t>();</a:t>
-            </a:r>
-          </a:p>
-          <a:p>
-            <a:pPr>
-              <a:buNone/>
-            </a:pPr>
-            <a:r>
-              <a:rPr lang="en-US" altLang="ja-JP" dirty="0" smtClean="0"/>
-              <a:t>	</a:t>
-            </a:r>
-            <a:r>
-              <a:rPr lang="en-US" altLang="ja-JP" dirty="0" smtClean="0"/>
-              <a:t>    if</a:t>
-            </a:r>
-            <a:r>
-              <a:rPr lang="en-US" altLang="ja-JP" dirty="0" smtClean="0"/>
-              <a:t>(!</a:t>
-            </a:r>
-            <a:r>
-              <a:rPr lang="en-US" altLang="ja-JP" dirty="0" err="1" smtClean="0"/>
-              <a:t>imf.load</a:t>
-            </a:r>
-            <a:r>
-              <a:rPr lang="en-US" altLang="ja-JP" dirty="0" smtClean="0"/>
+              <a:rPr lang="en-US" altLang="ja-JP" sz="1400" dirty="0" err="1" smtClean="0"/>
+              <a:t>srect</a:t>
+            </a:r>
+            <a:r>
+              <a:rPr lang="en-US" altLang="ja-JP" sz="1400" dirty="0" smtClean="0"/>
+              <a:t>(10, 10, 130, 300));</a:t>
+            </a:r>
+          </a:p>
+          <a:p>
+            <a:pPr>
+              <a:buNone/>
+            </a:pPr>
+            <a:r>
+              <a:rPr lang="en-US" altLang="ja-JP" sz="1400" dirty="0" smtClean="0"/>
+              <a:t>		        </a:t>
+            </a:r>
+            <a:r>
+              <a:rPr lang="en-US" altLang="ja-JP" sz="1400" dirty="0" err="1" smtClean="0"/>
+              <a:t>widget_frame</a:t>
+            </a:r>
+            <a:r>
+              <a:rPr lang="en-US" altLang="ja-JP" sz="1400" dirty="0" smtClean="0"/>
+              <a:t>::</a:t>
+            </a:r>
+            <a:r>
+              <a:rPr lang="en-US" altLang="ja-JP" sz="1400" dirty="0" err="1" smtClean="0"/>
+              <a:t>param</a:t>
+            </a:r>
+            <a:r>
+              <a:rPr lang="en-US" altLang="ja-JP" sz="1400" dirty="0" smtClean="0"/>
+              <a:t> </a:t>
+            </a:r>
+            <a:r>
+              <a:rPr lang="en-US" altLang="ja-JP" sz="1400" dirty="0" err="1" smtClean="0"/>
+              <a:t>wp</a:t>
+            </a:r>
+            <a:r>
+              <a:rPr lang="en-US" altLang="ja-JP" sz="1400" dirty="0" smtClean="0"/>
+              <a:t>_;</a:t>
+            </a:r>
+          </a:p>
+          <a:p>
+            <a:pPr>
+              <a:buNone/>
+            </a:pPr>
+            <a:r>
+              <a:rPr lang="en-US" altLang="ja-JP" sz="1400" dirty="0" smtClean="0"/>
+              <a:t>		        tools_ = </a:t>
+            </a:r>
+            <a:r>
+              <a:rPr lang="en-US" altLang="ja-JP" sz="1400" dirty="0" err="1" smtClean="0"/>
+              <a:t>wd.add_widget</a:t>
+            </a:r>
+            <a:r>
+              <a:rPr lang="en-US" altLang="ja-JP" sz="1400" dirty="0" smtClean="0"/>
+              <a:t>&lt;</a:t>
+            </a:r>
+            <a:r>
+              <a:rPr lang="en-US" altLang="ja-JP" sz="1400" dirty="0" err="1" smtClean="0"/>
+              <a:t>widget_frame</a:t>
+            </a:r>
+            <a:r>
+              <a:rPr lang="en-US" altLang="ja-JP" sz="1400" dirty="0" smtClean="0"/>
+              <a:t>&gt;(</a:t>
+            </a:r>
+            <a:r>
+              <a:rPr lang="en-US" altLang="ja-JP" sz="1400" dirty="0" err="1" smtClean="0"/>
+              <a:t>wp</a:t>
+            </a:r>
+            <a:r>
+              <a:rPr lang="en-US" altLang="ja-JP" sz="1400" dirty="0" smtClean="0"/>
+              <a:t>, </a:t>
+            </a:r>
+            <a:r>
+              <a:rPr lang="en-US" altLang="ja-JP" sz="1400" dirty="0" err="1" smtClean="0"/>
+              <a:t>wp</a:t>
+            </a:r>
+            <a:r>
+              <a:rPr lang="en-US" altLang="ja-JP" sz="1400" dirty="0" smtClean="0"/>
+              <a:t>_);</a:t>
+            </a:r>
+          </a:p>
+          <a:p>
+            <a:pPr>
+              <a:buNone/>
+            </a:pPr>
+            <a:r>
+              <a:rPr lang="en-US" altLang="ja-JP" sz="1400" dirty="0" smtClean="0"/>
+              <a:t>		        tools_-&gt;</a:t>
+            </a:r>
+            <a:r>
+              <a:rPr lang="en-US" altLang="ja-JP" sz="1400" dirty="0" err="1" smtClean="0"/>
+              <a:t>set_state</a:t>
+            </a:r>
+            <a:r>
+              <a:rPr lang="en-US" altLang="ja-JP" sz="1400" dirty="0" smtClean="0"/>
+              <a:t>(widget::state::SIZE_LOCK);</a:t>
+            </a:r>
+          </a:p>
+          <a:p>
+            <a:pPr>
+              <a:buNone/>
+            </a:pPr>
+            <a:r>
+              <a:rPr lang="en-US" altLang="ja-JP" sz="1400" dirty="0" smtClean="0"/>
+              <a:t>		}</a:t>
+            </a:r>
+          </a:p>
+          <a:p>
+            <a:pPr>
+              <a:buNone/>
+            </a:pPr>
+            <a:r>
+              <a:rPr lang="en-US" altLang="ja-JP" sz="1400" dirty="0" smtClean="0"/>
+              <a:t>		{ // </a:t>
+            </a:r>
+            <a:r>
+              <a:rPr lang="ja-JP" altLang="en-US" sz="1400" dirty="0" smtClean="0"/>
+              <a:t>ファイラー起動ボタン</a:t>
+            </a:r>
+          </a:p>
+          <a:p>
+            <a:pPr>
+              <a:buNone/>
+            </a:pPr>
+            <a:r>
+              <a:rPr lang="ja-JP" altLang="en-US" sz="1400" dirty="0" smtClean="0"/>
+              <a:t>		        </a:t>
+            </a:r>
+            <a:r>
+              <a:rPr lang="en-US" altLang="ja-JP" sz="1400" dirty="0" smtClean="0"/>
+              <a:t>widget::</a:t>
+            </a:r>
+            <a:r>
+              <a:rPr lang="en-US" altLang="ja-JP" sz="1400" dirty="0" err="1" smtClean="0"/>
+              <a:t>param</a:t>
+            </a:r>
+            <a:r>
+              <a:rPr lang="en-US" altLang="ja-JP" sz="1400" dirty="0" smtClean="0"/>
+              <a:t> </a:t>
+            </a:r>
+            <a:r>
+              <a:rPr lang="en-US" altLang="ja-JP" sz="1400" dirty="0" err="1" smtClean="0"/>
+              <a:t>wp</a:t>
+            </a:r>
+            <a:r>
+              <a:rPr lang="en-US" altLang="ja-JP" sz="1400" dirty="0" smtClean="0"/>
               <a:t>(</a:t>
             </a:r>
             <a:r>
-              <a:rPr lang="en-US" altLang="ja-JP" dirty="0" err="1" smtClean="0"/>
-              <a:t>imfn</a:t>
-            </a:r>
-            <a:r>
-              <a:rPr lang="en-US" altLang="ja-JP" dirty="0" smtClean="0"/>
-              <a:t>)) {</a:t>
-            </a:r>
-          </a:p>
-          <a:p>
-            <a:pPr>
-              <a:buNone/>
-            </a:pPr>
-            <a:r>
-              <a:rPr lang="en-US" altLang="ja-JP" dirty="0" smtClean="0"/>
-              <a:t>	</a:t>
-            </a:r>
-            <a:r>
-              <a:rPr lang="en-US" altLang="ja-JP" dirty="0" smtClean="0"/>
-              <a:t>        </a:t>
-            </a:r>
-            <a:r>
-              <a:rPr lang="en-US" altLang="ja-JP" dirty="0" smtClean="0"/>
-              <a:t>dialog</a:t>
-            </a:r>
-            <a:r>
-              <a:rPr lang="en-US" altLang="ja-JP" dirty="0" smtClean="0"/>
-              <a:t>_-&gt;</a:t>
-            </a:r>
-            <a:r>
-              <a:rPr lang="en-US" altLang="ja-JP" dirty="0" err="1" smtClean="0"/>
-              <a:t>set_text</a:t>
-            </a:r>
-            <a:r>
-              <a:rPr lang="en-US" altLang="ja-JP" dirty="0" smtClean="0"/>
-              <a:t>("Can't decode image file:\n '"</a:t>
-            </a:r>
-          </a:p>
-          <a:p>
-            <a:pPr>
-              <a:buNone/>
-            </a:pPr>
-            <a:r>
-              <a:rPr lang="en-US" altLang="ja-JP" dirty="0" smtClean="0"/>
+              <a:rPr lang="en-US" altLang="ja-JP" sz="1400" dirty="0" err="1" smtClean="0"/>
+              <a:t>vtx</a:t>
+            </a:r>
+            <a:r>
+              <a:rPr lang="en-US" altLang="ja-JP" sz="1400" dirty="0" smtClean="0"/>
+              <a:t>::</a:t>
+            </a:r>
+            <a:r>
+              <a:rPr lang="en-US" altLang="ja-JP" sz="1400" dirty="0" err="1" smtClean="0"/>
+              <a:t>srect</a:t>
+            </a:r>
+            <a:r>
+              <a:rPr lang="en-US" altLang="ja-JP" sz="1400" dirty="0" smtClean="0"/>
+              <a:t>(10, 10, 100, 40), tools_);</a:t>
+            </a:r>
+          </a:p>
+          <a:p>
+            <a:pPr>
+              <a:buNone/>
+            </a:pPr>
+            <a:r>
+              <a:rPr lang="en-US" altLang="ja-JP" sz="1400" dirty="0" smtClean="0"/>
+              <a:t>		        </a:t>
+            </a:r>
+            <a:r>
+              <a:rPr lang="en-US" altLang="ja-JP" sz="1400" dirty="0" err="1" smtClean="0"/>
+              <a:t>widget_button</a:t>
+            </a:r>
+            <a:r>
+              <a:rPr lang="en-US" altLang="ja-JP" sz="1400" dirty="0" smtClean="0"/>
+              <a:t>::</a:t>
+            </a:r>
+            <a:r>
+              <a:rPr lang="en-US" altLang="ja-JP" sz="1400" dirty="0" err="1" smtClean="0"/>
+              <a:t>param</a:t>
+            </a:r>
+            <a:r>
+              <a:rPr lang="en-US" altLang="ja-JP" sz="1400" dirty="0" smtClean="0"/>
+              <a:t> </a:t>
+            </a:r>
+            <a:r>
+              <a:rPr lang="en-US" altLang="ja-JP" sz="1400" dirty="0" err="1" smtClean="0"/>
+              <a:t>wp</a:t>
+            </a:r>
+            <a:r>
+              <a:rPr lang="en-US" altLang="ja-JP" sz="1400" dirty="0" smtClean="0"/>
+              <a:t>_("file");</a:t>
+            </a:r>
+          </a:p>
+          <a:p>
+            <a:pPr>
+              <a:buNone/>
+            </a:pPr>
+            <a:r>
+              <a:rPr lang="en-US" altLang="ja-JP" sz="1400" dirty="0" smtClean="0"/>
+              <a:t>		        open_ = </a:t>
+            </a:r>
+            <a:r>
+              <a:rPr lang="en-US" altLang="ja-JP" sz="1400" dirty="0" err="1" smtClean="0"/>
+              <a:t>wd.add_widget</a:t>
+            </a:r>
+            <a:r>
+              <a:rPr lang="en-US" altLang="ja-JP" sz="1400" dirty="0" smtClean="0"/>
+              <a:t>&lt;</a:t>
+            </a:r>
+            <a:r>
+              <a:rPr lang="en-US" altLang="ja-JP" sz="1400" dirty="0" err="1" smtClean="0"/>
+              <a:t>widget_button</a:t>
+            </a:r>
+            <a:r>
+              <a:rPr lang="en-US" altLang="ja-JP" sz="1400" dirty="0" smtClean="0"/>
+              <a:t>&gt;(</a:t>
+            </a:r>
+            <a:r>
+              <a:rPr lang="en-US" altLang="ja-JP" sz="1400" dirty="0" err="1" smtClean="0"/>
+              <a:t>wp</a:t>
+            </a:r>
+            <a:r>
+              <a:rPr lang="en-US" altLang="ja-JP" sz="1400" dirty="0" smtClean="0"/>
+              <a:t>, </a:t>
+            </a:r>
+            <a:r>
+              <a:rPr lang="en-US" altLang="ja-JP" sz="1400" dirty="0" err="1" smtClean="0"/>
+              <a:t>wp</a:t>
+            </a:r>
+            <a:r>
+              <a:rPr lang="en-US" altLang="ja-JP" sz="1400" dirty="0" smtClean="0"/>
+              <a:t>_);</a:t>
+            </a:r>
+          </a:p>
+          <a:p>
+            <a:pPr>
+              <a:buNone/>
+            </a:pPr>
+            <a:r>
+              <a:rPr lang="en-US" altLang="ja-JP" sz="1400" dirty="0" smtClean="0"/>
+              <a:t>		}</a:t>
+            </a:r>
+          </a:p>
+          <a:p>
+            <a:pPr>
+              <a:buNone/>
+            </a:pPr>
+            <a:endParaRPr lang="en-US" altLang="ja-JP" sz="1400" dirty="0" smtClean="0"/>
+          </a:p>
+          <a:p>
+            <a:pPr>
+              <a:buNone/>
+            </a:pPr>
+            <a:r>
+              <a:rPr lang="ja-JP" altLang="en-US" sz="1400" dirty="0" smtClean="0"/>
               <a:t>		</a:t>
             </a:r>
             <a:r>
-              <a:rPr lang="en-US" altLang="ja-JP" dirty="0" smtClean="0"/>
-              <a:t>+ </a:t>
-            </a:r>
-            <a:r>
-              <a:rPr lang="en-US" altLang="ja-JP" dirty="0" smtClean="0"/>
-              <a:t>filer_-&gt;</a:t>
-            </a:r>
-            <a:r>
-              <a:rPr lang="en-US" altLang="ja-JP" dirty="0" err="1" smtClean="0"/>
-              <a:t>get_file</a:t>
-            </a:r>
-            <a:r>
-              <a:rPr lang="en-US" altLang="ja-JP" dirty="0" smtClean="0"/>
-              <a:t>() + "'");</a:t>
-            </a:r>
-          </a:p>
-          <a:p>
-            <a:pPr>
-              <a:buNone/>
-            </a:pPr>
-            <a:r>
-              <a:rPr lang="en-US" altLang="ja-JP" dirty="0" smtClean="0"/>
-              <a:t>	</a:t>
-            </a:r>
-            <a:r>
-              <a:rPr lang="en-US" altLang="ja-JP" dirty="0" smtClean="0"/>
-              <a:t>        </a:t>
-            </a:r>
-            <a:r>
-              <a:rPr lang="en-US" altLang="ja-JP" dirty="0" smtClean="0"/>
-              <a:t>dialog</a:t>
-            </a:r>
-            <a:r>
-              <a:rPr lang="en-US" altLang="ja-JP" dirty="0" smtClean="0"/>
-              <a:t>_-&gt;enable();</a:t>
-            </a:r>
-          </a:p>
-          <a:p>
-            <a:pPr>
-              <a:buNone/>
-            </a:pPr>
-            <a:r>
-              <a:rPr lang="en-US" altLang="ja-JP" dirty="0" smtClean="0"/>
-              <a:t>	</a:t>
-            </a:r>
-            <a:r>
-              <a:rPr lang="en-US" altLang="ja-JP" dirty="0" smtClean="0"/>
-              <a:t>    } </a:t>
-            </a:r>
-            <a:r>
-              <a:rPr lang="en-US" altLang="ja-JP" dirty="0" smtClean="0"/>
-              <a:t>else {</a:t>
-            </a:r>
-          </a:p>
-          <a:p>
-            <a:pPr>
-              <a:buNone/>
-            </a:pPr>
-            <a:r>
-              <a:rPr lang="en-US" altLang="ja-JP" dirty="0" smtClean="0"/>
-              <a:t>	</a:t>
-            </a:r>
-            <a:r>
-              <a:rPr lang="en-US" altLang="ja-JP" dirty="0" smtClean="0"/>
-              <a:t>        </a:t>
-            </a:r>
-            <a:r>
-              <a:rPr lang="en-US" altLang="ja-JP" dirty="0" err="1" smtClean="0"/>
-              <a:t>image_offset</a:t>
-            </a:r>
-            <a:r>
-              <a:rPr lang="en-US" altLang="ja-JP" dirty="0" err="1" smtClean="0"/>
-              <a:t>_.set</a:t>
-            </a:r>
-            <a:r>
-              <a:rPr lang="en-US" altLang="ja-JP" dirty="0" smtClean="0"/>
-              <a:t>(0.0f);</a:t>
-            </a:r>
-          </a:p>
-          <a:p>
-            <a:pPr>
-              <a:buNone/>
-            </a:pPr>
-            <a:r>
-              <a:rPr lang="en-US" altLang="ja-JP" dirty="0" smtClean="0"/>
-              <a:t>	</a:t>
-            </a:r>
-            <a:r>
-              <a:rPr lang="en-US" altLang="ja-JP" dirty="0" smtClean="0"/>
-              <a:t>        </a:t>
-            </a:r>
-            <a:r>
-              <a:rPr lang="en-US" altLang="ja-JP" dirty="0" smtClean="0"/>
-              <a:t>frame</a:t>
-            </a:r>
-            <a:r>
-              <a:rPr lang="en-US" altLang="ja-JP" dirty="0" smtClean="0"/>
-              <a:t>_-&gt;</a:t>
-            </a:r>
-            <a:r>
-              <a:rPr lang="en-US" altLang="ja-JP" dirty="0" err="1" smtClean="0"/>
-              <a:t>at_local_param</a:t>
-            </a:r>
-            <a:r>
-              <a:rPr lang="en-US" altLang="ja-JP" dirty="0" smtClean="0"/>
-              <a:t>().</a:t>
-            </a:r>
-            <a:r>
-              <a:rPr lang="en-US" altLang="ja-JP" dirty="0" err="1" smtClean="0"/>
-              <a:t>text_param_.text</a:t>
-            </a:r>
-            <a:r>
-              <a:rPr lang="en-US" altLang="ja-JP" dirty="0" smtClean="0"/>
-              <a:t>_ = </a:t>
-            </a:r>
-            <a:r>
-              <a:rPr lang="en-US" altLang="ja-JP" dirty="0" err="1" smtClean="0"/>
-              <a:t>imfn</a:t>
-            </a:r>
-            <a:r>
-              <a:rPr lang="en-US" altLang="ja-JP" dirty="0" smtClean="0"/>
-              <a:t>;</a:t>
-            </a:r>
-          </a:p>
-          <a:p>
-            <a:pPr>
-              <a:buNone/>
-            </a:pPr>
-            <a:r>
-              <a:rPr lang="en-US" altLang="ja-JP" dirty="0" smtClean="0"/>
-              <a:t>	</a:t>
-            </a:r>
-            <a:r>
-              <a:rPr lang="en-US" altLang="ja-JP" dirty="0" smtClean="0"/>
-              <a:t>        </a:t>
-            </a:r>
-            <a:r>
-              <a:rPr lang="en-US" altLang="ja-JP" dirty="0" err="1" smtClean="0"/>
-              <a:t>mobj</a:t>
-            </a:r>
-            <a:r>
-              <a:rPr lang="en-US" altLang="ja-JP" dirty="0" err="1" smtClean="0"/>
-              <a:t>_.destroy</a:t>
-            </a:r>
-            <a:r>
-              <a:rPr lang="en-US" altLang="ja-JP" dirty="0" smtClean="0"/>
-              <a:t>();</a:t>
-            </a:r>
-          </a:p>
-          <a:p>
-            <a:pPr>
-              <a:buNone/>
-            </a:pPr>
-            <a:r>
-              <a:rPr lang="en-US" altLang="ja-JP" dirty="0" smtClean="0"/>
-              <a:t>	</a:t>
-            </a:r>
-            <a:r>
-              <a:rPr lang="en-US" altLang="ja-JP" dirty="0" smtClean="0"/>
-              <a:t>        </a:t>
-            </a:r>
-            <a:r>
-              <a:rPr lang="en-US" altLang="ja-JP" dirty="0" err="1" smtClean="0"/>
-              <a:t>mobj</a:t>
-            </a:r>
-            <a:r>
-              <a:rPr lang="en-US" altLang="ja-JP" dirty="0" err="1" smtClean="0"/>
-              <a:t>_.initialize</a:t>
-            </a:r>
-            <a:r>
-              <a:rPr lang="en-US" altLang="ja-JP" dirty="0" smtClean="0"/>
-              <a:t>();</a:t>
-            </a:r>
-          </a:p>
-          <a:p>
-            <a:pPr>
-              <a:buNone/>
-            </a:pPr>
-            <a:r>
-              <a:rPr lang="en-US" altLang="ja-JP" dirty="0" smtClean="0"/>
-              <a:t>	</a:t>
-            </a:r>
-            <a:r>
-              <a:rPr lang="en-US" altLang="ja-JP" dirty="0" smtClean="0"/>
-              <a:t>        </a:t>
-            </a:r>
-            <a:r>
-              <a:rPr lang="en-US" altLang="ja-JP" dirty="0" err="1" smtClean="0"/>
-              <a:t>img_handle</a:t>
-            </a:r>
-            <a:r>
-              <a:rPr lang="en-US" altLang="ja-JP" dirty="0" smtClean="0"/>
-              <a:t>_ = </a:t>
-            </a:r>
-            <a:r>
-              <a:rPr lang="en-US" altLang="ja-JP" dirty="0" err="1" smtClean="0"/>
-              <a:t>mobj_.install</a:t>
-            </a:r>
-            <a:r>
-              <a:rPr lang="en-US" altLang="ja-JP" dirty="0" smtClean="0"/>
-              <a:t>(</a:t>
-            </a:r>
-            <a:r>
-              <a:rPr lang="en-US" altLang="ja-JP" dirty="0" err="1" smtClean="0"/>
-              <a:t>imf.get_image_if</a:t>
-            </a:r>
-            <a:r>
-              <a:rPr lang="en-US" altLang="ja-JP" dirty="0" smtClean="0"/>
-              <a:t>());</a:t>
-            </a:r>
-          </a:p>
-          <a:p>
-            <a:pPr>
-              <a:buNone/>
-            </a:pPr>
-            <a:r>
-              <a:rPr lang="en-US" altLang="ja-JP" dirty="0" smtClean="0"/>
-              <a:t>	</a:t>
-            </a:r>
-            <a:r>
-              <a:rPr lang="en-US" altLang="ja-JP" dirty="0" smtClean="0"/>
-              <a:t>        </a:t>
-            </a:r>
-            <a:r>
-              <a:rPr lang="en-US" altLang="ja-JP" dirty="0" smtClean="0"/>
-              <a:t>image</a:t>
-            </a:r>
-            <a:r>
-              <a:rPr lang="en-US" altLang="ja-JP" dirty="0" smtClean="0"/>
-              <a:t>_-&gt;</a:t>
-            </a:r>
-            <a:r>
-              <a:rPr lang="en-US" altLang="ja-JP" dirty="0" err="1" smtClean="0"/>
-              <a:t>at_local_param</a:t>
-            </a:r>
-            <a:r>
-              <a:rPr lang="en-US" altLang="ja-JP" dirty="0" smtClean="0"/>
-              <a:t>().</a:t>
-            </a:r>
-            <a:r>
-              <a:rPr lang="en-US" altLang="ja-JP" dirty="0" err="1" smtClean="0"/>
-              <a:t>mobj</a:t>
-            </a:r>
-            <a:r>
-              <a:rPr lang="en-US" altLang="ja-JP" dirty="0" smtClean="0"/>
-              <a:t>_ = </a:t>
-            </a:r>
-            <a:r>
-              <a:rPr lang="en-US" altLang="ja-JP" dirty="0" err="1" smtClean="0"/>
-              <a:t>mobj</a:t>
-            </a:r>
-            <a:r>
-              <a:rPr lang="en-US" altLang="ja-JP" dirty="0" smtClean="0"/>
-              <a:t>_;</a:t>
-            </a:r>
-          </a:p>
-          <a:p>
-            <a:pPr>
-              <a:buNone/>
-            </a:pPr>
-            <a:r>
-              <a:rPr lang="en-US" altLang="ja-JP" dirty="0" smtClean="0"/>
-              <a:t>	</a:t>
-            </a:r>
-            <a:r>
-              <a:rPr lang="en-US" altLang="ja-JP" dirty="0" smtClean="0"/>
-              <a:t>        </a:t>
-            </a:r>
-            <a:r>
-              <a:rPr lang="en-US" altLang="ja-JP" dirty="0" smtClean="0"/>
-              <a:t>image</a:t>
-            </a:r>
-            <a:r>
-              <a:rPr lang="en-US" altLang="ja-JP" dirty="0" smtClean="0"/>
-              <a:t>_-&gt;</a:t>
-            </a:r>
-            <a:r>
-              <a:rPr lang="en-US" altLang="ja-JP" dirty="0" err="1" smtClean="0"/>
-              <a:t>at_local_param</a:t>
-            </a:r>
-            <a:r>
-              <a:rPr lang="en-US" altLang="ja-JP" dirty="0" smtClean="0"/>
-              <a:t>().</a:t>
-            </a:r>
-            <a:r>
-              <a:rPr lang="en-US" altLang="ja-JP" dirty="0" err="1" smtClean="0"/>
-              <a:t>mobj_handle</a:t>
-            </a:r>
-            <a:r>
-              <a:rPr lang="en-US" altLang="ja-JP" dirty="0" smtClean="0"/>
-              <a:t>_ = </a:t>
-            </a:r>
-            <a:r>
-              <a:rPr lang="en-US" altLang="ja-JP" dirty="0" err="1" smtClean="0"/>
-              <a:t>img_handle</a:t>
-            </a:r>
-            <a:r>
-              <a:rPr lang="en-US" altLang="ja-JP" dirty="0" smtClean="0"/>
-              <a:t>_;</a:t>
-            </a:r>
-          </a:p>
-          <a:p>
-            <a:pPr>
-              <a:buNone/>
-            </a:pPr>
-            <a:r>
-              <a:rPr lang="en-US" altLang="ja-JP" dirty="0" smtClean="0"/>
-              <a:t>	</a:t>
-            </a:r>
-            <a:r>
-              <a:rPr lang="en-US" altLang="ja-JP" dirty="0" smtClean="0"/>
-              <a:t>    }</a:t>
-            </a:r>
-          </a:p>
-          <a:p>
-            <a:pPr>
-              <a:buNone/>
-            </a:pPr>
-            <a:r>
-              <a:rPr lang="en-US" altLang="ja-JP" dirty="0" smtClean="0"/>
-              <a:t>	</a:t>
-            </a:r>
-            <a:r>
-              <a:rPr lang="en-US" altLang="ja-JP" dirty="0" smtClean="0"/>
-              <a:t>}</a:t>
-            </a:r>
-          </a:p>
-          <a:p>
-            <a:pPr>
-              <a:buNone/>
-            </a:pPr>
-            <a:endParaRPr lang="en-US" altLang="ja-JP" dirty="0" smtClean="0"/>
-          </a:p>
-          <a:p>
-            <a:pPr>
-              <a:buNone/>
-            </a:pPr>
-            <a:r>
-              <a:rPr lang="en-US" altLang="ja-JP" dirty="0" smtClean="0"/>
-              <a:t>	</a:t>
-            </a:r>
-            <a:r>
-              <a:rPr lang="en-US" altLang="ja-JP" dirty="0" err="1" smtClean="0"/>
-              <a:t>wd.update</a:t>
-            </a:r>
-            <a:r>
-              <a:rPr lang="en-US" altLang="ja-JP" dirty="0" smtClean="0"/>
-              <a:t>();</a:t>
+              <a:rPr lang="en-US" altLang="ja-JP" sz="1400" dirty="0" smtClean="0"/>
+              <a:t>// </a:t>
+            </a:r>
+            <a:r>
+              <a:rPr lang="ja-JP" altLang="en-US" sz="1400" dirty="0" smtClean="0"/>
+              <a:t>プリファレンスの取得</a:t>
+            </a:r>
+          </a:p>
+          <a:p>
+            <a:pPr>
+              <a:buNone/>
+            </a:pPr>
+            <a:r>
+              <a:rPr lang="ja-JP" altLang="en-US" sz="1400" dirty="0" smtClean="0"/>
+              <a:t>		</a:t>
+            </a:r>
+            <a:r>
+              <a:rPr lang="en-US" altLang="ja-JP" sz="1400" dirty="0" smtClean="0"/>
+              <a:t>sys::preference&amp; pre = </a:t>
+            </a:r>
+            <a:r>
+              <a:rPr lang="en-US" altLang="ja-JP" sz="1400" dirty="0" err="1" smtClean="0"/>
+              <a:t>director_.at</a:t>
+            </a:r>
+            <a:r>
+              <a:rPr lang="en-US" altLang="ja-JP" sz="1400" dirty="0" smtClean="0"/>
+              <a:t>().preference_;</a:t>
+            </a:r>
+          </a:p>
+          <a:p>
+            <a:pPr>
+              <a:buNone/>
+            </a:pPr>
+            <a:r>
+              <a:rPr lang="en-US" altLang="ja-JP" sz="1400" dirty="0" smtClean="0"/>
+              <a:t>		if(filer_) {</a:t>
+            </a:r>
+          </a:p>
+          <a:p>
+            <a:pPr>
+              <a:buNone/>
+            </a:pPr>
+            <a:r>
+              <a:rPr lang="en-US" altLang="ja-JP" sz="1400" dirty="0" smtClean="0"/>
+              <a:t>		        frame_-&gt;load(pre);</a:t>
+            </a:r>
+          </a:p>
+          <a:p>
+            <a:pPr>
+              <a:buNone/>
+            </a:pPr>
+            <a:r>
+              <a:rPr lang="en-US" altLang="ja-JP" sz="1400" dirty="0" smtClean="0"/>
+              <a:t>		}</a:t>
+            </a:r>
+          </a:p>
+          <a:p>
+            <a:pPr>
+              <a:buNone/>
+            </a:pPr>
+            <a:r>
+              <a:rPr lang="en-US" altLang="ja-JP" sz="1400" dirty="0" smtClean="0"/>
+              <a:t>	}</a:t>
             </a:r>
           </a:p>
           <a:p>
@@ -16113,14 +14804,23 @@
             <p:ph type="title"/>
           </p:nvPr>
         </p:nvSpPr>
-        <p:spPr/>
+        <p:spPr>
+          <a:xfrm>
+            <a:off x="457200" y="274638"/>
+            <a:ext cx="8229600" cy="778098"/>
+          </a:xfrm>
+        </p:spPr>
         <p:txBody>
           <a:bodyPr/>
           <a:lstStyle/>
           <a:p>
             <a:r>
               <a:rPr lang="ja-JP" altLang="en-US" dirty="0" smtClean="0"/>
-              <a:t>アプリケーション・レンダリング</a:t>
+              <a:t>アプリケーション </a:t>
+            </a:r>
+            <a:r>
+              <a:rPr lang="en-US" altLang="ja-JP" dirty="0" smtClean="0"/>
+              <a:t>update</a:t>
             </a:r>
             <a:endParaRPr kumimoji="1" lang="ja-JP" altLang="en-US" dirty="0"/>
           </a:p>
@@ -16136,33 +14836,40 @@
             <p:ph idx="1"/>
           </p:nvPr>
         </p:nvSpPr>
-        <p:spPr/>
+        <p:spPr>
+          <a:xfrm>
+            <a:off x="457200" y="1124744"/>
+            <a:ext cx="8229600" cy="5328592"/>
+          </a:xfrm>
+        </p:spPr>
         <p:txBody>
-          <a:bodyPr/>
+          <a:bodyPr>
+            <a:normAutofit lnSpcReduction="10000"/>
+          </a:bodyPr>
           <a:lstStyle/>
           <a:p>
             <a:pPr>
               <a:buNone/>
             </a:pPr>
             <a:r>
-              <a:rPr lang="en-US" altLang="ja-JP" sz="1600" dirty="0" smtClean="0"/>
+              <a:rPr lang="en-US" altLang="ja-JP" sz="1400" dirty="0" smtClean="0"/>
               <a:t>	void </a:t>
             </a:r>
             <a:r>
-              <a:rPr lang="en-US" altLang="ja-JP" sz="1600" dirty="0" err="1" smtClean="0"/>
-              <a:t>img_main</a:t>
-            </a:r>
-            <a:r>
-              <a:rPr lang="en-US" altLang="ja-JP" sz="1600" dirty="0" smtClean="0"/>
-              <a:t>::render()</a:t>
-            </a:r>
-          </a:p>
-          <a:p>
-            <a:pPr>
-              <a:buNone/>
-            </a:pPr>
-            <a:r>
-              <a:rPr lang="en-US" altLang="ja-JP" sz="1600" dirty="0" smtClean="0"/>
+              <a:rPr lang="en-US" altLang="ja-JP" sz="1400" dirty="0" err="1" smtClean="0"/>
+              <a:t>amg_main</a:t>
+            </a:r>
+            <a:r>
+              <a:rPr lang="en-US" altLang="ja-JP" sz="1400" dirty="0" smtClean="0"/>
+              <a:t>::update()</a:t>
+            </a:r>
+          </a:p>
+          <a:p>
+            <a:pPr>
+              <a:buNone/>
+            </a:pPr>
+            <a:r>
+              <a:rPr lang="en-US" altLang="ja-JP" sz="1400" dirty="0" smtClean="0"/>
               <a:t>	{</a:t>
             </a:r>
           </a:p>
@@ -16171,23 +14878,213 @@
               <a:buNone/>
             </a:pPr>
             <a:r>
-              <a:rPr lang="en-US" altLang="ja-JP" sz="1600" dirty="0" smtClean="0"/>
+              <a:rPr lang="en-US" altLang="ja-JP" sz="1400" dirty="0" smtClean="0"/>
               <a:t>		</a:t>
             </a:r>
             <a:r>
-              <a:rPr lang="en-US" altLang="ja-JP" sz="1600" dirty="0" err="1" smtClean="0"/>
+              <a:rPr lang="en-US" altLang="ja-JP" sz="1400" dirty="0" err="1" smtClean="0"/>
+              <a:t>gui</a:t>
+            </a:r>
+            <a:r>
+              <a:rPr lang="en-US" altLang="ja-JP" sz="1400" dirty="0" smtClean="0"/>
+              <a:t>::</a:t>
+            </a:r>
+            <a:r>
+              <a:rPr lang="en-US" altLang="ja-JP" sz="1400" dirty="0" err="1" smtClean="0"/>
+              <a:t>widget_director</a:t>
+            </a:r>
+            <a:r>
+              <a:rPr lang="en-US" altLang="ja-JP" sz="1400" dirty="0" smtClean="0"/>
+              <a:t>&amp; wd = </a:t>
+            </a:r>
+            <a:r>
+              <a:rPr lang="en-US" altLang="ja-JP" sz="1400" dirty="0" err="1" smtClean="0"/>
               <a:t>director_.at</a:t>
             </a:r>
             <a:r>
-              <a:rPr lang="en-US" altLang="ja-JP" sz="1600" dirty="0" smtClean="0"/>
+              <a:rPr lang="en-US" altLang="ja-JP" sz="1400" dirty="0" smtClean="0"/>
               <a:t>().</a:t>
             </a:r>
             <a:r>
-              <a:rPr lang="en-US" altLang="ja-JP" sz="1600" dirty="0" err="1" smtClean="0"/>
-              <a:t>widget_director_.service</a:t>
-            </a:r>
-            <a:r>
-              <a:rPr lang="en-US" altLang="ja-JP" sz="1600" dirty="0" smtClean="0"/>
+              <a:rPr lang="en-US" altLang="ja-JP" sz="1400" dirty="0" err="1" smtClean="0"/>
+              <a:t>widget_director</a:t>
+            </a:r>
+            <a:r>
+              <a:rPr lang="en-US" altLang="ja-JP" sz="1400" dirty="0" smtClean="0"/>
+              <a:t>_;</a:t>
+            </a:r>
+          </a:p>
+          <a:p>
+            <a:pPr>
+              <a:buNone/>
+            </a:pPr>
+            <a:endParaRPr lang="en-US" altLang="ja-JP" sz="1400" dirty="0" smtClean="0"/>
+          </a:p>
+          <a:p>
+            <a:pPr>
+              <a:buNone/>
+            </a:pPr>
+            <a:r>
+              <a:rPr lang="en-US" altLang="ja-JP" sz="1400" dirty="0" smtClean="0"/>
+              <a:t>		if(open_) {</a:t>
+            </a:r>
+          </a:p>
+          <a:p>
+            <a:pPr>
+              <a:buNone/>
+            </a:pPr>
+            <a:r>
+              <a:rPr lang="en-US" altLang="ja-JP" sz="1400" dirty="0" smtClean="0"/>
+              <a:t>		</a:t>
+            </a:r>
+            <a:r>
+              <a:rPr lang="ja-JP" altLang="en-US" sz="1400" dirty="0" smtClean="0"/>
+              <a:t>    </a:t>
+            </a:r>
+            <a:r>
+              <a:rPr lang="en-US" altLang="ja-JP" sz="1400" dirty="0" smtClean="0"/>
+              <a:t>if(open_-&gt;</a:t>
+            </a:r>
+            <a:r>
+              <a:rPr lang="en-US" altLang="ja-JP" sz="1400" dirty="0" err="1" smtClean="0"/>
+              <a:t>get_selected</a:t>
+            </a:r>
+            <a:r>
+              <a:rPr lang="en-US" altLang="ja-JP" sz="1400" dirty="0" smtClean="0"/>
+              <a:t>()) {</a:t>
+            </a:r>
+          </a:p>
+          <a:p>
+            <a:pPr>
+              <a:buNone/>
+            </a:pPr>
+            <a:r>
+              <a:rPr lang="en-US" altLang="ja-JP" sz="1400" dirty="0" smtClean="0"/>
+              <a:t>		        if(filer_) {</a:t>
+            </a:r>
+          </a:p>
+          <a:p>
+            <a:pPr>
+              <a:buNone/>
+            </a:pPr>
+            <a:r>
+              <a:rPr lang="en-US" altLang="ja-JP" sz="1400" dirty="0" smtClean="0"/>
+              <a:t>		            </a:t>
+            </a:r>
+            <a:r>
+              <a:rPr lang="en-US" altLang="ja-JP" sz="1400" dirty="0" err="1" smtClean="0"/>
+              <a:t>bool</a:t>
+            </a:r>
+            <a:r>
+              <a:rPr lang="en-US" altLang="ja-JP" sz="1400" dirty="0" smtClean="0"/>
+              <a:t> f = filer_-&gt;</a:t>
+            </a:r>
+            <a:r>
+              <a:rPr lang="en-US" altLang="ja-JP" sz="1400" dirty="0" err="1" smtClean="0"/>
+              <a:t>get_state</a:t>
+            </a:r>
+            <a:r>
+              <a:rPr lang="en-US" altLang="ja-JP" sz="1400" dirty="0" smtClean="0"/>
+              <a:t>(</a:t>
+            </a:r>
+            <a:r>
+              <a:rPr lang="en-US" altLang="ja-JP" sz="1400" dirty="0" err="1" smtClean="0"/>
+              <a:t>gui</a:t>
+            </a:r>
+            <a:r>
+              <a:rPr lang="en-US" altLang="ja-JP" sz="1400" dirty="0" smtClean="0"/>
+              <a:t>::widget::state::ENABLE);</a:t>
+            </a:r>
+          </a:p>
+          <a:p>
+            <a:pPr>
+              <a:buNone/>
+            </a:pPr>
+            <a:r>
+              <a:rPr lang="en-US" altLang="ja-JP" sz="1400" dirty="0" smtClean="0"/>
+              <a:t>		            filer_-&gt;enable(!f);</a:t>
+            </a:r>
+          </a:p>
+          <a:p>
+            <a:pPr>
+              <a:buNone/>
+            </a:pPr>
+            <a:r>
+              <a:rPr lang="en-US" altLang="ja-JP" sz="1400" dirty="0" smtClean="0"/>
+              <a:t>		        }</a:t>
+            </a:r>
+          </a:p>
+          <a:p>
+            <a:pPr>
+              <a:buNone/>
+            </a:pPr>
+            <a:r>
+              <a:rPr lang="en-US" altLang="ja-JP" sz="1400" dirty="0" smtClean="0"/>
+              <a:t>		    }</a:t>
+            </a:r>
+          </a:p>
+          <a:p>
+            <a:pPr>
+              <a:buNone/>
+            </a:pPr>
+            <a:r>
+              <a:rPr lang="en-US" altLang="ja-JP" sz="1400" dirty="0" smtClean="0"/>
+              <a:t>		}</a:t>
+            </a:r>
+          </a:p>
+          <a:p>
+            <a:pPr>
+              <a:buNone/>
+            </a:pPr>
+            <a:endParaRPr lang="en-US" altLang="ja-JP" sz="1400" dirty="0" smtClean="0"/>
+          </a:p>
+          <a:p>
+            <a:pPr>
+              <a:buNone/>
+            </a:pPr>
+            <a:r>
+              <a:rPr lang="en-US" altLang="ja-JP" sz="1400" dirty="0" smtClean="0"/>
+              <a:t>		std::string </a:t>
+            </a:r>
+            <a:r>
+              <a:rPr lang="en-US" altLang="ja-JP" sz="1400" dirty="0" err="1" smtClean="0"/>
+              <a:t>imfn</a:t>
+            </a:r>
+            <a:r>
+              <a:rPr lang="en-US" altLang="ja-JP" sz="1400" dirty="0" smtClean="0"/>
+              <a:t>;</a:t>
+            </a:r>
+          </a:p>
+          <a:p>
+            <a:pPr>
+              <a:buNone/>
+            </a:pPr>
+            <a:r>
+              <a:rPr lang="en-US" altLang="ja-JP" sz="1400" dirty="0" smtClean="0"/>
+              <a:t>		</a:t>
+            </a:r>
+            <a:r>
+              <a:rPr lang="en-US" altLang="ja-JP" sz="1400" dirty="0" err="1" smtClean="0"/>
+              <a:t>int</a:t>
+            </a:r>
+            <a:r>
+              <a:rPr lang="en-US" altLang="ja-JP" sz="1400" dirty="0" smtClean="0"/>
+              <a:t> id = </a:t>
+            </a:r>
+            <a:r>
+              <a:rPr lang="en-US" altLang="ja-JP" sz="1400" dirty="0" err="1" smtClean="0"/>
+              <a:t>igl</a:t>
+            </a:r>
+            <a:r>
+              <a:rPr lang="en-US" altLang="ja-JP" sz="1400" dirty="0" smtClean="0"/>
+              <a:t>-&gt;</a:t>
+            </a:r>
+            <a:r>
+              <a:rPr lang="en-US" altLang="ja-JP" sz="1400" dirty="0" err="1" smtClean="0"/>
+              <a:t>get_recv_file_id</a:t>
+            </a:r>
+            <a:r>
+              <a:rPr lang="en-US" altLang="ja-JP" sz="1400" dirty="0" smtClean="0"/>
               <a:t>();</a:t>
             </a:r>
           </a:p>
@@ -16196,23 +15093,73 @@
               <a:buNone/>
             </a:pPr>
             <a:r>
-              <a:rPr lang="en-US" altLang="ja-JP" sz="1600" dirty="0" smtClean="0"/>
-              <a:t>		</a:t>
-            </a:r>
-            <a:r>
-              <a:rPr lang="en-US" altLang="ja-JP" sz="1600" dirty="0" err="1" smtClean="0"/>
-              <a:t>director_.at</a:t>
-            </a:r>
-            <a:r>
-              <a:rPr lang="en-US" altLang="ja-JP" sz="1600" dirty="0" smtClean="0"/>
-              <a:t>().</a:t>
-            </a:r>
-            <a:r>
-              <a:rPr lang="en-US" altLang="ja-JP" sz="1600" dirty="0" err="1" smtClean="0"/>
-              <a:t>widget_director_.render</a:t>
-            </a:r>
-            <a:r>
-              <a:rPr lang="en-US" altLang="ja-JP" sz="1600" dirty="0" smtClean="0"/>
+              <a:rPr lang="en-US" altLang="ja-JP" sz="1400" dirty="0" smtClean="0"/>
+              <a:t>		if(</a:t>
+            </a:r>
+            <a:r>
+              <a:rPr lang="en-US" altLang="ja-JP" sz="1400" dirty="0" err="1" smtClean="0"/>
+              <a:t>dd_id</a:t>
+            </a:r>
+            <a:r>
+              <a:rPr lang="en-US" altLang="ja-JP" sz="1400" dirty="0" smtClean="0"/>
+              <a:t>_ != id) {</a:t>
+            </a:r>
+          </a:p>
+          <a:p>
+            <a:pPr>
+              <a:buNone/>
+            </a:pPr>
+            <a:r>
+              <a:rPr lang="en-US" altLang="ja-JP" sz="1400" dirty="0" smtClean="0"/>
+              <a:t>		    </a:t>
+            </a:r>
+            <a:r>
+              <a:rPr lang="en-US" altLang="ja-JP" sz="1400" dirty="0" err="1" smtClean="0"/>
+              <a:t>dd_id</a:t>
+            </a:r>
+            <a:r>
+              <a:rPr lang="en-US" altLang="ja-JP" sz="1400" dirty="0" smtClean="0"/>
+              <a:t>_ = id;</a:t>
+            </a:r>
+          </a:p>
+          <a:p>
+            <a:pPr>
+              <a:buNone/>
+            </a:pPr>
+            <a:r>
+              <a:rPr lang="en-US" altLang="ja-JP" sz="1400" dirty="0" smtClean="0"/>
+              <a:t>		    const </a:t>
+            </a:r>
+            <a:r>
+              <a:rPr lang="en-US" altLang="ja-JP" sz="1400" dirty="0" err="1" smtClean="0"/>
+              <a:t>utils</a:t>
+            </a:r>
+            <a:r>
+              <a:rPr lang="en-US" altLang="ja-JP" sz="1400" dirty="0" smtClean="0"/>
+              <a:t>::strings&amp; </a:t>
+            </a:r>
+            <a:r>
+              <a:rPr lang="en-US" altLang="ja-JP" sz="1400" dirty="0" err="1" smtClean="0"/>
+              <a:t>ss</a:t>
+            </a:r>
+            <a:r>
+              <a:rPr lang="en-US" altLang="ja-JP" sz="1400" dirty="0" smtClean="0"/>
+              <a:t> = </a:t>
+            </a:r>
+            <a:r>
+              <a:rPr lang="en-US" altLang="ja-JP" sz="1400" dirty="0" err="1" smtClean="0"/>
+              <a:t>igl</a:t>
+            </a:r>
+            <a:r>
+              <a:rPr lang="en-US" altLang="ja-JP" sz="1400" dirty="0" smtClean="0"/>
+              <a:t>-&gt;</a:t>
+            </a:r>
+            <a:r>
+              <a:rPr lang="en-US" altLang="ja-JP" sz="1400" dirty="0" err="1" smtClean="0"/>
+              <a:t>get_recv_file_path</a:t>
+            </a:r>
+            <a:r>
+              <a:rPr lang="en-US" altLang="ja-JP" sz="1400" dirty="0" smtClean="0"/>
               <a:t>();</a:t>
             </a:r>
           </a:p>
@@ -16221,15 +15168,78 @@
               <a:buNone/>
             </a:pPr>
             <a:r>
-              <a:rPr lang="en-US" altLang="ja-JP" sz="1600" dirty="0" smtClean="0"/>
-              <a:t>	}</a:t>
-            </a:r>
-          </a:p>
-          <a:p>
-            <a:pPr>
-              <a:buNone/>
-            </a:pPr>
-            <a:endParaRPr kumimoji="1" lang="ja-JP" altLang="en-US" sz="1600" dirty="0"/>
+              <a:rPr lang="en-US" altLang="ja-JP" sz="1400" dirty="0" smtClean="0"/>
+              <a:t>		    if(!</a:t>
+            </a:r>
+            <a:r>
+              <a:rPr lang="en-US" altLang="ja-JP" sz="1400" dirty="0" err="1" smtClean="0"/>
+              <a:t>ss.empty</a:t>
+            </a:r>
+            <a:r>
+              <a:rPr lang="en-US" altLang="ja-JP" sz="1400" dirty="0" smtClean="0"/>
+              <a:t>()) {</a:t>
+            </a:r>
+          </a:p>
+          <a:p>
+            <a:pPr>
+              <a:buNone/>
+            </a:pPr>
+            <a:r>
+              <a:rPr lang="en-US" altLang="ja-JP" sz="1400" dirty="0" smtClean="0"/>
+              <a:t>		        </a:t>
+            </a:r>
+            <a:r>
+              <a:rPr lang="en-US" altLang="ja-JP" sz="1400" dirty="0" err="1" smtClean="0"/>
+              <a:t>imfn</a:t>
+            </a:r>
+            <a:r>
+              <a:rPr lang="en-US" altLang="ja-JP" sz="1400" dirty="0" smtClean="0"/>
+              <a:t> = </a:t>
+            </a:r>
+            <a:r>
+              <a:rPr lang="en-US" altLang="ja-JP" sz="1400" dirty="0" err="1" smtClean="0"/>
+              <a:t>ss.back</a:t>
+            </a:r>
+            <a:r>
+              <a:rPr lang="en-US" altLang="ja-JP" sz="1400" dirty="0" smtClean="0"/>
+              <a:t>();</a:t>
+            </a:r>
+          </a:p>
+          <a:p>
+            <a:pPr>
+              <a:buNone/>
+            </a:pPr>
+            <a:r>
+              <a:rPr lang="en-US" altLang="ja-JP" sz="1400" dirty="0" smtClean="0"/>
+              <a:t>		    }</a:t>
+            </a:r>
+          </a:p>
+          <a:p>
+            <a:pPr>
+              <a:buNone/>
+            </a:pPr>
+            <a:r>
+              <a:rPr lang="en-US" altLang="ja-JP" sz="1400" dirty="0" smtClean="0"/>
+              <a:t>		}</a:t>
+            </a:r>
+          </a:p>
+          <a:p>
+            <a:pPr>
+              <a:buNone/>
+            </a:pPr>
+            <a:endParaRPr lang="en-US" altLang="ja-JP" sz="1400" dirty="0" smtClean="0"/>
+          </a:p>
+          <a:p>
+            <a:pPr>
+              <a:buNone/>
+            </a:pPr>
+            <a:endParaRPr lang="en-US" altLang="ja-JP" sz="1600" dirty="0" smtClean="0"/>
+          </a:p>
+          <a:p>
+            <a:pPr>
+              <a:buNone/>
+            </a:pPr>
+            <a:endParaRPr kumimoji="1" lang="ja-JP" altLang="en-US" dirty="0"/>
           </a:p>
         </p:txBody>
       </p:sp>
@@ -16268,14 +15278,25 @@
             <p:ph type="title"/>
           </p:nvPr>
         </p:nvSpPr>
-        <p:spPr/>
+        <p:spPr>
+          <a:xfrm>
+            <a:off x="457200" y="274638"/>
+            <a:ext cx="8229600" cy="706090"/>
+          </a:xfrm>
+        </p:spPr>
         <p:txBody>
-          <a:bodyPr/>
+          <a:bodyPr>
+            <a:normAutofit/>
+          </a:bodyPr>
           <a:lstStyle/>
           <a:p>
             <a:r>
               <a:rPr lang="ja-JP" altLang="en-US" dirty="0" smtClean="0"/>
-              <a:t>アプリケーション廃棄</a:t>
+              <a:t>アプリケーション </a:t>
+            </a:r>
+            <a:r>
+              <a:rPr lang="en-US" altLang="ja-JP" dirty="0" smtClean="0"/>
+              <a:t>update</a:t>
             </a:r>
             <a:endParaRPr kumimoji="1" lang="ja-JP" altLang="en-US" dirty="0"/>
           </a:p>
@@ -16291,10 +15312,15 @@
             <p:ph idx="1"/>
           </p:nvPr>
         </p:nvSpPr>
-        <p:spPr/>
+        <p:spPr>
+          <a:xfrm>
+            <a:off x="457200" y="1196752"/>
+            <a:ext cx="8229600" cy="5400600"/>
+          </a:xfrm>
+        </p:spPr>
         <p:txBody>
           <a:bodyPr>
-            <a:normAutofit/>
+            <a:noAutofit/>
           </a:bodyPr>
           <a:lstStyle/>
           <a:p>
@@ -16302,86 +15328,123 @@
               <a:buNone/>
             </a:pPr>
             <a:r>
-              <a:rPr lang="en-US" altLang="ja-JP" sz="1600" dirty="0" smtClean="0"/>
-              <a:t>	void </a:t>
-            </a:r>
-            <a:r>
-              <a:rPr lang="en-US" altLang="ja-JP" sz="1600" dirty="0" err="1" smtClean="0"/>
-              <a:t>img_main</a:t>
-            </a:r>
-            <a:r>
-              <a:rPr lang="en-US" altLang="ja-JP" sz="1600" dirty="0" smtClean="0"/>
-              <a:t>::destroy()</a:t>
-            </a:r>
-          </a:p>
-          <a:p>
-            <a:pPr>
-              <a:buNone/>
-            </a:pPr>
-            <a:r>
-              <a:rPr lang="en-US" altLang="ja-JP" sz="1600" dirty="0" smtClean="0"/>
-              <a:t>	{</a:t>
-            </a:r>
-          </a:p>
-          <a:p>
-            <a:pPr>
-              <a:buNone/>
-            </a:pPr>
-            <a:r>
-              <a:rPr lang="en-US" altLang="ja-JP" sz="1600" dirty="0" smtClean="0"/>
-              <a:t>		sys::preference&amp; pre = </a:t>
-            </a:r>
-            <a:r>
-              <a:rPr lang="en-US" altLang="ja-JP" sz="1600" dirty="0" err="1" smtClean="0"/>
-              <a:t>director_.at</a:t>
-            </a:r>
-            <a:r>
-              <a:rPr lang="en-US" altLang="ja-JP" sz="1600" dirty="0" smtClean="0"/>
-              <a:t>().preference_;</a:t>
-            </a:r>
-          </a:p>
-          <a:p>
-            <a:pPr>
-              <a:buNone/>
-            </a:pPr>
-            <a:r>
-              <a:rPr lang="en-US" altLang="ja-JP" sz="1600" dirty="0" smtClean="0"/>
-              <a:t>		if(filer_) filer_-&gt;save(pre);</a:t>
-            </a:r>
-          </a:p>
-          <a:p>
-            <a:pPr>
-              <a:buNone/>
-            </a:pPr>
-            <a:r>
-              <a:rPr lang="en-US" altLang="ja-JP" sz="1600" dirty="0" smtClean="0"/>
-              <a:t>		if(frame_) frame_-&gt;save(pre);</a:t>
-            </a:r>
-          </a:p>
-          <a:p>
-            <a:pPr>
-              <a:buNone/>
-            </a:pPr>
-            <a:r>
-              <a:rPr lang="en-US" altLang="ja-JP" sz="1600" dirty="0" smtClean="0"/>
-              <a:t>		if(tools_) tools_-&gt;save(pre);</a:t>
-            </a:r>
-          </a:p>
-          <a:p>
-            <a:pPr>
-              <a:buNone/>
-            </a:pPr>
-            <a:r>
-              <a:rPr lang="en-US" altLang="ja-JP" sz="1600" dirty="0" smtClean="0"/>
-              <a:t>		if(scale_) scale_-&gt;save(pre);</a:t>
-            </a:r>
-          </a:p>
-          <a:p>
-            <a:pPr>
-              <a:buNone/>
-            </a:pPr>
-            <a:r>
-              <a:rPr lang="en-US" altLang="ja-JP" sz="1600" dirty="0" smtClean="0"/>
+              <a:rPr lang="en-US" altLang="ja-JP" sz="1400" dirty="0" smtClean="0"/>
+              <a:t>	if(filer_) {</a:t>
+            </a:r>
+          </a:p>
+          <a:p>
+            <a:pPr>
+              <a:buNone/>
+            </a:pPr>
+            <a:r>
+              <a:rPr lang="en-US" altLang="ja-JP" sz="1400" dirty="0" smtClean="0"/>
+              <a:t>	    </a:t>
+            </a:r>
+            <a:r>
+              <a:rPr lang="en-US" altLang="ja-JP" sz="1400" dirty="0" err="1" smtClean="0"/>
+              <a:t>wd.top_widget</a:t>
+            </a:r>
+            <a:r>
+              <a:rPr lang="en-US" altLang="ja-JP" sz="1400" dirty="0" smtClean="0"/>
+              <a:t>(filer_);</a:t>
+            </a:r>
+          </a:p>
+          <a:p>
+            <a:pPr>
+              <a:buNone/>
+            </a:pPr>
+            <a:endParaRPr lang="en-US" altLang="ja-JP" sz="1400" dirty="0" smtClean="0"/>
+          </a:p>
+          <a:p>
+            <a:pPr>
+              <a:buNone/>
+            </a:pPr>
+            <a:r>
+              <a:rPr lang="en-US" altLang="ja-JP" sz="1400" dirty="0" smtClean="0"/>
+              <a:t>	    if(</a:t>
+            </a:r>
+            <a:r>
+              <a:rPr lang="en-US" altLang="ja-JP" sz="1400" dirty="0" err="1" smtClean="0"/>
+              <a:t>filer_id</a:t>
+            </a:r>
+            <a:r>
+              <a:rPr lang="en-US" altLang="ja-JP" sz="1400" dirty="0" smtClean="0"/>
+              <a:t>_ != filer_-&gt;</a:t>
+            </a:r>
+            <a:r>
+              <a:rPr lang="en-US" altLang="ja-JP" sz="1400" dirty="0" err="1" smtClean="0"/>
+              <a:t>get_select_file_id</a:t>
+            </a:r>
+            <a:r>
+              <a:rPr lang="en-US" altLang="ja-JP" sz="1400" dirty="0" smtClean="0"/>
+              <a:t>()) {</a:t>
+            </a:r>
+          </a:p>
+          <a:p>
+            <a:pPr>
+              <a:buNone/>
+            </a:pPr>
+            <a:r>
+              <a:rPr lang="en-US" altLang="ja-JP" sz="1400" dirty="0" smtClean="0"/>
+              <a:t>	        </a:t>
+            </a:r>
+            <a:r>
+              <a:rPr lang="en-US" altLang="ja-JP" sz="1400" dirty="0" err="1" smtClean="0"/>
+              <a:t>filer_id</a:t>
+            </a:r>
+            <a:r>
+              <a:rPr lang="en-US" altLang="ja-JP" sz="1400" dirty="0" smtClean="0"/>
+              <a:t>_ = filer_-&gt;</a:t>
+            </a:r>
+            <a:r>
+              <a:rPr lang="en-US" altLang="ja-JP" sz="1400" dirty="0" err="1" smtClean="0"/>
+              <a:t>get_select_file_id</a:t>
+            </a:r>
+            <a:r>
+              <a:rPr lang="en-US" altLang="ja-JP" sz="1400" dirty="0" smtClean="0"/>
+              <a:t>();</a:t>
+            </a:r>
+          </a:p>
+          <a:p>
+            <a:pPr>
+              <a:buNone/>
+            </a:pPr>
+            <a:r>
+              <a:rPr lang="en-US" altLang="ja-JP" sz="1400" dirty="0" smtClean="0"/>
+              <a:t>	        </a:t>
+            </a:r>
+            <a:r>
+              <a:rPr lang="en-US" altLang="ja-JP" sz="1400" dirty="0" err="1" smtClean="0"/>
+              <a:t>imfn</a:t>
+            </a:r>
+            <a:r>
+              <a:rPr lang="en-US" altLang="ja-JP" sz="1400" dirty="0" smtClean="0"/>
+              <a:t> = filer_-&gt;</a:t>
+            </a:r>
+            <a:r>
+              <a:rPr lang="en-US" altLang="ja-JP" sz="1400" dirty="0" err="1" smtClean="0"/>
+              <a:t>get_file</a:t>
+            </a:r>
+            <a:r>
+              <a:rPr lang="en-US" altLang="ja-JP" sz="1400" dirty="0" smtClean="0"/>
+              <a:t>();</a:t>
+            </a:r>
+          </a:p>
+          <a:p>
+            <a:pPr>
+              <a:buNone/>
+            </a:pPr>
+            <a:r>
+              <a:rPr lang="en-US" altLang="ja-JP" sz="1400" dirty="0" smtClean="0"/>
+              <a:t>	    }</a:t>
+            </a:r>
+          </a:p>
+          <a:p>
+            <a:pPr>
+              <a:buNone/>
+            </a:pPr>
+            <a:r>
+              <a:rPr lang="en-US" altLang="ja-JP" sz="1400" dirty="0" smtClean="0"/>
               <a:t>	}</a:t>
             </a:r>
           </a:p>
@@ -16389,7 +15452,7 @@
             <a:pPr>
               <a:buNone/>
             </a:pPr>
-            <a:endParaRPr kumimoji="1" lang="ja-JP" altLang="en-US" sz="1600" dirty="0"/>
+            <a:endParaRPr kumimoji="1" lang="ja-JP" altLang="en-US" sz="1400" dirty="0"/>
           </a:p>
         </p:txBody>
       </p:sp>
@@ -16603,20 +15666,402 @@
             <p:ph type="title"/>
           </p:nvPr>
         </p:nvSpPr>
-        <p:spPr>
-          <a:xfrm>
-            <a:off x="539552" y="2780928"/>
-            <a:ext cx="8229600" cy="1143000"/>
-          </a:xfrm>
-        </p:spPr>
+        <p:spPr/>
         <p:txBody>
           <a:bodyPr/>
           <a:lstStyle/>
           <a:p>
             <a:r>
               <a:rPr lang="ja-JP" altLang="en-US" dirty="0" smtClean="0"/>
-              <a:t>質疑、応答</a:t>
-            </a:r>
+              <a:t>アプリケーション </a:t>
+            </a:r>
+            <a:r>
+              <a:rPr lang="en-US" altLang="ja-JP" dirty="0" smtClean="0"/>
+              <a:t>update</a:t>
+            </a:r>
+            <a:endParaRPr kumimoji="1" lang="ja-JP" altLang="en-US" dirty="0"/>
+          </a:p>
+        </p:txBody>
+      </p:sp>
+      <p:sp>
+        <p:nvSpPr>
+          <p:cNvPr id="3" name="コンテンツ プレースホルダ 2"/>
+          <p:cNvSpPr>
+            <a:spLocks noGrp="1"/>
+          </p:cNvSpPr>
+          <p:nvPr>
+            <p:ph idx="1"/>
+          </p:nvPr>
+        </p:nvSpPr>
+        <p:spPr/>
+        <p:txBody>
+          <a:bodyPr>
+            <a:normAutofit fontScale="47500" lnSpcReduction="20000"/>
+          </a:bodyPr>
+          <a:lstStyle/>
+          <a:p>
+            <a:pPr>
+              <a:buNone/>
+            </a:pPr>
+            <a:r>
+              <a:rPr lang="en-US" altLang="ja-JP" dirty="0" smtClean="0"/>
+              <a:t>	if(!</a:t>
+            </a:r>
+            <a:r>
+              <a:rPr lang="en-US" altLang="ja-JP" dirty="0" err="1" smtClean="0"/>
+              <a:t>imfn.empty</a:t>
+            </a:r>
+            <a:r>
+              <a:rPr lang="en-US" altLang="ja-JP" dirty="0" smtClean="0"/>
+              <a:t>()) {</a:t>
+            </a:r>
+          </a:p>
+          <a:p>
+            <a:pPr>
+              <a:buNone/>
+            </a:pPr>
+            <a:r>
+              <a:rPr lang="en-US" altLang="ja-JP" dirty="0" smtClean="0"/>
+              <a:t>	    </a:t>
+            </a:r>
+            <a:r>
+              <a:rPr lang="en-US" altLang="ja-JP" dirty="0" err="1" smtClean="0"/>
+              <a:t>img</a:t>
+            </a:r>
+            <a:r>
+              <a:rPr lang="en-US" altLang="ja-JP" dirty="0" smtClean="0"/>
+              <a:t>::</a:t>
+            </a:r>
+            <a:r>
+              <a:rPr lang="en-US" altLang="ja-JP" dirty="0" err="1" smtClean="0"/>
+              <a:t>img_files</a:t>
+            </a:r>
+            <a:r>
+              <a:rPr lang="en-US" altLang="ja-JP" dirty="0" smtClean="0"/>
+              <a:t>&amp; </a:t>
+            </a:r>
+            <a:r>
+              <a:rPr lang="en-US" altLang="ja-JP" dirty="0" err="1" smtClean="0"/>
+              <a:t>imf</a:t>
+            </a:r>
+            <a:r>
+              <a:rPr lang="en-US" altLang="ja-JP" dirty="0" smtClean="0"/>
+              <a:t> = </a:t>
+            </a:r>
+            <a:r>
+              <a:rPr lang="en-US" altLang="ja-JP" dirty="0" err="1" smtClean="0"/>
+              <a:t>wd.at_img_files</a:t>
+            </a:r>
+            <a:r>
+              <a:rPr lang="en-US" altLang="ja-JP" dirty="0" smtClean="0"/>
+              <a:t>();</a:t>
+            </a:r>
+          </a:p>
+          <a:p>
+            <a:pPr>
+              <a:buNone/>
+            </a:pPr>
+            <a:r>
+              <a:rPr lang="en-US" altLang="ja-JP" dirty="0" smtClean="0"/>
+              <a:t>	    if(!</a:t>
+            </a:r>
+            <a:r>
+              <a:rPr lang="en-US" altLang="ja-JP" dirty="0" err="1" smtClean="0"/>
+              <a:t>imf.load</a:t>
+            </a:r>
+            <a:r>
+              <a:rPr lang="en-US" altLang="ja-JP" dirty="0" smtClean="0"/>
+              <a:t>(</a:t>
+            </a:r>
+            <a:r>
+              <a:rPr lang="en-US" altLang="ja-JP" dirty="0" err="1" smtClean="0"/>
+              <a:t>imfn</a:t>
+            </a:r>
+            <a:r>
+              <a:rPr lang="en-US" altLang="ja-JP" dirty="0" smtClean="0"/>
+              <a:t>)) {</a:t>
+            </a:r>
+          </a:p>
+          <a:p>
+            <a:pPr>
+              <a:buNone/>
+            </a:pPr>
+            <a:r>
+              <a:rPr lang="en-US" altLang="ja-JP" dirty="0" smtClean="0"/>
+              <a:t>	        dialog_-&gt;</a:t>
+            </a:r>
+            <a:r>
+              <a:rPr lang="en-US" altLang="ja-JP" dirty="0" err="1" smtClean="0"/>
+              <a:t>set_text</a:t>
+            </a:r>
+            <a:r>
+              <a:rPr lang="en-US" altLang="ja-JP" dirty="0" smtClean="0"/>
+              <a:t>("Can't decode image file:\n '"</a:t>
+            </a:r>
+          </a:p>
+          <a:p>
+            <a:pPr>
+              <a:buNone/>
+            </a:pPr>
+            <a:r>
+              <a:rPr lang="en-US" altLang="ja-JP" dirty="0" smtClean="0"/>
+              <a:t>		+ filer_-&gt;</a:t>
+            </a:r>
+            <a:r>
+              <a:rPr lang="en-US" altLang="ja-JP" dirty="0" err="1" smtClean="0"/>
+              <a:t>get_file</a:t>
+            </a:r>
+            <a:r>
+              <a:rPr lang="en-US" altLang="ja-JP" dirty="0" smtClean="0"/>
+              <a:t>() + "'");</a:t>
+            </a:r>
+          </a:p>
+          <a:p>
+            <a:pPr>
+              <a:buNone/>
+            </a:pPr>
+            <a:r>
+              <a:rPr lang="en-US" altLang="ja-JP" dirty="0" smtClean="0"/>
+              <a:t>	        dialog_-&gt;enable();</a:t>
+            </a:r>
+          </a:p>
+          <a:p>
+            <a:pPr>
+              <a:buNone/>
+            </a:pPr>
+            <a:r>
+              <a:rPr lang="en-US" altLang="ja-JP" dirty="0" smtClean="0"/>
+              <a:t>	    } else {</a:t>
+            </a:r>
+          </a:p>
+          <a:p>
+            <a:pPr>
+              <a:buNone/>
+            </a:pPr>
+            <a:r>
+              <a:rPr lang="en-US" altLang="ja-JP" dirty="0" smtClean="0"/>
+              <a:t>	        </a:t>
+            </a:r>
+            <a:r>
+              <a:rPr lang="en-US" altLang="ja-JP" dirty="0" err="1" smtClean="0"/>
+              <a:t>image_offset_.set</a:t>
+            </a:r>
+            <a:r>
+              <a:rPr lang="en-US" altLang="ja-JP" dirty="0" smtClean="0"/>
+              <a:t>(0.0f);</a:t>
+            </a:r>
+          </a:p>
+          <a:p>
+            <a:pPr>
+              <a:buNone/>
+            </a:pPr>
+            <a:r>
+              <a:rPr lang="en-US" altLang="ja-JP" dirty="0" smtClean="0"/>
+              <a:t>	        frame_-&gt;</a:t>
+            </a:r>
+            <a:r>
+              <a:rPr lang="en-US" altLang="ja-JP" dirty="0" err="1" smtClean="0"/>
+              <a:t>at_local_param</a:t>
+            </a:r>
+            <a:r>
+              <a:rPr lang="en-US" altLang="ja-JP" dirty="0" smtClean="0"/>
+              <a:t>().</a:t>
+            </a:r>
+            <a:r>
+              <a:rPr lang="en-US" altLang="ja-JP" dirty="0" err="1" smtClean="0"/>
+              <a:t>text_param_.text</a:t>
+            </a:r>
+            <a:r>
+              <a:rPr lang="en-US" altLang="ja-JP" dirty="0" smtClean="0"/>
+              <a:t>_ = </a:t>
+            </a:r>
+            <a:r>
+              <a:rPr lang="en-US" altLang="ja-JP" dirty="0" err="1" smtClean="0"/>
+              <a:t>imfn</a:t>
+            </a:r>
+            <a:r>
+              <a:rPr lang="en-US" altLang="ja-JP" dirty="0" smtClean="0"/>
+              <a:t>;</a:t>
+            </a:r>
+          </a:p>
+          <a:p>
+            <a:pPr>
+              <a:buNone/>
+            </a:pPr>
+            <a:r>
+              <a:rPr lang="en-US" altLang="ja-JP" dirty="0" smtClean="0"/>
+              <a:t>	        </a:t>
+            </a:r>
+            <a:r>
+              <a:rPr lang="en-US" altLang="ja-JP" dirty="0" err="1" smtClean="0"/>
+              <a:t>mobj_.destroy</a:t>
+            </a:r>
+            <a:r>
+              <a:rPr lang="en-US" altLang="ja-JP" dirty="0" smtClean="0"/>
+              <a:t>();</a:t>
+            </a:r>
+          </a:p>
+          <a:p>
+            <a:pPr>
+              <a:buNone/>
+            </a:pPr>
+            <a:r>
+              <a:rPr lang="en-US" altLang="ja-JP" dirty="0" smtClean="0"/>
+              <a:t>	        </a:t>
+            </a:r>
+            <a:r>
+              <a:rPr lang="en-US" altLang="ja-JP" dirty="0" err="1" smtClean="0"/>
+              <a:t>mobj_.initialize</a:t>
+            </a:r>
+            <a:r>
+              <a:rPr lang="en-US" altLang="ja-JP" dirty="0" smtClean="0"/>
+              <a:t>();</a:t>
+            </a:r>
+          </a:p>
+          <a:p>
+            <a:pPr>
+              <a:buNone/>
+            </a:pPr>
+            <a:r>
+              <a:rPr lang="en-US" altLang="ja-JP" dirty="0" smtClean="0"/>
+              <a:t>	        </a:t>
+            </a:r>
+            <a:r>
+              <a:rPr lang="en-US" altLang="ja-JP" dirty="0" err="1" smtClean="0"/>
+              <a:t>img_handle</a:t>
+            </a:r>
+            <a:r>
+              <a:rPr lang="en-US" altLang="ja-JP" dirty="0" smtClean="0"/>
+              <a:t>_ = </a:t>
+            </a:r>
+            <a:r>
+              <a:rPr lang="en-US" altLang="ja-JP" dirty="0" err="1" smtClean="0"/>
+              <a:t>mobj_.install</a:t>
+            </a:r>
+            <a:r>
+              <a:rPr lang="en-US" altLang="ja-JP" dirty="0" smtClean="0"/>
+              <a:t>(</a:t>
+            </a:r>
+            <a:r>
+              <a:rPr lang="en-US" altLang="ja-JP" dirty="0" err="1" smtClean="0"/>
+              <a:t>imf.get_image_if</a:t>
+            </a:r>
+            <a:r>
+              <a:rPr lang="en-US" altLang="ja-JP" dirty="0" smtClean="0"/>
+              <a:t>());</a:t>
+            </a:r>
+          </a:p>
+          <a:p>
+            <a:pPr>
+              <a:buNone/>
+            </a:pPr>
+            <a:r>
+              <a:rPr lang="en-US" altLang="ja-JP" dirty="0" smtClean="0"/>
+              <a:t>	        image_-&gt;</a:t>
+            </a:r>
+            <a:r>
+              <a:rPr lang="en-US" altLang="ja-JP" dirty="0" err="1" smtClean="0"/>
+              <a:t>at_local_param</a:t>
+            </a:r>
+            <a:r>
+              <a:rPr lang="en-US" altLang="ja-JP" dirty="0" smtClean="0"/>
+              <a:t>().</a:t>
+            </a:r>
+            <a:r>
+              <a:rPr lang="en-US" altLang="ja-JP" dirty="0" err="1" smtClean="0"/>
+              <a:t>mobj</a:t>
+            </a:r>
+            <a:r>
+              <a:rPr lang="en-US" altLang="ja-JP" dirty="0" smtClean="0"/>
+              <a:t>_ = </a:t>
+            </a:r>
+            <a:r>
+              <a:rPr lang="en-US" altLang="ja-JP" dirty="0" err="1" smtClean="0"/>
+              <a:t>mobj</a:t>
+            </a:r>
+            <a:r>
+              <a:rPr lang="en-US" altLang="ja-JP" dirty="0" smtClean="0"/>
+              <a:t>_;</a:t>
+            </a:r>
+          </a:p>
+          <a:p>
+            <a:pPr>
+              <a:buNone/>
+            </a:pPr>
+            <a:r>
+              <a:rPr lang="en-US" altLang="ja-JP" dirty="0" smtClean="0"/>
+              <a:t>	        image_-&gt;</a:t>
+            </a:r>
+            <a:r>
+              <a:rPr lang="en-US" altLang="ja-JP" dirty="0" err="1" smtClean="0"/>
+              <a:t>at_local_param</a:t>
+            </a:r>
+            <a:r>
+              <a:rPr lang="en-US" altLang="ja-JP" dirty="0" smtClean="0"/>
+              <a:t>().</a:t>
+            </a:r>
+            <a:r>
+              <a:rPr lang="en-US" altLang="ja-JP" dirty="0" err="1" smtClean="0"/>
+              <a:t>mobj_handle</a:t>
+            </a:r>
+            <a:r>
+              <a:rPr lang="en-US" altLang="ja-JP" dirty="0" smtClean="0"/>
+              <a:t>_ = </a:t>
+            </a:r>
+            <a:r>
+              <a:rPr lang="en-US" altLang="ja-JP" dirty="0" err="1" smtClean="0"/>
+              <a:t>img_handle</a:t>
+            </a:r>
+            <a:r>
+              <a:rPr lang="en-US" altLang="ja-JP" dirty="0" smtClean="0"/>
+              <a:t>_;</a:t>
+            </a:r>
+          </a:p>
+          <a:p>
+            <a:pPr>
+              <a:buNone/>
+            </a:pPr>
+            <a:r>
+              <a:rPr lang="en-US" altLang="ja-JP" dirty="0" smtClean="0"/>
+              <a:t>	    }</a:t>
+            </a:r>
+          </a:p>
+          <a:p>
+            <a:pPr>
+              <a:buNone/>
+            </a:pPr>
+            <a:r>
+              <a:rPr lang="en-US" altLang="ja-JP" dirty="0" smtClean="0"/>
+              <a:t>	}</a:t>
+            </a:r>
+          </a:p>
+          <a:p>
+            <a:pPr>
+              <a:buNone/>
+            </a:pPr>
+            <a:endParaRPr lang="en-US" altLang="ja-JP" dirty="0" smtClean="0"/>
+          </a:p>
+          <a:p>
+            <a:pPr>
+              <a:buNone/>
+            </a:pPr>
+            <a:r>
+              <a:rPr lang="en-US" altLang="ja-JP" dirty="0" smtClean="0"/>
+              <a:t>	</a:t>
+            </a:r>
+            <a:r>
+              <a:rPr lang="en-US" altLang="ja-JP" dirty="0" err="1" smtClean="0"/>
+              <a:t>wd.update</a:t>
+            </a:r>
+            <a:r>
+              <a:rPr lang="en-US" altLang="ja-JP" dirty="0" smtClean="0"/>
+              <a:t>();</a:t>
+            </a:r>
+          </a:p>
+          <a:p>
+            <a:pPr>
+              <a:buNone/>
+            </a:pPr>
             <a:endParaRPr kumimoji="1" lang="ja-JP" altLang="en-US" dirty="0"/>
           </a:p>
         </p:txBody>
@@ -16630,6 +16075,374 @@
 </file>
 
 <file path=ppt/slides/slide41.xml><?xml version="1.0" encoding="utf-8"?>
+<p:sld xmlns:a="http://schemas.openxmlformats.org/drawingml/2006/main" xmlns:r="http://schemas.openxmlformats.org/officeDocument/2006/relationships" xmlns:p="http://schemas.openxmlformats.org/presentationml/2006/main">
+  <p:cSld>
+    <p:spTree>
+      <p:nvGrpSpPr>
+        <p:cNvPr id="1" name=""/>
+        <p:cNvGrpSpPr/>
+        <p:nvPr/>
+      </p:nvGrpSpPr>
+      <p:grpSpPr>
+        <a:xfrm>
+          <a:off x="0" y="0"/>
+          <a:ext cx="0" cy="0"/>
+          <a:chOff x="0" y="0"/>
+          <a:chExt cx="0" cy="0"/>
+        </a:xfrm>
+      </p:grpSpPr>
+      <p:sp>
+        <p:nvSpPr>
+          <p:cNvPr id="2" name="タイトル 1"/>
+          <p:cNvSpPr>
+            <a:spLocks noGrp="1"/>
+          </p:cNvSpPr>
+          <p:nvPr>
+            <p:ph type="title"/>
+          </p:nvPr>
+        </p:nvSpPr>
+        <p:spPr/>
+        <p:txBody>
+          <a:bodyPr/>
+          <a:lstStyle/>
+          <a:p>
+            <a:r>
+              <a:rPr lang="ja-JP" altLang="en-US" dirty="0" smtClean="0"/>
+              <a:t>アプリケーション・レンダリング</a:t>
+            </a:r>
+            <a:endParaRPr kumimoji="1" lang="ja-JP" altLang="en-US" dirty="0"/>
+          </a:p>
+        </p:txBody>
+      </p:sp>
+      <p:sp>
+        <p:nvSpPr>
+          <p:cNvPr id="3" name="コンテンツ プレースホルダ 2"/>
+          <p:cNvSpPr>
+            <a:spLocks noGrp="1"/>
+          </p:cNvSpPr>
+          <p:nvPr>
+            <p:ph idx="1"/>
+          </p:nvPr>
+        </p:nvSpPr>
+        <p:spPr/>
+        <p:txBody>
+          <a:bodyPr/>
+          <a:lstStyle/>
+          <a:p>
+            <a:pPr>
+              <a:buNone/>
+            </a:pPr>
+            <a:r>
+              <a:rPr lang="en-US" altLang="ja-JP" sz="1600" dirty="0" smtClean="0"/>
+              <a:t>	void </a:t>
+            </a:r>
+            <a:r>
+              <a:rPr lang="en-US" altLang="ja-JP" sz="1600" dirty="0" err="1" smtClean="0"/>
+              <a:t>img_main</a:t>
+            </a:r>
+            <a:r>
+              <a:rPr lang="en-US" altLang="ja-JP" sz="1600" dirty="0" smtClean="0"/>
+              <a:t>::render()</a:t>
+            </a:r>
+          </a:p>
+          <a:p>
+            <a:pPr>
+              <a:buNone/>
+            </a:pPr>
+            <a:r>
+              <a:rPr lang="en-US" altLang="ja-JP" sz="1600" dirty="0" smtClean="0"/>
+              <a:t>	{</a:t>
+            </a:r>
+          </a:p>
+          <a:p>
+            <a:pPr>
+              <a:buNone/>
+            </a:pPr>
+            <a:r>
+              <a:rPr lang="en-US" altLang="ja-JP" sz="1600" dirty="0" smtClean="0"/>
+              <a:t>		</a:t>
+            </a:r>
+            <a:r>
+              <a:rPr lang="en-US" altLang="ja-JP" sz="1600" dirty="0" err="1" smtClean="0"/>
+              <a:t>director_.at</a:t>
+            </a:r>
+            <a:r>
+              <a:rPr lang="en-US" altLang="ja-JP" sz="1600" dirty="0" smtClean="0"/>
+              <a:t>().</a:t>
+            </a:r>
+            <a:r>
+              <a:rPr lang="en-US" altLang="ja-JP" sz="1600" dirty="0" err="1" smtClean="0"/>
+              <a:t>widget_director_.service</a:t>
+            </a:r>
+            <a:r>
+              <a:rPr lang="en-US" altLang="ja-JP" sz="1600" dirty="0" smtClean="0"/>
+              <a:t>();</a:t>
+            </a:r>
+          </a:p>
+          <a:p>
+            <a:pPr>
+              <a:buNone/>
+            </a:pPr>
+            <a:r>
+              <a:rPr lang="en-US" altLang="ja-JP" sz="1600" dirty="0" smtClean="0"/>
+              <a:t>		</a:t>
+            </a:r>
+            <a:r>
+              <a:rPr lang="en-US" altLang="ja-JP" sz="1600" dirty="0" err="1" smtClean="0"/>
+              <a:t>director_.at</a:t>
+            </a:r>
+            <a:r>
+              <a:rPr lang="en-US" altLang="ja-JP" sz="1600" dirty="0" smtClean="0"/>
+              <a:t>().</a:t>
+            </a:r>
+            <a:r>
+              <a:rPr lang="en-US" altLang="ja-JP" sz="1600" dirty="0" err="1" smtClean="0"/>
+              <a:t>widget_director_.render</a:t>
+            </a:r>
+            <a:r>
+              <a:rPr lang="en-US" altLang="ja-JP" sz="1600" dirty="0" smtClean="0"/>
+              <a:t>();</a:t>
+            </a:r>
+          </a:p>
+          <a:p>
+            <a:pPr>
+              <a:buNone/>
+            </a:pPr>
+            <a:r>
+              <a:rPr lang="en-US" altLang="ja-JP" sz="1600" dirty="0" smtClean="0"/>
+              <a:t>	}</a:t>
+            </a:r>
+          </a:p>
+          <a:p>
+            <a:pPr>
+              <a:buNone/>
+            </a:pPr>
+            <a:endParaRPr kumimoji="1" lang="ja-JP" altLang="en-US" sz="1600" dirty="0"/>
+          </a:p>
+        </p:txBody>
+      </p:sp>
+    </p:spTree>
+  </p:cSld>
+  <p:clrMapOvr>
+    <a:masterClrMapping/>
+  </p:clrMapOvr>
+</p:sld>
+</file>
+
+<file path=ppt/slides/slide42.xml><?xml version="1.0" encoding="utf-8"?>
+<p:sld xmlns:a="http://schemas.openxmlformats.org/drawingml/2006/main" xmlns:r="http://schemas.openxmlformats.org/officeDocument/2006/relationships" xmlns:p="http://schemas.openxmlformats.org/presentationml/2006/main">
+  <p:cSld>
+    <p:spTree>
+      <p:nvGrpSpPr>
+        <p:cNvPr id="1" name=""/>
+        <p:cNvGrpSpPr/>
+        <p:nvPr/>
+      </p:nvGrpSpPr>
+      <p:grpSpPr>
+        <a:xfrm>
+          <a:off x="0" y="0"/>
+          <a:ext cx="0" cy="0"/>
+          <a:chOff x="0" y="0"/>
+          <a:chExt cx="0" cy="0"/>
+        </a:xfrm>
+      </p:grpSpPr>
+      <p:sp>
+        <p:nvSpPr>
+          <p:cNvPr id="2" name="タイトル 1"/>
+          <p:cNvSpPr>
+            <a:spLocks noGrp="1"/>
+          </p:cNvSpPr>
+          <p:nvPr>
+            <p:ph type="title"/>
+          </p:nvPr>
+        </p:nvSpPr>
+        <p:spPr/>
+        <p:txBody>
+          <a:bodyPr/>
+          <a:lstStyle/>
+          <a:p>
+            <a:r>
+              <a:rPr lang="ja-JP" altLang="en-US" dirty="0" smtClean="0"/>
+              <a:t>アプリケーション廃棄</a:t>
+            </a:r>
+            <a:endParaRPr kumimoji="1" lang="ja-JP" altLang="en-US" dirty="0"/>
+          </a:p>
+        </p:txBody>
+      </p:sp>
+      <p:sp>
+        <p:nvSpPr>
+          <p:cNvPr id="3" name="コンテンツ プレースホルダ 2"/>
+          <p:cNvSpPr>
+            <a:spLocks noGrp="1"/>
+          </p:cNvSpPr>
+          <p:nvPr>
+            <p:ph idx="1"/>
+          </p:nvPr>
+        </p:nvSpPr>
+        <p:spPr/>
+        <p:txBody>
+          <a:bodyPr>
+            <a:normAutofit/>
+          </a:bodyPr>
+          <a:lstStyle/>
+          <a:p>
+            <a:pPr>
+              <a:buNone/>
+            </a:pPr>
+            <a:r>
+              <a:rPr lang="en-US" altLang="ja-JP" sz="1600" dirty="0" smtClean="0"/>
+              <a:t>	void </a:t>
+            </a:r>
+            <a:r>
+              <a:rPr lang="en-US" altLang="ja-JP" sz="1600" dirty="0" err="1" smtClean="0"/>
+              <a:t>img_main</a:t>
+            </a:r>
+            <a:r>
+              <a:rPr lang="en-US" altLang="ja-JP" sz="1600" dirty="0" smtClean="0"/>
+              <a:t>::destroy()</a:t>
+            </a:r>
+          </a:p>
+          <a:p>
+            <a:pPr>
+              <a:buNone/>
+            </a:pPr>
+            <a:r>
+              <a:rPr lang="en-US" altLang="ja-JP" sz="1600" dirty="0" smtClean="0"/>
+              <a:t>	{</a:t>
+            </a:r>
+          </a:p>
+          <a:p>
+            <a:pPr>
+              <a:buNone/>
+            </a:pPr>
+            <a:r>
+              <a:rPr lang="en-US" altLang="ja-JP" sz="1600" dirty="0" smtClean="0"/>
+              <a:t>		sys::preference&amp; pre = </a:t>
+            </a:r>
+            <a:r>
+              <a:rPr lang="en-US" altLang="ja-JP" sz="1600" dirty="0" err="1" smtClean="0"/>
+              <a:t>director_.at</a:t>
+            </a:r>
+            <a:r>
+              <a:rPr lang="en-US" altLang="ja-JP" sz="1600" dirty="0" smtClean="0"/>
+              <a:t>().preference_;</a:t>
+            </a:r>
+          </a:p>
+          <a:p>
+            <a:pPr>
+              <a:buNone/>
+            </a:pPr>
+            <a:r>
+              <a:rPr lang="en-US" altLang="ja-JP" sz="1600" dirty="0" smtClean="0"/>
+              <a:t>		if(filer_) filer_-&gt;save(pre);</a:t>
+            </a:r>
+          </a:p>
+          <a:p>
+            <a:pPr>
+              <a:buNone/>
+            </a:pPr>
+            <a:r>
+              <a:rPr lang="en-US" altLang="ja-JP" sz="1600" dirty="0" smtClean="0"/>
+              <a:t>		if(frame_) frame_-&gt;save(pre);</a:t>
+            </a:r>
+          </a:p>
+          <a:p>
+            <a:pPr>
+              <a:buNone/>
+            </a:pPr>
+            <a:r>
+              <a:rPr lang="en-US" altLang="ja-JP" sz="1600" dirty="0" smtClean="0"/>
+              <a:t>		if(tools_) tools_-&gt;save(pre);</a:t>
+            </a:r>
+          </a:p>
+          <a:p>
+            <a:pPr>
+              <a:buNone/>
+            </a:pPr>
+            <a:r>
+              <a:rPr lang="en-US" altLang="ja-JP" sz="1600" dirty="0" smtClean="0"/>
+              <a:t>		if(scale_) scale_-&gt;save(pre);</a:t>
+            </a:r>
+          </a:p>
+          <a:p>
+            <a:pPr>
+              <a:buNone/>
+            </a:pPr>
+            <a:r>
+              <a:rPr lang="en-US" altLang="ja-JP" sz="1600" dirty="0" smtClean="0"/>
+              <a:t>	}</a:t>
+            </a:r>
+          </a:p>
+          <a:p>
+            <a:pPr>
+              <a:buNone/>
+            </a:pPr>
+            <a:endParaRPr kumimoji="1" lang="ja-JP" altLang="en-US" sz="1600" dirty="0"/>
+          </a:p>
+        </p:txBody>
+      </p:sp>
+    </p:spTree>
+  </p:cSld>
+  <p:clrMapOvr>
+    <a:masterClrMapping/>
+  </p:clrMapOvr>
+</p:sld>
+</file>
+
+<file path=ppt/slides/slide43.xml><?xml version="1.0" encoding="utf-8"?>
+<p:sld xmlns:a="http://schemas.openxmlformats.org/drawingml/2006/main" xmlns:r="http://schemas.openxmlformats.org/officeDocument/2006/relationships" xmlns:p="http://schemas.openxmlformats.org/presentationml/2006/main">
+  <p:cSld>
+    <p:spTree>
+      <p:nvGrpSpPr>
+        <p:cNvPr id="1" name=""/>
+        <p:cNvGrpSpPr/>
+        <p:nvPr/>
+      </p:nvGrpSpPr>
+      <p:grpSpPr>
+        <a:xfrm>
+          <a:off x="0" y="0"/>
+          <a:ext cx="0" cy="0"/>
+          <a:chOff x="0" y="0"/>
+          <a:chExt cx="0" cy="0"/>
+        </a:xfrm>
+      </p:grpSpPr>
+      <p:sp>
+        <p:nvSpPr>
+          <p:cNvPr id="2" name="タイトル 1"/>
+          <p:cNvSpPr>
+            <a:spLocks noGrp="1"/>
+          </p:cNvSpPr>
+          <p:nvPr>
+            <p:ph type="title"/>
+          </p:nvPr>
+        </p:nvSpPr>
+        <p:spPr>
+          <a:xfrm>
+            <a:off x="539552" y="2780928"/>
+            <a:ext cx="8229600" cy="1143000"/>
+          </a:xfrm>
+        </p:spPr>
+        <p:txBody>
+          <a:bodyPr/>
+          <a:lstStyle/>
+          <a:p>
+            <a:r>
+              <a:rPr lang="ja-JP" altLang="en-US" dirty="0" smtClean="0"/>
+              <a:t>質疑、応答</a:t>
+            </a:r>
+            <a:endParaRPr kumimoji="1" lang="ja-JP" altLang="en-US" dirty="0"/>
+          </a:p>
+        </p:txBody>
+      </p:sp>
+    </p:spTree>
+  </p:cSld>
+  <p:clrMapOvr>
+    <a:masterClrMapping/>
+  </p:clrMapOvr>
+</p:sld>
+</file>
+
+<file path=ppt/slides/slide44.xml><?xml version="1.0" encoding="utf-8"?>
 <p:sld xmlns:a="http://schemas.openxmlformats.org/drawingml/2006/main" xmlns:r="http://schemas.openxmlformats.org/officeDocument/2006/relationships" xmlns:p="http://schemas.openxmlformats.org/presentationml/2006/main">
   <p:cSld>
     <p:spTree>
